--- a/presentations/1.Introduction.pptx
+++ b/presentations/1.Introduction.pptx
@@ -5,42 +5,41 @@
     <p:sldMasterId id="2147483648" r:id="rId1"/>
   </p:sldMasterIdLst>
   <p:sldIdLst>
-    <p:sldId id="260" r:id="rId2"/>
-    <p:sldId id="267" r:id="rId3"/>
-    <p:sldId id="265" r:id="rId4"/>
-    <p:sldId id="288" r:id="rId5"/>
-    <p:sldId id="289" r:id="rId6"/>
-    <p:sldId id="257" r:id="rId7"/>
-    <p:sldId id="261" r:id="rId8"/>
-    <p:sldId id="262" r:id="rId9"/>
-    <p:sldId id="263" r:id="rId10"/>
-    <p:sldId id="264" r:id="rId11"/>
-    <p:sldId id="266" r:id="rId12"/>
-    <p:sldId id="268" r:id="rId13"/>
-    <p:sldId id="269" r:id="rId14"/>
-    <p:sldId id="270" r:id="rId15"/>
-    <p:sldId id="271" r:id="rId16"/>
-    <p:sldId id="272" r:id="rId17"/>
-    <p:sldId id="273" r:id="rId18"/>
-    <p:sldId id="274" r:id="rId19"/>
-    <p:sldId id="275" r:id="rId20"/>
-    <p:sldId id="276" r:id="rId21"/>
-    <p:sldId id="277" r:id="rId22"/>
-    <p:sldId id="278" r:id="rId23"/>
-    <p:sldId id="280" r:id="rId24"/>
-    <p:sldId id="281" r:id="rId25"/>
-    <p:sldId id="282" r:id="rId26"/>
-    <p:sldId id="283" r:id="rId27"/>
-    <p:sldId id="284" r:id="rId28"/>
-    <p:sldId id="285" r:id="rId29"/>
-    <p:sldId id="287" r:id="rId30"/>
-    <p:sldId id="290" r:id="rId31"/>
-    <p:sldId id="291" r:id="rId32"/>
-    <p:sldId id="292" r:id="rId33"/>
-    <p:sldId id="293" r:id="rId34"/>
-    <p:sldId id="294" r:id="rId35"/>
-    <p:sldId id="295" r:id="rId36"/>
-    <p:sldId id="296" r:id="rId37"/>
+    <p:sldId id="267" r:id="rId2"/>
+    <p:sldId id="265" r:id="rId3"/>
+    <p:sldId id="288" r:id="rId4"/>
+    <p:sldId id="289" r:id="rId5"/>
+    <p:sldId id="257" r:id="rId6"/>
+    <p:sldId id="261" r:id="rId7"/>
+    <p:sldId id="262" r:id="rId8"/>
+    <p:sldId id="263" r:id="rId9"/>
+    <p:sldId id="264" r:id="rId10"/>
+    <p:sldId id="266" r:id="rId11"/>
+    <p:sldId id="268" r:id="rId12"/>
+    <p:sldId id="269" r:id="rId13"/>
+    <p:sldId id="270" r:id="rId14"/>
+    <p:sldId id="271" r:id="rId15"/>
+    <p:sldId id="272" r:id="rId16"/>
+    <p:sldId id="273" r:id="rId17"/>
+    <p:sldId id="274" r:id="rId18"/>
+    <p:sldId id="275" r:id="rId19"/>
+    <p:sldId id="276" r:id="rId20"/>
+    <p:sldId id="277" r:id="rId21"/>
+    <p:sldId id="278" r:id="rId22"/>
+    <p:sldId id="280" r:id="rId23"/>
+    <p:sldId id="281" r:id="rId24"/>
+    <p:sldId id="282" r:id="rId25"/>
+    <p:sldId id="283" r:id="rId26"/>
+    <p:sldId id="284" r:id="rId27"/>
+    <p:sldId id="285" r:id="rId28"/>
+    <p:sldId id="287" r:id="rId29"/>
+    <p:sldId id="290" r:id="rId30"/>
+    <p:sldId id="291" r:id="rId31"/>
+    <p:sldId id="292" r:id="rId32"/>
+    <p:sldId id="293" r:id="rId33"/>
+    <p:sldId id="294" r:id="rId34"/>
+    <p:sldId id="295" r:id="rId35"/>
+    <p:sldId id="296" r:id="rId36"/>
   </p:sldIdLst>
   <p:sldSz cx="12192000" cy="6858000"/>
   <p:notesSz cx="6858000" cy="9144000"/>
@@ -3398,7 +3397,13 @@
   <p:cSld>
     <p:spTree>
       <p:nvGrpSpPr>
-        <p:cNvPr id="1" name=""/>
+        <p:cNvPr id="1" name="">
+          <a:extLst>
+            <a:ext uri="{FF2B5EF4-FFF2-40B4-BE49-F238E27FC236}">
+              <a16:creationId xmlns:a16="http://schemas.microsoft.com/office/drawing/2014/main" id="{18B739A2-8C1B-29AA-05EE-88281C11F400}"/>
+            </a:ext>
+          </a:extLst>
+        </p:cNvPr>
         <p:cNvGrpSpPr/>
         <p:nvPr/>
       </p:nvGrpSpPr>
@@ -3412,10 +3417,10 @@
       </p:grpSpPr>
       <p:sp>
         <p:nvSpPr>
-          <p:cNvPr id="6" name="Rectangle 5">
-            <a:extLst>
-              <a:ext uri="{FF2B5EF4-FFF2-40B4-BE49-F238E27FC236}">
-                <a16:creationId xmlns:a16="http://schemas.microsoft.com/office/drawing/2014/main" id="{B21E30BB-EF75-BE08-8251-25ABFC69A208}"/>
+          <p:cNvPr id="4" name="Rectangle 3">
+            <a:extLst>
+              <a:ext uri="{FF2B5EF4-FFF2-40B4-BE49-F238E27FC236}">
+                <a16:creationId xmlns:a16="http://schemas.microsoft.com/office/drawing/2014/main" id="{C330CAB4-5A05-5E93-ADE9-892ABB251453}"/>
               </a:ext>
             </a:extLst>
           </p:cNvPr>
@@ -3424,15 +3429,18 @@
         </p:nvSpPr>
         <p:spPr>
           <a:xfrm>
-            <a:off x="4199890" y="427228"/>
-            <a:ext cx="972922" cy="643738"/>
+            <a:off x="-1" y="0"/>
+            <a:ext cx="12192001" cy="6858000"/>
           </a:xfrm>
           <a:prstGeom prst="rect">
             <a:avLst/>
           </a:prstGeom>
           <a:solidFill>
-            <a:srgbClr val="314154"/>
+            <a:srgbClr val="EBF4FD"/>
           </a:solidFill>
+          <a:ln>
+            <a:noFill/>
+          </a:ln>
         </p:spPr>
         <p:style>
           <a:lnRef idx="2">
@@ -3461,10 +3469,95 @@
       </p:sp>
       <p:sp>
         <p:nvSpPr>
-          <p:cNvPr id="7" name="Rectangle 6">
-            <a:extLst>
-              <a:ext uri="{FF2B5EF4-FFF2-40B4-BE49-F238E27FC236}">
-                <a16:creationId xmlns:a16="http://schemas.microsoft.com/office/drawing/2014/main" id="{BAF4654E-ABE8-0DC2-60EE-9A3536238E19}"/>
+          <p:cNvPr id="5" name="Titre 1">
+            <a:extLst>
+              <a:ext uri="{FF2B5EF4-FFF2-40B4-BE49-F238E27FC236}">
+                <a16:creationId xmlns:a16="http://schemas.microsoft.com/office/drawing/2014/main" id="{EF7ADDD1-D4AF-83AB-BACF-9CDEF2EDD0DD}"/>
+              </a:ext>
+            </a:extLst>
+          </p:cNvPr>
+          <p:cNvSpPr>
+            <a:spLocks noGrp="1"/>
+          </p:cNvSpPr>
+          <p:nvPr>
+            <p:ph type="title"/>
+          </p:nvPr>
+        </p:nvSpPr>
+        <p:spPr>
+          <a:xfrm>
+            <a:off x="2411896" y="2221310"/>
+            <a:ext cx="7368208" cy="2415381"/>
+          </a:xfrm>
+        </p:spPr>
+        <p:txBody>
+          <a:bodyPr>
+            <a:normAutofit fontScale="90000"/>
+          </a:bodyPr>
+          <a:lstStyle/>
+          <a:p>
+            <a:pPr algn="ctr">
+              <a:lnSpc>
+                <a:spcPct val="100000"/>
+              </a:lnSpc>
+            </a:pPr>
+            <a:r>
+              <a:rPr lang="en-US" sz="7200" b="1" dirty="0">
+                <a:solidFill>
+                  <a:srgbClr val="314154"/>
+                </a:solidFill>
+              </a:rPr>
+              <a:t>Introduction to Python for Finance</a:t>
+            </a:r>
+            <a:endParaRPr lang="fr-FR" sz="7200" b="1" dirty="0">
+              <a:solidFill>
+                <a:srgbClr val="314154"/>
+              </a:solidFill>
+            </a:endParaRPr>
+          </a:p>
+        </p:txBody>
+      </p:sp>
+    </p:spTree>
+    <p:extLst>
+      <p:ext uri="{BB962C8B-B14F-4D97-AF65-F5344CB8AC3E}">
+        <p14:creationId xmlns:p14="http://schemas.microsoft.com/office/powerpoint/2010/main" val="932965174"/>
+      </p:ext>
+    </p:extLst>
+  </p:cSld>
+  <p:clrMapOvr>
+    <a:masterClrMapping/>
+  </p:clrMapOvr>
+</p:sld>
+</file>
+
+<file path=ppt/slides/slide10.xml><?xml version="1.0" encoding="utf-8"?>
+<p:sld xmlns:a="http://schemas.openxmlformats.org/drawingml/2006/main" xmlns:r="http://schemas.openxmlformats.org/officeDocument/2006/relationships" xmlns:p="http://schemas.openxmlformats.org/presentationml/2006/main">
+  <p:cSld>
+    <p:spTree>
+      <p:nvGrpSpPr>
+        <p:cNvPr id="1" name="">
+          <a:extLst>
+            <a:ext uri="{FF2B5EF4-FFF2-40B4-BE49-F238E27FC236}">
+              <a16:creationId xmlns:a16="http://schemas.microsoft.com/office/drawing/2014/main" id="{55D9CCE5-DCDA-9B64-1E71-6202143FA46D}"/>
+            </a:ext>
+          </a:extLst>
+        </p:cNvPr>
+        <p:cNvGrpSpPr/>
+        <p:nvPr/>
+      </p:nvGrpSpPr>
+      <p:grpSpPr>
+        <a:xfrm>
+          <a:off x="0" y="0"/>
+          <a:ext cx="0" cy="0"/>
+          <a:chOff x="0" y="0"/>
+          <a:chExt cx="0" cy="0"/>
+        </a:xfrm>
+      </p:grpSpPr>
+      <p:sp>
+        <p:nvSpPr>
+          <p:cNvPr id="4" name="Rectangle 3">
+            <a:extLst>
+              <a:ext uri="{FF2B5EF4-FFF2-40B4-BE49-F238E27FC236}">
+                <a16:creationId xmlns:a16="http://schemas.microsoft.com/office/drawing/2014/main" id="{341B75EB-8D30-6AFC-69B9-156B45534924}"/>
               </a:ext>
             </a:extLst>
           </p:cNvPr>
@@ -3473,8 +3566,8 @@
         </p:nvSpPr>
         <p:spPr>
           <a:xfrm>
-            <a:off x="19871" y="2286745"/>
-            <a:ext cx="972922" cy="643738"/>
+            <a:off x="-1" y="0"/>
+            <a:ext cx="12192001" cy="6858000"/>
           </a:xfrm>
           <a:prstGeom prst="rect">
             <a:avLst/>
@@ -3482,6 +3575,9 @@
           <a:solidFill>
             <a:srgbClr val="EBF4FD"/>
           </a:solidFill>
+          <a:ln>
+            <a:noFill/>
+          </a:ln>
         </p:spPr>
         <p:style>
           <a:lnRef idx="2">
@@ -3510,327 +3606,91 @@
       </p:sp>
       <p:sp>
         <p:nvSpPr>
-          <p:cNvPr id="8" name="Rectangle 7">
-            <a:extLst>
-              <a:ext uri="{FF2B5EF4-FFF2-40B4-BE49-F238E27FC236}">
-                <a16:creationId xmlns:a16="http://schemas.microsoft.com/office/drawing/2014/main" id="{2C401980-D078-E7A3-7A75-BCDF38131FC0}"/>
-              </a:ext>
-            </a:extLst>
-          </p:cNvPr>
-          <p:cNvSpPr/>
-          <p:nvPr/>
+          <p:cNvPr id="5" name="Titre 1">
+            <a:extLst>
+              <a:ext uri="{FF2B5EF4-FFF2-40B4-BE49-F238E27FC236}">
+                <a16:creationId xmlns:a16="http://schemas.microsoft.com/office/drawing/2014/main" id="{D3CC248B-891F-52A6-58AC-C32B79217D02}"/>
+              </a:ext>
+            </a:extLst>
+          </p:cNvPr>
+          <p:cNvSpPr>
+            <a:spLocks noGrp="1"/>
+          </p:cNvSpPr>
+          <p:nvPr>
+            <p:ph type="title"/>
+          </p:nvPr>
         </p:nvSpPr>
         <p:spPr>
           <a:xfrm>
-            <a:off x="998399" y="1213239"/>
-            <a:ext cx="972922" cy="643738"/>
-          </a:xfrm>
-          <a:prstGeom prst="rect">
-            <a:avLst/>
-          </a:prstGeom>
-          <a:solidFill>
-            <a:srgbClr val="5196D4"/>
-          </a:solidFill>
-        </p:spPr>
-        <p:style>
-          <a:lnRef idx="2">
-            <a:schemeClr val="accent1">
-              <a:shade val="15000"/>
-            </a:schemeClr>
-          </a:lnRef>
-          <a:fillRef idx="1">
-            <a:schemeClr val="accent1"/>
-          </a:fillRef>
-          <a:effectRef idx="0">
-            <a:schemeClr val="accent1"/>
-          </a:effectRef>
-          <a:fontRef idx="minor">
-            <a:schemeClr val="lt1"/>
-          </a:fontRef>
-        </p:style>
+            <a:off x="2411896" y="2221310"/>
+            <a:ext cx="7368208" cy="2415381"/>
+          </a:xfrm>
+        </p:spPr>
         <p:txBody>
-          <a:bodyPr rtlCol="0" anchor="ctr"/>
+          <a:bodyPr>
+            <a:normAutofit/>
+          </a:bodyPr>
           <a:lstStyle/>
           <a:p>
-            <a:pPr algn="ctr"/>
-            <a:endParaRPr lang="fr-FR" dirty="0"/>
-          </a:p>
-        </p:txBody>
-      </p:sp>
-      <p:pic>
-        <p:nvPicPr>
-          <p:cNvPr id="11" name="Image 10">
-            <a:extLst>
-              <a:ext uri="{FF2B5EF4-FFF2-40B4-BE49-F238E27FC236}">
-                <a16:creationId xmlns:a16="http://schemas.microsoft.com/office/drawing/2014/main" id="{3932980E-CBCF-F766-E371-4CDAC394364F}"/>
-              </a:ext>
-            </a:extLst>
-          </p:cNvPr>
-          <p:cNvPicPr>
-            <a:picLocks noChangeAspect="1"/>
-          </p:cNvPicPr>
-          <p:nvPr/>
-        </p:nvPicPr>
-        <p:blipFill>
-          <a:blip r:embed="rId2"/>
-          <a:stretch>
-            <a:fillRect/>
-          </a:stretch>
-        </p:blipFill>
-        <p:spPr>
-          <a:xfrm>
-            <a:off x="7348152" y="0"/>
-            <a:ext cx="4843848" cy="6858000"/>
-          </a:xfrm>
-          <a:prstGeom prst="rect">
-            <a:avLst/>
-          </a:prstGeom>
-        </p:spPr>
-      </p:pic>
-      <p:pic>
-        <p:nvPicPr>
-          <p:cNvPr id="13" name="Image 12">
-            <a:extLst>
-              <a:ext uri="{FF2B5EF4-FFF2-40B4-BE49-F238E27FC236}">
-                <a16:creationId xmlns:a16="http://schemas.microsoft.com/office/drawing/2014/main" id="{AD6F3630-A71F-7964-5E7B-BA7D1C1A379B}"/>
-              </a:ext>
-            </a:extLst>
-          </p:cNvPr>
-          <p:cNvPicPr>
-            <a:picLocks noChangeAspect="1"/>
-          </p:cNvPicPr>
-          <p:nvPr/>
-        </p:nvPicPr>
-        <p:blipFill>
-          <a:blip r:embed="rId3"/>
-          <a:stretch>
-            <a:fillRect/>
-          </a:stretch>
-        </p:blipFill>
-        <p:spPr>
-          <a:xfrm>
-            <a:off x="384558" y="3429000"/>
-            <a:ext cx="6421415" cy="2992663"/>
-          </a:xfrm>
-          <a:prstGeom prst="rect">
-            <a:avLst/>
-          </a:prstGeom>
-        </p:spPr>
-      </p:pic>
-      <p:sp>
-        <p:nvSpPr>
-          <p:cNvPr id="2" name="Rectangle 1">
-            <a:extLst>
-              <a:ext uri="{FF2B5EF4-FFF2-40B4-BE49-F238E27FC236}">
-                <a16:creationId xmlns:a16="http://schemas.microsoft.com/office/drawing/2014/main" id="{885E321E-FAEC-4D77-8A5F-E6A355B3A389}"/>
-              </a:ext>
-            </a:extLst>
-          </p:cNvPr>
-          <p:cNvSpPr/>
-          <p:nvPr/>
-        </p:nvSpPr>
-        <p:spPr>
-          <a:xfrm>
-            <a:off x="670859" y="334767"/>
-            <a:ext cx="2181964" cy="643738"/>
-          </a:xfrm>
-          <a:prstGeom prst="rect">
-            <a:avLst/>
-          </a:prstGeom>
-          <a:gradFill>
-            <a:gsLst>
-              <a:gs pos="63500">
-                <a:srgbClr val="4F6887"/>
-              </a:gs>
-              <a:gs pos="27000">
-                <a:srgbClr val="8199B5"/>
-              </a:gs>
-              <a:gs pos="1000">
-                <a:srgbClr val="CAD4E0"/>
-              </a:gs>
-              <a:gs pos="100000">
-                <a:srgbClr val="314154"/>
-              </a:gs>
-            </a:gsLst>
-            <a:lin ang="21000000" scaled="0"/>
-          </a:gradFill>
-        </p:spPr>
-        <p:style>
-          <a:lnRef idx="2">
-            <a:schemeClr val="accent1">
-              <a:shade val="15000"/>
-            </a:schemeClr>
-          </a:lnRef>
-          <a:fillRef idx="1">
-            <a:schemeClr val="accent1"/>
-          </a:fillRef>
-          <a:effectRef idx="0">
-            <a:schemeClr val="accent1"/>
-          </a:effectRef>
-          <a:fontRef idx="minor">
-            <a:schemeClr val="lt1"/>
-          </a:fontRef>
-        </p:style>
-        <p:txBody>
-          <a:bodyPr rtlCol="0" anchor="ctr"/>
-          <a:lstStyle/>
-          <a:p>
-            <a:pPr algn="ctr"/>
-            <a:endParaRPr lang="fr-FR" dirty="0"/>
-          </a:p>
-        </p:txBody>
-      </p:sp>
-      <p:sp>
-        <p:nvSpPr>
-          <p:cNvPr id="4" name="Rectangle 3">
-            <a:extLst>
-              <a:ext uri="{FF2B5EF4-FFF2-40B4-BE49-F238E27FC236}">
-                <a16:creationId xmlns:a16="http://schemas.microsoft.com/office/drawing/2014/main" id="{627FA3BD-BF88-2B70-6F64-F792FD40D6A6}"/>
-              </a:ext>
-            </a:extLst>
-          </p:cNvPr>
-          <p:cNvSpPr/>
-          <p:nvPr/>
-        </p:nvSpPr>
-        <p:spPr>
-          <a:xfrm>
-            <a:off x="4199890" y="1207913"/>
-            <a:ext cx="972922" cy="643738"/>
-          </a:xfrm>
-          <a:prstGeom prst="rect">
-            <a:avLst/>
-          </a:prstGeom>
-          <a:solidFill>
-            <a:srgbClr val="4F6887"/>
-          </a:solidFill>
-        </p:spPr>
-        <p:style>
-          <a:lnRef idx="2">
-            <a:schemeClr val="accent1">
-              <a:shade val="15000"/>
-            </a:schemeClr>
-          </a:lnRef>
-          <a:fillRef idx="1">
-            <a:schemeClr val="accent1"/>
-          </a:fillRef>
-          <a:effectRef idx="0">
-            <a:schemeClr val="accent1"/>
-          </a:effectRef>
-          <a:fontRef idx="minor">
-            <a:schemeClr val="lt1"/>
-          </a:fontRef>
-        </p:style>
-        <p:txBody>
-          <a:bodyPr rtlCol="0" anchor="ctr"/>
-          <a:lstStyle/>
-          <a:p>
-            <a:pPr algn="ctr"/>
-            <a:endParaRPr lang="fr-FR" dirty="0"/>
-          </a:p>
-        </p:txBody>
-      </p:sp>
-      <p:sp>
-        <p:nvSpPr>
-          <p:cNvPr id="5" name="Rectangle 4">
-            <a:extLst>
-              <a:ext uri="{FF2B5EF4-FFF2-40B4-BE49-F238E27FC236}">
-                <a16:creationId xmlns:a16="http://schemas.microsoft.com/office/drawing/2014/main" id="{1645F3E3-B157-AA48-63C6-2BAC74D84AB5}"/>
-              </a:ext>
-            </a:extLst>
-          </p:cNvPr>
-          <p:cNvSpPr/>
-          <p:nvPr/>
-        </p:nvSpPr>
-        <p:spPr>
-          <a:xfrm>
-            <a:off x="4199890" y="1964876"/>
-            <a:ext cx="972922" cy="643738"/>
-          </a:xfrm>
-          <a:prstGeom prst="rect">
-            <a:avLst/>
-          </a:prstGeom>
-          <a:solidFill>
-            <a:srgbClr val="8199B5"/>
-          </a:solidFill>
-        </p:spPr>
-        <p:style>
-          <a:lnRef idx="2">
-            <a:schemeClr val="accent1">
-              <a:shade val="15000"/>
-            </a:schemeClr>
-          </a:lnRef>
-          <a:fillRef idx="1">
-            <a:schemeClr val="accent1"/>
-          </a:fillRef>
-          <a:effectRef idx="0">
-            <a:schemeClr val="accent1"/>
-          </a:effectRef>
-          <a:fontRef idx="minor">
-            <a:schemeClr val="lt1"/>
-          </a:fontRef>
-        </p:style>
-        <p:txBody>
-          <a:bodyPr rtlCol="0" anchor="ctr"/>
-          <a:lstStyle/>
-          <a:p>
-            <a:pPr algn="ctr"/>
-            <a:endParaRPr lang="fr-FR" dirty="0"/>
-          </a:p>
-        </p:txBody>
-      </p:sp>
-      <p:sp>
-        <p:nvSpPr>
-          <p:cNvPr id="9" name="Rectangle 8">
-            <a:extLst>
-              <a:ext uri="{FF2B5EF4-FFF2-40B4-BE49-F238E27FC236}">
-                <a16:creationId xmlns:a16="http://schemas.microsoft.com/office/drawing/2014/main" id="{A51D7236-C7E8-5441-B810-16D6B31EB94E}"/>
-              </a:ext>
-            </a:extLst>
-          </p:cNvPr>
-          <p:cNvSpPr/>
-          <p:nvPr/>
-        </p:nvSpPr>
-        <p:spPr>
-          <a:xfrm>
-            <a:off x="4199890" y="2721839"/>
-            <a:ext cx="972922" cy="643738"/>
-          </a:xfrm>
-          <a:prstGeom prst="rect">
-            <a:avLst/>
-          </a:prstGeom>
-          <a:solidFill>
-            <a:srgbClr val="CAD4E0"/>
-          </a:solidFill>
-        </p:spPr>
-        <p:style>
-          <a:lnRef idx="2">
-            <a:schemeClr val="accent1">
-              <a:shade val="15000"/>
-            </a:schemeClr>
-          </a:lnRef>
-          <a:fillRef idx="1">
-            <a:schemeClr val="accent1"/>
-          </a:fillRef>
-          <a:effectRef idx="0">
-            <a:schemeClr val="accent1"/>
-          </a:effectRef>
-          <a:fontRef idx="minor">
-            <a:schemeClr val="lt1"/>
-          </a:fontRef>
-        </p:style>
-        <p:txBody>
-          <a:bodyPr rtlCol="0" anchor="ctr"/>
-          <a:lstStyle/>
-          <a:p>
-            <a:pPr algn="ctr"/>
-            <a:endParaRPr lang="fr-FR" dirty="0"/>
+            <a:pPr algn="ctr">
+              <a:lnSpc>
+                <a:spcPct val="100000"/>
+              </a:lnSpc>
+            </a:pPr>
+            <a:r>
+              <a:rPr lang="fr-FR" sz="7200" b="1" dirty="0">
+                <a:solidFill>
+                  <a:srgbClr val="314154"/>
+                </a:solidFill>
+              </a:rPr>
+              <a:t>ACT I</a:t>
+            </a:r>
+            <a:br>
+              <a:rPr lang="fr-FR" sz="4800" b="1" dirty="0">
+                <a:solidFill>
+                  <a:srgbClr val="314154"/>
+                </a:solidFill>
+              </a:rPr>
+            </a:br>
+            <a:r>
+              <a:rPr lang="fr-FR" sz="4800" b="1" dirty="0" err="1">
+                <a:solidFill>
+                  <a:srgbClr val="314154"/>
+                </a:solidFill>
+              </a:rPr>
+              <a:t>History</a:t>
+            </a:r>
+            <a:r>
+              <a:rPr lang="fr-FR" sz="4800" b="1" dirty="0">
+                <a:solidFill>
+                  <a:srgbClr val="314154"/>
+                </a:solidFill>
+              </a:rPr>
+              <a:t>, </a:t>
+            </a:r>
+            <a:r>
+              <a:rPr lang="fr-FR" sz="4800" b="1" dirty="0" err="1">
+                <a:solidFill>
+                  <a:srgbClr val="314154"/>
+                </a:solidFill>
+              </a:rPr>
+              <a:t>Industry</a:t>
+            </a:r>
+            <a:r>
+              <a:rPr lang="fr-FR" sz="4800" b="1" dirty="0">
+                <a:solidFill>
+                  <a:srgbClr val="314154"/>
+                </a:solidFill>
+              </a:rPr>
+              <a:t>, Usage</a:t>
+            </a:r>
           </a:p>
         </p:txBody>
       </p:sp>
     </p:spTree>
     <p:extLst>
       <p:ext uri="{BB962C8B-B14F-4D97-AF65-F5344CB8AC3E}">
-        <p14:creationId xmlns:p14="http://schemas.microsoft.com/office/powerpoint/2010/main" val="1301976657"/>
+        <p14:creationId xmlns:p14="http://schemas.microsoft.com/office/powerpoint/2010/main" val="1258868944"/>
       </p:ext>
     </p:extLst>
   </p:cSld>
@@ -3840,7 +3700,7 @@
 </p:sld>
 </file>
 
-<file path=ppt/slides/slide10.xml><?xml version="1.0" encoding="utf-8"?>
+<file path=ppt/slides/slide11.xml><?xml version="1.0" encoding="utf-8"?>
 <p:sld xmlns:a="http://schemas.openxmlformats.org/drawingml/2006/main" xmlns:r="http://schemas.openxmlformats.org/officeDocument/2006/relationships" xmlns:p="http://schemas.openxmlformats.org/presentationml/2006/main">
   <p:cSld>
     <p:spTree>
@@ -3848,7 +3708,7 @@
         <p:cNvPr id="1" name="">
           <a:extLst>
             <a:ext uri="{FF2B5EF4-FFF2-40B4-BE49-F238E27FC236}">
-              <a16:creationId xmlns:a16="http://schemas.microsoft.com/office/drawing/2014/main" id="{B7E55E92-79A7-5CFF-BB5D-9D4C780D6099}"/>
+              <a16:creationId xmlns:a16="http://schemas.microsoft.com/office/drawing/2014/main" id="{C521EAD9-BA4F-862B-3701-AB7BB3FF679D}"/>
             </a:ext>
           </a:extLst>
         </p:cNvPr>
@@ -3868,7 +3728,7 @@
           <p:cNvPr id="5" name="Rectangle 4">
             <a:extLst>
               <a:ext uri="{FF2B5EF4-FFF2-40B4-BE49-F238E27FC236}">
-                <a16:creationId xmlns:a16="http://schemas.microsoft.com/office/drawing/2014/main" id="{6B24CBCA-BCA2-1058-95FE-55BCAE487ED0}"/>
+                <a16:creationId xmlns:a16="http://schemas.microsoft.com/office/drawing/2014/main" id="{363DCE1E-5AAD-5DFE-BB73-ED5F65554463}"/>
               </a:ext>
             </a:extLst>
           </p:cNvPr>
@@ -3938,447 +3798,6 @@
           <p:cNvPr id="2" name="Titre 1">
             <a:extLst>
               <a:ext uri="{FF2B5EF4-FFF2-40B4-BE49-F238E27FC236}">
-                <a16:creationId xmlns:a16="http://schemas.microsoft.com/office/drawing/2014/main" id="{425D92EB-0CAF-6DAE-5269-DF46EE46DAFB}"/>
-              </a:ext>
-            </a:extLst>
-          </p:cNvPr>
-          <p:cNvSpPr>
-            <a:spLocks noGrp="1"/>
-          </p:cNvSpPr>
-          <p:nvPr>
-            <p:ph type="title"/>
-          </p:nvPr>
-        </p:nvSpPr>
-        <p:spPr>
-          <a:xfrm>
-            <a:off x="838200" y="18255"/>
-            <a:ext cx="11353800" cy="1325563"/>
-          </a:xfrm>
-        </p:spPr>
-        <p:txBody>
-          <a:bodyPr>
-            <a:normAutofit/>
-          </a:bodyPr>
-          <a:lstStyle/>
-          <a:p>
-            <a:r>
-              <a:rPr lang="fr-FR" b="1" dirty="0">
-                <a:solidFill>
-                  <a:schemeClr val="bg1"/>
-                </a:solidFill>
-              </a:rPr>
-              <a:t>Course progression</a:t>
-            </a:r>
-          </a:p>
-        </p:txBody>
-      </p:sp>
-      <p:sp>
-        <p:nvSpPr>
-          <p:cNvPr id="4" name="Espace réservé du contenu 3">
-            <a:extLst>
-              <a:ext uri="{FF2B5EF4-FFF2-40B4-BE49-F238E27FC236}">
-                <a16:creationId xmlns:a16="http://schemas.microsoft.com/office/drawing/2014/main" id="{528F5544-D68A-3E03-2113-B9192E1F66FC}"/>
-              </a:ext>
-            </a:extLst>
-          </p:cNvPr>
-          <p:cNvSpPr>
-            <a:spLocks noGrp="1"/>
-          </p:cNvSpPr>
-          <p:nvPr>
-            <p:ph idx="1"/>
-          </p:nvPr>
-        </p:nvSpPr>
-        <p:spPr/>
-        <p:txBody>
-          <a:bodyPr/>
-          <a:lstStyle/>
-          <a:p>
-            <a:r>
-              <a:rPr lang="fr-FR" dirty="0"/>
-              <a:t>Theory: </a:t>
-            </a:r>
-            <a:r>
-              <a:rPr lang="fr-FR" dirty="0" err="1"/>
-              <a:t>Core</a:t>
-            </a:r>
-            <a:r>
-              <a:rPr lang="fr-FR" dirty="0"/>
-              <a:t> notion to </a:t>
-            </a:r>
-            <a:r>
-              <a:rPr lang="fr-FR" dirty="0" err="1"/>
-              <a:t>memorize</a:t>
-            </a:r>
-            <a:endParaRPr lang="fr-FR" dirty="0"/>
-          </a:p>
-          <a:p>
-            <a:endParaRPr lang="fr-FR" dirty="0"/>
-          </a:p>
-          <a:p>
-            <a:r>
-              <a:rPr lang="fr-FR" dirty="0" err="1"/>
-              <a:t>Applied</a:t>
-            </a:r>
-            <a:r>
-              <a:rPr lang="fr-FR" dirty="0"/>
-              <a:t> </a:t>
-            </a:r>
-            <a:r>
-              <a:rPr lang="fr-FR" dirty="0" err="1"/>
-              <a:t>theory</a:t>
-            </a:r>
-            <a:r>
-              <a:rPr lang="fr-FR" dirty="0"/>
-              <a:t>: Micro use cases to </a:t>
-            </a:r>
-            <a:r>
-              <a:rPr lang="fr-FR" dirty="0" err="1"/>
-              <a:t>illustrate</a:t>
-            </a:r>
-            <a:r>
-              <a:rPr lang="fr-FR" dirty="0"/>
-              <a:t> the </a:t>
-            </a:r>
-            <a:r>
-              <a:rPr lang="fr-FR" dirty="0" err="1"/>
-              <a:t>theory</a:t>
-            </a:r>
-            <a:endParaRPr lang="fr-FR" dirty="0"/>
-          </a:p>
-          <a:p>
-            <a:endParaRPr lang="fr-FR" dirty="0"/>
-          </a:p>
-          <a:p>
-            <a:r>
-              <a:rPr lang="fr-FR" dirty="0"/>
-              <a:t>TD: 20-30min phase to </a:t>
-            </a:r>
-            <a:r>
-              <a:rPr lang="fr-FR" dirty="0" err="1"/>
-              <a:t>experiment</a:t>
-            </a:r>
-            <a:r>
-              <a:rPr lang="fr-FR" dirty="0"/>
-              <a:t> on a </a:t>
-            </a:r>
-            <a:r>
-              <a:rPr lang="fr-FR" dirty="0" err="1"/>
-              <a:t>given</a:t>
-            </a:r>
-            <a:r>
-              <a:rPr lang="fr-FR" dirty="0"/>
-              <a:t> </a:t>
-            </a:r>
-            <a:r>
-              <a:rPr lang="fr-FR" dirty="0" err="1"/>
-              <a:t>lesson</a:t>
-            </a:r>
-            <a:endParaRPr lang="fr-FR" dirty="0"/>
-          </a:p>
-          <a:p>
-            <a:endParaRPr lang="fr-FR" dirty="0"/>
-          </a:p>
-          <a:p>
-            <a:r>
-              <a:rPr lang="fr-FR" dirty="0"/>
-              <a:t>Ad Hoc: to let the </a:t>
-            </a:r>
-            <a:r>
-              <a:rPr lang="fr-FR" dirty="0" err="1"/>
-              <a:t>curiosity</a:t>
-            </a:r>
-            <a:r>
-              <a:rPr lang="fr-FR" dirty="0"/>
-              <a:t> flow</a:t>
-            </a:r>
-          </a:p>
-          <a:p>
-            <a:endParaRPr lang="fr-FR" dirty="0"/>
-          </a:p>
-        </p:txBody>
-      </p:sp>
-    </p:spTree>
-    <p:extLst>
-      <p:ext uri="{BB962C8B-B14F-4D97-AF65-F5344CB8AC3E}">
-        <p14:creationId xmlns:p14="http://schemas.microsoft.com/office/powerpoint/2010/main" val="1975119553"/>
-      </p:ext>
-    </p:extLst>
-  </p:cSld>
-  <p:clrMapOvr>
-    <a:masterClrMapping/>
-  </p:clrMapOvr>
-</p:sld>
-</file>
-
-<file path=ppt/slides/slide11.xml><?xml version="1.0" encoding="utf-8"?>
-<p:sld xmlns:a="http://schemas.openxmlformats.org/drawingml/2006/main" xmlns:r="http://schemas.openxmlformats.org/officeDocument/2006/relationships" xmlns:p="http://schemas.openxmlformats.org/presentationml/2006/main">
-  <p:cSld>
-    <p:spTree>
-      <p:nvGrpSpPr>
-        <p:cNvPr id="1" name="">
-          <a:extLst>
-            <a:ext uri="{FF2B5EF4-FFF2-40B4-BE49-F238E27FC236}">
-              <a16:creationId xmlns:a16="http://schemas.microsoft.com/office/drawing/2014/main" id="{55D9CCE5-DCDA-9B64-1E71-6202143FA46D}"/>
-            </a:ext>
-          </a:extLst>
-        </p:cNvPr>
-        <p:cNvGrpSpPr/>
-        <p:nvPr/>
-      </p:nvGrpSpPr>
-      <p:grpSpPr>
-        <a:xfrm>
-          <a:off x="0" y="0"/>
-          <a:ext cx="0" cy="0"/>
-          <a:chOff x="0" y="0"/>
-          <a:chExt cx="0" cy="0"/>
-        </a:xfrm>
-      </p:grpSpPr>
-      <p:sp>
-        <p:nvSpPr>
-          <p:cNvPr id="4" name="Rectangle 3">
-            <a:extLst>
-              <a:ext uri="{FF2B5EF4-FFF2-40B4-BE49-F238E27FC236}">
-                <a16:creationId xmlns:a16="http://schemas.microsoft.com/office/drawing/2014/main" id="{341B75EB-8D30-6AFC-69B9-156B45534924}"/>
-              </a:ext>
-            </a:extLst>
-          </p:cNvPr>
-          <p:cNvSpPr/>
-          <p:nvPr/>
-        </p:nvSpPr>
-        <p:spPr>
-          <a:xfrm>
-            <a:off x="-1" y="0"/>
-            <a:ext cx="12192001" cy="6858000"/>
-          </a:xfrm>
-          <a:prstGeom prst="rect">
-            <a:avLst/>
-          </a:prstGeom>
-          <a:solidFill>
-            <a:srgbClr val="EBF4FD"/>
-          </a:solidFill>
-          <a:ln>
-            <a:noFill/>
-          </a:ln>
-        </p:spPr>
-        <p:style>
-          <a:lnRef idx="2">
-            <a:schemeClr val="accent1">
-              <a:shade val="15000"/>
-            </a:schemeClr>
-          </a:lnRef>
-          <a:fillRef idx="1">
-            <a:schemeClr val="accent1"/>
-          </a:fillRef>
-          <a:effectRef idx="0">
-            <a:schemeClr val="accent1"/>
-          </a:effectRef>
-          <a:fontRef idx="minor">
-            <a:schemeClr val="lt1"/>
-          </a:fontRef>
-        </p:style>
-        <p:txBody>
-          <a:bodyPr rtlCol="0" anchor="ctr"/>
-          <a:lstStyle/>
-          <a:p>
-            <a:pPr algn="ctr"/>
-            <a:endParaRPr lang="fr-FR" dirty="0"/>
-          </a:p>
-        </p:txBody>
-      </p:sp>
-      <p:sp>
-        <p:nvSpPr>
-          <p:cNvPr id="5" name="Titre 1">
-            <a:extLst>
-              <a:ext uri="{FF2B5EF4-FFF2-40B4-BE49-F238E27FC236}">
-                <a16:creationId xmlns:a16="http://schemas.microsoft.com/office/drawing/2014/main" id="{D3CC248B-891F-52A6-58AC-C32B79217D02}"/>
-              </a:ext>
-            </a:extLst>
-          </p:cNvPr>
-          <p:cNvSpPr>
-            <a:spLocks noGrp="1"/>
-          </p:cNvSpPr>
-          <p:nvPr>
-            <p:ph type="title"/>
-          </p:nvPr>
-        </p:nvSpPr>
-        <p:spPr>
-          <a:xfrm>
-            <a:off x="2411896" y="2221310"/>
-            <a:ext cx="7368208" cy="2415381"/>
-          </a:xfrm>
-        </p:spPr>
-        <p:txBody>
-          <a:bodyPr>
-            <a:normAutofit/>
-          </a:bodyPr>
-          <a:lstStyle/>
-          <a:p>
-            <a:pPr algn="ctr">
-              <a:lnSpc>
-                <a:spcPct val="100000"/>
-              </a:lnSpc>
-            </a:pPr>
-            <a:r>
-              <a:rPr lang="fr-FR" sz="7200" b="1" dirty="0">
-                <a:solidFill>
-                  <a:srgbClr val="314154"/>
-                </a:solidFill>
-              </a:rPr>
-              <a:t>ACT I</a:t>
-            </a:r>
-            <a:br>
-              <a:rPr lang="fr-FR" sz="4800" b="1" dirty="0">
-                <a:solidFill>
-                  <a:srgbClr val="314154"/>
-                </a:solidFill>
-              </a:rPr>
-            </a:br>
-            <a:r>
-              <a:rPr lang="fr-FR" sz="4800" b="1" dirty="0" err="1">
-                <a:solidFill>
-                  <a:srgbClr val="314154"/>
-                </a:solidFill>
-              </a:rPr>
-              <a:t>History</a:t>
-            </a:r>
-            <a:r>
-              <a:rPr lang="fr-FR" sz="4800" b="1" dirty="0">
-                <a:solidFill>
-                  <a:srgbClr val="314154"/>
-                </a:solidFill>
-              </a:rPr>
-              <a:t>, </a:t>
-            </a:r>
-            <a:r>
-              <a:rPr lang="fr-FR" sz="4800" b="1" dirty="0" err="1">
-                <a:solidFill>
-                  <a:srgbClr val="314154"/>
-                </a:solidFill>
-              </a:rPr>
-              <a:t>Industry</a:t>
-            </a:r>
-            <a:r>
-              <a:rPr lang="fr-FR" sz="4800" b="1" dirty="0">
-                <a:solidFill>
-                  <a:srgbClr val="314154"/>
-                </a:solidFill>
-              </a:rPr>
-              <a:t>, Usage</a:t>
-            </a:r>
-          </a:p>
-        </p:txBody>
-      </p:sp>
-    </p:spTree>
-    <p:extLst>
-      <p:ext uri="{BB962C8B-B14F-4D97-AF65-F5344CB8AC3E}">
-        <p14:creationId xmlns:p14="http://schemas.microsoft.com/office/powerpoint/2010/main" val="1258868944"/>
-      </p:ext>
-    </p:extLst>
-  </p:cSld>
-  <p:clrMapOvr>
-    <a:masterClrMapping/>
-  </p:clrMapOvr>
-</p:sld>
-</file>
-
-<file path=ppt/slides/slide12.xml><?xml version="1.0" encoding="utf-8"?>
-<p:sld xmlns:a="http://schemas.openxmlformats.org/drawingml/2006/main" xmlns:r="http://schemas.openxmlformats.org/officeDocument/2006/relationships" xmlns:p="http://schemas.openxmlformats.org/presentationml/2006/main">
-  <p:cSld>
-    <p:spTree>
-      <p:nvGrpSpPr>
-        <p:cNvPr id="1" name="">
-          <a:extLst>
-            <a:ext uri="{FF2B5EF4-FFF2-40B4-BE49-F238E27FC236}">
-              <a16:creationId xmlns:a16="http://schemas.microsoft.com/office/drawing/2014/main" id="{C521EAD9-BA4F-862B-3701-AB7BB3FF679D}"/>
-            </a:ext>
-          </a:extLst>
-        </p:cNvPr>
-        <p:cNvGrpSpPr/>
-        <p:nvPr/>
-      </p:nvGrpSpPr>
-      <p:grpSpPr>
-        <a:xfrm>
-          <a:off x="0" y="0"/>
-          <a:ext cx="0" cy="0"/>
-          <a:chOff x="0" y="0"/>
-          <a:chExt cx="0" cy="0"/>
-        </a:xfrm>
-      </p:grpSpPr>
-      <p:sp>
-        <p:nvSpPr>
-          <p:cNvPr id="5" name="Rectangle 4">
-            <a:extLst>
-              <a:ext uri="{FF2B5EF4-FFF2-40B4-BE49-F238E27FC236}">
-                <a16:creationId xmlns:a16="http://schemas.microsoft.com/office/drawing/2014/main" id="{363DCE1E-5AAD-5DFE-BB73-ED5F65554463}"/>
-              </a:ext>
-            </a:extLst>
-          </p:cNvPr>
-          <p:cNvSpPr/>
-          <p:nvPr/>
-        </p:nvSpPr>
-        <p:spPr>
-          <a:xfrm>
-            <a:off x="0" y="0"/>
-            <a:ext cx="12192000" cy="1325563"/>
-          </a:xfrm>
-          <a:prstGeom prst="rect">
-            <a:avLst/>
-          </a:prstGeom>
-          <a:gradFill flip="none" rotWithShape="1">
-            <a:gsLst>
-              <a:gs pos="0">
-                <a:srgbClr val="314154">
-                  <a:shade val="30000"/>
-                  <a:satMod val="115000"/>
-                </a:srgbClr>
-              </a:gs>
-              <a:gs pos="50000">
-                <a:srgbClr val="314154">
-                  <a:shade val="67500"/>
-                  <a:satMod val="115000"/>
-                </a:srgbClr>
-              </a:gs>
-              <a:gs pos="100000">
-                <a:srgbClr val="314154">
-                  <a:shade val="100000"/>
-                  <a:satMod val="115000"/>
-                </a:srgbClr>
-              </a:gs>
-            </a:gsLst>
-            <a:lin ang="10800000" scaled="1"/>
-            <a:tileRect/>
-          </a:gradFill>
-        </p:spPr>
-        <p:style>
-          <a:lnRef idx="2">
-            <a:schemeClr val="accent1">
-              <a:shade val="15000"/>
-            </a:schemeClr>
-          </a:lnRef>
-          <a:fillRef idx="1">
-            <a:schemeClr val="accent1"/>
-          </a:fillRef>
-          <a:effectRef idx="0">
-            <a:schemeClr val="accent1"/>
-          </a:effectRef>
-          <a:fontRef idx="minor">
-            <a:schemeClr val="lt1"/>
-          </a:fontRef>
-        </p:style>
-        <p:txBody>
-          <a:bodyPr rtlCol="0" anchor="ctr"/>
-          <a:lstStyle/>
-          <a:p>
-            <a:pPr algn="ctr"/>
-            <a:endParaRPr lang="fr-FR"/>
-          </a:p>
-        </p:txBody>
-      </p:sp>
-      <p:sp>
-        <p:nvSpPr>
-          <p:cNvPr id="2" name="Titre 1">
-            <a:extLst>
-              <a:ext uri="{FF2B5EF4-FFF2-40B4-BE49-F238E27FC236}">
                 <a16:creationId xmlns:a16="http://schemas.microsoft.com/office/drawing/2014/main" id="{C7E1D3FC-FF61-3CAF-0E13-C955DF69012B}"/>
               </a:ext>
             </a:extLst>
@@ -4572,7 +3991,7 @@
 </p:sld>
 </file>
 
-<file path=ppt/slides/slide13.xml><?xml version="1.0" encoding="utf-8"?>
+<file path=ppt/slides/slide12.xml><?xml version="1.0" encoding="utf-8"?>
 <p:sld xmlns:a="http://schemas.openxmlformats.org/drawingml/2006/main" xmlns:r="http://schemas.openxmlformats.org/officeDocument/2006/relationships" xmlns:p="http://schemas.openxmlformats.org/presentationml/2006/main">
   <p:cSld>
     <p:spTree>
@@ -5343,7 +4762,7 @@
 </p:sld>
 </file>
 
-<file path=ppt/slides/slide14.xml><?xml version="1.0" encoding="utf-8"?>
+<file path=ppt/slides/slide13.xml><?xml version="1.0" encoding="utf-8"?>
 <p:sld xmlns:a="http://schemas.openxmlformats.org/drawingml/2006/main" xmlns:r="http://schemas.openxmlformats.org/officeDocument/2006/relationships" xmlns:p="http://schemas.openxmlformats.org/presentationml/2006/main">
   <p:cSld>
     <p:spTree>
@@ -5651,7 +5070,7 @@
 </p:sld>
 </file>
 
-<file path=ppt/slides/slide15.xml><?xml version="1.0" encoding="utf-8"?>
+<file path=ppt/slides/slide14.xml><?xml version="1.0" encoding="utf-8"?>
 <p:sld xmlns:a="http://schemas.openxmlformats.org/drawingml/2006/main" xmlns:r="http://schemas.openxmlformats.org/officeDocument/2006/relationships" xmlns:p="http://schemas.openxmlformats.org/presentationml/2006/main">
   <p:cSld>
     <p:spTree>
@@ -5917,7 +5336,7 @@
 </p:sld>
 </file>
 
-<file path=ppt/slides/slide16.xml><?xml version="1.0" encoding="utf-8"?>
+<file path=ppt/slides/slide15.xml><?xml version="1.0" encoding="utf-8"?>
 <p:sld xmlns:a="http://schemas.openxmlformats.org/drawingml/2006/main" xmlns:r="http://schemas.openxmlformats.org/officeDocument/2006/relationships" xmlns:p="http://schemas.openxmlformats.org/presentationml/2006/main">
   <p:cSld>
     <p:spTree>
@@ -6289,7 +5708,7 @@
 </p:sld>
 </file>
 
-<file path=ppt/slides/slide17.xml><?xml version="1.0" encoding="utf-8"?>
+<file path=ppt/slides/slide16.xml><?xml version="1.0" encoding="utf-8"?>
 <p:sld xmlns:a="http://schemas.openxmlformats.org/drawingml/2006/main" xmlns:r="http://schemas.openxmlformats.org/officeDocument/2006/relationships" xmlns:p="http://schemas.openxmlformats.org/presentationml/2006/main">
   <p:cSld>
     <p:spTree>
@@ -6558,7 +5977,7 @@
 </p:sld>
 </file>
 
-<file path=ppt/slides/slide18.xml><?xml version="1.0" encoding="utf-8"?>
+<file path=ppt/slides/slide17.xml><?xml version="1.0" encoding="utf-8"?>
 <p:sld xmlns:a="http://schemas.openxmlformats.org/drawingml/2006/main" xmlns:r="http://schemas.openxmlformats.org/officeDocument/2006/relationships" xmlns:p="http://schemas.openxmlformats.org/presentationml/2006/main">
   <p:cSld>
     <p:spTree>
@@ -7300,7 +6719,7 @@
 </p:sld>
 </file>
 
-<file path=ppt/slides/slide19.xml><?xml version="1.0" encoding="utf-8"?>
+<file path=ppt/slides/slide18.xml><?xml version="1.0" encoding="utf-8"?>
 <p:sld xmlns:a="http://schemas.openxmlformats.org/drawingml/2006/main" xmlns:r="http://schemas.openxmlformats.org/officeDocument/2006/relationships" xmlns:p="http://schemas.openxmlformats.org/presentationml/2006/main">
   <p:cSld>
     <p:spTree>
@@ -7704,144 +7123,7 @@
 </p:sld>
 </file>
 
-<file path=ppt/slides/slide2.xml><?xml version="1.0" encoding="utf-8"?>
-<p:sld xmlns:a="http://schemas.openxmlformats.org/drawingml/2006/main" xmlns:r="http://schemas.openxmlformats.org/officeDocument/2006/relationships" xmlns:p="http://schemas.openxmlformats.org/presentationml/2006/main">
-  <p:cSld>
-    <p:spTree>
-      <p:nvGrpSpPr>
-        <p:cNvPr id="1" name="">
-          <a:extLst>
-            <a:ext uri="{FF2B5EF4-FFF2-40B4-BE49-F238E27FC236}">
-              <a16:creationId xmlns:a16="http://schemas.microsoft.com/office/drawing/2014/main" id="{18B739A2-8C1B-29AA-05EE-88281C11F400}"/>
-            </a:ext>
-          </a:extLst>
-        </p:cNvPr>
-        <p:cNvGrpSpPr/>
-        <p:nvPr/>
-      </p:nvGrpSpPr>
-      <p:grpSpPr>
-        <a:xfrm>
-          <a:off x="0" y="0"/>
-          <a:ext cx="0" cy="0"/>
-          <a:chOff x="0" y="0"/>
-          <a:chExt cx="0" cy="0"/>
-        </a:xfrm>
-      </p:grpSpPr>
-      <p:sp>
-        <p:nvSpPr>
-          <p:cNvPr id="4" name="Rectangle 3">
-            <a:extLst>
-              <a:ext uri="{FF2B5EF4-FFF2-40B4-BE49-F238E27FC236}">
-                <a16:creationId xmlns:a16="http://schemas.microsoft.com/office/drawing/2014/main" id="{C330CAB4-5A05-5E93-ADE9-892ABB251453}"/>
-              </a:ext>
-            </a:extLst>
-          </p:cNvPr>
-          <p:cNvSpPr/>
-          <p:nvPr/>
-        </p:nvSpPr>
-        <p:spPr>
-          <a:xfrm>
-            <a:off x="-1" y="0"/>
-            <a:ext cx="12192001" cy="6858000"/>
-          </a:xfrm>
-          <a:prstGeom prst="rect">
-            <a:avLst/>
-          </a:prstGeom>
-          <a:solidFill>
-            <a:srgbClr val="EBF4FD"/>
-          </a:solidFill>
-          <a:ln>
-            <a:noFill/>
-          </a:ln>
-        </p:spPr>
-        <p:style>
-          <a:lnRef idx="2">
-            <a:schemeClr val="accent1">
-              <a:shade val="15000"/>
-            </a:schemeClr>
-          </a:lnRef>
-          <a:fillRef idx="1">
-            <a:schemeClr val="accent1"/>
-          </a:fillRef>
-          <a:effectRef idx="0">
-            <a:schemeClr val="accent1"/>
-          </a:effectRef>
-          <a:fontRef idx="minor">
-            <a:schemeClr val="lt1"/>
-          </a:fontRef>
-        </p:style>
-        <p:txBody>
-          <a:bodyPr rtlCol="0" anchor="ctr"/>
-          <a:lstStyle/>
-          <a:p>
-            <a:pPr algn="ctr"/>
-            <a:endParaRPr lang="fr-FR" dirty="0"/>
-          </a:p>
-        </p:txBody>
-      </p:sp>
-      <p:sp>
-        <p:nvSpPr>
-          <p:cNvPr id="5" name="Titre 1">
-            <a:extLst>
-              <a:ext uri="{FF2B5EF4-FFF2-40B4-BE49-F238E27FC236}">
-                <a16:creationId xmlns:a16="http://schemas.microsoft.com/office/drawing/2014/main" id="{EF7ADDD1-D4AF-83AB-BACF-9CDEF2EDD0DD}"/>
-              </a:ext>
-            </a:extLst>
-          </p:cNvPr>
-          <p:cNvSpPr>
-            <a:spLocks noGrp="1"/>
-          </p:cNvSpPr>
-          <p:nvPr>
-            <p:ph type="title"/>
-          </p:nvPr>
-        </p:nvSpPr>
-        <p:spPr>
-          <a:xfrm>
-            <a:off x="2411896" y="2221310"/>
-            <a:ext cx="7368208" cy="2415381"/>
-          </a:xfrm>
-        </p:spPr>
-        <p:txBody>
-          <a:bodyPr>
-            <a:normAutofit fontScale="90000"/>
-          </a:bodyPr>
-          <a:lstStyle/>
-          <a:p>
-            <a:pPr algn="ctr">
-              <a:lnSpc>
-                <a:spcPct val="100000"/>
-              </a:lnSpc>
-            </a:pPr>
-            <a:r>
-              <a:rPr lang="en-US" sz="7200" b="1" dirty="0">
-                <a:solidFill>
-                  <a:srgbClr val="314154"/>
-                </a:solidFill>
-              </a:rPr>
-              <a:t>Introduction to Python for Finance</a:t>
-            </a:r>
-            <a:endParaRPr lang="fr-FR" sz="7200" b="1" dirty="0">
-              <a:solidFill>
-                <a:srgbClr val="314154"/>
-              </a:solidFill>
-            </a:endParaRPr>
-          </a:p>
-        </p:txBody>
-      </p:sp>
-    </p:spTree>
-    <p:extLst>
-      <p:ext uri="{BB962C8B-B14F-4D97-AF65-F5344CB8AC3E}">
-        <p14:creationId xmlns:p14="http://schemas.microsoft.com/office/powerpoint/2010/main" val="932965174"/>
-      </p:ext>
-    </p:extLst>
-  </p:cSld>
-  <p:clrMapOvr>
-    <a:masterClrMapping/>
-  </p:clrMapOvr>
-</p:sld>
-</file>
-
-<file path=ppt/slides/slide20.xml><?xml version="1.0" encoding="utf-8"?>
+<file path=ppt/slides/slide19.xml><?xml version="1.0" encoding="utf-8"?>
 <p:sld xmlns:a="http://schemas.openxmlformats.org/drawingml/2006/main" xmlns:r="http://schemas.openxmlformats.org/officeDocument/2006/relationships" xmlns:p="http://schemas.openxmlformats.org/presentationml/2006/main">
   <p:cSld>
     <p:spTree>
@@ -7988,7 +7270,148 @@
 </p:sld>
 </file>
 
-<file path=ppt/slides/slide21.xml><?xml version="1.0" encoding="utf-8"?>
+<file path=ppt/slides/slide2.xml><?xml version="1.0" encoding="utf-8"?>
+<p:sld xmlns:a="http://schemas.openxmlformats.org/drawingml/2006/main" xmlns:r="http://schemas.openxmlformats.org/officeDocument/2006/relationships" xmlns:p="http://schemas.openxmlformats.org/presentationml/2006/main">
+  <p:cSld>
+    <p:spTree>
+      <p:nvGrpSpPr>
+        <p:cNvPr id="1" name=""/>
+        <p:cNvGrpSpPr/>
+        <p:nvPr/>
+      </p:nvGrpSpPr>
+      <p:grpSpPr>
+        <a:xfrm>
+          <a:off x="0" y="0"/>
+          <a:ext cx="0" cy="0"/>
+          <a:chOff x="0" y="0"/>
+          <a:chExt cx="0" cy="0"/>
+        </a:xfrm>
+      </p:grpSpPr>
+      <p:sp>
+        <p:nvSpPr>
+          <p:cNvPr id="4" name="Rectangle 3">
+            <a:extLst>
+              <a:ext uri="{FF2B5EF4-FFF2-40B4-BE49-F238E27FC236}">
+                <a16:creationId xmlns:a16="http://schemas.microsoft.com/office/drawing/2014/main" id="{8E660763-9A9D-22C2-3DDF-95BA49576477}"/>
+              </a:ext>
+            </a:extLst>
+          </p:cNvPr>
+          <p:cNvSpPr/>
+          <p:nvPr/>
+        </p:nvSpPr>
+        <p:spPr>
+          <a:xfrm>
+            <a:off x="-1" y="0"/>
+            <a:ext cx="12192001" cy="6858000"/>
+          </a:xfrm>
+          <a:prstGeom prst="rect">
+            <a:avLst/>
+          </a:prstGeom>
+          <a:solidFill>
+            <a:srgbClr val="EBF4FD"/>
+          </a:solidFill>
+          <a:ln>
+            <a:noFill/>
+          </a:ln>
+        </p:spPr>
+        <p:style>
+          <a:lnRef idx="2">
+            <a:schemeClr val="accent1">
+              <a:shade val="15000"/>
+            </a:schemeClr>
+          </a:lnRef>
+          <a:fillRef idx="1">
+            <a:schemeClr val="accent1"/>
+          </a:fillRef>
+          <a:effectRef idx="0">
+            <a:schemeClr val="accent1"/>
+          </a:effectRef>
+          <a:fontRef idx="minor">
+            <a:schemeClr val="lt1"/>
+          </a:fontRef>
+        </p:style>
+        <p:txBody>
+          <a:bodyPr rtlCol="0" anchor="ctr"/>
+          <a:lstStyle/>
+          <a:p>
+            <a:pPr algn="ctr"/>
+            <a:endParaRPr lang="fr-FR" dirty="0"/>
+          </a:p>
+        </p:txBody>
+      </p:sp>
+      <p:sp>
+        <p:nvSpPr>
+          <p:cNvPr id="5" name="Titre 1">
+            <a:extLst>
+              <a:ext uri="{FF2B5EF4-FFF2-40B4-BE49-F238E27FC236}">
+                <a16:creationId xmlns:a16="http://schemas.microsoft.com/office/drawing/2014/main" id="{0DAF34F8-0DED-ABEA-03A6-C67AB7DFA66B}"/>
+              </a:ext>
+            </a:extLst>
+          </p:cNvPr>
+          <p:cNvSpPr>
+            <a:spLocks noGrp="1"/>
+          </p:cNvSpPr>
+          <p:nvPr>
+            <p:ph type="title"/>
+          </p:nvPr>
+        </p:nvSpPr>
+        <p:spPr>
+          <a:xfrm>
+            <a:off x="2411896" y="2221310"/>
+            <a:ext cx="7368208" cy="2415381"/>
+          </a:xfrm>
+        </p:spPr>
+        <p:txBody>
+          <a:bodyPr>
+            <a:normAutofit/>
+          </a:bodyPr>
+          <a:lstStyle/>
+          <a:p>
+            <a:pPr algn="ctr">
+              <a:lnSpc>
+                <a:spcPct val="100000"/>
+              </a:lnSpc>
+            </a:pPr>
+            <a:r>
+              <a:rPr lang="fr-FR" sz="7200" b="1" dirty="0">
+                <a:solidFill>
+                  <a:srgbClr val="314154"/>
+                </a:solidFill>
+              </a:rPr>
+              <a:t>Prologue</a:t>
+            </a:r>
+            <a:br>
+              <a:rPr lang="fr-FR" sz="4800" b="1" dirty="0">
+                <a:solidFill>
+                  <a:srgbClr val="314154"/>
+                </a:solidFill>
+              </a:rPr>
+            </a:br>
+            <a:r>
+              <a:rPr lang="fr-FR" sz="4800" b="1" dirty="0">
+                <a:solidFill>
+                  <a:srgbClr val="314154"/>
+                </a:solidFill>
+              </a:rPr>
+              <a:t>Objectives, planning, Evals</a:t>
+            </a:r>
+          </a:p>
+        </p:txBody>
+      </p:sp>
+    </p:spTree>
+    <p:extLst>
+      <p:ext uri="{BB962C8B-B14F-4D97-AF65-F5344CB8AC3E}">
+        <p14:creationId xmlns:p14="http://schemas.microsoft.com/office/powerpoint/2010/main" val="1944701555"/>
+      </p:ext>
+    </p:extLst>
+  </p:cSld>
+  <p:clrMapOvr>
+    <a:masterClrMapping/>
+  </p:clrMapOvr>
+</p:sld>
+</file>
+
+<file path=ppt/slides/slide20.xml><?xml version="1.0" encoding="utf-8"?>
 <p:sld xmlns:a="http://schemas.openxmlformats.org/drawingml/2006/main" xmlns:r="http://schemas.openxmlformats.org/officeDocument/2006/relationships" xmlns:p="http://schemas.openxmlformats.org/presentationml/2006/main">
   <p:cSld>
     <p:spTree>
@@ -8179,7 +7602,7 @@
 </p:sld>
 </file>
 
-<file path=ppt/slides/slide22.xml><?xml version="1.0" encoding="utf-8"?>
+<file path=ppt/slides/slide21.xml><?xml version="1.0" encoding="utf-8"?>
 <p:sld xmlns:a="http://schemas.openxmlformats.org/drawingml/2006/main" xmlns:r="http://schemas.openxmlformats.org/officeDocument/2006/relationships" xmlns:p="http://schemas.openxmlformats.org/presentationml/2006/main">
   <p:cSld>
     <p:spTree>
@@ -8580,7 +8003,7 @@
 </p:sld>
 </file>
 
-<file path=ppt/slides/slide23.xml><?xml version="1.0" encoding="utf-8"?>
+<file path=ppt/slides/slide22.xml><?xml version="1.0" encoding="utf-8"?>
 <p:sld xmlns:a="http://schemas.openxmlformats.org/drawingml/2006/main" xmlns:r="http://schemas.openxmlformats.org/officeDocument/2006/relationships" xmlns:p="http://schemas.openxmlformats.org/presentationml/2006/main">
   <p:cSld>
     <p:spTree>
@@ -8925,7 +8348,7 @@
 </p:sld>
 </file>
 
-<file path=ppt/slides/slide24.xml><?xml version="1.0" encoding="utf-8"?>
+<file path=ppt/slides/slide23.xml><?xml version="1.0" encoding="utf-8"?>
 <p:sld xmlns:a="http://schemas.openxmlformats.org/drawingml/2006/main" xmlns:r="http://schemas.openxmlformats.org/officeDocument/2006/relationships" xmlns:p="http://schemas.openxmlformats.org/presentationml/2006/main">
   <p:cSld>
     <p:spTree>
@@ -9509,7 +8932,7 @@
 </p:sld>
 </file>
 
-<file path=ppt/slides/slide25.xml><?xml version="1.0" encoding="utf-8"?>
+<file path=ppt/slides/slide24.xml><?xml version="1.0" encoding="utf-8"?>
 <p:sld xmlns:a="http://schemas.openxmlformats.org/drawingml/2006/main" xmlns:r="http://schemas.openxmlformats.org/officeDocument/2006/relationships" xmlns:p="http://schemas.openxmlformats.org/presentationml/2006/main">
   <p:cSld>
     <p:spTree>
@@ -10029,7 +9452,7 @@
 </p:sld>
 </file>
 
-<file path=ppt/slides/slide26.xml><?xml version="1.0" encoding="utf-8"?>
+<file path=ppt/slides/slide25.xml><?xml version="1.0" encoding="utf-8"?>
 <p:sld xmlns:a="http://schemas.openxmlformats.org/drawingml/2006/main" xmlns:r="http://schemas.openxmlformats.org/officeDocument/2006/relationships" xmlns:p="http://schemas.openxmlformats.org/presentationml/2006/main">
   <p:cSld>
     <p:spTree>
@@ -10552,7 +9975,7 @@
 </p:sld>
 </file>
 
-<file path=ppt/slides/slide27.xml><?xml version="1.0" encoding="utf-8"?>
+<file path=ppt/slides/slide26.xml><?xml version="1.0" encoding="utf-8"?>
 <p:sld xmlns:a="http://schemas.openxmlformats.org/drawingml/2006/main" xmlns:r="http://schemas.openxmlformats.org/officeDocument/2006/relationships" xmlns:p="http://schemas.openxmlformats.org/presentationml/2006/main">
   <p:cSld>
     <p:spTree>
@@ -11093,7 +10516,7 @@
 </p:sld>
 </file>
 
-<file path=ppt/slides/slide28.xml><?xml version="1.0" encoding="utf-8"?>
+<file path=ppt/slides/slide27.xml><?xml version="1.0" encoding="utf-8"?>
 <p:sld xmlns:a="http://schemas.openxmlformats.org/drawingml/2006/main" xmlns:r="http://schemas.openxmlformats.org/officeDocument/2006/relationships" xmlns:p="http://schemas.openxmlformats.org/presentationml/2006/main">
   <p:cSld>
     <p:spTree>
@@ -11780,7 +11203,7 @@
 </p:sld>
 </file>
 
-<file path=ppt/slides/slide29.xml><?xml version="1.0" encoding="utf-8"?>
+<file path=ppt/slides/slide28.xml><?xml version="1.0" encoding="utf-8"?>
 <p:sld xmlns:a="http://schemas.openxmlformats.org/drawingml/2006/main" xmlns:r="http://schemas.openxmlformats.org/officeDocument/2006/relationships" xmlns:p="http://schemas.openxmlformats.org/presentationml/2006/main">
   <p:cSld>
     <p:spTree>
@@ -12281,148 +11704,7 @@
 </p:sld>
 </file>
 
-<file path=ppt/slides/slide3.xml><?xml version="1.0" encoding="utf-8"?>
-<p:sld xmlns:a="http://schemas.openxmlformats.org/drawingml/2006/main" xmlns:r="http://schemas.openxmlformats.org/officeDocument/2006/relationships" xmlns:p="http://schemas.openxmlformats.org/presentationml/2006/main">
-  <p:cSld>
-    <p:spTree>
-      <p:nvGrpSpPr>
-        <p:cNvPr id="1" name=""/>
-        <p:cNvGrpSpPr/>
-        <p:nvPr/>
-      </p:nvGrpSpPr>
-      <p:grpSpPr>
-        <a:xfrm>
-          <a:off x="0" y="0"/>
-          <a:ext cx="0" cy="0"/>
-          <a:chOff x="0" y="0"/>
-          <a:chExt cx="0" cy="0"/>
-        </a:xfrm>
-      </p:grpSpPr>
-      <p:sp>
-        <p:nvSpPr>
-          <p:cNvPr id="4" name="Rectangle 3">
-            <a:extLst>
-              <a:ext uri="{FF2B5EF4-FFF2-40B4-BE49-F238E27FC236}">
-                <a16:creationId xmlns:a16="http://schemas.microsoft.com/office/drawing/2014/main" id="{8E660763-9A9D-22C2-3DDF-95BA49576477}"/>
-              </a:ext>
-            </a:extLst>
-          </p:cNvPr>
-          <p:cNvSpPr/>
-          <p:nvPr/>
-        </p:nvSpPr>
-        <p:spPr>
-          <a:xfrm>
-            <a:off x="-1" y="0"/>
-            <a:ext cx="12192001" cy="6858000"/>
-          </a:xfrm>
-          <a:prstGeom prst="rect">
-            <a:avLst/>
-          </a:prstGeom>
-          <a:solidFill>
-            <a:srgbClr val="EBF4FD"/>
-          </a:solidFill>
-          <a:ln>
-            <a:noFill/>
-          </a:ln>
-        </p:spPr>
-        <p:style>
-          <a:lnRef idx="2">
-            <a:schemeClr val="accent1">
-              <a:shade val="15000"/>
-            </a:schemeClr>
-          </a:lnRef>
-          <a:fillRef idx="1">
-            <a:schemeClr val="accent1"/>
-          </a:fillRef>
-          <a:effectRef idx="0">
-            <a:schemeClr val="accent1"/>
-          </a:effectRef>
-          <a:fontRef idx="minor">
-            <a:schemeClr val="lt1"/>
-          </a:fontRef>
-        </p:style>
-        <p:txBody>
-          <a:bodyPr rtlCol="0" anchor="ctr"/>
-          <a:lstStyle/>
-          <a:p>
-            <a:pPr algn="ctr"/>
-            <a:endParaRPr lang="fr-FR" dirty="0"/>
-          </a:p>
-        </p:txBody>
-      </p:sp>
-      <p:sp>
-        <p:nvSpPr>
-          <p:cNvPr id="5" name="Titre 1">
-            <a:extLst>
-              <a:ext uri="{FF2B5EF4-FFF2-40B4-BE49-F238E27FC236}">
-                <a16:creationId xmlns:a16="http://schemas.microsoft.com/office/drawing/2014/main" id="{0DAF34F8-0DED-ABEA-03A6-C67AB7DFA66B}"/>
-              </a:ext>
-            </a:extLst>
-          </p:cNvPr>
-          <p:cNvSpPr>
-            <a:spLocks noGrp="1"/>
-          </p:cNvSpPr>
-          <p:nvPr>
-            <p:ph type="title"/>
-          </p:nvPr>
-        </p:nvSpPr>
-        <p:spPr>
-          <a:xfrm>
-            <a:off x="2411896" y="2221310"/>
-            <a:ext cx="7368208" cy="2415381"/>
-          </a:xfrm>
-        </p:spPr>
-        <p:txBody>
-          <a:bodyPr>
-            <a:normAutofit/>
-          </a:bodyPr>
-          <a:lstStyle/>
-          <a:p>
-            <a:pPr algn="ctr">
-              <a:lnSpc>
-                <a:spcPct val="100000"/>
-              </a:lnSpc>
-            </a:pPr>
-            <a:r>
-              <a:rPr lang="fr-FR" sz="7200" b="1" dirty="0">
-                <a:solidFill>
-                  <a:srgbClr val="314154"/>
-                </a:solidFill>
-              </a:rPr>
-              <a:t>Prologue</a:t>
-            </a:r>
-            <a:br>
-              <a:rPr lang="fr-FR" sz="4800" b="1" dirty="0">
-                <a:solidFill>
-                  <a:srgbClr val="314154"/>
-                </a:solidFill>
-              </a:rPr>
-            </a:br>
-            <a:r>
-              <a:rPr lang="fr-FR" sz="4800" b="1" dirty="0">
-                <a:solidFill>
-                  <a:srgbClr val="314154"/>
-                </a:solidFill>
-              </a:rPr>
-              <a:t>Objectives, planning, Evals</a:t>
-            </a:r>
-          </a:p>
-        </p:txBody>
-      </p:sp>
-    </p:spTree>
-    <p:extLst>
-      <p:ext uri="{BB962C8B-B14F-4D97-AF65-F5344CB8AC3E}">
-        <p14:creationId xmlns:p14="http://schemas.microsoft.com/office/powerpoint/2010/main" val="1944701555"/>
-      </p:ext>
-    </p:extLst>
-  </p:cSld>
-  <p:clrMapOvr>
-    <a:masterClrMapping/>
-  </p:clrMapOvr>
-</p:sld>
-</file>
-
-<file path=ppt/slides/slide30.xml><?xml version="1.0" encoding="utf-8"?>
+<file path=ppt/slides/slide29.xml><?xml version="1.0" encoding="utf-8"?>
 <p:sld xmlns:a="http://schemas.openxmlformats.org/drawingml/2006/main" xmlns:r="http://schemas.openxmlformats.org/officeDocument/2006/relationships" xmlns:p="http://schemas.openxmlformats.org/presentationml/2006/main">
   <p:cSld>
     <p:spTree>
@@ -13094,7 +12376,7 @@
 </p:sld>
 </file>
 
-<file path=ppt/slides/slide31.xml><?xml version="1.0" encoding="utf-8"?>
+<file path=ppt/slides/slide3.xml><?xml version="1.0" encoding="utf-8"?>
 <p:sld xmlns:a="http://schemas.openxmlformats.org/drawingml/2006/main" xmlns:r="http://schemas.openxmlformats.org/officeDocument/2006/relationships" xmlns:p="http://schemas.openxmlformats.org/presentationml/2006/main">
   <p:cSld>
     <p:spTree>
@@ -13102,7 +12384,7 @@
         <p:cNvPr id="1" name="">
           <a:extLst>
             <a:ext uri="{FF2B5EF4-FFF2-40B4-BE49-F238E27FC236}">
-              <a16:creationId xmlns:a16="http://schemas.microsoft.com/office/drawing/2014/main" id="{AC99C3AD-BE75-DB1A-5800-3076F88F8DE3}"/>
+              <a16:creationId xmlns:a16="http://schemas.microsoft.com/office/drawing/2014/main" id="{67B85429-AB4F-A20B-5ACA-2B1969BEA22F}"/>
             </a:ext>
           </a:extLst>
         </p:cNvPr>
@@ -13122,7 +12404,7 @@
           <p:cNvPr id="5" name="Rectangle 4">
             <a:extLst>
               <a:ext uri="{FF2B5EF4-FFF2-40B4-BE49-F238E27FC236}">
-                <a16:creationId xmlns:a16="http://schemas.microsoft.com/office/drawing/2014/main" id="{4D499E20-22A9-1E5E-2E92-730FEADBC69F}"/>
+                <a16:creationId xmlns:a16="http://schemas.microsoft.com/office/drawing/2014/main" id="{04625D82-F9BC-0AC9-8926-5E120E0CFE23}"/>
               </a:ext>
             </a:extLst>
           </p:cNvPr>
@@ -13183,7 +12465,7 @@
           <a:lstStyle/>
           <a:p>
             <a:pPr algn="ctr"/>
-            <a:endParaRPr lang="fr-FR"/>
+            <a:endParaRPr lang="fr-FR" dirty="0"/>
           </a:p>
         </p:txBody>
       </p:sp>
@@ -13192,7 +12474,7 @@
           <p:cNvPr id="2" name="Titre 1">
             <a:extLst>
               <a:ext uri="{FF2B5EF4-FFF2-40B4-BE49-F238E27FC236}">
-                <a16:creationId xmlns:a16="http://schemas.microsoft.com/office/drawing/2014/main" id="{61B26881-8779-A09D-65D8-3696FFE07F39}"/>
+                <a16:creationId xmlns:a16="http://schemas.microsoft.com/office/drawing/2014/main" id="{8AB59A9D-DF44-7582-1A19-0283A91E87F6}"/>
               </a:ext>
             </a:extLst>
           </p:cNvPr>
@@ -13205,7 +12487,7 @@
         </p:nvSpPr>
         <p:spPr>
           <a:xfrm>
-            <a:off x="838200" y="18255"/>
+            <a:off x="1321032" y="0"/>
             <a:ext cx="11353800" cy="1325563"/>
           </a:xfrm>
         </p:spPr>
@@ -13216,393 +12498,18 @@
           <a:lstStyle/>
           <a:p>
             <a:r>
-              <a:rPr lang="fr-FR" b="1" dirty="0">
+              <a:rPr lang="fr-FR" b="1" dirty="0" err="1">
                 <a:solidFill>
                   <a:schemeClr val="bg1"/>
                 </a:solidFill>
               </a:rPr>
-              <a:t>TD 6/6 : Hello World in a notebook</a:t>
-            </a:r>
-          </a:p>
-        </p:txBody>
-      </p:sp>
-      <p:cxnSp>
-        <p:nvCxnSpPr>
-          <p:cNvPr id="11" name="Connecteur droit 10">
-            <a:extLst>
-              <a:ext uri="{FF2B5EF4-FFF2-40B4-BE49-F238E27FC236}">
-                <a16:creationId xmlns:a16="http://schemas.microsoft.com/office/drawing/2014/main" id="{B6CAA71C-4114-4D04-C432-121B47739FCA}"/>
-              </a:ext>
-            </a:extLst>
-          </p:cNvPr>
-          <p:cNvCxnSpPr>
-            <a:cxnSpLocks/>
-          </p:cNvCxnSpPr>
-          <p:nvPr/>
-        </p:nvCxnSpPr>
-        <p:spPr>
-          <a:xfrm>
-            <a:off x="7137954" y="2085385"/>
-            <a:ext cx="0" cy="3694693"/>
-          </a:xfrm>
-          <a:prstGeom prst="line">
-            <a:avLst/>
-          </a:prstGeom>
-        </p:spPr>
-        <p:style>
-          <a:lnRef idx="2">
-            <a:schemeClr val="accent1"/>
-          </a:lnRef>
-          <a:fillRef idx="0">
-            <a:schemeClr val="accent1"/>
-          </a:fillRef>
-          <a:effectRef idx="1">
-            <a:schemeClr val="accent1"/>
-          </a:effectRef>
-          <a:fontRef idx="minor">
-            <a:schemeClr val="tx1"/>
-          </a:fontRef>
-        </p:style>
-      </p:cxnSp>
-      <p:sp>
-        <p:nvSpPr>
-          <p:cNvPr id="3" name="ZoneTexte 2">
-            <a:extLst>
-              <a:ext uri="{FF2B5EF4-FFF2-40B4-BE49-F238E27FC236}">
-                <a16:creationId xmlns:a16="http://schemas.microsoft.com/office/drawing/2014/main" id="{EBE47A1D-30BB-4390-09EE-9BC939AE7350}"/>
-              </a:ext>
-            </a:extLst>
-          </p:cNvPr>
-          <p:cNvSpPr txBox="1"/>
-          <p:nvPr/>
-        </p:nvSpPr>
-        <p:spPr>
-          <a:xfrm>
-            <a:off x="520901" y="1866762"/>
-            <a:ext cx="6464653" cy="4247317"/>
-          </a:xfrm>
-          <a:prstGeom prst="rect">
-            <a:avLst/>
-          </a:prstGeom>
-          <a:noFill/>
-        </p:spPr>
-        <p:txBody>
-          <a:bodyPr wrap="square" rtlCol="0">
-            <a:spAutoFit/>
-          </a:bodyPr>
-          <a:lstStyle/>
-          <a:p>
-            <a:r>
-              <a:rPr lang="fr-FR" dirty="0"/>
-              <a:t>Python file are a simple and efficient </a:t>
-            </a:r>
-            <a:r>
-              <a:rPr lang="fr-FR" dirty="0" err="1"/>
-              <a:t>ways</a:t>
-            </a:r>
-            <a:r>
-              <a:rPr lang="fr-FR" dirty="0"/>
-              <a:t> to </a:t>
-            </a:r>
-            <a:r>
-              <a:rPr lang="fr-FR" dirty="0" err="1"/>
-              <a:t>define</a:t>
-            </a:r>
-            <a:r>
-              <a:rPr lang="fr-FR" dirty="0"/>
-              <a:t> </a:t>
-            </a:r>
-            <a:r>
-              <a:rPr lang="fr-FR" dirty="0" err="1"/>
-              <a:t>your</a:t>
-            </a:r>
-            <a:r>
-              <a:rPr lang="fr-FR" dirty="0"/>
-              <a:t> python program, and are at the </a:t>
-            </a:r>
-            <a:r>
-              <a:rPr lang="fr-FR" dirty="0" err="1"/>
-              <a:t>core</a:t>
-            </a:r>
-            <a:r>
-              <a:rPr lang="fr-FR" dirty="0"/>
-              <a:t> of production code.</a:t>
-            </a:r>
-          </a:p>
-          <a:p>
-            <a:endParaRPr lang="fr-FR" dirty="0"/>
-          </a:p>
-          <a:p>
-            <a:r>
-              <a:rPr lang="fr-FR" dirty="0"/>
-              <a:t>But </a:t>
-            </a:r>
-            <a:r>
-              <a:rPr lang="fr-FR" dirty="0" err="1"/>
-              <a:t>when</a:t>
-            </a:r>
-            <a:r>
-              <a:rPr lang="fr-FR" dirty="0"/>
-              <a:t> </a:t>
-            </a:r>
-            <a:r>
-              <a:rPr lang="fr-FR" dirty="0" err="1"/>
-              <a:t>you</a:t>
-            </a:r>
-            <a:r>
-              <a:rPr lang="fr-FR" dirty="0"/>
-              <a:t> are </a:t>
-            </a:r>
-            <a:r>
-              <a:rPr lang="fr-FR" dirty="0" err="1"/>
-              <a:t>prototyping</a:t>
-            </a:r>
-            <a:r>
-              <a:rPr lang="fr-FR" dirty="0"/>
-              <a:t>, or </a:t>
-            </a:r>
-            <a:r>
-              <a:rPr lang="fr-FR" dirty="0" err="1"/>
-              <a:t>starting</a:t>
-            </a:r>
-            <a:r>
-              <a:rPr lang="fr-FR" dirty="0"/>
-              <a:t> to </a:t>
-            </a:r>
-            <a:r>
-              <a:rPr lang="fr-FR" dirty="0" err="1"/>
-              <a:t>work</a:t>
-            </a:r>
-            <a:r>
-              <a:rPr lang="fr-FR" dirty="0"/>
-              <a:t> on </a:t>
-            </a:r>
-            <a:r>
-              <a:rPr lang="fr-FR" dirty="0" err="1"/>
-              <a:t>idea</a:t>
-            </a:r>
-            <a:r>
-              <a:rPr lang="fr-FR" dirty="0"/>
-              <a:t>, </a:t>
-            </a:r>
-            <a:r>
-              <a:rPr lang="fr-FR" dirty="0" err="1"/>
-              <a:t>having</a:t>
-            </a:r>
-            <a:r>
-              <a:rPr lang="fr-FR" dirty="0"/>
-              <a:t> the script </a:t>
-            </a:r>
-            <a:r>
-              <a:rPr lang="fr-FR" dirty="0" err="1"/>
-              <a:t>separated</a:t>
-            </a:r>
-            <a:r>
-              <a:rPr lang="fr-FR" dirty="0"/>
-              <a:t> </a:t>
-            </a:r>
-            <a:r>
-              <a:rPr lang="fr-FR" dirty="0" err="1"/>
-              <a:t>from</a:t>
-            </a:r>
-            <a:r>
-              <a:rPr lang="fr-FR" dirty="0"/>
-              <a:t> the terminal can </a:t>
-            </a:r>
-            <a:r>
-              <a:rPr lang="fr-FR" dirty="0" err="1"/>
-              <a:t>be</a:t>
-            </a:r>
-            <a:r>
-              <a:rPr lang="fr-FR" dirty="0"/>
-              <a:t> </a:t>
-            </a:r>
-            <a:r>
-              <a:rPr lang="fr-FR" dirty="0" err="1"/>
-              <a:t>tedious</a:t>
-            </a:r>
-            <a:r>
-              <a:rPr lang="fr-FR" dirty="0"/>
-              <a:t>.</a:t>
-            </a:r>
-          </a:p>
-          <a:p>
-            <a:endParaRPr lang="fr-FR" dirty="0"/>
-          </a:p>
-          <a:p>
-            <a:r>
-              <a:rPr lang="fr-FR" dirty="0"/>
-              <a:t>To tackle the issue, </a:t>
-            </a:r>
-            <a:r>
-              <a:rPr lang="fr-FR" dirty="0" err="1"/>
-              <a:t>jupyter</a:t>
-            </a:r>
-            <a:r>
-              <a:rPr lang="fr-FR" dirty="0"/>
-              <a:t> notebooks </a:t>
-            </a:r>
-            <a:r>
-              <a:rPr lang="fr-FR" dirty="0" err="1"/>
-              <a:t>where</a:t>
-            </a:r>
-            <a:r>
-              <a:rPr lang="fr-FR" dirty="0"/>
-              <a:t> </a:t>
-            </a:r>
-            <a:r>
-              <a:rPr lang="fr-FR" dirty="0" err="1"/>
-              <a:t>invented</a:t>
-            </a:r>
-            <a:r>
-              <a:rPr lang="fr-FR" dirty="0"/>
-              <a:t>, </a:t>
-            </a:r>
-            <a:r>
-              <a:rPr lang="fr-FR" dirty="0" err="1"/>
-              <a:t>with</a:t>
-            </a:r>
-            <a:r>
-              <a:rPr lang="fr-FR" dirty="0"/>
-              <a:t> an </a:t>
-            </a:r>
-            <a:r>
-              <a:rPr lang="fr-FR" dirty="0" err="1"/>
-              <a:t>unified</a:t>
-            </a:r>
-            <a:r>
-              <a:rPr lang="fr-FR" dirty="0"/>
-              <a:t> interactive python </a:t>
-            </a:r>
-            <a:r>
-              <a:rPr lang="fr-FR" dirty="0" err="1"/>
-              <a:t>environment</a:t>
-            </a:r>
-            <a:r>
-              <a:rPr lang="fr-FR" dirty="0"/>
-              <a:t>.</a:t>
-            </a:r>
-          </a:p>
-          <a:p>
-            <a:endParaRPr lang="fr-FR" dirty="0"/>
-          </a:p>
-          <a:p>
-            <a:r>
-              <a:rPr lang="fr-FR" dirty="0" err="1"/>
-              <a:t>Jupyter</a:t>
-            </a:r>
-            <a:r>
-              <a:rPr lang="fr-FR" dirty="0"/>
-              <a:t> are a mix of </a:t>
-            </a:r>
-            <a:r>
-              <a:rPr lang="fr-FR" dirty="0" err="1"/>
-              <a:t>json</a:t>
-            </a:r>
-            <a:r>
-              <a:rPr lang="fr-FR" dirty="0"/>
-              <a:t> and </a:t>
-            </a:r>
-            <a:r>
-              <a:rPr lang="fr-FR" dirty="0" err="1"/>
-              <a:t>markdown</a:t>
-            </a:r>
-            <a:r>
-              <a:rPr lang="fr-FR" dirty="0"/>
-              <a:t> files, </a:t>
-            </a:r>
-            <a:r>
-              <a:rPr lang="fr-FR" dirty="0" err="1"/>
-              <a:t>that</a:t>
-            </a:r>
-            <a:r>
-              <a:rPr lang="fr-FR" dirty="0"/>
-              <a:t> can </a:t>
-            </a:r>
-            <a:r>
-              <a:rPr lang="fr-FR" dirty="0" err="1"/>
-              <a:t>be</a:t>
-            </a:r>
-            <a:r>
-              <a:rPr lang="fr-FR" dirty="0"/>
-              <a:t> </a:t>
-            </a:r>
-            <a:r>
-              <a:rPr lang="fr-FR" dirty="0" err="1"/>
-              <a:t>identified</a:t>
-            </a:r>
-            <a:r>
-              <a:rPr lang="fr-FR" dirty="0"/>
-              <a:t> by </a:t>
-            </a:r>
-            <a:r>
-              <a:rPr lang="fr-FR" dirty="0" err="1"/>
-              <a:t>ther</a:t>
-            </a:r>
-            <a:r>
-              <a:rPr lang="fr-FR" dirty="0"/>
-              <a:t> .</a:t>
-            </a:r>
-            <a:r>
-              <a:rPr lang="fr-FR" dirty="0" err="1"/>
-              <a:t>ipynb</a:t>
-            </a:r>
-            <a:r>
-              <a:rPr lang="fr-FR" dirty="0"/>
-              <a:t> extension.</a:t>
-            </a:r>
-          </a:p>
-          <a:p>
-            <a:endParaRPr lang="fr-FR" dirty="0"/>
-          </a:p>
-          <a:p>
-            <a:r>
-              <a:rPr lang="fr-FR" dirty="0" err="1"/>
-              <a:t>With</a:t>
-            </a:r>
-            <a:r>
-              <a:rPr lang="fr-FR" dirty="0"/>
-              <a:t> the right extension, </a:t>
-            </a:r>
-            <a:r>
-              <a:rPr lang="fr-FR" dirty="0" err="1"/>
-              <a:t>vscode</a:t>
-            </a:r>
-            <a:r>
-              <a:rPr lang="fr-FR" dirty="0"/>
-              <a:t> enables </a:t>
-            </a:r>
-            <a:r>
-              <a:rPr lang="fr-FR" dirty="0" err="1"/>
-              <a:t>you</a:t>
-            </a:r>
-            <a:r>
-              <a:rPr lang="fr-FR" dirty="0"/>
-              <a:t> to </a:t>
-            </a:r>
-            <a:r>
-              <a:rPr lang="fr-FR" dirty="0" err="1"/>
-              <a:t>directly</a:t>
-            </a:r>
-            <a:r>
-              <a:rPr lang="fr-FR" dirty="0"/>
-              <a:t> run notebooks in </a:t>
-            </a:r>
-            <a:r>
-              <a:rPr lang="fr-FR" dirty="0" err="1"/>
-              <a:t>your</a:t>
-            </a:r>
-            <a:r>
-              <a:rPr lang="fr-FR" dirty="0"/>
-              <a:t> IDE.</a:t>
-            </a:r>
-          </a:p>
-          <a:p>
-            <a:pPr marL="285750" indent="-285750">
-              <a:buFontTx/>
-              <a:buChar char="-"/>
-            </a:pPr>
-            <a:endParaRPr lang="fr-FR" dirty="0"/>
+              <a:t>Presentation</a:t>
+            </a:r>
+            <a:endParaRPr lang="fr-FR" b="1" dirty="0">
+              <a:solidFill>
+                <a:schemeClr val="bg1"/>
+              </a:solidFill>
+            </a:endParaRPr>
           </a:p>
         </p:txBody>
       </p:sp>
@@ -13611,7 +12518,7 @@
           <p:cNvPr id="7" name="Image 6">
             <a:extLst>
               <a:ext uri="{FF2B5EF4-FFF2-40B4-BE49-F238E27FC236}">
-                <a16:creationId xmlns:a16="http://schemas.microsoft.com/office/drawing/2014/main" id="{27102B0F-6F75-8F95-E462-9FBA19CEF763}"/>
+                <a16:creationId xmlns:a16="http://schemas.microsoft.com/office/drawing/2014/main" id="{DFA41D4D-9D07-EF59-41CA-F397C1FA2C0A}"/>
               </a:ext>
             </a:extLst>
           </p:cNvPr>
@@ -13622,235 +12529,73 @@
         </p:nvPicPr>
         <p:blipFill>
           <a:blip r:embed="rId2"/>
+          <a:srcRect t="16060"/>
+          <a:stretch/>
+        </p:blipFill>
+        <p:spPr>
+          <a:xfrm>
+            <a:off x="-1" y="1325563"/>
+            <a:ext cx="4667012" cy="5546435"/>
+          </a:xfrm>
+          <a:prstGeom prst="rect">
+            <a:avLst/>
+          </a:prstGeom>
+        </p:spPr>
+      </p:pic>
+      <p:pic>
+        <p:nvPicPr>
+          <p:cNvPr id="13" name="Image 12">
+            <a:extLst>
+              <a:ext uri="{FF2B5EF4-FFF2-40B4-BE49-F238E27FC236}">
+                <a16:creationId xmlns:a16="http://schemas.microsoft.com/office/drawing/2014/main" id="{5A00FCED-A36B-AC5A-9687-E2F2AF95ADF2}"/>
+              </a:ext>
+            </a:extLst>
+          </p:cNvPr>
+          <p:cNvPicPr>
+            <a:picLocks noChangeAspect="1"/>
+          </p:cNvPicPr>
+          <p:nvPr/>
+        </p:nvPicPr>
+        <p:blipFill>
+          <a:blip r:embed="rId3"/>
           <a:stretch>
             <a:fillRect/>
           </a:stretch>
         </p:blipFill>
         <p:spPr>
           <a:xfrm>
-            <a:off x="7702093" y="1442689"/>
-            <a:ext cx="3861824" cy="5095461"/>
+            <a:off x="5173599" y="4494812"/>
+            <a:ext cx="6782747" cy="1200318"/>
           </a:xfrm>
           <a:prstGeom prst="rect">
             <a:avLst/>
           </a:prstGeom>
         </p:spPr>
       </p:pic>
-    </p:spTree>
-    <p:extLst>
-      <p:ext uri="{BB962C8B-B14F-4D97-AF65-F5344CB8AC3E}">
-        <p14:creationId xmlns:p14="http://schemas.microsoft.com/office/powerpoint/2010/main" val="258817668"/>
-      </p:ext>
-    </p:extLst>
-  </p:cSld>
-  <p:clrMapOvr>
-    <a:masterClrMapping/>
-  </p:clrMapOvr>
-</p:sld>
-</file>
-
-<file path=ppt/slides/slide32.xml><?xml version="1.0" encoding="utf-8"?>
-<p:sld xmlns:a="http://schemas.openxmlformats.org/drawingml/2006/main" xmlns:r="http://schemas.openxmlformats.org/officeDocument/2006/relationships" xmlns:p="http://schemas.openxmlformats.org/presentationml/2006/main">
-  <p:cSld>
-    <p:spTree>
-      <p:nvGrpSpPr>
-        <p:cNvPr id="1" name="">
-          <a:extLst>
-            <a:ext uri="{FF2B5EF4-FFF2-40B4-BE49-F238E27FC236}">
-              <a16:creationId xmlns:a16="http://schemas.microsoft.com/office/drawing/2014/main" id="{CE169DB3-1D0C-B8E5-FC8F-DDD76D3293BC}"/>
-            </a:ext>
-          </a:extLst>
-        </p:cNvPr>
-        <p:cNvGrpSpPr/>
-        <p:nvPr/>
-      </p:nvGrpSpPr>
-      <p:grpSpPr>
-        <a:xfrm>
-          <a:off x="0" y="0"/>
-          <a:ext cx="0" cy="0"/>
-          <a:chOff x="0" y="0"/>
-          <a:chExt cx="0" cy="0"/>
-        </a:xfrm>
-      </p:grpSpPr>
-      <p:sp>
-        <p:nvSpPr>
-          <p:cNvPr id="4" name="Rectangle 3">
-            <a:extLst>
-              <a:ext uri="{FF2B5EF4-FFF2-40B4-BE49-F238E27FC236}">
-                <a16:creationId xmlns:a16="http://schemas.microsoft.com/office/drawing/2014/main" id="{51E728A7-4296-096E-3245-2F00E0644AB8}"/>
-              </a:ext>
-            </a:extLst>
-          </p:cNvPr>
-          <p:cNvSpPr/>
+      <p:pic>
+        <p:nvPicPr>
+          <p:cNvPr id="15" name="Image 14">
+            <a:extLst>
+              <a:ext uri="{FF2B5EF4-FFF2-40B4-BE49-F238E27FC236}">
+                <a16:creationId xmlns:a16="http://schemas.microsoft.com/office/drawing/2014/main" id="{796CE143-B212-6334-3264-531C1C468DCE}"/>
+              </a:ext>
+            </a:extLst>
+          </p:cNvPr>
+          <p:cNvPicPr>
+            <a:picLocks noChangeAspect="1"/>
+          </p:cNvPicPr>
           <p:nvPr/>
-        </p:nvSpPr>
+        </p:nvPicPr>
+        <p:blipFill>
+          <a:blip r:embed="rId4"/>
+          <a:stretch>
+            <a:fillRect/>
+          </a:stretch>
+        </p:blipFill>
         <p:spPr>
           <a:xfrm>
-            <a:off x="-1" y="0"/>
-            <a:ext cx="12192001" cy="6858000"/>
-          </a:xfrm>
-          <a:prstGeom prst="rect">
-            <a:avLst/>
-          </a:prstGeom>
-          <a:solidFill>
-            <a:srgbClr val="EBF4FD"/>
-          </a:solidFill>
-          <a:ln>
-            <a:noFill/>
-          </a:ln>
-        </p:spPr>
-        <p:style>
-          <a:lnRef idx="2">
-            <a:schemeClr val="accent1">
-              <a:shade val="15000"/>
-            </a:schemeClr>
-          </a:lnRef>
-          <a:fillRef idx="1">
-            <a:schemeClr val="accent1"/>
-          </a:fillRef>
-          <a:effectRef idx="0">
-            <a:schemeClr val="accent1"/>
-          </a:effectRef>
-          <a:fontRef idx="minor">
-            <a:schemeClr val="lt1"/>
-          </a:fontRef>
-        </p:style>
-        <p:txBody>
-          <a:bodyPr rtlCol="0" anchor="ctr"/>
-          <a:lstStyle/>
-          <a:p>
-            <a:pPr algn="ctr"/>
-            <a:endParaRPr lang="fr-FR" dirty="0"/>
-          </a:p>
-        </p:txBody>
-      </p:sp>
-      <p:sp>
-        <p:nvSpPr>
-          <p:cNvPr id="5" name="Titre 1">
-            <a:extLst>
-              <a:ext uri="{FF2B5EF4-FFF2-40B4-BE49-F238E27FC236}">
-                <a16:creationId xmlns:a16="http://schemas.microsoft.com/office/drawing/2014/main" id="{01B52534-7600-1A42-2CDB-15FCC1E2713E}"/>
-              </a:ext>
-            </a:extLst>
-          </p:cNvPr>
-          <p:cNvSpPr>
-            <a:spLocks noGrp="1"/>
-          </p:cNvSpPr>
-          <p:nvPr>
-            <p:ph type="title"/>
-          </p:nvPr>
-        </p:nvSpPr>
-        <p:spPr>
-          <a:xfrm>
-            <a:off x="2411896" y="2221310"/>
-            <a:ext cx="7368208" cy="2415381"/>
-          </a:xfrm>
-        </p:spPr>
-        <p:txBody>
-          <a:bodyPr>
-            <a:normAutofit fontScale="90000"/>
-          </a:bodyPr>
-          <a:lstStyle/>
-          <a:p>
-            <a:pPr algn="ctr">
-              <a:lnSpc>
-                <a:spcPct val="100000"/>
-              </a:lnSpc>
-            </a:pPr>
-            <a:r>
-              <a:rPr lang="fr-FR" sz="7200" b="1" dirty="0">
-                <a:solidFill>
-                  <a:srgbClr val="314154"/>
-                </a:solidFill>
-              </a:rPr>
-              <a:t>ACT III</a:t>
-            </a:r>
-            <a:br>
-              <a:rPr lang="fr-FR" sz="4800" b="1" dirty="0">
-                <a:solidFill>
-                  <a:srgbClr val="314154"/>
-                </a:solidFill>
-              </a:rPr>
-            </a:br>
-            <a:r>
-              <a:rPr lang="fr-FR" sz="4800" b="1" dirty="0">
-                <a:solidFill>
-                  <a:srgbClr val="314154"/>
-                </a:solidFill>
-              </a:rPr>
-              <a:t>Enterprise python : </a:t>
-            </a:r>
-            <a:r>
-              <a:rPr lang="fr-FR" sz="4800" b="1" dirty="0" err="1">
-                <a:solidFill>
-                  <a:srgbClr val="314154"/>
-                </a:solidFill>
-              </a:rPr>
-              <a:t>Collaborate,Document</a:t>
-            </a:r>
-            <a:r>
-              <a:rPr lang="fr-FR" sz="4800" b="1" dirty="0">
-                <a:solidFill>
-                  <a:srgbClr val="314154"/>
-                </a:solidFill>
-              </a:rPr>
-              <a:t>, Frame</a:t>
-            </a:r>
-          </a:p>
-        </p:txBody>
-      </p:sp>
-    </p:spTree>
-    <p:extLst>
-      <p:ext uri="{BB962C8B-B14F-4D97-AF65-F5344CB8AC3E}">
-        <p14:creationId xmlns:p14="http://schemas.microsoft.com/office/powerpoint/2010/main" val="184681714"/>
-      </p:ext>
-    </p:extLst>
-  </p:cSld>
-  <p:clrMapOvr>
-    <a:masterClrMapping/>
-  </p:clrMapOvr>
-</p:sld>
-</file>
-
-<file path=ppt/slides/slide33.xml><?xml version="1.0" encoding="utf-8"?>
-<p:sld xmlns:a="http://schemas.openxmlformats.org/drawingml/2006/main" xmlns:r="http://schemas.openxmlformats.org/officeDocument/2006/relationships" xmlns:p="http://schemas.openxmlformats.org/presentationml/2006/main">
-  <p:cSld>
-    <p:spTree>
-      <p:nvGrpSpPr>
-        <p:cNvPr id="1" name="">
-          <a:extLst>
-            <a:ext uri="{FF2B5EF4-FFF2-40B4-BE49-F238E27FC236}">
-              <a16:creationId xmlns:a16="http://schemas.microsoft.com/office/drawing/2014/main" id="{16F469F0-0B64-5AF8-8258-5EB6ED7A493F}"/>
-            </a:ext>
-          </a:extLst>
-        </p:cNvPr>
-        <p:cNvGrpSpPr/>
-        <p:nvPr/>
-      </p:nvGrpSpPr>
-      <p:grpSpPr>
-        <a:xfrm>
-          <a:off x="0" y="0"/>
-          <a:ext cx="0" cy="0"/>
-          <a:chOff x="0" y="0"/>
-          <a:chExt cx="0" cy="0"/>
-        </a:xfrm>
-      </p:grpSpPr>
-      <p:sp>
-        <p:nvSpPr>
-          <p:cNvPr id="5" name="Rectangle 4">
-            <a:extLst>
-              <a:ext uri="{FF2B5EF4-FFF2-40B4-BE49-F238E27FC236}">
-                <a16:creationId xmlns:a16="http://schemas.microsoft.com/office/drawing/2014/main" id="{9F223973-E34A-EEE6-1D5E-F6CA39819130}"/>
-              </a:ext>
-            </a:extLst>
-          </p:cNvPr>
-          <p:cNvSpPr/>
-          <p:nvPr/>
-        </p:nvSpPr>
-        <p:spPr>
-          <a:xfrm>
-            <a:off x="0" y="0"/>
-            <a:ext cx="12192000" cy="1325563"/>
+            <a:off x="98882" y="169007"/>
+            <a:ext cx="1038370" cy="885949"/>
           </a:xfrm>
           <a:prstGeom prst="rect">
             <a:avLst/>
@@ -13880,474 +12625,13 @@
             <a:tileRect/>
           </a:gradFill>
         </p:spPr>
-        <p:style>
-          <a:lnRef idx="2">
-            <a:schemeClr val="accent1">
-              <a:shade val="15000"/>
-            </a:schemeClr>
-          </a:lnRef>
-          <a:fillRef idx="1">
-            <a:schemeClr val="accent1"/>
-          </a:fillRef>
-          <a:effectRef idx="0">
-            <a:schemeClr val="accent1"/>
-          </a:effectRef>
-          <a:fontRef idx="minor">
-            <a:schemeClr val="lt1"/>
-          </a:fontRef>
-        </p:style>
-        <p:txBody>
-          <a:bodyPr rtlCol="0" anchor="ctr"/>
-          <a:lstStyle/>
-          <a:p>
-            <a:pPr algn="ctr"/>
-            <a:endParaRPr lang="fr-FR"/>
-          </a:p>
-        </p:txBody>
-      </p:sp>
-      <p:sp>
-        <p:nvSpPr>
-          <p:cNvPr id="2" name="Titre 1">
-            <a:extLst>
-              <a:ext uri="{FF2B5EF4-FFF2-40B4-BE49-F238E27FC236}">
-                <a16:creationId xmlns:a16="http://schemas.microsoft.com/office/drawing/2014/main" id="{60BF3FC1-6880-FB55-703B-B27C54869E57}"/>
-              </a:ext>
-            </a:extLst>
-          </p:cNvPr>
-          <p:cNvSpPr>
-            <a:spLocks noGrp="1"/>
-          </p:cNvSpPr>
-          <p:nvPr>
-            <p:ph type="title"/>
-          </p:nvPr>
-        </p:nvSpPr>
-        <p:spPr>
-          <a:xfrm>
-            <a:off x="516835" y="18255"/>
-            <a:ext cx="11675165" cy="1325563"/>
-          </a:xfrm>
-        </p:spPr>
-        <p:txBody>
-          <a:bodyPr>
-            <a:normAutofit/>
-          </a:bodyPr>
-          <a:lstStyle/>
-          <a:p>
-            <a:r>
-              <a:rPr lang="fr-FR" b="1" dirty="0" err="1">
-                <a:solidFill>
-                  <a:schemeClr val="bg1"/>
-                </a:solidFill>
-              </a:rPr>
-              <a:t>Github</a:t>
-            </a:r>
-            <a:r>
-              <a:rPr lang="fr-FR" b="1" dirty="0">
-                <a:solidFill>
-                  <a:schemeClr val="bg1"/>
-                </a:solidFill>
-              </a:rPr>
-              <a:t> : The collaborative </a:t>
-            </a:r>
-            <a:r>
-              <a:rPr lang="fr-FR" b="1" dirty="0" err="1">
-                <a:solidFill>
-                  <a:schemeClr val="bg1"/>
-                </a:solidFill>
-              </a:rPr>
-              <a:t>development</a:t>
-            </a:r>
-            <a:r>
-              <a:rPr lang="fr-FR" b="1" dirty="0">
-                <a:solidFill>
-                  <a:schemeClr val="bg1"/>
-                </a:solidFill>
-              </a:rPr>
-              <a:t> platform</a:t>
-            </a:r>
-          </a:p>
-        </p:txBody>
-      </p:sp>
-      <p:sp>
-        <p:nvSpPr>
-          <p:cNvPr id="3" name="ZoneTexte 2">
-            <a:extLst>
-              <a:ext uri="{FF2B5EF4-FFF2-40B4-BE49-F238E27FC236}">
-                <a16:creationId xmlns:a16="http://schemas.microsoft.com/office/drawing/2014/main" id="{2B9666B8-EDA3-37D2-C9BB-59CE31239D4A}"/>
-              </a:ext>
-            </a:extLst>
-          </p:cNvPr>
-          <p:cNvSpPr txBox="1"/>
-          <p:nvPr/>
-        </p:nvSpPr>
-        <p:spPr>
-          <a:xfrm>
-            <a:off x="308900" y="2113722"/>
-            <a:ext cx="5787100" cy="3693319"/>
-          </a:xfrm>
-          <a:prstGeom prst="rect">
-            <a:avLst/>
-          </a:prstGeom>
-          <a:noFill/>
-        </p:spPr>
-        <p:txBody>
-          <a:bodyPr wrap="square" rtlCol="0">
-            <a:spAutoFit/>
-          </a:bodyPr>
-          <a:lstStyle/>
-          <a:p>
-            <a:r>
-              <a:rPr lang="fr-FR" dirty="0" err="1"/>
-              <a:t>When</a:t>
-            </a:r>
-            <a:r>
-              <a:rPr lang="fr-FR" dirty="0"/>
-              <a:t> </a:t>
-            </a:r>
-            <a:r>
-              <a:rPr lang="fr-FR" dirty="0" err="1"/>
-              <a:t>it</a:t>
-            </a:r>
-            <a:r>
-              <a:rPr lang="fr-FR" dirty="0"/>
-              <a:t> </a:t>
-            </a:r>
-            <a:r>
-              <a:rPr lang="fr-FR" dirty="0" err="1"/>
-              <a:t>comes</a:t>
-            </a:r>
-            <a:r>
-              <a:rPr lang="fr-FR" dirty="0"/>
-              <a:t> to collaborative </a:t>
-            </a:r>
-            <a:r>
-              <a:rPr lang="fr-FR" dirty="0" err="1"/>
-              <a:t>development</a:t>
-            </a:r>
-            <a:r>
-              <a:rPr lang="fr-FR" dirty="0"/>
-              <a:t>, </a:t>
-            </a:r>
-            <a:r>
-              <a:rPr lang="fr-FR" dirty="0" err="1"/>
-              <a:t>github</a:t>
-            </a:r>
-            <a:r>
-              <a:rPr lang="fr-FR" dirty="0"/>
-              <a:t> </a:t>
-            </a:r>
-            <a:r>
-              <a:rPr lang="fr-FR" dirty="0" err="1"/>
-              <a:t>is</a:t>
-            </a:r>
-            <a:r>
-              <a:rPr lang="fr-FR" dirty="0"/>
-              <a:t> one the must know </a:t>
-            </a:r>
-            <a:r>
-              <a:rPr lang="fr-FR" dirty="0" err="1"/>
-              <a:t>tools</a:t>
-            </a:r>
-            <a:r>
-              <a:rPr lang="fr-FR" dirty="0"/>
-              <a:t> to enable </a:t>
-            </a:r>
-            <a:r>
-              <a:rPr lang="fr-FR" dirty="0" err="1"/>
-              <a:t>development</a:t>
-            </a:r>
-            <a:r>
-              <a:rPr lang="fr-FR" dirty="0"/>
-              <a:t>. For </a:t>
-            </a:r>
-            <a:r>
-              <a:rPr lang="fr-FR" dirty="0" err="1"/>
-              <a:t>this</a:t>
-            </a:r>
-            <a:r>
-              <a:rPr lang="fr-FR" dirty="0"/>
-              <a:t> </a:t>
-            </a:r>
-            <a:r>
-              <a:rPr lang="fr-FR" dirty="0" err="1"/>
-              <a:t>reason</a:t>
-            </a:r>
-            <a:r>
-              <a:rPr lang="fr-FR" dirty="0"/>
-              <a:t>, </a:t>
-            </a:r>
-            <a:r>
-              <a:rPr lang="fr-FR" dirty="0" err="1"/>
-              <a:t>most</a:t>
-            </a:r>
-            <a:r>
-              <a:rPr lang="fr-FR" dirty="0"/>
-              <a:t> of </a:t>
-            </a:r>
-            <a:r>
-              <a:rPr lang="fr-FR" dirty="0" err="1"/>
-              <a:t>this</a:t>
-            </a:r>
-            <a:r>
-              <a:rPr lang="fr-FR" dirty="0"/>
-              <a:t> course </a:t>
-            </a:r>
-            <a:r>
-              <a:rPr lang="fr-FR" dirty="0" err="1"/>
-              <a:t>will</a:t>
-            </a:r>
-            <a:r>
-              <a:rPr lang="fr-FR" dirty="0"/>
-              <a:t> </a:t>
-            </a:r>
-            <a:r>
-              <a:rPr lang="fr-FR" dirty="0" err="1"/>
-              <a:t>be</a:t>
-            </a:r>
-            <a:r>
-              <a:rPr lang="fr-FR" dirty="0"/>
-              <a:t> </a:t>
-            </a:r>
-            <a:r>
-              <a:rPr lang="fr-FR" dirty="0" err="1"/>
-              <a:t>available</a:t>
-            </a:r>
-            <a:r>
-              <a:rPr lang="fr-FR" dirty="0"/>
-              <a:t> on </a:t>
-            </a:r>
-            <a:r>
-              <a:rPr lang="fr-FR" dirty="0" err="1"/>
-              <a:t>github</a:t>
-            </a:r>
-            <a:r>
-              <a:rPr lang="fr-FR" dirty="0"/>
-              <a:t>,</a:t>
-            </a:r>
-          </a:p>
-          <a:p>
-            <a:endParaRPr lang="fr-FR" dirty="0"/>
-          </a:p>
-          <a:p>
-            <a:r>
-              <a:rPr lang="fr-FR" dirty="0"/>
-              <a:t>GitHub starts as a simple </a:t>
-            </a:r>
-            <a:r>
-              <a:rPr lang="fr-FR" dirty="0" err="1"/>
-              <a:t>util</a:t>
-            </a:r>
-            <a:r>
-              <a:rPr lang="fr-FR" dirty="0"/>
-              <a:t> </a:t>
-            </a:r>
-            <a:r>
-              <a:rPr lang="fr-FR" dirty="0" err="1"/>
-              <a:t>designed</a:t>
-            </a:r>
-            <a:r>
-              <a:rPr lang="fr-FR" dirty="0"/>
-              <a:t> to help version and </a:t>
-            </a:r>
-            <a:r>
-              <a:rPr lang="fr-FR" dirty="0" err="1"/>
-              <a:t>evolve</a:t>
-            </a:r>
-            <a:r>
-              <a:rPr lang="fr-FR" dirty="0"/>
-              <a:t> </a:t>
-            </a:r>
-            <a:r>
-              <a:rPr lang="fr-FR" dirty="0" err="1"/>
-              <a:t>textual</a:t>
-            </a:r>
-            <a:r>
-              <a:rPr lang="fr-FR" dirty="0"/>
-              <a:t> content. It </a:t>
-            </a:r>
-            <a:r>
-              <a:rPr lang="fr-FR" dirty="0" err="1"/>
-              <a:t>revolves</a:t>
-            </a:r>
-            <a:r>
-              <a:rPr lang="fr-FR" dirty="0"/>
-              <a:t> </a:t>
-            </a:r>
-            <a:r>
-              <a:rPr lang="fr-FR" dirty="0" err="1"/>
-              <a:t>around</a:t>
-            </a:r>
-            <a:r>
-              <a:rPr lang="fr-FR" dirty="0"/>
-              <a:t> the </a:t>
-            </a:r>
-            <a:r>
-              <a:rPr lang="fr-FR" dirty="0" err="1"/>
-              <a:t>principle</a:t>
-            </a:r>
-            <a:r>
-              <a:rPr lang="fr-FR" dirty="0"/>
-              <a:t> of « diffs »</a:t>
-            </a:r>
-          </a:p>
-          <a:p>
-            <a:endParaRPr lang="fr-FR" dirty="0"/>
-          </a:p>
-          <a:p>
-            <a:r>
-              <a:rPr lang="fr-FR" dirty="0"/>
-              <a:t>A diff </a:t>
-            </a:r>
-            <a:r>
-              <a:rPr lang="fr-FR" dirty="0" err="1"/>
-              <a:t>is</a:t>
-            </a:r>
-            <a:r>
-              <a:rPr lang="fr-FR" dirty="0"/>
-              <a:t> the minimal set of </a:t>
-            </a:r>
-            <a:r>
-              <a:rPr lang="fr-FR" dirty="0" err="1"/>
-              <a:t>editions</a:t>
-            </a:r>
-            <a:r>
-              <a:rPr lang="fr-FR" dirty="0"/>
-              <a:t> </a:t>
-            </a:r>
-            <a:r>
-              <a:rPr lang="fr-FR" dirty="0" err="1"/>
-              <a:t>you</a:t>
-            </a:r>
-            <a:r>
-              <a:rPr lang="fr-FR" dirty="0"/>
-              <a:t> must do to go </a:t>
-            </a:r>
-            <a:r>
-              <a:rPr lang="fr-FR" dirty="0" err="1"/>
-              <a:t>from</a:t>
-            </a:r>
-            <a:r>
-              <a:rPr lang="fr-FR" dirty="0"/>
-              <a:t> one </a:t>
-            </a:r>
-            <a:r>
-              <a:rPr lang="fr-FR" dirty="0" err="1"/>
-              <a:t>text</a:t>
-            </a:r>
-            <a:r>
-              <a:rPr lang="fr-FR" dirty="0"/>
-              <a:t> file to an </a:t>
-            </a:r>
-            <a:r>
-              <a:rPr lang="fr-FR" dirty="0" err="1"/>
-              <a:t>other</a:t>
-            </a:r>
-            <a:r>
-              <a:rPr lang="fr-FR" dirty="0"/>
-              <a:t> </a:t>
-            </a:r>
-            <a:r>
-              <a:rPr lang="fr-FR" dirty="0" err="1"/>
-              <a:t>text</a:t>
-            </a:r>
-            <a:r>
-              <a:rPr lang="fr-FR" dirty="0"/>
-              <a:t> file.</a:t>
-            </a:r>
-          </a:p>
-          <a:p>
-            <a:endParaRPr lang="fr-FR" dirty="0"/>
-          </a:p>
-          <a:p>
-            <a:r>
-              <a:rPr lang="fr-FR" dirty="0" err="1"/>
-              <a:t>Hence</a:t>
-            </a:r>
-            <a:r>
-              <a:rPr lang="fr-FR" dirty="0"/>
-              <a:t> if </a:t>
-            </a:r>
-            <a:r>
-              <a:rPr lang="fr-FR" dirty="0" err="1"/>
-              <a:t>you</a:t>
-            </a:r>
-            <a:r>
-              <a:rPr lang="fr-FR" dirty="0"/>
-              <a:t> </a:t>
-            </a:r>
-            <a:r>
-              <a:rPr lang="fr-FR" dirty="0" err="1"/>
-              <a:t>remove</a:t>
-            </a:r>
-            <a:r>
-              <a:rPr lang="fr-FR" dirty="0"/>
-              <a:t> one line </a:t>
-            </a:r>
-            <a:r>
-              <a:rPr lang="fr-FR" dirty="0" err="1"/>
-              <a:t>from</a:t>
-            </a:r>
-            <a:r>
-              <a:rPr lang="fr-FR" dirty="0"/>
-              <a:t> a </a:t>
-            </a:r>
-            <a:r>
-              <a:rPr lang="fr-FR" dirty="0" err="1"/>
-              <a:t>text</a:t>
-            </a:r>
-            <a:r>
-              <a:rPr lang="fr-FR" dirty="0"/>
-              <a:t> file, </a:t>
-            </a:r>
-            <a:r>
-              <a:rPr lang="fr-FR" dirty="0" err="1"/>
-              <a:t>you</a:t>
-            </a:r>
-            <a:r>
-              <a:rPr lang="fr-FR" dirty="0"/>
-              <a:t> can </a:t>
-            </a:r>
-            <a:r>
-              <a:rPr lang="fr-FR" dirty="0" err="1"/>
-              <a:t>simply</a:t>
-            </a:r>
-            <a:r>
-              <a:rPr lang="fr-FR" dirty="0"/>
-              <a:t> </a:t>
-            </a:r>
-            <a:r>
-              <a:rPr lang="fr-FR" dirty="0" err="1"/>
-              <a:t>represent</a:t>
-            </a:r>
-            <a:r>
-              <a:rPr lang="fr-FR" dirty="0"/>
-              <a:t> </a:t>
-            </a:r>
-            <a:r>
-              <a:rPr lang="fr-FR" dirty="0" err="1"/>
-              <a:t>it</a:t>
-            </a:r>
-            <a:r>
-              <a:rPr lang="fr-FR" dirty="0"/>
-              <a:t> as a diff of « </a:t>
-            </a:r>
-            <a:r>
-              <a:rPr lang="fr-FR" dirty="0" err="1"/>
-              <a:t>remove</a:t>
-            </a:r>
-            <a:r>
-              <a:rPr lang="fr-FR" dirty="0"/>
-              <a:t> line x »</a:t>
-            </a:r>
-          </a:p>
-        </p:txBody>
-      </p:sp>
+      </p:pic>
       <p:pic>
         <p:nvPicPr>
-          <p:cNvPr id="8194" name="Picture 2" descr="Qu'est-ce que GitHub et comment fonctionne-t-il ? - Développement  Programmation - Dessein-Tech">
-            <a:extLst>
-              <a:ext uri="{FF2B5EF4-FFF2-40B4-BE49-F238E27FC236}">
-                <a16:creationId xmlns:a16="http://schemas.microsoft.com/office/drawing/2014/main" id="{5A8DF5F6-7041-E5F1-571F-32ACA96F9FFC}"/>
+          <p:cNvPr id="17420" name="Picture 12" descr="CentraleSupélec — Wikipédia">
+            <a:extLst>
+              <a:ext uri="{FF2B5EF4-FFF2-40B4-BE49-F238E27FC236}">
+                <a16:creationId xmlns:a16="http://schemas.microsoft.com/office/drawing/2014/main" id="{31B23C4C-4E87-F7AD-A9D7-9F8D3673F890}"/>
               </a:ext>
             </a:extLst>
           </p:cNvPr>
@@ -14357,7 +12641,7 @@
           <p:nvPr/>
         </p:nvPicPr>
         <p:blipFill>
-          <a:blip r:embed="rId2">
+          <a:blip r:embed="rId5">
             <a:extLst>
               <a:ext uri="{28A0092B-C50C-407E-A947-70E740481C1C}">
                 <a14:useLocalDpi xmlns:a14="http://schemas.microsoft.com/office/drawing/2010/main" val="0"/>
@@ -14371,8 +12655,8 @@
         </p:blipFill>
         <p:spPr bwMode="auto">
           <a:xfrm>
-            <a:off x="5811077" y="2200688"/>
-            <a:ext cx="6453809" cy="3630268"/>
+            <a:off x="6210061" y="2651001"/>
+            <a:ext cx="1913467" cy="993408"/>
           </a:xfrm>
           <a:prstGeom prst="rect">
             <a:avLst/>
@@ -14389,10 +12673,87 @@
           </a:extLst>
         </p:spPr>
       </p:pic>
+      <p:pic>
+        <p:nvPicPr>
+          <p:cNvPr id="17422" name="Picture 14" descr="Ekimetrics - Senior Manager in Strategy &amp; Data Science (H/F/N) - Paris">
+            <a:extLst>
+              <a:ext uri="{FF2B5EF4-FFF2-40B4-BE49-F238E27FC236}">
+                <a16:creationId xmlns:a16="http://schemas.microsoft.com/office/drawing/2014/main" id="{8CD9C2FF-FB4B-1E56-02E9-4CAC56BCC67D}"/>
+              </a:ext>
+            </a:extLst>
+          </p:cNvPr>
+          <p:cNvPicPr>
+            <a:picLocks noChangeAspect="1" noChangeArrowheads="1"/>
+          </p:cNvPicPr>
+          <p:nvPr/>
+        </p:nvPicPr>
+        <p:blipFill>
+          <a:blip r:embed="rId6">
+            <a:extLst>
+              <a:ext uri="{28A0092B-C50C-407E-A947-70E740481C1C}">
+                <a14:useLocalDpi xmlns:a14="http://schemas.microsoft.com/office/drawing/2010/main" val="0"/>
+              </a:ext>
+            </a:extLst>
+          </a:blip>
+          <a:srcRect/>
+          <a:stretch>
+            <a:fillRect/>
+          </a:stretch>
+        </p:blipFill>
+        <p:spPr bwMode="auto">
+          <a:xfrm>
+            <a:off x="9175982" y="3294708"/>
+            <a:ext cx="1913467" cy="268583"/>
+          </a:xfrm>
+          <a:prstGeom prst="rect">
+            <a:avLst/>
+          </a:prstGeom>
+          <a:noFill/>
+          <a:extLst>
+            <a:ext uri="{909E8E84-426E-40DD-AFC4-6F175D3DCCD1}">
+              <a14:hiddenFill xmlns:a14="http://schemas.microsoft.com/office/drawing/2010/main">
+                <a:solidFill>
+                  <a:srgbClr val="FFFFFF"/>
+                </a:solidFill>
+              </a14:hiddenFill>
+            </a:ext>
+          </a:extLst>
+        </p:spPr>
+      </p:pic>
+      <p:pic>
+        <p:nvPicPr>
+          <p:cNvPr id="21" name="Image 20">
+            <a:extLst>
+              <a:ext uri="{FF2B5EF4-FFF2-40B4-BE49-F238E27FC236}">
+                <a16:creationId xmlns:a16="http://schemas.microsoft.com/office/drawing/2014/main" id="{72DF2A15-0D1C-E467-AB27-F0AB0FB9E3D8}"/>
+              </a:ext>
+            </a:extLst>
+          </p:cNvPr>
+          <p:cNvPicPr>
+            <a:picLocks noChangeAspect="1"/>
+          </p:cNvPicPr>
+          <p:nvPr/>
+        </p:nvPicPr>
+        <p:blipFill>
+          <a:blip r:embed="rId7"/>
+          <a:stretch>
+            <a:fillRect/>
+          </a:stretch>
+        </p:blipFill>
+        <p:spPr>
+          <a:xfrm>
+            <a:off x="7416800" y="1175"/>
+            <a:ext cx="4775199" cy="1330025"/>
+          </a:xfrm>
+          <a:prstGeom prst="rect">
+            <a:avLst/>
+          </a:prstGeom>
+        </p:spPr>
+      </p:pic>
     </p:spTree>
     <p:extLst>
       <p:ext uri="{BB962C8B-B14F-4D97-AF65-F5344CB8AC3E}">
-        <p14:creationId xmlns:p14="http://schemas.microsoft.com/office/powerpoint/2010/main" val="1579035160"/>
+        <p14:creationId xmlns:p14="http://schemas.microsoft.com/office/powerpoint/2010/main" val="2882510087"/>
       </p:ext>
     </p:extLst>
   </p:cSld>
@@ -14402,7 +12763,7 @@
 </p:sld>
 </file>
 
-<file path=ppt/slides/slide34.xml><?xml version="1.0" encoding="utf-8"?>
+<file path=ppt/slides/slide30.xml><?xml version="1.0" encoding="utf-8"?>
 <p:sld xmlns:a="http://schemas.openxmlformats.org/drawingml/2006/main" xmlns:r="http://schemas.openxmlformats.org/officeDocument/2006/relationships" xmlns:p="http://schemas.openxmlformats.org/presentationml/2006/main">
   <p:cSld>
     <p:spTree>
@@ -14410,7 +12771,7 @@
         <p:cNvPr id="1" name="">
           <a:extLst>
             <a:ext uri="{FF2B5EF4-FFF2-40B4-BE49-F238E27FC236}">
-              <a16:creationId xmlns:a16="http://schemas.microsoft.com/office/drawing/2014/main" id="{67D1FF74-5856-475E-C48E-FEC645D261D6}"/>
+              <a16:creationId xmlns:a16="http://schemas.microsoft.com/office/drawing/2014/main" id="{AC99C3AD-BE75-DB1A-5800-3076F88F8DE3}"/>
             </a:ext>
           </a:extLst>
         </p:cNvPr>
@@ -14430,7 +12791,7 @@
           <p:cNvPr id="5" name="Rectangle 4">
             <a:extLst>
               <a:ext uri="{FF2B5EF4-FFF2-40B4-BE49-F238E27FC236}">
-                <a16:creationId xmlns:a16="http://schemas.microsoft.com/office/drawing/2014/main" id="{63629549-DDF0-3B67-EA77-CB6434B6EE58}"/>
+                <a16:creationId xmlns:a16="http://schemas.microsoft.com/office/drawing/2014/main" id="{4D499E20-22A9-1E5E-2E92-730FEADBC69F}"/>
               </a:ext>
             </a:extLst>
           </p:cNvPr>
@@ -14500,7 +12861,7 @@
           <p:cNvPr id="2" name="Titre 1">
             <a:extLst>
               <a:ext uri="{FF2B5EF4-FFF2-40B4-BE49-F238E27FC236}">
-                <a16:creationId xmlns:a16="http://schemas.microsoft.com/office/drawing/2014/main" id="{6BC22806-DFDD-D487-B094-99AF19AF5C7B}"/>
+                <a16:creationId xmlns:a16="http://schemas.microsoft.com/office/drawing/2014/main" id="{61B26881-8779-A09D-65D8-3696FFE07F39}"/>
               </a:ext>
             </a:extLst>
           </p:cNvPr>
@@ -14513,8 +12874,8 @@
         </p:nvSpPr>
         <p:spPr>
           <a:xfrm>
-            <a:off x="516835" y="18255"/>
-            <a:ext cx="11675165" cy="1325563"/>
+            <a:off x="838200" y="18255"/>
+            <a:ext cx="11353800" cy="1325563"/>
           </a:xfrm>
         </p:spPr>
         <p:txBody>
@@ -14529,62 +12890,55 @@
                   <a:schemeClr val="bg1"/>
                 </a:solidFill>
               </a:rPr>
-              <a:t>How to </a:t>
-            </a:r>
-            <a:r>
-              <a:rPr lang="fr-FR" b="1" dirty="0" err="1">
-                <a:solidFill>
-                  <a:schemeClr val="bg1"/>
-                </a:solidFill>
-              </a:rPr>
-              <a:t>work</a:t>
-            </a:r>
-            <a:r>
-              <a:rPr lang="fr-FR" b="1" dirty="0">
-                <a:solidFill>
-                  <a:schemeClr val="bg1"/>
-                </a:solidFill>
-              </a:rPr>
-              <a:t> </a:t>
-            </a:r>
-            <a:r>
-              <a:rPr lang="fr-FR" b="1" dirty="0" err="1">
-                <a:solidFill>
-                  <a:schemeClr val="bg1"/>
-                </a:solidFill>
-              </a:rPr>
-              <a:t>with</a:t>
-            </a:r>
-            <a:r>
-              <a:rPr lang="fr-FR" b="1" dirty="0">
-                <a:solidFill>
-                  <a:schemeClr val="bg1"/>
-                </a:solidFill>
-              </a:rPr>
-              <a:t> </a:t>
-            </a:r>
-            <a:r>
-              <a:rPr lang="fr-FR" b="1" dirty="0" err="1">
-                <a:solidFill>
-                  <a:schemeClr val="bg1"/>
-                </a:solidFill>
-              </a:rPr>
-              <a:t>github</a:t>
-            </a:r>
-            <a:endParaRPr lang="fr-FR" b="1" dirty="0">
-              <a:solidFill>
-                <a:schemeClr val="bg1"/>
-              </a:solidFill>
-            </a:endParaRPr>
+              <a:t>TD 6/6 : Hello World in a notebook</a:t>
+            </a:r>
           </a:p>
         </p:txBody>
       </p:sp>
+      <p:cxnSp>
+        <p:nvCxnSpPr>
+          <p:cNvPr id="11" name="Connecteur droit 10">
+            <a:extLst>
+              <a:ext uri="{FF2B5EF4-FFF2-40B4-BE49-F238E27FC236}">
+                <a16:creationId xmlns:a16="http://schemas.microsoft.com/office/drawing/2014/main" id="{B6CAA71C-4114-4D04-C432-121B47739FCA}"/>
+              </a:ext>
+            </a:extLst>
+          </p:cNvPr>
+          <p:cNvCxnSpPr>
+            <a:cxnSpLocks/>
+          </p:cNvCxnSpPr>
+          <p:nvPr/>
+        </p:nvCxnSpPr>
+        <p:spPr>
+          <a:xfrm>
+            <a:off x="7137954" y="2085385"/>
+            <a:ext cx="0" cy="3694693"/>
+          </a:xfrm>
+          <a:prstGeom prst="line">
+            <a:avLst/>
+          </a:prstGeom>
+        </p:spPr>
+        <p:style>
+          <a:lnRef idx="2">
+            <a:schemeClr val="accent1"/>
+          </a:lnRef>
+          <a:fillRef idx="0">
+            <a:schemeClr val="accent1"/>
+          </a:fillRef>
+          <a:effectRef idx="1">
+            <a:schemeClr val="accent1"/>
+          </a:effectRef>
+          <a:fontRef idx="minor">
+            <a:schemeClr val="tx1"/>
+          </a:fontRef>
+        </p:style>
+      </p:cxnSp>
       <p:sp>
         <p:nvSpPr>
           <p:cNvPr id="3" name="ZoneTexte 2">
             <a:extLst>
               <a:ext uri="{FF2B5EF4-FFF2-40B4-BE49-F238E27FC236}">
-                <a16:creationId xmlns:a16="http://schemas.microsoft.com/office/drawing/2014/main" id="{A76125B0-0F09-C365-8F1D-F584CA129DA1}"/>
+                <a16:creationId xmlns:a16="http://schemas.microsoft.com/office/drawing/2014/main" id="{EBE47A1D-30BB-4390-09EE-9BC939AE7350}"/>
               </a:ext>
             </a:extLst>
           </p:cNvPr>
@@ -14593,8 +12947,8 @@
         </p:nvSpPr>
         <p:spPr>
           <a:xfrm>
-            <a:off x="308900" y="2113722"/>
-            <a:ext cx="5787100" cy="3416320"/>
+            <a:off x="520901" y="1866762"/>
+            <a:ext cx="6464653" cy="4247317"/>
           </a:xfrm>
           <a:prstGeom prst="rect">
             <a:avLst/>
@@ -14609,19 +12963,19 @@
           <a:p>
             <a:r>
               <a:rPr lang="fr-FR" dirty="0"/>
-              <a:t>To </a:t>
-            </a:r>
-            <a:r>
-              <a:rPr lang="fr-FR" dirty="0" err="1"/>
-              <a:t>collaborate</a:t>
-            </a:r>
-            <a:r>
-              <a:rPr lang="fr-FR" dirty="0"/>
-              <a:t>, git </a:t>
-            </a:r>
-            <a:r>
-              <a:rPr lang="fr-FR" dirty="0" err="1"/>
-              <a:t>offers</a:t>
+              <a:t>Python file are a simple and efficient </a:t>
+            </a:r>
+            <a:r>
+              <a:rPr lang="fr-FR" dirty="0" err="1"/>
+              <a:t>ways</a:t>
+            </a:r>
+            <a:r>
+              <a:rPr lang="fr-FR" dirty="0"/>
+              <a:t> to </a:t>
+            </a:r>
+            <a:r>
+              <a:rPr lang="fr-FR" dirty="0" err="1"/>
+              <a:t>define</a:t>
             </a:r>
             <a:r>
               <a:rPr lang="fr-FR" dirty="0"/>
@@ -14629,7 +12983,32 @@
             </a:r>
             <a:r>
               <a:rPr lang="fr-FR" dirty="0" err="1"/>
-              <a:t>several</a:t>
+              <a:t>your</a:t>
+            </a:r>
+            <a:r>
+              <a:rPr lang="fr-FR" dirty="0"/>
+              <a:t> python program, and are at the </a:t>
+            </a:r>
+            <a:r>
+              <a:rPr lang="fr-FR" dirty="0" err="1"/>
+              <a:t>core</a:t>
+            </a:r>
+            <a:r>
+              <a:rPr lang="fr-FR" dirty="0"/>
+              <a:t> of production code.</a:t>
+            </a:r>
+          </a:p>
+          <a:p>
+            <a:endParaRPr lang="fr-FR" dirty="0"/>
+          </a:p>
+          <a:p>
+            <a:r>
+              <a:rPr lang="fr-FR" dirty="0"/>
+              <a:t>But </a:t>
+            </a:r>
+            <a:r>
+              <a:rPr lang="fr-FR" dirty="0" err="1"/>
+              <a:t>when</a:t>
             </a:r>
             <a:r>
               <a:rPr lang="fr-FR" dirty="0"/>
@@ -14637,48 +13016,254 @@
             </a:r>
             <a:r>
               <a:rPr lang="fr-FR" dirty="0" err="1"/>
-              <a:t>tools</a:t>
-            </a:r>
-            <a:r>
-              <a:rPr lang="fr-FR" dirty="0"/>
-              <a:t>:</a:t>
+              <a:t>you</a:t>
+            </a:r>
+            <a:r>
+              <a:rPr lang="fr-FR" dirty="0"/>
+              <a:t> are </a:t>
+            </a:r>
+            <a:r>
+              <a:rPr lang="fr-FR" dirty="0" err="1"/>
+              <a:t>prototyping</a:t>
+            </a:r>
+            <a:r>
+              <a:rPr lang="fr-FR" dirty="0"/>
+              <a:t>, or </a:t>
+            </a:r>
+            <a:r>
+              <a:rPr lang="fr-FR" dirty="0" err="1"/>
+              <a:t>starting</a:t>
+            </a:r>
+            <a:r>
+              <a:rPr lang="fr-FR" dirty="0"/>
+              <a:t> to </a:t>
+            </a:r>
+            <a:r>
+              <a:rPr lang="fr-FR" dirty="0" err="1"/>
+              <a:t>work</a:t>
+            </a:r>
+            <a:r>
+              <a:rPr lang="fr-FR" dirty="0"/>
+              <a:t> on </a:t>
+            </a:r>
+            <a:r>
+              <a:rPr lang="fr-FR" dirty="0" err="1"/>
+              <a:t>idea</a:t>
+            </a:r>
+            <a:r>
+              <a:rPr lang="fr-FR" dirty="0"/>
+              <a:t>, </a:t>
+            </a:r>
+            <a:r>
+              <a:rPr lang="fr-FR" dirty="0" err="1"/>
+              <a:t>having</a:t>
+            </a:r>
+            <a:r>
+              <a:rPr lang="fr-FR" dirty="0"/>
+              <a:t> the script </a:t>
+            </a:r>
+            <a:r>
+              <a:rPr lang="fr-FR" dirty="0" err="1"/>
+              <a:t>separated</a:t>
+            </a:r>
+            <a:r>
+              <a:rPr lang="fr-FR" dirty="0"/>
+              <a:t> </a:t>
+            </a:r>
+            <a:r>
+              <a:rPr lang="fr-FR" dirty="0" err="1"/>
+              <a:t>from</a:t>
+            </a:r>
+            <a:r>
+              <a:rPr lang="fr-FR" dirty="0"/>
+              <a:t> the terminal can </a:t>
+            </a:r>
+            <a:r>
+              <a:rPr lang="fr-FR" dirty="0" err="1"/>
+              <a:t>be</a:t>
+            </a:r>
+            <a:r>
+              <a:rPr lang="fr-FR" dirty="0"/>
+              <a:t> </a:t>
+            </a:r>
+            <a:r>
+              <a:rPr lang="fr-FR" dirty="0" err="1"/>
+              <a:t>tedious</a:t>
+            </a:r>
+            <a:r>
+              <a:rPr lang="fr-FR" dirty="0"/>
+              <a:t>.</a:t>
             </a:r>
           </a:p>
           <a:p>
             <a:endParaRPr lang="fr-FR" dirty="0"/>
           </a:p>
           <a:p>
-            <a:pPr marL="285750" indent="-285750">
-              <a:buFontTx/>
-              <a:buChar char="-"/>
-            </a:pPr>
-            <a:r>
-              <a:rPr lang="fr-FR" dirty="0"/>
-              <a:t>Branches : </a:t>
-            </a:r>
-            <a:r>
-              <a:rPr lang="fr-FR" dirty="0" err="1"/>
-              <a:t>these</a:t>
-            </a:r>
-            <a:r>
-              <a:rPr lang="fr-FR" dirty="0"/>
-              <a:t> are </a:t>
-            </a:r>
-            <a:r>
-              <a:rPr lang="fr-FR" dirty="0" err="1"/>
-              <a:t>several</a:t>
-            </a:r>
-            <a:r>
-              <a:rPr lang="fr-FR" dirty="0"/>
-              <a:t> version of the </a:t>
-            </a:r>
-            <a:r>
-              <a:rPr lang="fr-FR" dirty="0" err="1"/>
-              <a:t>same</a:t>
-            </a:r>
-            <a:r>
-              <a:rPr lang="fr-FR" dirty="0"/>
-              <a:t> codebase</a:t>
+            <a:r>
+              <a:rPr lang="fr-FR" dirty="0"/>
+              <a:t>To tackle the issue, </a:t>
+            </a:r>
+            <a:r>
+              <a:rPr lang="fr-FR" dirty="0" err="1"/>
+              <a:t>jupyter</a:t>
+            </a:r>
+            <a:r>
+              <a:rPr lang="fr-FR" dirty="0"/>
+              <a:t> notebooks </a:t>
+            </a:r>
+            <a:r>
+              <a:rPr lang="fr-FR" dirty="0" err="1"/>
+              <a:t>where</a:t>
+            </a:r>
+            <a:r>
+              <a:rPr lang="fr-FR" dirty="0"/>
+              <a:t> </a:t>
+            </a:r>
+            <a:r>
+              <a:rPr lang="fr-FR" dirty="0" err="1"/>
+              <a:t>invented</a:t>
+            </a:r>
+            <a:r>
+              <a:rPr lang="fr-FR" dirty="0"/>
+              <a:t>, </a:t>
+            </a:r>
+            <a:r>
+              <a:rPr lang="fr-FR" dirty="0" err="1"/>
+              <a:t>with</a:t>
+            </a:r>
+            <a:r>
+              <a:rPr lang="fr-FR" dirty="0"/>
+              <a:t> an </a:t>
+            </a:r>
+            <a:r>
+              <a:rPr lang="fr-FR" dirty="0" err="1"/>
+              <a:t>unified</a:t>
+            </a:r>
+            <a:r>
+              <a:rPr lang="fr-FR" dirty="0"/>
+              <a:t> interactive python </a:t>
+            </a:r>
+            <a:r>
+              <a:rPr lang="fr-FR" dirty="0" err="1"/>
+              <a:t>environment</a:t>
+            </a:r>
+            <a:r>
+              <a:rPr lang="fr-FR" dirty="0"/>
+              <a:t>.</a:t>
+            </a:r>
+          </a:p>
+          <a:p>
+            <a:endParaRPr lang="fr-FR" dirty="0"/>
+          </a:p>
+          <a:p>
+            <a:r>
+              <a:rPr lang="fr-FR" dirty="0" err="1"/>
+              <a:t>Jupyter</a:t>
+            </a:r>
+            <a:r>
+              <a:rPr lang="fr-FR" dirty="0"/>
+              <a:t> are a mix of </a:t>
+            </a:r>
+            <a:r>
+              <a:rPr lang="fr-FR" dirty="0" err="1"/>
+              <a:t>json</a:t>
+            </a:r>
+            <a:r>
+              <a:rPr lang="fr-FR" dirty="0"/>
+              <a:t> and </a:t>
+            </a:r>
+            <a:r>
+              <a:rPr lang="fr-FR" dirty="0" err="1"/>
+              <a:t>markdown</a:t>
+            </a:r>
+            <a:r>
+              <a:rPr lang="fr-FR" dirty="0"/>
+              <a:t> files, </a:t>
+            </a:r>
+            <a:r>
+              <a:rPr lang="fr-FR" dirty="0" err="1"/>
+              <a:t>that</a:t>
+            </a:r>
+            <a:r>
+              <a:rPr lang="fr-FR" dirty="0"/>
+              <a:t> can </a:t>
+            </a:r>
+            <a:r>
+              <a:rPr lang="fr-FR" dirty="0" err="1"/>
+              <a:t>be</a:t>
+            </a:r>
+            <a:r>
+              <a:rPr lang="fr-FR" dirty="0"/>
+              <a:t> </a:t>
+            </a:r>
+            <a:r>
+              <a:rPr lang="fr-FR" dirty="0" err="1"/>
+              <a:t>identified</a:t>
+            </a:r>
+            <a:r>
+              <a:rPr lang="fr-FR" dirty="0"/>
+              <a:t> by </a:t>
+            </a:r>
+            <a:r>
+              <a:rPr lang="fr-FR" dirty="0" err="1"/>
+              <a:t>ther</a:t>
+            </a:r>
+            <a:r>
+              <a:rPr lang="fr-FR" dirty="0"/>
+              <a:t> .</a:t>
+            </a:r>
+            <a:r>
+              <a:rPr lang="fr-FR" dirty="0" err="1"/>
+              <a:t>ipynb</a:t>
+            </a:r>
+            <a:r>
+              <a:rPr lang="fr-FR" dirty="0"/>
+              <a:t> extension.</a:t>
+            </a:r>
+          </a:p>
+          <a:p>
+            <a:endParaRPr lang="fr-FR" dirty="0"/>
+          </a:p>
+          <a:p>
+            <a:r>
+              <a:rPr lang="fr-FR" dirty="0" err="1"/>
+              <a:t>With</a:t>
+            </a:r>
+            <a:r>
+              <a:rPr lang="fr-FR" dirty="0"/>
+              <a:t> the right extension, </a:t>
+            </a:r>
+            <a:r>
+              <a:rPr lang="fr-FR" dirty="0" err="1"/>
+              <a:t>vscode</a:t>
+            </a:r>
+            <a:r>
+              <a:rPr lang="fr-FR" dirty="0"/>
+              <a:t> enables </a:t>
+            </a:r>
+            <a:r>
+              <a:rPr lang="fr-FR" dirty="0" err="1"/>
+              <a:t>you</a:t>
+            </a:r>
+            <a:r>
+              <a:rPr lang="fr-FR" dirty="0"/>
+              <a:t> to </a:t>
+            </a:r>
+            <a:r>
+              <a:rPr lang="fr-FR" dirty="0" err="1"/>
+              <a:t>directly</a:t>
+            </a:r>
+            <a:r>
+              <a:rPr lang="fr-FR" dirty="0"/>
+              <a:t> run notebooks in </a:t>
+            </a:r>
+            <a:r>
+              <a:rPr lang="fr-FR" dirty="0" err="1"/>
+              <a:t>your</a:t>
+            </a:r>
+            <a:r>
+              <a:rPr lang="fr-FR" dirty="0"/>
+              <a:t> IDE.</a:t>
             </a:r>
           </a:p>
           <a:p>
@@ -14688,247 +13273,42 @@
             </a:pPr>
             <a:endParaRPr lang="fr-FR" dirty="0"/>
           </a:p>
-          <a:p>
-            <a:pPr marL="285750" indent="-285750">
-              <a:buFontTx/>
-              <a:buChar char="-"/>
-            </a:pPr>
-            <a:r>
-              <a:rPr lang="fr-FR" dirty="0" err="1"/>
-              <a:t>Commits</a:t>
-            </a:r>
-            <a:r>
-              <a:rPr lang="fr-FR" dirty="0"/>
-              <a:t> : </a:t>
-            </a:r>
-            <a:r>
-              <a:rPr lang="fr-FR" dirty="0" err="1"/>
-              <a:t>they</a:t>
-            </a:r>
-            <a:r>
-              <a:rPr lang="fr-FR" dirty="0"/>
-              <a:t> are </a:t>
-            </a:r>
-            <a:r>
-              <a:rPr lang="fr-FR" dirty="0" err="1"/>
-              <a:t>tied</a:t>
-            </a:r>
-            <a:r>
-              <a:rPr lang="fr-FR" dirty="0"/>
-              <a:t> to a </a:t>
-            </a:r>
-            <a:r>
-              <a:rPr lang="fr-FR" dirty="0" err="1"/>
-              <a:t>given</a:t>
-            </a:r>
-            <a:r>
-              <a:rPr lang="fr-FR" dirty="0"/>
-              <a:t> </a:t>
-            </a:r>
-            <a:r>
-              <a:rPr lang="fr-FR" dirty="0" err="1"/>
-              <a:t>branch</a:t>
-            </a:r>
-            <a:r>
-              <a:rPr lang="fr-FR" dirty="0"/>
-              <a:t>, and enable to check </a:t>
-            </a:r>
-            <a:r>
-              <a:rPr lang="fr-FR" dirty="0" err="1"/>
-              <a:t>what</a:t>
-            </a:r>
-            <a:r>
-              <a:rPr lang="fr-FR" dirty="0"/>
-              <a:t> have been </a:t>
-            </a:r>
-            <a:r>
-              <a:rPr lang="fr-FR" dirty="0" err="1"/>
-              <a:t>added</a:t>
-            </a:r>
-            <a:r>
-              <a:rPr lang="fr-FR" dirty="0"/>
-              <a:t> </a:t>
-            </a:r>
-            <a:r>
-              <a:rPr lang="fr-FR" dirty="0" err="1"/>
-              <a:t>between</a:t>
-            </a:r>
-            <a:r>
-              <a:rPr lang="fr-FR" dirty="0"/>
-              <a:t> </a:t>
-            </a:r>
-            <a:r>
-              <a:rPr lang="fr-FR" dirty="0" err="1"/>
-              <a:t>two</a:t>
-            </a:r>
-            <a:r>
-              <a:rPr lang="fr-FR" dirty="0"/>
-              <a:t> successive version and by </a:t>
-            </a:r>
-            <a:r>
-              <a:rPr lang="fr-FR" dirty="0" err="1"/>
-              <a:t>who</a:t>
-            </a:r>
-            <a:endParaRPr lang="fr-FR" dirty="0"/>
-          </a:p>
-          <a:p>
-            <a:pPr marL="285750" indent="-285750">
-              <a:buFontTx/>
-              <a:buChar char="-"/>
-            </a:pPr>
-            <a:endParaRPr lang="fr-FR" dirty="0"/>
-          </a:p>
-          <a:p>
-            <a:pPr marL="285750" indent="-285750">
-              <a:buFontTx/>
-              <a:buChar char="-"/>
-            </a:pPr>
-            <a:r>
-              <a:rPr lang="fr-FR" dirty="0"/>
-              <a:t>Pull </a:t>
-            </a:r>
-            <a:r>
-              <a:rPr lang="fr-FR" dirty="0" err="1"/>
-              <a:t>request</a:t>
-            </a:r>
-            <a:r>
-              <a:rPr lang="fr-FR" dirty="0"/>
-              <a:t> : </a:t>
-            </a:r>
-            <a:r>
-              <a:rPr lang="fr-FR" dirty="0" err="1"/>
-              <a:t>sometime</a:t>
-            </a:r>
-            <a:r>
-              <a:rPr lang="fr-FR" dirty="0"/>
-              <a:t> </a:t>
-            </a:r>
-            <a:r>
-              <a:rPr lang="fr-FR" dirty="0" err="1"/>
-              <a:t>you</a:t>
-            </a:r>
-            <a:r>
-              <a:rPr lang="fr-FR" dirty="0"/>
-              <a:t> </a:t>
-            </a:r>
-            <a:r>
-              <a:rPr lang="fr-FR" dirty="0" err="1"/>
-              <a:t>want</a:t>
-            </a:r>
-            <a:r>
-              <a:rPr lang="fr-FR" dirty="0"/>
-              <a:t> to merge </a:t>
-            </a:r>
-            <a:r>
-              <a:rPr lang="fr-FR" dirty="0" err="1"/>
-              <a:t>two</a:t>
-            </a:r>
-            <a:r>
-              <a:rPr lang="fr-FR" dirty="0"/>
-              <a:t> branches. In </a:t>
-            </a:r>
-            <a:r>
-              <a:rPr lang="fr-FR" dirty="0" err="1"/>
-              <a:t>that</a:t>
-            </a:r>
-            <a:r>
-              <a:rPr lang="fr-FR" dirty="0"/>
-              <a:t> case </a:t>
-            </a:r>
-            <a:r>
-              <a:rPr lang="fr-FR" dirty="0" err="1"/>
-              <a:t>you’re</a:t>
-            </a:r>
-            <a:r>
-              <a:rPr lang="fr-FR" dirty="0"/>
-              <a:t> </a:t>
-            </a:r>
-            <a:r>
-              <a:rPr lang="fr-FR" dirty="0" err="1"/>
-              <a:t>gonna</a:t>
-            </a:r>
-            <a:r>
-              <a:rPr lang="fr-FR" dirty="0"/>
-              <a:t> </a:t>
-            </a:r>
-            <a:r>
-              <a:rPr lang="fr-FR" dirty="0" err="1"/>
-              <a:t>need</a:t>
-            </a:r>
-            <a:r>
-              <a:rPr lang="fr-FR" dirty="0"/>
-              <a:t> to </a:t>
-            </a:r>
-            <a:r>
-              <a:rPr lang="fr-FR" dirty="0" err="1"/>
-              <a:t>submit</a:t>
-            </a:r>
-            <a:r>
-              <a:rPr lang="fr-FR" dirty="0"/>
-              <a:t> a pull </a:t>
-            </a:r>
-            <a:r>
-              <a:rPr lang="fr-FR" dirty="0" err="1"/>
-              <a:t>request</a:t>
-            </a:r>
-            <a:r>
-              <a:rPr lang="fr-FR" dirty="0"/>
-              <a:t>.</a:t>
-            </a:r>
-          </a:p>
         </p:txBody>
       </p:sp>
       <p:pic>
         <p:nvPicPr>
-          <p:cNvPr id="1028" name="Picture 4" descr="Git Graph : r/neovim">
-            <a:extLst>
-              <a:ext uri="{FF2B5EF4-FFF2-40B4-BE49-F238E27FC236}">
-                <a16:creationId xmlns:a16="http://schemas.microsoft.com/office/drawing/2014/main" id="{C734BFB8-15A5-DF46-4742-269AAFB7BFC0}"/>
+          <p:cNvPr id="7" name="Image 6">
+            <a:extLst>
+              <a:ext uri="{FF2B5EF4-FFF2-40B4-BE49-F238E27FC236}">
+                <a16:creationId xmlns:a16="http://schemas.microsoft.com/office/drawing/2014/main" id="{27102B0F-6F75-8F95-E462-9FBA19CEF763}"/>
               </a:ext>
             </a:extLst>
           </p:cNvPr>
           <p:cNvPicPr>
-            <a:picLocks noChangeAspect="1" noChangeArrowheads="1"/>
+            <a:picLocks noChangeAspect="1"/>
           </p:cNvPicPr>
           <p:nvPr/>
         </p:nvPicPr>
         <p:blipFill>
-          <a:blip r:embed="rId2">
-            <a:extLst>
-              <a:ext uri="{28A0092B-C50C-407E-A947-70E740481C1C}">
-                <a14:useLocalDpi xmlns:a14="http://schemas.microsoft.com/office/drawing/2010/main" val="0"/>
-              </a:ext>
-            </a:extLst>
-          </a:blip>
-          <a:srcRect/>
+          <a:blip r:embed="rId2"/>
           <a:stretch>
             <a:fillRect/>
           </a:stretch>
         </p:blipFill>
-        <p:spPr bwMode="auto">
-          <a:xfrm>
-            <a:off x="9051235" y="1328735"/>
-            <a:ext cx="3140765" cy="5511010"/>
+        <p:spPr>
+          <a:xfrm>
+            <a:off x="7702093" y="1442689"/>
+            <a:ext cx="3861824" cy="5095461"/>
           </a:xfrm>
           <a:prstGeom prst="rect">
             <a:avLst/>
           </a:prstGeom>
-          <a:noFill/>
-          <a:extLst>
-            <a:ext uri="{909E8E84-426E-40DD-AFC4-6F175D3DCCD1}">
-              <a14:hiddenFill xmlns:a14="http://schemas.microsoft.com/office/drawing/2010/main">
-                <a:solidFill>
-                  <a:srgbClr val="FFFFFF"/>
-                </a:solidFill>
-              </a14:hiddenFill>
-            </a:ext>
-          </a:extLst>
         </p:spPr>
       </p:pic>
     </p:spTree>
     <p:extLst>
       <p:ext uri="{BB962C8B-B14F-4D97-AF65-F5344CB8AC3E}">
-        <p14:creationId xmlns:p14="http://schemas.microsoft.com/office/powerpoint/2010/main" val="1065201305"/>
+        <p14:creationId xmlns:p14="http://schemas.microsoft.com/office/powerpoint/2010/main" val="258817668"/>
       </p:ext>
     </p:extLst>
   </p:cSld>
@@ -14938,7 +13318,7 @@
 </p:sld>
 </file>
 
-<file path=ppt/slides/slide35.xml><?xml version="1.0" encoding="utf-8"?>
+<file path=ppt/slides/slide31.xml><?xml version="1.0" encoding="utf-8"?>
 <p:sld xmlns:a="http://schemas.openxmlformats.org/drawingml/2006/main" xmlns:r="http://schemas.openxmlformats.org/officeDocument/2006/relationships" xmlns:p="http://schemas.openxmlformats.org/presentationml/2006/main">
   <p:cSld>
     <p:spTree>
@@ -14946,7 +13326,170 @@
         <p:cNvPr id="1" name="">
           <a:extLst>
             <a:ext uri="{FF2B5EF4-FFF2-40B4-BE49-F238E27FC236}">
-              <a16:creationId xmlns:a16="http://schemas.microsoft.com/office/drawing/2014/main" id="{2A028B09-0B2F-6C47-7EF6-DA40D2E0B4B1}"/>
+              <a16:creationId xmlns:a16="http://schemas.microsoft.com/office/drawing/2014/main" id="{CE169DB3-1D0C-B8E5-FC8F-DDD76D3293BC}"/>
+            </a:ext>
+          </a:extLst>
+        </p:cNvPr>
+        <p:cNvGrpSpPr/>
+        <p:nvPr/>
+      </p:nvGrpSpPr>
+      <p:grpSpPr>
+        <a:xfrm>
+          <a:off x="0" y="0"/>
+          <a:ext cx="0" cy="0"/>
+          <a:chOff x="0" y="0"/>
+          <a:chExt cx="0" cy="0"/>
+        </a:xfrm>
+      </p:grpSpPr>
+      <p:sp>
+        <p:nvSpPr>
+          <p:cNvPr id="4" name="Rectangle 3">
+            <a:extLst>
+              <a:ext uri="{FF2B5EF4-FFF2-40B4-BE49-F238E27FC236}">
+                <a16:creationId xmlns:a16="http://schemas.microsoft.com/office/drawing/2014/main" id="{51E728A7-4296-096E-3245-2F00E0644AB8}"/>
+              </a:ext>
+            </a:extLst>
+          </p:cNvPr>
+          <p:cNvSpPr/>
+          <p:nvPr/>
+        </p:nvSpPr>
+        <p:spPr>
+          <a:xfrm>
+            <a:off x="-1" y="0"/>
+            <a:ext cx="12192001" cy="6858000"/>
+          </a:xfrm>
+          <a:prstGeom prst="rect">
+            <a:avLst/>
+          </a:prstGeom>
+          <a:solidFill>
+            <a:srgbClr val="EBF4FD"/>
+          </a:solidFill>
+          <a:ln>
+            <a:noFill/>
+          </a:ln>
+        </p:spPr>
+        <p:style>
+          <a:lnRef idx="2">
+            <a:schemeClr val="accent1">
+              <a:shade val="15000"/>
+            </a:schemeClr>
+          </a:lnRef>
+          <a:fillRef idx="1">
+            <a:schemeClr val="accent1"/>
+          </a:fillRef>
+          <a:effectRef idx="0">
+            <a:schemeClr val="accent1"/>
+          </a:effectRef>
+          <a:fontRef idx="minor">
+            <a:schemeClr val="lt1"/>
+          </a:fontRef>
+        </p:style>
+        <p:txBody>
+          <a:bodyPr rtlCol="0" anchor="ctr"/>
+          <a:lstStyle/>
+          <a:p>
+            <a:pPr algn="ctr"/>
+            <a:endParaRPr lang="fr-FR" dirty="0"/>
+          </a:p>
+        </p:txBody>
+      </p:sp>
+      <p:sp>
+        <p:nvSpPr>
+          <p:cNvPr id="5" name="Titre 1">
+            <a:extLst>
+              <a:ext uri="{FF2B5EF4-FFF2-40B4-BE49-F238E27FC236}">
+                <a16:creationId xmlns:a16="http://schemas.microsoft.com/office/drawing/2014/main" id="{01B52534-7600-1A42-2CDB-15FCC1E2713E}"/>
+              </a:ext>
+            </a:extLst>
+          </p:cNvPr>
+          <p:cNvSpPr>
+            <a:spLocks noGrp="1"/>
+          </p:cNvSpPr>
+          <p:nvPr>
+            <p:ph type="title"/>
+          </p:nvPr>
+        </p:nvSpPr>
+        <p:spPr>
+          <a:xfrm>
+            <a:off x="2411896" y="2221310"/>
+            <a:ext cx="7368208" cy="2415381"/>
+          </a:xfrm>
+        </p:spPr>
+        <p:txBody>
+          <a:bodyPr>
+            <a:normAutofit fontScale="90000"/>
+          </a:bodyPr>
+          <a:lstStyle/>
+          <a:p>
+            <a:pPr algn="ctr">
+              <a:lnSpc>
+                <a:spcPct val="100000"/>
+              </a:lnSpc>
+            </a:pPr>
+            <a:r>
+              <a:rPr lang="fr-FR" sz="7200" b="1" dirty="0">
+                <a:solidFill>
+                  <a:srgbClr val="314154"/>
+                </a:solidFill>
+              </a:rPr>
+              <a:t>ACT III</a:t>
+            </a:r>
+            <a:br>
+              <a:rPr lang="fr-FR" sz="4800" b="1" dirty="0">
+                <a:solidFill>
+                  <a:srgbClr val="314154"/>
+                </a:solidFill>
+              </a:rPr>
+            </a:br>
+            <a:r>
+              <a:rPr lang="fr-FR" sz="4800" b="1" dirty="0">
+                <a:solidFill>
+                  <a:srgbClr val="314154"/>
+                </a:solidFill>
+              </a:rPr>
+              <a:t>Enterprise python : </a:t>
+            </a:r>
+            <a:r>
+              <a:rPr lang="fr-FR" sz="4800" b="1" dirty="0" err="1">
+                <a:solidFill>
+                  <a:srgbClr val="314154"/>
+                </a:solidFill>
+              </a:rPr>
+              <a:t>Collaborate,Document</a:t>
+            </a:r>
+            <a:r>
+              <a:rPr lang="fr-FR" sz="4800" b="1" dirty="0">
+                <a:solidFill>
+                  <a:srgbClr val="314154"/>
+                </a:solidFill>
+              </a:rPr>
+              <a:t>, Frame</a:t>
+            </a:r>
+          </a:p>
+        </p:txBody>
+      </p:sp>
+    </p:spTree>
+    <p:extLst>
+      <p:ext uri="{BB962C8B-B14F-4D97-AF65-F5344CB8AC3E}">
+        <p14:creationId xmlns:p14="http://schemas.microsoft.com/office/powerpoint/2010/main" val="184681714"/>
+      </p:ext>
+    </p:extLst>
+  </p:cSld>
+  <p:clrMapOvr>
+    <a:masterClrMapping/>
+  </p:clrMapOvr>
+</p:sld>
+</file>
+
+<file path=ppt/slides/slide32.xml><?xml version="1.0" encoding="utf-8"?>
+<p:sld xmlns:a="http://schemas.openxmlformats.org/drawingml/2006/main" xmlns:r="http://schemas.openxmlformats.org/officeDocument/2006/relationships" xmlns:p="http://schemas.openxmlformats.org/presentationml/2006/main">
+  <p:cSld>
+    <p:spTree>
+      <p:nvGrpSpPr>
+        <p:cNvPr id="1" name="">
+          <a:extLst>
+            <a:ext uri="{FF2B5EF4-FFF2-40B4-BE49-F238E27FC236}">
+              <a16:creationId xmlns:a16="http://schemas.microsoft.com/office/drawing/2014/main" id="{16F469F0-0B64-5AF8-8258-5EB6ED7A493F}"/>
             </a:ext>
           </a:extLst>
         </p:cNvPr>
@@ -14966,7 +13509,7 @@
           <p:cNvPr id="5" name="Rectangle 4">
             <a:extLst>
               <a:ext uri="{FF2B5EF4-FFF2-40B4-BE49-F238E27FC236}">
-                <a16:creationId xmlns:a16="http://schemas.microsoft.com/office/drawing/2014/main" id="{FC42C207-CA19-C090-CB1B-970E921F78A5}"/>
+                <a16:creationId xmlns:a16="http://schemas.microsoft.com/office/drawing/2014/main" id="{9F223973-E34A-EEE6-1D5E-F6CA39819130}"/>
               </a:ext>
             </a:extLst>
           </p:cNvPr>
@@ -15036,7 +13579,7 @@
           <p:cNvPr id="2" name="Titre 1">
             <a:extLst>
               <a:ext uri="{FF2B5EF4-FFF2-40B4-BE49-F238E27FC236}">
-                <a16:creationId xmlns:a16="http://schemas.microsoft.com/office/drawing/2014/main" id="{40F2551F-E483-2E01-C634-BD8D7F66ECA3}"/>
+                <a16:creationId xmlns:a16="http://schemas.microsoft.com/office/drawing/2014/main" id="{60BF3FC1-6880-FB55-703B-B27C54869E57}"/>
               </a:ext>
             </a:extLst>
           </p:cNvPr>
@@ -15060,14 +13603,6 @@
           <a:lstStyle/>
           <a:p>
             <a:r>
-              <a:rPr lang="fr-FR" b="1" dirty="0">
-                <a:solidFill>
-                  <a:schemeClr val="bg1"/>
-                </a:solidFill>
-              </a:rPr>
-              <a:t>Best practices of </a:t>
-            </a:r>
-            <a:r>
               <a:rPr lang="fr-FR" b="1" dirty="0" err="1">
                 <a:solidFill>
                   <a:schemeClr val="bg1"/>
@@ -15075,11 +13610,30 @@
               </a:rPr>
               <a:t>Github</a:t>
             </a:r>
-            <a:endParaRPr lang="fr-FR" b="1" dirty="0">
-              <a:solidFill>
-                <a:schemeClr val="bg1"/>
-              </a:solidFill>
-            </a:endParaRPr>
+            <a:r>
+              <a:rPr lang="fr-FR" b="1" dirty="0">
+                <a:solidFill>
+                  <a:schemeClr val="bg1"/>
+                </a:solidFill>
+              </a:rPr>
+              <a:t> : The collaborative </a:t>
+            </a:r>
+            <a:r>
+              <a:rPr lang="fr-FR" b="1" dirty="0" err="1">
+                <a:solidFill>
+                  <a:schemeClr val="bg1"/>
+                </a:solidFill>
+              </a:rPr>
+              <a:t>development</a:t>
+            </a:r>
+            <a:r>
+              <a:rPr lang="fr-FR" b="1" dirty="0">
+                <a:solidFill>
+                  <a:schemeClr val="bg1"/>
+                </a:solidFill>
+              </a:rPr>
+              <a:t> platform</a:t>
+            </a:r>
           </a:p>
         </p:txBody>
       </p:sp>
@@ -15088,7 +13642,7 @@
           <p:cNvPr id="3" name="ZoneTexte 2">
             <a:extLst>
               <a:ext uri="{FF2B5EF4-FFF2-40B4-BE49-F238E27FC236}">
-                <a16:creationId xmlns:a16="http://schemas.microsoft.com/office/drawing/2014/main" id="{AA8E2BA8-0539-862D-537A-77581054178C}"/>
+                <a16:creationId xmlns:a16="http://schemas.microsoft.com/office/drawing/2014/main" id="{2B9666B8-EDA3-37D2-C9BB-59CE31239D4A}"/>
               </a:ext>
             </a:extLst>
           </p:cNvPr>
@@ -15097,8 +13651,8 @@
         </p:nvSpPr>
         <p:spPr>
           <a:xfrm>
-            <a:off x="163127" y="1534370"/>
-            <a:ext cx="7615899" cy="5078313"/>
+            <a:off x="308900" y="2113722"/>
+            <a:ext cx="5787100" cy="3693319"/>
           </a:xfrm>
           <a:prstGeom prst="rect">
             <a:avLst/>
@@ -15112,8 +13666,44 @@
           <a:lstStyle/>
           <a:p>
             <a:r>
-              <a:rPr lang="fr-FR" dirty="0"/>
-              <a:t>There </a:t>
+              <a:rPr lang="fr-FR" dirty="0" err="1"/>
+              <a:t>When</a:t>
+            </a:r>
+            <a:r>
+              <a:rPr lang="fr-FR" dirty="0"/>
+              <a:t> </a:t>
+            </a:r>
+            <a:r>
+              <a:rPr lang="fr-FR" dirty="0" err="1"/>
+              <a:t>it</a:t>
+            </a:r>
+            <a:r>
+              <a:rPr lang="fr-FR" dirty="0"/>
+              <a:t> </a:t>
+            </a:r>
+            <a:r>
+              <a:rPr lang="fr-FR" dirty="0" err="1"/>
+              <a:t>comes</a:t>
+            </a:r>
+            <a:r>
+              <a:rPr lang="fr-FR" dirty="0"/>
+              <a:t> to collaborative </a:t>
+            </a:r>
+            <a:r>
+              <a:rPr lang="fr-FR" dirty="0" err="1"/>
+              <a:t>development</a:t>
+            </a:r>
+            <a:r>
+              <a:rPr lang="fr-FR" dirty="0"/>
+              <a:t>, </a:t>
+            </a:r>
+            <a:r>
+              <a:rPr lang="fr-FR" dirty="0" err="1"/>
+              <a:t>github</a:t>
+            </a:r>
+            <a:r>
+              <a:rPr lang="fr-FR" dirty="0"/>
+              <a:t> </a:t>
             </a:r>
             <a:r>
               <a:rPr lang="fr-FR" dirty="0" err="1"/>
@@ -15121,19 +13711,274 @@
             </a:r>
             <a:r>
               <a:rPr lang="fr-FR" dirty="0"/>
+              <a:t> one the must know </a:t>
+            </a:r>
+            <a:r>
+              <a:rPr lang="fr-FR" dirty="0" err="1"/>
+              <a:t>tools</a:t>
+            </a:r>
+            <a:r>
+              <a:rPr lang="fr-FR" dirty="0"/>
+              <a:t> to enable </a:t>
+            </a:r>
+            <a:r>
+              <a:rPr lang="fr-FR" dirty="0" err="1"/>
+              <a:t>development</a:t>
+            </a:r>
+            <a:r>
+              <a:rPr lang="fr-FR" dirty="0"/>
+              <a:t>. For </a:t>
+            </a:r>
+            <a:r>
+              <a:rPr lang="fr-FR" dirty="0" err="1"/>
+              <a:t>this</a:t>
+            </a:r>
+            <a:r>
+              <a:rPr lang="fr-FR" dirty="0"/>
+              <a:t> </a:t>
+            </a:r>
+            <a:r>
+              <a:rPr lang="fr-FR" dirty="0" err="1"/>
+              <a:t>reason</a:t>
+            </a:r>
+            <a:r>
+              <a:rPr lang="fr-FR" dirty="0"/>
+              <a:t>, </a:t>
+            </a:r>
+            <a:r>
+              <a:rPr lang="fr-FR" dirty="0" err="1"/>
+              <a:t>most</a:t>
+            </a:r>
+            <a:r>
+              <a:rPr lang="fr-FR" dirty="0"/>
+              <a:t> of </a:t>
+            </a:r>
+            <a:r>
+              <a:rPr lang="fr-FR" dirty="0" err="1"/>
+              <a:t>this</a:t>
+            </a:r>
+            <a:r>
+              <a:rPr lang="fr-FR" dirty="0"/>
+              <a:t> course </a:t>
+            </a:r>
+            <a:r>
+              <a:rPr lang="fr-FR" dirty="0" err="1"/>
+              <a:t>will</a:t>
+            </a:r>
+            <a:r>
+              <a:rPr lang="fr-FR" dirty="0"/>
+              <a:t> </a:t>
+            </a:r>
+            <a:r>
+              <a:rPr lang="fr-FR" dirty="0" err="1"/>
+              <a:t>be</a:t>
+            </a:r>
+            <a:r>
+              <a:rPr lang="fr-FR" dirty="0"/>
+              <a:t> </a:t>
+            </a:r>
+            <a:r>
+              <a:rPr lang="fr-FR" dirty="0" err="1"/>
+              <a:t>available</a:t>
+            </a:r>
+            <a:r>
+              <a:rPr lang="fr-FR" dirty="0"/>
+              <a:t> on </a:t>
+            </a:r>
+            <a:r>
+              <a:rPr lang="fr-FR" dirty="0" err="1"/>
+              <a:t>github</a:t>
+            </a:r>
+            <a:r>
+              <a:rPr lang="fr-FR" dirty="0"/>
+              <a:t>,</a:t>
+            </a:r>
+          </a:p>
+          <a:p>
+            <a:endParaRPr lang="fr-FR" dirty="0"/>
+          </a:p>
+          <a:p>
+            <a:r>
+              <a:rPr lang="fr-FR" dirty="0"/>
+              <a:t>GitHub starts as a simple </a:t>
+            </a:r>
+            <a:r>
+              <a:rPr lang="fr-FR" dirty="0" err="1"/>
+              <a:t>util</a:t>
+            </a:r>
+            <a:r>
+              <a:rPr lang="fr-FR" dirty="0"/>
+              <a:t> </a:t>
+            </a:r>
+            <a:r>
+              <a:rPr lang="fr-FR" dirty="0" err="1"/>
+              <a:t>designed</a:t>
+            </a:r>
+            <a:r>
+              <a:rPr lang="fr-FR" dirty="0"/>
+              <a:t> to help version and </a:t>
+            </a:r>
+            <a:r>
+              <a:rPr lang="fr-FR" dirty="0" err="1"/>
+              <a:t>evolve</a:t>
+            </a:r>
+            <a:r>
+              <a:rPr lang="fr-FR" dirty="0"/>
+              <a:t> </a:t>
+            </a:r>
+            <a:r>
+              <a:rPr lang="fr-FR" dirty="0" err="1"/>
+              <a:t>textual</a:t>
+            </a:r>
+            <a:r>
+              <a:rPr lang="fr-FR" dirty="0"/>
+              <a:t> content. It </a:t>
+            </a:r>
+            <a:r>
+              <a:rPr lang="fr-FR" dirty="0" err="1"/>
+              <a:t>revolves</a:t>
+            </a:r>
+            <a:r>
+              <a:rPr lang="fr-FR" dirty="0"/>
+              <a:t> </a:t>
+            </a:r>
+            <a:r>
+              <a:rPr lang="fr-FR" dirty="0" err="1"/>
+              <a:t>around</a:t>
+            </a:r>
+            <a:r>
+              <a:rPr lang="fr-FR" dirty="0"/>
+              <a:t> the </a:t>
+            </a:r>
+            <a:r>
+              <a:rPr lang="fr-FR" dirty="0" err="1"/>
+              <a:t>principle</a:t>
+            </a:r>
+            <a:r>
+              <a:rPr lang="fr-FR" dirty="0"/>
+              <a:t> of « diffs »</a:t>
+            </a:r>
+          </a:p>
+          <a:p>
+            <a:endParaRPr lang="fr-FR" dirty="0"/>
+          </a:p>
+          <a:p>
+            <a:r>
+              <a:rPr lang="fr-FR" dirty="0"/>
+              <a:t>A diff </a:t>
+            </a:r>
+            <a:r>
+              <a:rPr lang="fr-FR" dirty="0" err="1"/>
+              <a:t>is</a:t>
+            </a:r>
+            <a:r>
+              <a:rPr lang="fr-FR" dirty="0"/>
+              <a:t> the minimal set of </a:t>
+            </a:r>
+            <a:r>
+              <a:rPr lang="fr-FR" dirty="0" err="1"/>
+              <a:t>editions</a:t>
+            </a:r>
+            <a:r>
+              <a:rPr lang="fr-FR" dirty="0"/>
+              <a:t> </a:t>
+            </a:r>
+            <a:r>
+              <a:rPr lang="fr-FR" dirty="0" err="1"/>
+              <a:t>you</a:t>
+            </a:r>
+            <a:r>
+              <a:rPr lang="fr-FR" dirty="0"/>
+              <a:t> must do to go </a:t>
+            </a:r>
+            <a:r>
+              <a:rPr lang="fr-FR" dirty="0" err="1"/>
+              <a:t>from</a:t>
+            </a:r>
+            <a:r>
+              <a:rPr lang="fr-FR" dirty="0"/>
+              <a:t> one </a:t>
+            </a:r>
+            <a:r>
+              <a:rPr lang="fr-FR" dirty="0" err="1"/>
+              <a:t>text</a:t>
+            </a:r>
+            <a:r>
+              <a:rPr lang="fr-FR" dirty="0"/>
+              <a:t> file to an </a:t>
+            </a:r>
+            <a:r>
+              <a:rPr lang="fr-FR" dirty="0" err="1"/>
+              <a:t>other</a:t>
+            </a:r>
+            <a:r>
+              <a:rPr lang="fr-FR" dirty="0"/>
+              <a:t> </a:t>
+            </a:r>
+            <a:r>
+              <a:rPr lang="fr-FR" dirty="0" err="1"/>
+              <a:t>text</a:t>
+            </a:r>
+            <a:r>
+              <a:rPr lang="fr-FR" dirty="0"/>
+              <a:t> file.</a:t>
+            </a:r>
+          </a:p>
+          <a:p>
+            <a:endParaRPr lang="fr-FR" dirty="0"/>
+          </a:p>
+          <a:p>
+            <a:r>
+              <a:rPr lang="fr-FR" dirty="0" err="1"/>
+              <a:t>Hence</a:t>
+            </a:r>
+            <a:r>
+              <a:rPr lang="fr-FR" dirty="0"/>
+              <a:t> if </a:t>
+            </a:r>
+            <a:r>
+              <a:rPr lang="fr-FR" dirty="0" err="1"/>
+              <a:t>you</a:t>
+            </a:r>
+            <a:r>
+              <a:rPr lang="fr-FR" dirty="0"/>
+              <a:t> </a:t>
+            </a:r>
+            <a:r>
+              <a:rPr lang="fr-FR" dirty="0" err="1"/>
+              <a:t>remove</a:t>
+            </a:r>
+            <a:r>
+              <a:rPr lang="fr-FR" dirty="0"/>
+              <a:t> one line </a:t>
+            </a:r>
+            <a:r>
+              <a:rPr lang="fr-FR" dirty="0" err="1"/>
+              <a:t>from</a:t>
+            </a:r>
+            <a:r>
+              <a:rPr lang="fr-FR" dirty="0"/>
               <a:t> a </a:t>
             </a:r>
             <a:r>
               <a:rPr lang="fr-FR" dirty="0" err="1"/>
-              <a:t>very</a:t>
-            </a:r>
-            <a:r>
-              <a:rPr lang="fr-FR" dirty="0"/>
-              <a:t> standard process to </a:t>
-            </a:r>
-            <a:r>
-              <a:rPr lang="fr-FR" dirty="0" err="1"/>
-              <a:t>developp</a:t>
+              <a:t>text</a:t>
+            </a:r>
+            <a:r>
+              <a:rPr lang="fr-FR" dirty="0"/>
+              <a:t> file, </a:t>
+            </a:r>
+            <a:r>
+              <a:rPr lang="fr-FR" dirty="0" err="1"/>
+              <a:t>you</a:t>
+            </a:r>
+            <a:r>
+              <a:rPr lang="fr-FR" dirty="0"/>
+              <a:t> can </a:t>
+            </a:r>
+            <a:r>
+              <a:rPr lang="fr-FR" dirty="0" err="1"/>
+              <a:t>simply</a:t>
             </a:r>
             <a:r>
               <a:rPr lang="fr-FR" dirty="0"/>
@@ -15141,15 +13986,7 @@
             </a:r>
             <a:r>
               <a:rPr lang="fr-FR" dirty="0" err="1"/>
-              <a:t>properly</a:t>
-            </a:r>
-            <a:r>
-              <a:rPr lang="fr-FR" dirty="0"/>
-              <a:t>, </a:t>
-            </a:r>
-            <a:r>
-              <a:rPr lang="fr-FR" dirty="0" err="1"/>
-              <a:t>which</a:t>
+              <a:t>represent</a:t>
             </a:r>
             <a:r>
               <a:rPr lang="fr-FR" dirty="0"/>
@@ -15157,515 +13994,74 @@
             </a:r>
             <a:r>
               <a:rPr lang="fr-FR" dirty="0" err="1"/>
-              <a:t>goes</a:t>
-            </a:r>
-            <a:r>
-              <a:rPr lang="fr-FR" dirty="0"/>
-              <a:t> </a:t>
-            </a:r>
-            <a:r>
-              <a:rPr lang="fr-FR" dirty="0" err="1"/>
-              <a:t>along</a:t>
-            </a:r>
-            <a:r>
-              <a:rPr lang="fr-FR" dirty="0"/>
-              <a:t> the line:</a:t>
-            </a:r>
-          </a:p>
-          <a:p>
-            <a:endParaRPr lang="fr-FR" dirty="0"/>
-          </a:p>
-          <a:p>
-            <a:pPr marL="285750" indent="-285750">
-              <a:buFontTx/>
-              <a:buChar char="-"/>
-            </a:pPr>
-            <a:r>
-              <a:rPr lang="fr-FR" dirty="0" err="1"/>
-              <a:t>Several</a:t>
-            </a:r>
-            <a:r>
-              <a:rPr lang="fr-FR" dirty="0"/>
-              <a:t> versions of the application, </a:t>
-            </a:r>
-            <a:r>
-              <a:rPr lang="fr-FR" dirty="0" err="1"/>
-              <a:t>often</a:t>
-            </a:r>
-            <a:r>
-              <a:rPr lang="fr-FR" dirty="0"/>
-              <a:t> main, </a:t>
-            </a:r>
-            <a:r>
-              <a:rPr lang="fr-FR" dirty="0" err="1"/>
-              <a:t>qa</a:t>
-            </a:r>
-            <a:r>
-              <a:rPr lang="fr-FR" dirty="0"/>
-              <a:t>, dev</a:t>
-            </a:r>
-          </a:p>
-          <a:p>
-            <a:pPr marL="742950" lvl="1" indent="-285750">
-              <a:buFontTx/>
-              <a:buChar char="-"/>
-            </a:pPr>
-            <a:r>
-              <a:rPr lang="fr-FR" dirty="0"/>
-              <a:t>Dev </a:t>
-            </a:r>
-            <a:r>
-              <a:rPr lang="fr-FR" dirty="0" err="1"/>
-              <a:t>is</a:t>
-            </a:r>
-            <a:r>
-              <a:rPr lang="fr-FR" dirty="0"/>
-              <a:t> the </a:t>
-            </a:r>
-            <a:r>
-              <a:rPr lang="fr-FR" dirty="0" err="1"/>
-              <a:t>development</a:t>
-            </a:r>
-            <a:r>
-              <a:rPr lang="fr-FR" dirty="0"/>
-              <a:t> version, </a:t>
-            </a:r>
-            <a:r>
-              <a:rPr lang="fr-FR" dirty="0" err="1"/>
-              <a:t>which</a:t>
-            </a:r>
-            <a:r>
-              <a:rPr lang="fr-FR" dirty="0"/>
-              <a:t> </a:t>
-            </a:r>
-            <a:r>
-              <a:rPr lang="fr-FR" dirty="0" err="1"/>
-              <a:t>is</a:t>
-            </a:r>
-            <a:r>
-              <a:rPr lang="fr-FR" dirty="0"/>
-              <a:t> </a:t>
-            </a:r>
-            <a:r>
-              <a:rPr lang="fr-FR" dirty="0" err="1"/>
-              <a:t>used</a:t>
-            </a:r>
-            <a:r>
-              <a:rPr lang="fr-FR" dirty="0"/>
-              <a:t> to </a:t>
-            </a:r>
-            <a:r>
-              <a:rPr lang="fr-FR" dirty="0" err="1"/>
-              <a:t>iterate</a:t>
-            </a:r>
-            <a:endParaRPr lang="fr-FR" dirty="0"/>
-          </a:p>
-          <a:p>
-            <a:pPr marL="742950" lvl="1" indent="-285750">
-              <a:buFontTx/>
-              <a:buChar char="-"/>
-            </a:pPr>
-            <a:r>
-              <a:rPr lang="fr-FR" dirty="0" err="1"/>
-              <a:t>Qa</a:t>
-            </a:r>
-            <a:r>
-              <a:rPr lang="fr-FR" dirty="0"/>
-              <a:t> </a:t>
-            </a:r>
-            <a:r>
-              <a:rPr lang="fr-FR" dirty="0" err="1"/>
-              <a:t>is</a:t>
-            </a:r>
-            <a:r>
-              <a:rPr lang="fr-FR" dirty="0"/>
-              <a:t> the </a:t>
-            </a:r>
-            <a:r>
-              <a:rPr lang="fr-FR" dirty="0" err="1"/>
-              <a:t>testing</a:t>
-            </a:r>
-            <a:r>
-              <a:rPr lang="fr-FR" dirty="0"/>
-              <a:t> version, </a:t>
-            </a:r>
-            <a:r>
-              <a:rPr lang="fr-FR" dirty="0" err="1"/>
-              <a:t>used</a:t>
-            </a:r>
-            <a:r>
-              <a:rPr lang="fr-FR" dirty="0"/>
-              <a:t> to test a stable candidate of the code</a:t>
-            </a:r>
-          </a:p>
-          <a:p>
-            <a:pPr marL="742950" lvl="1" indent="-285750">
-              <a:buFontTx/>
-              <a:buChar char="-"/>
-            </a:pPr>
-            <a:r>
-              <a:rPr lang="fr-FR" dirty="0"/>
-              <a:t>Main </a:t>
-            </a:r>
-            <a:r>
-              <a:rPr lang="fr-FR" dirty="0" err="1"/>
-              <a:t>is</a:t>
-            </a:r>
-            <a:r>
-              <a:rPr lang="fr-FR" dirty="0"/>
-              <a:t> the production version, </a:t>
-            </a:r>
-            <a:r>
-              <a:rPr lang="fr-FR" dirty="0" err="1"/>
-              <a:t>used</a:t>
-            </a:r>
-            <a:r>
-              <a:rPr lang="fr-FR" dirty="0"/>
-              <a:t> to </a:t>
-            </a:r>
-            <a:r>
-              <a:rPr lang="fr-FR" dirty="0" err="1"/>
-              <a:t>deploy</a:t>
-            </a:r>
-            <a:r>
-              <a:rPr lang="fr-FR" dirty="0"/>
-              <a:t> the official version of the app</a:t>
-            </a:r>
-          </a:p>
-          <a:p>
-            <a:pPr marL="742950" lvl="1" indent="-285750">
-              <a:buFontTx/>
-              <a:buChar char="-"/>
-            </a:pPr>
-            <a:endParaRPr lang="fr-FR" dirty="0"/>
-          </a:p>
-          <a:p>
-            <a:pPr marL="285750" indent="-285750">
-              <a:buFontTx/>
-              <a:buChar char="-"/>
-            </a:pPr>
-            <a:r>
-              <a:rPr lang="fr-FR" dirty="0" err="1"/>
-              <a:t>When</a:t>
-            </a:r>
-            <a:r>
-              <a:rPr lang="fr-FR" dirty="0"/>
-              <a:t> </a:t>
-            </a:r>
-            <a:r>
-              <a:rPr lang="fr-FR" dirty="0" err="1"/>
-              <a:t>starting</a:t>
-            </a:r>
-            <a:r>
-              <a:rPr lang="fr-FR" dirty="0"/>
-              <a:t> to </a:t>
-            </a:r>
-            <a:r>
-              <a:rPr lang="fr-FR" dirty="0" err="1"/>
-              <a:t>work</a:t>
-            </a:r>
-            <a:r>
-              <a:rPr lang="fr-FR" dirty="0"/>
-              <a:t> on a new </a:t>
-            </a:r>
-            <a:r>
-              <a:rPr lang="fr-FR" dirty="0" err="1"/>
-              <a:t>feature</a:t>
-            </a:r>
-            <a:r>
-              <a:rPr lang="fr-FR" dirty="0"/>
-              <a:t> i:</a:t>
-            </a:r>
-          </a:p>
-          <a:p>
-            <a:pPr marL="742950" lvl="1" indent="-285750">
-              <a:buFontTx/>
-              <a:buChar char="-"/>
-            </a:pPr>
-            <a:r>
-              <a:rPr lang="fr-FR" dirty="0"/>
-              <a:t>Start </a:t>
-            </a:r>
-            <a:r>
-              <a:rPr lang="fr-FR" dirty="0" err="1"/>
-              <a:t>from</a:t>
-            </a:r>
-            <a:r>
-              <a:rPr lang="fr-FR" dirty="0"/>
-              <a:t> dev</a:t>
-            </a:r>
-          </a:p>
-          <a:p>
-            <a:pPr marL="742950" lvl="1" indent="-285750">
-              <a:buFontTx/>
-              <a:buChar char="-"/>
-            </a:pPr>
-            <a:r>
-              <a:rPr lang="fr-FR" dirty="0" err="1"/>
-              <a:t>Create</a:t>
-            </a:r>
-            <a:r>
-              <a:rPr lang="fr-FR" dirty="0"/>
-              <a:t> a new branche </a:t>
-            </a:r>
-            <a:r>
-              <a:rPr lang="fr-FR" dirty="0" err="1"/>
-              <a:t>with</a:t>
-            </a:r>
-            <a:r>
-              <a:rPr lang="fr-FR" dirty="0"/>
-              <a:t> an explicit </a:t>
-            </a:r>
-            <a:r>
-              <a:rPr lang="fr-FR" dirty="0" err="1"/>
-              <a:t>name</a:t>
-            </a:r>
-            <a:r>
-              <a:rPr lang="fr-FR" dirty="0"/>
-              <a:t> (ex: feat/</a:t>
-            </a:r>
-            <a:r>
-              <a:rPr lang="fr-FR" dirty="0" err="1"/>
-              <a:t>feature_name</a:t>
-            </a:r>
-            <a:r>
-              <a:rPr lang="fr-FR" dirty="0"/>
-              <a:t>)</a:t>
-            </a:r>
-          </a:p>
-          <a:p>
-            <a:pPr marL="742950" lvl="1" indent="-285750">
-              <a:buFontTx/>
-              <a:buChar char="-"/>
-            </a:pPr>
-            <a:r>
-              <a:rPr lang="fr-FR" dirty="0" err="1"/>
-              <a:t>Develop</a:t>
-            </a:r>
-            <a:r>
-              <a:rPr lang="fr-FR" dirty="0"/>
-              <a:t> </a:t>
-            </a:r>
-            <a:r>
-              <a:rPr lang="fr-FR" dirty="0" err="1"/>
-              <a:t>my</a:t>
-            </a:r>
-            <a:r>
-              <a:rPr lang="fr-FR" dirty="0"/>
-              <a:t> </a:t>
-            </a:r>
-            <a:r>
-              <a:rPr lang="fr-FR" dirty="0" err="1"/>
-              <a:t>feature</a:t>
-            </a:r>
-            <a:r>
-              <a:rPr lang="fr-FR" dirty="0"/>
-              <a:t> </a:t>
-            </a:r>
-            <a:r>
-              <a:rPr lang="fr-FR" dirty="0" err="1"/>
-              <a:t>with</a:t>
-            </a:r>
-            <a:r>
-              <a:rPr lang="fr-FR" dirty="0"/>
-              <a:t> </a:t>
-            </a:r>
-            <a:r>
-              <a:rPr lang="fr-FR" dirty="0" err="1"/>
-              <a:t>frequent</a:t>
-            </a:r>
-            <a:r>
-              <a:rPr lang="fr-FR" dirty="0"/>
-              <a:t> and explicit </a:t>
-            </a:r>
-            <a:r>
-              <a:rPr lang="fr-FR" dirty="0" err="1"/>
-              <a:t>commits</a:t>
-            </a:r>
-            <a:endParaRPr lang="fr-FR" dirty="0"/>
-          </a:p>
-          <a:p>
-            <a:pPr marL="742950" lvl="1" indent="-285750">
-              <a:buFontTx/>
-              <a:buChar char="-"/>
-            </a:pPr>
-            <a:r>
-              <a:rPr lang="fr-FR" dirty="0" err="1"/>
-              <a:t>When</a:t>
-            </a:r>
-            <a:r>
-              <a:rPr lang="fr-FR" dirty="0"/>
-              <a:t> </a:t>
-            </a:r>
-            <a:r>
-              <a:rPr lang="fr-FR" dirty="0" err="1"/>
-              <a:t>my</a:t>
-            </a:r>
-            <a:r>
-              <a:rPr lang="fr-FR" dirty="0"/>
-              <a:t> </a:t>
-            </a:r>
-            <a:r>
-              <a:rPr lang="fr-FR" dirty="0" err="1"/>
-              <a:t>feature</a:t>
-            </a:r>
-            <a:r>
-              <a:rPr lang="fr-FR" dirty="0"/>
-              <a:t> </a:t>
-            </a:r>
-            <a:r>
-              <a:rPr lang="fr-FR" dirty="0" err="1"/>
-              <a:t>is</a:t>
-            </a:r>
-            <a:r>
-              <a:rPr lang="fr-FR" dirty="0"/>
-              <a:t> </a:t>
-            </a:r>
-            <a:r>
-              <a:rPr lang="fr-FR" dirty="0" err="1"/>
-              <a:t>ready</a:t>
-            </a:r>
-            <a:r>
-              <a:rPr lang="fr-FR" dirty="0"/>
-              <a:t>, I </a:t>
-            </a:r>
-            <a:r>
-              <a:rPr lang="fr-FR" dirty="0" err="1"/>
-              <a:t>make</a:t>
-            </a:r>
-            <a:r>
-              <a:rPr lang="fr-FR" dirty="0"/>
-              <a:t> a pull </a:t>
-            </a:r>
-            <a:r>
-              <a:rPr lang="fr-FR" dirty="0" err="1"/>
-              <a:t>request</a:t>
-            </a:r>
-            <a:r>
-              <a:rPr lang="fr-FR" dirty="0"/>
-              <a:t> to dev </a:t>
-            </a:r>
-            <a:r>
-              <a:rPr lang="fr-FR" dirty="0" err="1"/>
-              <a:t>branch</a:t>
-            </a:r>
-            <a:endParaRPr lang="fr-FR" dirty="0"/>
-          </a:p>
-          <a:p>
-            <a:pPr marL="742950" lvl="1" indent="-285750">
-              <a:buFontTx/>
-              <a:buChar char="-"/>
-            </a:pPr>
-            <a:r>
-              <a:rPr lang="fr-FR" dirty="0"/>
-              <a:t>I </a:t>
-            </a:r>
-            <a:r>
-              <a:rPr lang="fr-FR" dirty="0" err="1"/>
-              <a:t>review</a:t>
-            </a:r>
-            <a:r>
-              <a:rPr lang="fr-FR" dirty="0"/>
-              <a:t> the </a:t>
-            </a:r>
-            <a:r>
-              <a:rPr lang="fr-FR" dirty="0" err="1"/>
-              <a:t>request</a:t>
-            </a:r>
-            <a:r>
-              <a:rPr lang="fr-FR" dirty="0"/>
-              <a:t> </a:t>
-            </a:r>
-            <a:r>
-              <a:rPr lang="fr-FR" dirty="0" err="1"/>
-              <a:t>with</a:t>
-            </a:r>
-            <a:r>
-              <a:rPr lang="fr-FR" dirty="0"/>
-              <a:t> the lead dev to </a:t>
-            </a:r>
-            <a:r>
-              <a:rPr lang="fr-FR" dirty="0" err="1"/>
-              <a:t>ensure</a:t>
-            </a:r>
-            <a:r>
-              <a:rPr lang="fr-FR" dirty="0"/>
-              <a:t> </a:t>
-            </a:r>
-            <a:r>
-              <a:rPr lang="fr-FR" dirty="0" err="1"/>
-              <a:t>proper</a:t>
-            </a:r>
-            <a:r>
-              <a:rPr lang="fr-FR" dirty="0"/>
-              <a:t> </a:t>
-            </a:r>
-            <a:r>
-              <a:rPr lang="fr-FR" dirty="0" err="1"/>
-              <a:t>interfacing</a:t>
-            </a:r>
-            <a:endParaRPr lang="fr-FR" dirty="0"/>
-          </a:p>
-          <a:p>
-            <a:pPr marL="742950" lvl="1" indent="-285750">
-              <a:buFontTx/>
-              <a:buChar char="-"/>
-            </a:pPr>
-            <a:r>
-              <a:rPr lang="fr-FR" dirty="0"/>
-              <a:t>I merge</a:t>
-            </a:r>
-          </a:p>
-          <a:p>
-            <a:pPr marL="742950" lvl="1" indent="-285750">
-              <a:buFontTx/>
-              <a:buChar char="-"/>
-            </a:pPr>
-            <a:endParaRPr lang="fr-FR" dirty="0"/>
-          </a:p>
-          <a:p>
-            <a:pPr marL="742950" lvl="1" indent="-285750">
-              <a:buFontTx/>
-              <a:buChar char="-"/>
-            </a:pPr>
-            <a:endParaRPr lang="fr-FR" dirty="0"/>
+              <a:t>it</a:t>
+            </a:r>
+            <a:r>
+              <a:rPr lang="fr-FR" dirty="0"/>
+              <a:t> as a diff of « </a:t>
+            </a:r>
+            <a:r>
+              <a:rPr lang="fr-FR" dirty="0" err="1"/>
+              <a:t>remove</a:t>
+            </a:r>
+            <a:r>
+              <a:rPr lang="fr-FR" dirty="0"/>
+              <a:t> line x »</a:t>
+            </a:r>
           </a:p>
         </p:txBody>
       </p:sp>
       <p:pic>
         <p:nvPicPr>
-          <p:cNvPr id="6" name="Image 5">
-            <a:extLst>
-              <a:ext uri="{FF2B5EF4-FFF2-40B4-BE49-F238E27FC236}">
-                <a16:creationId xmlns:a16="http://schemas.microsoft.com/office/drawing/2014/main" id="{724DB5EC-04DD-A616-72CF-13CF09C3540F}"/>
+          <p:cNvPr id="8194" name="Picture 2" descr="Qu'est-ce que GitHub et comment fonctionne-t-il ? - Développement  Programmation - Dessein-Tech">
+            <a:extLst>
+              <a:ext uri="{FF2B5EF4-FFF2-40B4-BE49-F238E27FC236}">
+                <a16:creationId xmlns:a16="http://schemas.microsoft.com/office/drawing/2014/main" id="{5A8DF5F6-7041-E5F1-571F-32ACA96F9FFC}"/>
               </a:ext>
             </a:extLst>
           </p:cNvPr>
           <p:cNvPicPr>
-            <a:picLocks noChangeAspect="1"/>
+            <a:picLocks noChangeAspect="1" noChangeArrowheads="1"/>
           </p:cNvPicPr>
           <p:nvPr/>
         </p:nvPicPr>
         <p:blipFill>
-          <a:blip r:embed="rId2"/>
+          <a:blip r:embed="rId2">
+            <a:extLst>
+              <a:ext uri="{28A0092B-C50C-407E-A947-70E740481C1C}">
+                <a14:useLocalDpi xmlns:a14="http://schemas.microsoft.com/office/drawing/2010/main" val="0"/>
+              </a:ext>
+            </a:extLst>
+          </a:blip>
+          <a:srcRect/>
           <a:stretch>
             <a:fillRect/>
           </a:stretch>
         </p:blipFill>
-        <p:spPr>
-          <a:xfrm>
-            <a:off x="8368747" y="1362073"/>
-            <a:ext cx="3328307" cy="5411183"/>
+        <p:spPr bwMode="auto">
+          <a:xfrm>
+            <a:off x="5811077" y="2200688"/>
+            <a:ext cx="6453809" cy="3630268"/>
           </a:xfrm>
           <a:prstGeom prst="rect">
             <a:avLst/>
           </a:prstGeom>
+          <a:noFill/>
+          <a:extLst>
+            <a:ext uri="{909E8E84-426E-40DD-AFC4-6F175D3DCCD1}">
+              <a14:hiddenFill xmlns:a14="http://schemas.microsoft.com/office/drawing/2010/main">
+                <a:solidFill>
+                  <a:srgbClr val="FFFFFF"/>
+                </a:solidFill>
+              </a14:hiddenFill>
+            </a:ext>
+          </a:extLst>
         </p:spPr>
       </p:pic>
     </p:spTree>
     <p:extLst>
       <p:ext uri="{BB962C8B-B14F-4D97-AF65-F5344CB8AC3E}">
-        <p14:creationId xmlns:p14="http://schemas.microsoft.com/office/powerpoint/2010/main" val="717965196"/>
+        <p14:creationId xmlns:p14="http://schemas.microsoft.com/office/powerpoint/2010/main" val="1579035160"/>
       </p:ext>
     </p:extLst>
   </p:cSld>
@@ -15675,7 +14071,7 @@
 </p:sld>
 </file>
 
-<file path=ppt/slides/slide36.xml><?xml version="1.0" encoding="utf-8"?>
+<file path=ppt/slides/slide33.xml><?xml version="1.0" encoding="utf-8"?>
 <p:sld xmlns:a="http://schemas.openxmlformats.org/drawingml/2006/main" xmlns:r="http://schemas.openxmlformats.org/officeDocument/2006/relationships" xmlns:p="http://schemas.openxmlformats.org/presentationml/2006/main">
   <p:cSld>
     <p:spTree>
@@ -15683,7 +14079,7 @@
         <p:cNvPr id="1" name="">
           <a:extLst>
             <a:ext uri="{FF2B5EF4-FFF2-40B4-BE49-F238E27FC236}">
-              <a16:creationId xmlns:a16="http://schemas.microsoft.com/office/drawing/2014/main" id="{F790337C-2A82-9AA7-EE1F-DB18AB935D2C}"/>
+              <a16:creationId xmlns:a16="http://schemas.microsoft.com/office/drawing/2014/main" id="{67D1FF74-5856-475E-C48E-FEC645D261D6}"/>
             </a:ext>
           </a:extLst>
         </p:cNvPr>
@@ -15703,7 +14099,7 @@
           <p:cNvPr id="5" name="Rectangle 4">
             <a:extLst>
               <a:ext uri="{FF2B5EF4-FFF2-40B4-BE49-F238E27FC236}">
-                <a16:creationId xmlns:a16="http://schemas.microsoft.com/office/drawing/2014/main" id="{E3BDBBF3-BE4F-F3C4-FDA3-921A388D41C7}"/>
+                <a16:creationId xmlns:a16="http://schemas.microsoft.com/office/drawing/2014/main" id="{63629549-DDF0-3B67-EA77-CB6434B6EE58}"/>
               </a:ext>
             </a:extLst>
           </p:cNvPr>
@@ -15773,7 +14169,7 @@
           <p:cNvPr id="2" name="Titre 1">
             <a:extLst>
               <a:ext uri="{FF2B5EF4-FFF2-40B4-BE49-F238E27FC236}">
-                <a16:creationId xmlns:a16="http://schemas.microsoft.com/office/drawing/2014/main" id="{25E48B72-9F16-9BF6-5A6D-6CDF965AA212}"/>
+                <a16:creationId xmlns:a16="http://schemas.microsoft.com/office/drawing/2014/main" id="{6BC22806-DFDD-D487-B094-99AF19AF5C7B}"/>
               </a:ext>
             </a:extLst>
           </p:cNvPr>
@@ -15802,7 +14198,7 @@
                   <a:schemeClr val="bg1"/>
                 </a:solidFill>
               </a:rPr>
-              <a:t>TD 1/2 : </a:t>
+              <a:t>How to </a:t>
             </a:r>
             <a:r>
               <a:rPr lang="fr-FR" b="1" dirty="0" err="1">
@@ -15810,7 +14206,7 @@
                   <a:schemeClr val="bg1"/>
                 </a:solidFill>
               </a:rPr>
-              <a:t>Get</a:t>
+              <a:t>work</a:t>
             </a:r>
             <a:r>
               <a:rPr lang="fr-FR" b="1" dirty="0">
@@ -15826,7 +14222,7 @@
                   <a:schemeClr val="bg1"/>
                 </a:solidFill>
               </a:rPr>
-              <a:t>this</a:t>
+              <a:t>with</a:t>
             </a:r>
             <a:r>
               <a:rPr lang="fr-FR" b="1" dirty="0">
@@ -15834,7 +14230,7 @@
                   <a:schemeClr val="bg1"/>
                 </a:solidFill>
               </a:rPr>
-              <a:t> course </a:t>
+              <a:t> </a:t>
             </a:r>
             <a:r>
               <a:rPr lang="fr-FR" b="1" dirty="0" err="1">
@@ -15842,16 +14238,13 @@
                   <a:schemeClr val="bg1"/>
                 </a:solidFill>
               </a:rPr>
-              <a:t>from</a:t>
-            </a:r>
-            <a:r>
-              <a:rPr lang="fr-FR" b="1" dirty="0">
-                <a:solidFill>
-                  <a:schemeClr val="bg1"/>
-                </a:solidFill>
-              </a:rPr>
-              <a:t> GIT</a:t>
-            </a:r>
+              <a:t>github</a:t>
+            </a:r>
+            <a:endParaRPr lang="fr-FR" b="1" dirty="0">
+              <a:solidFill>
+                <a:schemeClr val="bg1"/>
+              </a:solidFill>
+            </a:endParaRPr>
           </a:p>
         </p:txBody>
       </p:sp>
@@ -15860,7 +14253,7 @@
           <p:cNvPr id="3" name="ZoneTexte 2">
             <a:extLst>
               <a:ext uri="{FF2B5EF4-FFF2-40B4-BE49-F238E27FC236}">
-                <a16:creationId xmlns:a16="http://schemas.microsoft.com/office/drawing/2014/main" id="{E7755EE5-D554-BCDD-404B-E7458D76BD54}"/>
+                <a16:creationId xmlns:a16="http://schemas.microsoft.com/office/drawing/2014/main" id="{A76125B0-0F09-C365-8F1D-F584CA129DA1}"/>
               </a:ext>
             </a:extLst>
           </p:cNvPr>
@@ -15869,8 +14262,8 @@
         </p:nvSpPr>
         <p:spPr>
           <a:xfrm>
-            <a:off x="163127" y="1534370"/>
-            <a:ext cx="7615899" cy="5078313"/>
+            <a:off x="308900" y="2113722"/>
+            <a:ext cx="5787100" cy="3416320"/>
           </a:xfrm>
           <a:prstGeom prst="rect">
             <a:avLst/>
@@ -15885,27 +14278,19 @@
           <a:p>
             <a:r>
               <a:rPr lang="fr-FR" dirty="0"/>
-              <a:t>There </a:t>
-            </a:r>
-            <a:r>
-              <a:rPr lang="fr-FR" dirty="0" err="1"/>
-              <a:t>is</a:t>
-            </a:r>
-            <a:r>
-              <a:rPr lang="fr-FR" dirty="0"/>
-              <a:t> a </a:t>
-            </a:r>
-            <a:r>
-              <a:rPr lang="fr-FR" dirty="0" err="1"/>
-              <a:t>very</a:t>
-            </a:r>
-            <a:r>
-              <a:rPr lang="fr-FR" dirty="0"/>
-              <a:t> standard process to </a:t>
-            </a:r>
-            <a:r>
-              <a:rPr lang="fr-FR" dirty="0" err="1"/>
-              <a:t>developp</a:t>
+              <a:t>To </a:t>
+            </a:r>
+            <a:r>
+              <a:rPr lang="fr-FR" dirty="0" err="1"/>
+              <a:t>collaborate</a:t>
+            </a:r>
+            <a:r>
+              <a:rPr lang="fr-FR" dirty="0"/>
+              <a:t>, git </a:t>
+            </a:r>
+            <a:r>
+              <a:rPr lang="fr-FR" dirty="0" err="1"/>
+              <a:t>offers</a:t>
             </a:r>
             <a:r>
               <a:rPr lang="fr-FR" dirty="0"/>
@@ -15913,15 +14298,7 @@
             </a:r>
             <a:r>
               <a:rPr lang="fr-FR" dirty="0" err="1"/>
-              <a:t>properly</a:t>
-            </a:r>
-            <a:r>
-              <a:rPr lang="fr-FR" dirty="0"/>
-              <a:t>, </a:t>
-            </a:r>
-            <a:r>
-              <a:rPr lang="fr-FR" dirty="0" err="1"/>
-              <a:t>which</a:t>
+              <a:t>several</a:t>
             </a:r>
             <a:r>
               <a:rPr lang="fr-FR" dirty="0"/>
@@ -15929,19 +14306,11 @@
             </a:r>
             <a:r>
               <a:rPr lang="fr-FR" dirty="0" err="1"/>
-              <a:t>goes</a:t>
-            </a:r>
-            <a:r>
-              <a:rPr lang="fr-FR" dirty="0"/>
-              <a:t> </a:t>
-            </a:r>
-            <a:r>
-              <a:rPr lang="fr-FR" dirty="0" err="1"/>
-              <a:t>along</a:t>
-            </a:r>
-            <a:r>
-              <a:rPr lang="fr-FR" dirty="0"/>
-              <a:t> the line:</a:t>
+              <a:t>tools</a:t>
+            </a:r>
+            <a:r>
+              <a:rPr lang="fr-FR" dirty="0"/>
+              <a:t>:</a:t>
             </a:r>
           </a:p>
           <a:p>
@@ -15953,159 +14322,36 @@
               <a:buChar char="-"/>
             </a:pPr>
             <a:r>
-              <a:rPr lang="fr-FR" dirty="0" err="1"/>
-              <a:t>Several</a:t>
-            </a:r>
-            <a:r>
-              <a:rPr lang="fr-FR" dirty="0"/>
-              <a:t> versions of the application, </a:t>
-            </a:r>
-            <a:r>
-              <a:rPr lang="fr-FR" dirty="0" err="1"/>
-              <a:t>often</a:t>
-            </a:r>
-            <a:r>
-              <a:rPr lang="fr-FR" dirty="0"/>
-              <a:t> main, </a:t>
-            </a:r>
-            <a:r>
-              <a:rPr lang="fr-FR" dirty="0" err="1"/>
-              <a:t>qa</a:t>
-            </a:r>
-            <a:r>
-              <a:rPr lang="fr-FR" dirty="0"/>
-              <a:t>, dev</a:t>
-            </a:r>
-          </a:p>
-          <a:p>
-            <a:pPr marL="742950" lvl="1" indent="-285750">
-              <a:buFontTx/>
-              <a:buChar char="-"/>
-            </a:pPr>
-            <a:r>
-              <a:rPr lang="fr-FR" dirty="0"/>
-              <a:t>Dev </a:t>
-            </a:r>
-            <a:r>
-              <a:rPr lang="fr-FR" dirty="0" err="1"/>
-              <a:t>is</a:t>
-            </a:r>
-            <a:r>
-              <a:rPr lang="fr-FR" dirty="0"/>
-              <a:t> the </a:t>
-            </a:r>
-            <a:r>
-              <a:rPr lang="fr-FR" dirty="0" err="1"/>
-              <a:t>development</a:t>
-            </a:r>
-            <a:r>
-              <a:rPr lang="fr-FR" dirty="0"/>
-              <a:t> version, </a:t>
-            </a:r>
-            <a:r>
-              <a:rPr lang="fr-FR" dirty="0" err="1"/>
-              <a:t>which</a:t>
-            </a:r>
-            <a:r>
-              <a:rPr lang="fr-FR" dirty="0"/>
-              <a:t> </a:t>
-            </a:r>
-            <a:r>
-              <a:rPr lang="fr-FR" dirty="0" err="1"/>
-              <a:t>is</a:t>
-            </a:r>
-            <a:r>
-              <a:rPr lang="fr-FR" dirty="0"/>
-              <a:t> </a:t>
-            </a:r>
-            <a:r>
-              <a:rPr lang="fr-FR" dirty="0" err="1"/>
-              <a:t>used</a:t>
-            </a:r>
-            <a:r>
-              <a:rPr lang="fr-FR" dirty="0"/>
-              <a:t> to </a:t>
-            </a:r>
-            <a:r>
-              <a:rPr lang="fr-FR" dirty="0" err="1"/>
-              <a:t>iterate</a:t>
-            </a:r>
-            <a:endParaRPr lang="fr-FR" dirty="0"/>
-          </a:p>
-          <a:p>
-            <a:pPr marL="742950" lvl="1" indent="-285750">
-              <a:buFontTx/>
-              <a:buChar char="-"/>
-            </a:pPr>
-            <a:r>
-              <a:rPr lang="fr-FR" dirty="0" err="1"/>
-              <a:t>Qa</a:t>
-            </a:r>
-            <a:r>
-              <a:rPr lang="fr-FR" dirty="0"/>
-              <a:t> </a:t>
-            </a:r>
-            <a:r>
-              <a:rPr lang="fr-FR" dirty="0" err="1"/>
-              <a:t>is</a:t>
-            </a:r>
-            <a:r>
-              <a:rPr lang="fr-FR" dirty="0"/>
-              <a:t> the </a:t>
-            </a:r>
-            <a:r>
-              <a:rPr lang="fr-FR" dirty="0" err="1"/>
-              <a:t>testing</a:t>
-            </a:r>
-            <a:r>
-              <a:rPr lang="fr-FR" dirty="0"/>
-              <a:t> version, </a:t>
-            </a:r>
-            <a:r>
-              <a:rPr lang="fr-FR" dirty="0" err="1"/>
-              <a:t>used</a:t>
-            </a:r>
-            <a:r>
-              <a:rPr lang="fr-FR" dirty="0"/>
-              <a:t> to test a stable candidate of the code</a:t>
-            </a:r>
-          </a:p>
-          <a:p>
-            <a:pPr marL="742950" lvl="1" indent="-285750">
-              <a:buFontTx/>
-              <a:buChar char="-"/>
-            </a:pPr>
-            <a:r>
-              <a:rPr lang="fr-FR" dirty="0"/>
-              <a:t>Main </a:t>
-            </a:r>
-            <a:r>
-              <a:rPr lang="fr-FR" dirty="0" err="1"/>
-              <a:t>is</a:t>
-            </a:r>
-            <a:r>
-              <a:rPr lang="fr-FR" dirty="0"/>
-              <a:t> the production version, </a:t>
-            </a:r>
-            <a:r>
-              <a:rPr lang="fr-FR" dirty="0" err="1"/>
-              <a:t>used</a:t>
-            </a:r>
-            <a:r>
-              <a:rPr lang="fr-FR" dirty="0"/>
-              <a:t> to </a:t>
-            </a:r>
-            <a:r>
-              <a:rPr lang="fr-FR" dirty="0" err="1"/>
-              <a:t>deploy</a:t>
-            </a:r>
-            <a:r>
-              <a:rPr lang="fr-FR" dirty="0"/>
-              <a:t> the official version of the app</a:t>
-            </a:r>
-          </a:p>
-          <a:p>
-            <a:pPr marL="742950" lvl="1" indent="-285750">
+              <a:rPr lang="fr-FR" dirty="0"/>
+              <a:t>Branches : </a:t>
+            </a:r>
+            <a:r>
+              <a:rPr lang="fr-FR" dirty="0" err="1"/>
+              <a:t>these</a:t>
+            </a:r>
+            <a:r>
+              <a:rPr lang="fr-FR" dirty="0"/>
+              <a:t> are </a:t>
+            </a:r>
+            <a:r>
+              <a:rPr lang="fr-FR" dirty="0" err="1"/>
+              <a:t>several</a:t>
+            </a:r>
+            <a:r>
+              <a:rPr lang="fr-FR" dirty="0"/>
+              <a:t> version of the </a:t>
+            </a:r>
+            <a:r>
+              <a:rPr lang="fr-FR" dirty="0" err="1"/>
+              <a:t>same</a:t>
+            </a:r>
+            <a:r>
+              <a:rPr lang="fr-FR" dirty="0"/>
+              <a:t> codebase</a:t>
+            </a:r>
+          </a:p>
+          <a:p>
+            <a:pPr marL="285750" indent="-285750">
               <a:buFontTx/>
               <a:buChar char="-"/>
             </a:pPr>
@@ -16118,7 +14364,31 @@
             </a:pPr>
             <a:r>
               <a:rPr lang="fr-FR" dirty="0" err="1"/>
-              <a:t>When</a:t>
+              <a:t>Commits</a:t>
+            </a:r>
+            <a:r>
+              <a:rPr lang="fr-FR" dirty="0"/>
+              <a:t> : </a:t>
+            </a:r>
+            <a:r>
+              <a:rPr lang="fr-FR" dirty="0" err="1"/>
+              <a:t>they</a:t>
+            </a:r>
+            <a:r>
+              <a:rPr lang="fr-FR" dirty="0"/>
+              <a:t> are </a:t>
+            </a:r>
+            <a:r>
+              <a:rPr lang="fr-FR" dirty="0" err="1"/>
+              <a:t>tied</a:t>
+            </a:r>
+            <a:r>
+              <a:rPr lang="fr-FR" dirty="0"/>
+              <a:t> to a </a:t>
+            </a:r>
+            <a:r>
+              <a:rPr lang="fr-FR" dirty="0" err="1"/>
+              <a:t>given</a:t>
             </a:r>
             <a:r>
               <a:rPr lang="fr-FR" dirty="0"/>
@@ -16126,93 +14396,23 @@
             </a:r>
             <a:r>
               <a:rPr lang="fr-FR" dirty="0" err="1"/>
-              <a:t>starting</a:t>
-            </a:r>
-            <a:r>
-              <a:rPr lang="fr-FR" dirty="0"/>
-              <a:t> to </a:t>
-            </a:r>
-            <a:r>
-              <a:rPr lang="fr-FR" dirty="0" err="1"/>
-              <a:t>work</a:t>
-            </a:r>
-            <a:r>
-              <a:rPr lang="fr-FR" dirty="0"/>
-              <a:t> on a new </a:t>
-            </a:r>
-            <a:r>
-              <a:rPr lang="fr-FR" dirty="0" err="1"/>
-              <a:t>feature</a:t>
-            </a:r>
-            <a:r>
-              <a:rPr lang="fr-FR" dirty="0"/>
-              <a:t> i:</a:t>
-            </a:r>
-          </a:p>
-          <a:p>
-            <a:pPr marL="742950" lvl="1" indent="-285750">
-              <a:buFontTx/>
-              <a:buChar char="-"/>
-            </a:pPr>
-            <a:r>
-              <a:rPr lang="fr-FR" dirty="0"/>
-              <a:t>Start </a:t>
-            </a:r>
-            <a:r>
-              <a:rPr lang="fr-FR" dirty="0" err="1"/>
-              <a:t>from</a:t>
-            </a:r>
-            <a:r>
-              <a:rPr lang="fr-FR" dirty="0"/>
-              <a:t> dev</a:t>
-            </a:r>
-          </a:p>
-          <a:p>
-            <a:pPr marL="742950" lvl="1" indent="-285750">
-              <a:buFontTx/>
-              <a:buChar char="-"/>
-            </a:pPr>
-            <a:r>
-              <a:rPr lang="fr-FR" dirty="0" err="1"/>
-              <a:t>Create</a:t>
-            </a:r>
-            <a:r>
-              <a:rPr lang="fr-FR" dirty="0"/>
-              <a:t> a new branche </a:t>
-            </a:r>
-            <a:r>
-              <a:rPr lang="fr-FR" dirty="0" err="1"/>
-              <a:t>with</a:t>
-            </a:r>
-            <a:r>
-              <a:rPr lang="fr-FR" dirty="0"/>
-              <a:t> an explicit </a:t>
-            </a:r>
-            <a:r>
-              <a:rPr lang="fr-FR" dirty="0" err="1"/>
-              <a:t>name</a:t>
-            </a:r>
-            <a:r>
-              <a:rPr lang="fr-FR" dirty="0"/>
-              <a:t> (ex: feat/</a:t>
-            </a:r>
-            <a:r>
-              <a:rPr lang="fr-FR" dirty="0" err="1"/>
-              <a:t>feature_name</a:t>
-            </a:r>
-            <a:r>
-              <a:rPr lang="fr-FR" dirty="0"/>
-              <a:t>)</a:t>
-            </a:r>
-          </a:p>
-          <a:p>
-            <a:pPr marL="742950" lvl="1" indent="-285750">
-              <a:buFontTx/>
-              <a:buChar char="-"/>
-            </a:pPr>
-            <a:r>
-              <a:rPr lang="fr-FR" dirty="0" err="1"/>
-              <a:t>Develop</a:t>
+              <a:t>branch</a:t>
+            </a:r>
+            <a:r>
+              <a:rPr lang="fr-FR" dirty="0"/>
+              <a:t>, and enable to check </a:t>
+            </a:r>
+            <a:r>
+              <a:rPr lang="fr-FR" dirty="0" err="1"/>
+              <a:t>what</a:t>
+            </a:r>
+            <a:r>
+              <a:rPr lang="fr-FR" dirty="0"/>
+              <a:t> have been </a:t>
+            </a:r>
+            <a:r>
+              <a:rPr lang="fr-FR" dirty="0" err="1"/>
+              <a:t>added</a:t>
             </a:r>
             <a:r>
               <a:rPr lang="fr-FR" dirty="0"/>
@@ -16220,7 +14420,7 @@
             </a:r>
             <a:r>
               <a:rPr lang="fr-FR" dirty="0" err="1"/>
-              <a:t>my</a:t>
+              <a:t>between</a:t>
             </a:r>
             <a:r>
               <a:rPr lang="fr-FR" dirty="0"/>
@@ -16228,216 +14428,176 @@
             </a:r>
             <a:r>
               <a:rPr lang="fr-FR" dirty="0" err="1"/>
-              <a:t>feature</a:t>
-            </a:r>
-            <a:r>
-              <a:rPr lang="fr-FR" dirty="0"/>
-              <a:t> </a:t>
-            </a:r>
-            <a:r>
-              <a:rPr lang="fr-FR" dirty="0" err="1"/>
-              <a:t>with</a:t>
-            </a:r>
-            <a:r>
-              <a:rPr lang="fr-FR" dirty="0"/>
-              <a:t> </a:t>
-            </a:r>
-            <a:r>
-              <a:rPr lang="fr-FR" dirty="0" err="1"/>
-              <a:t>frequent</a:t>
-            </a:r>
-            <a:r>
-              <a:rPr lang="fr-FR" dirty="0"/>
-              <a:t> and explicit </a:t>
-            </a:r>
-            <a:r>
-              <a:rPr lang="fr-FR" dirty="0" err="1"/>
-              <a:t>commits</a:t>
+              <a:t>two</a:t>
+            </a:r>
+            <a:r>
+              <a:rPr lang="fr-FR" dirty="0"/>
+              <a:t> successive version and by </a:t>
+            </a:r>
+            <a:r>
+              <a:rPr lang="fr-FR" dirty="0" err="1"/>
+              <a:t>who</a:t>
             </a:r>
             <a:endParaRPr lang="fr-FR" dirty="0"/>
           </a:p>
           <a:p>
-            <a:pPr marL="742950" lvl="1" indent="-285750">
-              <a:buFontTx/>
-              <a:buChar char="-"/>
-            </a:pPr>
-            <a:r>
-              <a:rPr lang="fr-FR" dirty="0" err="1"/>
-              <a:t>When</a:t>
-            </a:r>
-            <a:r>
-              <a:rPr lang="fr-FR" dirty="0"/>
-              <a:t> </a:t>
-            </a:r>
-            <a:r>
-              <a:rPr lang="fr-FR" dirty="0" err="1"/>
-              <a:t>my</a:t>
-            </a:r>
-            <a:r>
-              <a:rPr lang="fr-FR" dirty="0"/>
-              <a:t> </a:t>
-            </a:r>
-            <a:r>
-              <a:rPr lang="fr-FR" dirty="0" err="1"/>
-              <a:t>feature</a:t>
-            </a:r>
-            <a:r>
-              <a:rPr lang="fr-FR" dirty="0"/>
-              <a:t> </a:t>
-            </a:r>
-            <a:r>
-              <a:rPr lang="fr-FR" dirty="0" err="1"/>
-              <a:t>is</a:t>
-            </a:r>
-            <a:r>
-              <a:rPr lang="fr-FR" dirty="0"/>
-              <a:t> </a:t>
-            </a:r>
-            <a:r>
-              <a:rPr lang="fr-FR" dirty="0" err="1"/>
-              <a:t>ready</a:t>
-            </a:r>
-            <a:r>
-              <a:rPr lang="fr-FR" dirty="0"/>
-              <a:t>, I </a:t>
-            </a:r>
-            <a:r>
-              <a:rPr lang="fr-FR" dirty="0" err="1"/>
-              <a:t>make</a:t>
-            </a:r>
-            <a:r>
-              <a:rPr lang="fr-FR" dirty="0"/>
-              <a:t> a pull </a:t>
-            </a:r>
-            <a:r>
-              <a:rPr lang="fr-FR" dirty="0" err="1"/>
-              <a:t>request</a:t>
-            </a:r>
-            <a:r>
-              <a:rPr lang="fr-FR" dirty="0"/>
-              <a:t> to dev </a:t>
-            </a:r>
-            <a:r>
-              <a:rPr lang="fr-FR" dirty="0" err="1"/>
-              <a:t>branch</a:t>
-            </a:r>
-            <a:endParaRPr lang="fr-FR" dirty="0"/>
-          </a:p>
-          <a:p>
-            <a:pPr marL="742950" lvl="1" indent="-285750">
-              <a:buFontTx/>
-              <a:buChar char="-"/>
-            </a:pPr>
-            <a:r>
-              <a:rPr lang="fr-FR" dirty="0"/>
-              <a:t>I </a:t>
-            </a:r>
-            <a:r>
-              <a:rPr lang="fr-FR" dirty="0" err="1"/>
-              <a:t>review</a:t>
-            </a:r>
-            <a:r>
-              <a:rPr lang="fr-FR" dirty="0"/>
-              <a:t> the </a:t>
-            </a:r>
-            <a:r>
-              <a:rPr lang="fr-FR" dirty="0" err="1"/>
-              <a:t>request</a:t>
-            </a:r>
-            <a:r>
-              <a:rPr lang="fr-FR" dirty="0"/>
-              <a:t> </a:t>
-            </a:r>
-            <a:r>
-              <a:rPr lang="fr-FR" dirty="0" err="1"/>
-              <a:t>with</a:t>
-            </a:r>
-            <a:r>
-              <a:rPr lang="fr-FR" dirty="0"/>
-              <a:t> the lead dev to </a:t>
-            </a:r>
-            <a:r>
-              <a:rPr lang="fr-FR" dirty="0" err="1"/>
-              <a:t>ensure</a:t>
-            </a:r>
-            <a:r>
-              <a:rPr lang="fr-FR" dirty="0"/>
-              <a:t> </a:t>
-            </a:r>
-            <a:r>
-              <a:rPr lang="fr-FR" dirty="0" err="1"/>
-              <a:t>proper</a:t>
-            </a:r>
-            <a:r>
-              <a:rPr lang="fr-FR" dirty="0"/>
-              <a:t> </a:t>
-            </a:r>
-            <a:r>
-              <a:rPr lang="fr-FR" dirty="0" err="1"/>
-              <a:t>interfacing</a:t>
-            </a:r>
-            <a:endParaRPr lang="fr-FR" dirty="0"/>
-          </a:p>
-          <a:p>
-            <a:pPr marL="742950" lvl="1" indent="-285750">
-              <a:buFontTx/>
-              <a:buChar char="-"/>
-            </a:pPr>
-            <a:r>
-              <a:rPr lang="fr-FR" dirty="0"/>
-              <a:t>I merge</a:t>
-            </a:r>
-          </a:p>
-          <a:p>
-            <a:pPr marL="742950" lvl="1" indent="-285750">
+            <a:pPr marL="285750" indent="-285750">
               <a:buFontTx/>
               <a:buChar char="-"/>
             </a:pPr>
             <a:endParaRPr lang="fr-FR" dirty="0"/>
           </a:p>
           <a:p>
-            <a:pPr marL="742950" lvl="1" indent="-285750">
+            <a:pPr marL="285750" indent="-285750">
               <a:buFontTx/>
               <a:buChar char="-"/>
             </a:pPr>
-            <a:endParaRPr lang="fr-FR" dirty="0"/>
+            <a:r>
+              <a:rPr lang="fr-FR" dirty="0"/>
+              <a:t>Pull </a:t>
+            </a:r>
+            <a:r>
+              <a:rPr lang="fr-FR" dirty="0" err="1"/>
+              <a:t>request</a:t>
+            </a:r>
+            <a:r>
+              <a:rPr lang="fr-FR" dirty="0"/>
+              <a:t> : </a:t>
+            </a:r>
+            <a:r>
+              <a:rPr lang="fr-FR" dirty="0" err="1"/>
+              <a:t>sometime</a:t>
+            </a:r>
+            <a:r>
+              <a:rPr lang="fr-FR" dirty="0"/>
+              <a:t> </a:t>
+            </a:r>
+            <a:r>
+              <a:rPr lang="fr-FR" dirty="0" err="1"/>
+              <a:t>you</a:t>
+            </a:r>
+            <a:r>
+              <a:rPr lang="fr-FR" dirty="0"/>
+              <a:t> </a:t>
+            </a:r>
+            <a:r>
+              <a:rPr lang="fr-FR" dirty="0" err="1"/>
+              <a:t>want</a:t>
+            </a:r>
+            <a:r>
+              <a:rPr lang="fr-FR" dirty="0"/>
+              <a:t> to merge </a:t>
+            </a:r>
+            <a:r>
+              <a:rPr lang="fr-FR" dirty="0" err="1"/>
+              <a:t>two</a:t>
+            </a:r>
+            <a:r>
+              <a:rPr lang="fr-FR" dirty="0"/>
+              <a:t> branches. In </a:t>
+            </a:r>
+            <a:r>
+              <a:rPr lang="fr-FR" dirty="0" err="1"/>
+              <a:t>that</a:t>
+            </a:r>
+            <a:r>
+              <a:rPr lang="fr-FR" dirty="0"/>
+              <a:t> case </a:t>
+            </a:r>
+            <a:r>
+              <a:rPr lang="fr-FR" dirty="0" err="1"/>
+              <a:t>you’re</a:t>
+            </a:r>
+            <a:r>
+              <a:rPr lang="fr-FR" dirty="0"/>
+              <a:t> </a:t>
+            </a:r>
+            <a:r>
+              <a:rPr lang="fr-FR" dirty="0" err="1"/>
+              <a:t>gonna</a:t>
+            </a:r>
+            <a:r>
+              <a:rPr lang="fr-FR" dirty="0"/>
+              <a:t> </a:t>
+            </a:r>
+            <a:r>
+              <a:rPr lang="fr-FR" dirty="0" err="1"/>
+              <a:t>need</a:t>
+            </a:r>
+            <a:r>
+              <a:rPr lang="fr-FR" dirty="0"/>
+              <a:t> to </a:t>
+            </a:r>
+            <a:r>
+              <a:rPr lang="fr-FR" dirty="0" err="1"/>
+              <a:t>submit</a:t>
+            </a:r>
+            <a:r>
+              <a:rPr lang="fr-FR" dirty="0"/>
+              <a:t> a pull </a:t>
+            </a:r>
+            <a:r>
+              <a:rPr lang="fr-FR" dirty="0" err="1"/>
+              <a:t>request</a:t>
+            </a:r>
+            <a:r>
+              <a:rPr lang="fr-FR" dirty="0"/>
+              <a:t>.</a:t>
+            </a:r>
           </a:p>
         </p:txBody>
       </p:sp>
       <p:pic>
         <p:nvPicPr>
-          <p:cNvPr id="6" name="Image 5">
-            <a:extLst>
-              <a:ext uri="{FF2B5EF4-FFF2-40B4-BE49-F238E27FC236}">
-                <a16:creationId xmlns:a16="http://schemas.microsoft.com/office/drawing/2014/main" id="{77E4136F-089D-3912-DC86-EE59F02F3375}"/>
+          <p:cNvPr id="1028" name="Picture 4" descr="Git Graph : r/neovim">
+            <a:extLst>
+              <a:ext uri="{FF2B5EF4-FFF2-40B4-BE49-F238E27FC236}">
+                <a16:creationId xmlns:a16="http://schemas.microsoft.com/office/drawing/2014/main" id="{C734BFB8-15A5-DF46-4742-269AAFB7BFC0}"/>
               </a:ext>
             </a:extLst>
           </p:cNvPr>
           <p:cNvPicPr>
-            <a:picLocks noChangeAspect="1"/>
+            <a:picLocks noChangeAspect="1" noChangeArrowheads="1"/>
           </p:cNvPicPr>
           <p:nvPr/>
         </p:nvPicPr>
         <p:blipFill>
-          <a:blip r:embed="rId2"/>
+          <a:blip r:embed="rId2">
+            <a:extLst>
+              <a:ext uri="{28A0092B-C50C-407E-A947-70E740481C1C}">
+                <a14:useLocalDpi xmlns:a14="http://schemas.microsoft.com/office/drawing/2010/main" val="0"/>
+              </a:ext>
+            </a:extLst>
+          </a:blip>
+          <a:srcRect/>
           <a:stretch>
             <a:fillRect/>
           </a:stretch>
         </p:blipFill>
-        <p:spPr>
-          <a:xfrm>
-            <a:off x="8368747" y="1362073"/>
-            <a:ext cx="3328307" cy="5411183"/>
+        <p:spPr bwMode="auto">
+          <a:xfrm>
+            <a:off x="9051235" y="1328735"/>
+            <a:ext cx="3140765" cy="5511010"/>
           </a:xfrm>
           <a:prstGeom prst="rect">
             <a:avLst/>
           </a:prstGeom>
+          <a:noFill/>
+          <a:extLst>
+            <a:ext uri="{909E8E84-426E-40DD-AFC4-6F175D3DCCD1}">
+              <a14:hiddenFill xmlns:a14="http://schemas.microsoft.com/office/drawing/2010/main">
+                <a:solidFill>
+                  <a:srgbClr val="FFFFFF"/>
+                </a:solidFill>
+              </a14:hiddenFill>
+            </a:ext>
+          </a:extLst>
         </p:spPr>
       </p:pic>
     </p:spTree>
     <p:extLst>
       <p:ext uri="{BB962C8B-B14F-4D97-AF65-F5344CB8AC3E}">
-        <p14:creationId xmlns:p14="http://schemas.microsoft.com/office/powerpoint/2010/main" val="4184142973"/>
+        <p14:creationId xmlns:p14="http://schemas.microsoft.com/office/powerpoint/2010/main" val="1065201305"/>
       </p:ext>
     </p:extLst>
   </p:cSld>
@@ -16447,7 +14607,7 @@
 </p:sld>
 </file>
 
-<file path=ppt/slides/slide4.xml><?xml version="1.0" encoding="utf-8"?>
+<file path=ppt/slides/slide34.xml><?xml version="1.0" encoding="utf-8"?>
 <p:sld xmlns:a="http://schemas.openxmlformats.org/drawingml/2006/main" xmlns:r="http://schemas.openxmlformats.org/officeDocument/2006/relationships" xmlns:p="http://schemas.openxmlformats.org/presentationml/2006/main">
   <p:cSld>
     <p:spTree>
@@ -16455,7 +14615,7 @@
         <p:cNvPr id="1" name="">
           <a:extLst>
             <a:ext uri="{FF2B5EF4-FFF2-40B4-BE49-F238E27FC236}">
-              <a16:creationId xmlns:a16="http://schemas.microsoft.com/office/drawing/2014/main" id="{67B85429-AB4F-A20B-5ACA-2B1969BEA22F}"/>
+              <a16:creationId xmlns:a16="http://schemas.microsoft.com/office/drawing/2014/main" id="{2A028B09-0B2F-6C47-7EF6-DA40D2E0B4B1}"/>
             </a:ext>
           </a:extLst>
         </p:cNvPr>
@@ -16475,7 +14635,7 @@
           <p:cNvPr id="5" name="Rectangle 4">
             <a:extLst>
               <a:ext uri="{FF2B5EF4-FFF2-40B4-BE49-F238E27FC236}">
-                <a16:creationId xmlns:a16="http://schemas.microsoft.com/office/drawing/2014/main" id="{04625D82-F9BC-0AC9-8926-5E120E0CFE23}"/>
+                <a16:creationId xmlns:a16="http://schemas.microsoft.com/office/drawing/2014/main" id="{FC42C207-CA19-C090-CB1B-970E921F78A5}"/>
               </a:ext>
             </a:extLst>
           </p:cNvPr>
@@ -16536,7 +14696,7 @@
           <a:lstStyle/>
           <a:p>
             <a:pPr algn="ctr"/>
-            <a:endParaRPr lang="fr-FR" dirty="0"/>
+            <a:endParaRPr lang="fr-FR"/>
           </a:p>
         </p:txBody>
       </p:sp>
@@ -16545,7 +14705,7 @@
           <p:cNvPr id="2" name="Titre 1">
             <a:extLst>
               <a:ext uri="{FF2B5EF4-FFF2-40B4-BE49-F238E27FC236}">
-                <a16:creationId xmlns:a16="http://schemas.microsoft.com/office/drawing/2014/main" id="{8AB59A9D-DF44-7582-1A19-0283A91E87F6}"/>
+                <a16:creationId xmlns:a16="http://schemas.microsoft.com/office/drawing/2014/main" id="{40F2551F-E483-2E01-C634-BD8D7F66ECA3}"/>
               </a:ext>
             </a:extLst>
           </p:cNvPr>
@@ -16558,8 +14718,8 @@
         </p:nvSpPr>
         <p:spPr>
           <a:xfrm>
-            <a:off x="1321032" y="0"/>
-            <a:ext cx="11353800" cy="1325563"/>
+            <a:off x="516835" y="18255"/>
+            <a:ext cx="11675165" cy="1325563"/>
           </a:xfrm>
         </p:spPr>
         <p:txBody>
@@ -16569,12 +14729,20 @@
           <a:lstStyle/>
           <a:p>
             <a:r>
+              <a:rPr lang="fr-FR" b="1" dirty="0">
+                <a:solidFill>
+                  <a:schemeClr val="bg1"/>
+                </a:solidFill>
+              </a:rPr>
+              <a:t>Best practices of </a:t>
+            </a:r>
+            <a:r>
               <a:rPr lang="fr-FR" b="1" dirty="0" err="1">
                 <a:solidFill>
                   <a:schemeClr val="bg1"/>
                 </a:solidFill>
               </a:rPr>
-              <a:t>Presentation</a:t>
+              <a:t>Github</a:t>
             </a:r>
             <a:endParaRPr lang="fr-FR" b="1" dirty="0">
               <a:solidFill>
@@ -16584,12 +14752,561 @@
           </a:p>
         </p:txBody>
       </p:sp>
+      <p:sp>
+        <p:nvSpPr>
+          <p:cNvPr id="3" name="ZoneTexte 2">
+            <a:extLst>
+              <a:ext uri="{FF2B5EF4-FFF2-40B4-BE49-F238E27FC236}">
+                <a16:creationId xmlns:a16="http://schemas.microsoft.com/office/drawing/2014/main" id="{AA8E2BA8-0539-862D-537A-77581054178C}"/>
+              </a:ext>
+            </a:extLst>
+          </p:cNvPr>
+          <p:cNvSpPr txBox="1"/>
+          <p:nvPr/>
+        </p:nvSpPr>
+        <p:spPr>
+          <a:xfrm>
+            <a:off x="163127" y="1534370"/>
+            <a:ext cx="7615899" cy="5078313"/>
+          </a:xfrm>
+          <a:prstGeom prst="rect">
+            <a:avLst/>
+          </a:prstGeom>
+          <a:noFill/>
+        </p:spPr>
+        <p:txBody>
+          <a:bodyPr wrap="square" rtlCol="0">
+            <a:spAutoFit/>
+          </a:bodyPr>
+          <a:lstStyle/>
+          <a:p>
+            <a:r>
+              <a:rPr lang="fr-FR" dirty="0"/>
+              <a:t>There </a:t>
+            </a:r>
+            <a:r>
+              <a:rPr lang="fr-FR" dirty="0" err="1"/>
+              <a:t>is</a:t>
+            </a:r>
+            <a:r>
+              <a:rPr lang="fr-FR" dirty="0"/>
+              <a:t> a </a:t>
+            </a:r>
+            <a:r>
+              <a:rPr lang="fr-FR" dirty="0" err="1"/>
+              <a:t>very</a:t>
+            </a:r>
+            <a:r>
+              <a:rPr lang="fr-FR" dirty="0"/>
+              <a:t> standard process to </a:t>
+            </a:r>
+            <a:r>
+              <a:rPr lang="fr-FR" dirty="0" err="1"/>
+              <a:t>developp</a:t>
+            </a:r>
+            <a:r>
+              <a:rPr lang="fr-FR" dirty="0"/>
+              <a:t> </a:t>
+            </a:r>
+            <a:r>
+              <a:rPr lang="fr-FR" dirty="0" err="1"/>
+              <a:t>properly</a:t>
+            </a:r>
+            <a:r>
+              <a:rPr lang="fr-FR" dirty="0"/>
+              <a:t>, </a:t>
+            </a:r>
+            <a:r>
+              <a:rPr lang="fr-FR" dirty="0" err="1"/>
+              <a:t>which</a:t>
+            </a:r>
+            <a:r>
+              <a:rPr lang="fr-FR" dirty="0"/>
+              <a:t> </a:t>
+            </a:r>
+            <a:r>
+              <a:rPr lang="fr-FR" dirty="0" err="1"/>
+              <a:t>goes</a:t>
+            </a:r>
+            <a:r>
+              <a:rPr lang="fr-FR" dirty="0"/>
+              <a:t> </a:t>
+            </a:r>
+            <a:r>
+              <a:rPr lang="fr-FR" dirty="0" err="1"/>
+              <a:t>along</a:t>
+            </a:r>
+            <a:r>
+              <a:rPr lang="fr-FR" dirty="0"/>
+              <a:t> the line:</a:t>
+            </a:r>
+          </a:p>
+          <a:p>
+            <a:endParaRPr lang="fr-FR" dirty="0"/>
+          </a:p>
+          <a:p>
+            <a:pPr marL="285750" indent="-285750">
+              <a:buFontTx/>
+              <a:buChar char="-"/>
+            </a:pPr>
+            <a:r>
+              <a:rPr lang="fr-FR" dirty="0" err="1"/>
+              <a:t>Several</a:t>
+            </a:r>
+            <a:r>
+              <a:rPr lang="fr-FR" dirty="0"/>
+              <a:t> versions of the application, </a:t>
+            </a:r>
+            <a:r>
+              <a:rPr lang="fr-FR" dirty="0" err="1"/>
+              <a:t>often</a:t>
+            </a:r>
+            <a:r>
+              <a:rPr lang="fr-FR" dirty="0"/>
+              <a:t> main, </a:t>
+            </a:r>
+            <a:r>
+              <a:rPr lang="fr-FR" dirty="0" err="1"/>
+              <a:t>qa</a:t>
+            </a:r>
+            <a:r>
+              <a:rPr lang="fr-FR" dirty="0"/>
+              <a:t>, dev</a:t>
+            </a:r>
+          </a:p>
+          <a:p>
+            <a:pPr marL="742950" lvl="1" indent="-285750">
+              <a:buFontTx/>
+              <a:buChar char="-"/>
+            </a:pPr>
+            <a:r>
+              <a:rPr lang="fr-FR" dirty="0"/>
+              <a:t>Dev </a:t>
+            </a:r>
+            <a:r>
+              <a:rPr lang="fr-FR" dirty="0" err="1"/>
+              <a:t>is</a:t>
+            </a:r>
+            <a:r>
+              <a:rPr lang="fr-FR" dirty="0"/>
+              <a:t> the </a:t>
+            </a:r>
+            <a:r>
+              <a:rPr lang="fr-FR" dirty="0" err="1"/>
+              <a:t>development</a:t>
+            </a:r>
+            <a:r>
+              <a:rPr lang="fr-FR" dirty="0"/>
+              <a:t> version, </a:t>
+            </a:r>
+            <a:r>
+              <a:rPr lang="fr-FR" dirty="0" err="1"/>
+              <a:t>which</a:t>
+            </a:r>
+            <a:r>
+              <a:rPr lang="fr-FR" dirty="0"/>
+              <a:t> </a:t>
+            </a:r>
+            <a:r>
+              <a:rPr lang="fr-FR" dirty="0" err="1"/>
+              <a:t>is</a:t>
+            </a:r>
+            <a:r>
+              <a:rPr lang="fr-FR" dirty="0"/>
+              <a:t> </a:t>
+            </a:r>
+            <a:r>
+              <a:rPr lang="fr-FR" dirty="0" err="1"/>
+              <a:t>used</a:t>
+            </a:r>
+            <a:r>
+              <a:rPr lang="fr-FR" dirty="0"/>
+              <a:t> to </a:t>
+            </a:r>
+            <a:r>
+              <a:rPr lang="fr-FR" dirty="0" err="1"/>
+              <a:t>iterate</a:t>
+            </a:r>
+            <a:endParaRPr lang="fr-FR" dirty="0"/>
+          </a:p>
+          <a:p>
+            <a:pPr marL="742950" lvl="1" indent="-285750">
+              <a:buFontTx/>
+              <a:buChar char="-"/>
+            </a:pPr>
+            <a:r>
+              <a:rPr lang="fr-FR" dirty="0" err="1"/>
+              <a:t>Qa</a:t>
+            </a:r>
+            <a:r>
+              <a:rPr lang="fr-FR" dirty="0"/>
+              <a:t> </a:t>
+            </a:r>
+            <a:r>
+              <a:rPr lang="fr-FR" dirty="0" err="1"/>
+              <a:t>is</a:t>
+            </a:r>
+            <a:r>
+              <a:rPr lang="fr-FR" dirty="0"/>
+              <a:t> the </a:t>
+            </a:r>
+            <a:r>
+              <a:rPr lang="fr-FR" dirty="0" err="1"/>
+              <a:t>testing</a:t>
+            </a:r>
+            <a:r>
+              <a:rPr lang="fr-FR" dirty="0"/>
+              <a:t> version, </a:t>
+            </a:r>
+            <a:r>
+              <a:rPr lang="fr-FR" dirty="0" err="1"/>
+              <a:t>used</a:t>
+            </a:r>
+            <a:r>
+              <a:rPr lang="fr-FR" dirty="0"/>
+              <a:t> to test a stable candidate of the code</a:t>
+            </a:r>
+          </a:p>
+          <a:p>
+            <a:pPr marL="742950" lvl="1" indent="-285750">
+              <a:buFontTx/>
+              <a:buChar char="-"/>
+            </a:pPr>
+            <a:r>
+              <a:rPr lang="fr-FR" dirty="0"/>
+              <a:t>Main </a:t>
+            </a:r>
+            <a:r>
+              <a:rPr lang="fr-FR" dirty="0" err="1"/>
+              <a:t>is</a:t>
+            </a:r>
+            <a:r>
+              <a:rPr lang="fr-FR" dirty="0"/>
+              <a:t> the production version, </a:t>
+            </a:r>
+            <a:r>
+              <a:rPr lang="fr-FR" dirty="0" err="1"/>
+              <a:t>used</a:t>
+            </a:r>
+            <a:r>
+              <a:rPr lang="fr-FR" dirty="0"/>
+              <a:t> to </a:t>
+            </a:r>
+            <a:r>
+              <a:rPr lang="fr-FR" dirty="0" err="1"/>
+              <a:t>deploy</a:t>
+            </a:r>
+            <a:r>
+              <a:rPr lang="fr-FR" dirty="0"/>
+              <a:t> the official version of the app</a:t>
+            </a:r>
+          </a:p>
+          <a:p>
+            <a:pPr marL="742950" lvl="1" indent="-285750">
+              <a:buFontTx/>
+              <a:buChar char="-"/>
+            </a:pPr>
+            <a:endParaRPr lang="fr-FR" dirty="0"/>
+          </a:p>
+          <a:p>
+            <a:pPr marL="285750" indent="-285750">
+              <a:buFontTx/>
+              <a:buChar char="-"/>
+            </a:pPr>
+            <a:r>
+              <a:rPr lang="fr-FR" dirty="0" err="1"/>
+              <a:t>When</a:t>
+            </a:r>
+            <a:r>
+              <a:rPr lang="fr-FR" dirty="0"/>
+              <a:t> </a:t>
+            </a:r>
+            <a:r>
+              <a:rPr lang="fr-FR" dirty="0" err="1"/>
+              <a:t>starting</a:t>
+            </a:r>
+            <a:r>
+              <a:rPr lang="fr-FR" dirty="0"/>
+              <a:t> to </a:t>
+            </a:r>
+            <a:r>
+              <a:rPr lang="fr-FR" dirty="0" err="1"/>
+              <a:t>work</a:t>
+            </a:r>
+            <a:r>
+              <a:rPr lang="fr-FR" dirty="0"/>
+              <a:t> on a new </a:t>
+            </a:r>
+            <a:r>
+              <a:rPr lang="fr-FR" dirty="0" err="1"/>
+              <a:t>feature</a:t>
+            </a:r>
+            <a:r>
+              <a:rPr lang="fr-FR" dirty="0"/>
+              <a:t> i:</a:t>
+            </a:r>
+          </a:p>
+          <a:p>
+            <a:pPr marL="742950" lvl="1" indent="-285750">
+              <a:buFontTx/>
+              <a:buChar char="-"/>
+            </a:pPr>
+            <a:r>
+              <a:rPr lang="fr-FR" dirty="0"/>
+              <a:t>Start </a:t>
+            </a:r>
+            <a:r>
+              <a:rPr lang="fr-FR" dirty="0" err="1"/>
+              <a:t>from</a:t>
+            </a:r>
+            <a:r>
+              <a:rPr lang="fr-FR" dirty="0"/>
+              <a:t> dev</a:t>
+            </a:r>
+          </a:p>
+          <a:p>
+            <a:pPr marL="742950" lvl="1" indent="-285750">
+              <a:buFontTx/>
+              <a:buChar char="-"/>
+            </a:pPr>
+            <a:r>
+              <a:rPr lang="fr-FR" dirty="0" err="1"/>
+              <a:t>Create</a:t>
+            </a:r>
+            <a:r>
+              <a:rPr lang="fr-FR" dirty="0"/>
+              <a:t> a new branche </a:t>
+            </a:r>
+            <a:r>
+              <a:rPr lang="fr-FR" dirty="0" err="1"/>
+              <a:t>with</a:t>
+            </a:r>
+            <a:r>
+              <a:rPr lang="fr-FR" dirty="0"/>
+              <a:t> an explicit </a:t>
+            </a:r>
+            <a:r>
+              <a:rPr lang="fr-FR" dirty="0" err="1"/>
+              <a:t>name</a:t>
+            </a:r>
+            <a:r>
+              <a:rPr lang="fr-FR" dirty="0"/>
+              <a:t> (ex: feat/</a:t>
+            </a:r>
+            <a:r>
+              <a:rPr lang="fr-FR" dirty="0" err="1"/>
+              <a:t>feature_name</a:t>
+            </a:r>
+            <a:r>
+              <a:rPr lang="fr-FR" dirty="0"/>
+              <a:t>)</a:t>
+            </a:r>
+          </a:p>
+          <a:p>
+            <a:pPr marL="742950" lvl="1" indent="-285750">
+              <a:buFontTx/>
+              <a:buChar char="-"/>
+            </a:pPr>
+            <a:r>
+              <a:rPr lang="fr-FR" dirty="0" err="1"/>
+              <a:t>Develop</a:t>
+            </a:r>
+            <a:r>
+              <a:rPr lang="fr-FR" dirty="0"/>
+              <a:t> </a:t>
+            </a:r>
+            <a:r>
+              <a:rPr lang="fr-FR" dirty="0" err="1"/>
+              <a:t>my</a:t>
+            </a:r>
+            <a:r>
+              <a:rPr lang="fr-FR" dirty="0"/>
+              <a:t> </a:t>
+            </a:r>
+            <a:r>
+              <a:rPr lang="fr-FR" dirty="0" err="1"/>
+              <a:t>feature</a:t>
+            </a:r>
+            <a:r>
+              <a:rPr lang="fr-FR" dirty="0"/>
+              <a:t> </a:t>
+            </a:r>
+            <a:r>
+              <a:rPr lang="fr-FR" dirty="0" err="1"/>
+              <a:t>with</a:t>
+            </a:r>
+            <a:r>
+              <a:rPr lang="fr-FR" dirty="0"/>
+              <a:t> </a:t>
+            </a:r>
+            <a:r>
+              <a:rPr lang="fr-FR" dirty="0" err="1"/>
+              <a:t>frequent</a:t>
+            </a:r>
+            <a:r>
+              <a:rPr lang="fr-FR" dirty="0"/>
+              <a:t> and explicit </a:t>
+            </a:r>
+            <a:r>
+              <a:rPr lang="fr-FR" dirty="0" err="1"/>
+              <a:t>commits</a:t>
+            </a:r>
+            <a:endParaRPr lang="fr-FR" dirty="0"/>
+          </a:p>
+          <a:p>
+            <a:pPr marL="742950" lvl="1" indent="-285750">
+              <a:buFontTx/>
+              <a:buChar char="-"/>
+            </a:pPr>
+            <a:r>
+              <a:rPr lang="fr-FR" dirty="0" err="1"/>
+              <a:t>When</a:t>
+            </a:r>
+            <a:r>
+              <a:rPr lang="fr-FR" dirty="0"/>
+              <a:t> </a:t>
+            </a:r>
+            <a:r>
+              <a:rPr lang="fr-FR" dirty="0" err="1"/>
+              <a:t>my</a:t>
+            </a:r>
+            <a:r>
+              <a:rPr lang="fr-FR" dirty="0"/>
+              <a:t> </a:t>
+            </a:r>
+            <a:r>
+              <a:rPr lang="fr-FR" dirty="0" err="1"/>
+              <a:t>feature</a:t>
+            </a:r>
+            <a:r>
+              <a:rPr lang="fr-FR" dirty="0"/>
+              <a:t> </a:t>
+            </a:r>
+            <a:r>
+              <a:rPr lang="fr-FR" dirty="0" err="1"/>
+              <a:t>is</a:t>
+            </a:r>
+            <a:r>
+              <a:rPr lang="fr-FR" dirty="0"/>
+              <a:t> </a:t>
+            </a:r>
+            <a:r>
+              <a:rPr lang="fr-FR" dirty="0" err="1"/>
+              <a:t>ready</a:t>
+            </a:r>
+            <a:r>
+              <a:rPr lang="fr-FR" dirty="0"/>
+              <a:t>, I </a:t>
+            </a:r>
+            <a:r>
+              <a:rPr lang="fr-FR" dirty="0" err="1"/>
+              <a:t>make</a:t>
+            </a:r>
+            <a:r>
+              <a:rPr lang="fr-FR" dirty="0"/>
+              <a:t> a pull </a:t>
+            </a:r>
+            <a:r>
+              <a:rPr lang="fr-FR" dirty="0" err="1"/>
+              <a:t>request</a:t>
+            </a:r>
+            <a:r>
+              <a:rPr lang="fr-FR" dirty="0"/>
+              <a:t> to dev </a:t>
+            </a:r>
+            <a:r>
+              <a:rPr lang="fr-FR" dirty="0" err="1"/>
+              <a:t>branch</a:t>
+            </a:r>
+            <a:endParaRPr lang="fr-FR" dirty="0"/>
+          </a:p>
+          <a:p>
+            <a:pPr marL="742950" lvl="1" indent="-285750">
+              <a:buFontTx/>
+              <a:buChar char="-"/>
+            </a:pPr>
+            <a:r>
+              <a:rPr lang="fr-FR" dirty="0"/>
+              <a:t>I </a:t>
+            </a:r>
+            <a:r>
+              <a:rPr lang="fr-FR" dirty="0" err="1"/>
+              <a:t>review</a:t>
+            </a:r>
+            <a:r>
+              <a:rPr lang="fr-FR" dirty="0"/>
+              <a:t> the </a:t>
+            </a:r>
+            <a:r>
+              <a:rPr lang="fr-FR" dirty="0" err="1"/>
+              <a:t>request</a:t>
+            </a:r>
+            <a:r>
+              <a:rPr lang="fr-FR" dirty="0"/>
+              <a:t> </a:t>
+            </a:r>
+            <a:r>
+              <a:rPr lang="fr-FR" dirty="0" err="1"/>
+              <a:t>with</a:t>
+            </a:r>
+            <a:r>
+              <a:rPr lang="fr-FR" dirty="0"/>
+              <a:t> the lead dev to </a:t>
+            </a:r>
+            <a:r>
+              <a:rPr lang="fr-FR" dirty="0" err="1"/>
+              <a:t>ensure</a:t>
+            </a:r>
+            <a:r>
+              <a:rPr lang="fr-FR" dirty="0"/>
+              <a:t> </a:t>
+            </a:r>
+            <a:r>
+              <a:rPr lang="fr-FR" dirty="0" err="1"/>
+              <a:t>proper</a:t>
+            </a:r>
+            <a:r>
+              <a:rPr lang="fr-FR" dirty="0"/>
+              <a:t> </a:t>
+            </a:r>
+            <a:r>
+              <a:rPr lang="fr-FR" dirty="0" err="1"/>
+              <a:t>interfacing</a:t>
+            </a:r>
+            <a:endParaRPr lang="fr-FR" dirty="0"/>
+          </a:p>
+          <a:p>
+            <a:pPr marL="742950" lvl="1" indent="-285750">
+              <a:buFontTx/>
+              <a:buChar char="-"/>
+            </a:pPr>
+            <a:r>
+              <a:rPr lang="fr-FR" dirty="0"/>
+              <a:t>I merge</a:t>
+            </a:r>
+          </a:p>
+          <a:p>
+            <a:pPr marL="742950" lvl="1" indent="-285750">
+              <a:buFontTx/>
+              <a:buChar char="-"/>
+            </a:pPr>
+            <a:endParaRPr lang="fr-FR" dirty="0"/>
+          </a:p>
+          <a:p>
+            <a:pPr marL="742950" lvl="1" indent="-285750">
+              <a:buFontTx/>
+              <a:buChar char="-"/>
+            </a:pPr>
+            <a:endParaRPr lang="fr-FR" dirty="0"/>
+          </a:p>
+        </p:txBody>
+      </p:sp>
       <p:pic>
         <p:nvPicPr>
-          <p:cNvPr id="7" name="Image 6">
-            <a:extLst>
-              <a:ext uri="{FF2B5EF4-FFF2-40B4-BE49-F238E27FC236}">
-                <a16:creationId xmlns:a16="http://schemas.microsoft.com/office/drawing/2014/main" id="{DFA41D4D-9D07-EF59-41CA-F397C1FA2C0A}"/>
+          <p:cNvPr id="6" name="Image 5">
+            <a:extLst>
+              <a:ext uri="{FF2B5EF4-FFF2-40B4-BE49-F238E27FC236}">
+                <a16:creationId xmlns:a16="http://schemas.microsoft.com/office/drawing/2014/main" id="{724DB5EC-04DD-A616-72CF-13CF09C3540F}"/>
               </a:ext>
             </a:extLst>
           </p:cNvPr>
@@ -16600,73 +15317,72 @@
         </p:nvPicPr>
         <p:blipFill>
           <a:blip r:embed="rId2"/>
-          <a:srcRect t="16060"/>
-          <a:stretch/>
-        </p:blipFill>
-        <p:spPr>
-          <a:xfrm>
-            <a:off x="-1" y="1325563"/>
-            <a:ext cx="4667012" cy="5546435"/>
-          </a:xfrm>
-          <a:prstGeom prst="rect">
-            <a:avLst/>
-          </a:prstGeom>
-        </p:spPr>
-      </p:pic>
-      <p:pic>
-        <p:nvPicPr>
-          <p:cNvPr id="13" name="Image 12">
-            <a:extLst>
-              <a:ext uri="{FF2B5EF4-FFF2-40B4-BE49-F238E27FC236}">
-                <a16:creationId xmlns:a16="http://schemas.microsoft.com/office/drawing/2014/main" id="{5A00FCED-A36B-AC5A-9687-E2F2AF95ADF2}"/>
-              </a:ext>
-            </a:extLst>
-          </p:cNvPr>
-          <p:cNvPicPr>
-            <a:picLocks noChangeAspect="1"/>
-          </p:cNvPicPr>
-          <p:nvPr/>
-        </p:nvPicPr>
-        <p:blipFill>
-          <a:blip r:embed="rId3"/>
           <a:stretch>
             <a:fillRect/>
           </a:stretch>
         </p:blipFill>
         <p:spPr>
           <a:xfrm>
-            <a:off x="5173599" y="4494812"/>
-            <a:ext cx="6782747" cy="1200318"/>
+            <a:off x="8368747" y="1362073"/>
+            <a:ext cx="3328307" cy="5411183"/>
           </a:xfrm>
           <a:prstGeom prst="rect">
             <a:avLst/>
           </a:prstGeom>
         </p:spPr>
       </p:pic>
-      <p:pic>
-        <p:nvPicPr>
-          <p:cNvPr id="15" name="Image 14">
-            <a:extLst>
-              <a:ext uri="{FF2B5EF4-FFF2-40B4-BE49-F238E27FC236}">
-                <a16:creationId xmlns:a16="http://schemas.microsoft.com/office/drawing/2014/main" id="{796CE143-B212-6334-3264-531C1C468DCE}"/>
-              </a:ext>
-            </a:extLst>
-          </p:cNvPr>
-          <p:cNvPicPr>
-            <a:picLocks noChangeAspect="1"/>
-          </p:cNvPicPr>
+    </p:spTree>
+    <p:extLst>
+      <p:ext uri="{BB962C8B-B14F-4D97-AF65-F5344CB8AC3E}">
+        <p14:creationId xmlns:p14="http://schemas.microsoft.com/office/powerpoint/2010/main" val="717965196"/>
+      </p:ext>
+    </p:extLst>
+  </p:cSld>
+  <p:clrMapOvr>
+    <a:masterClrMapping/>
+  </p:clrMapOvr>
+</p:sld>
+</file>
+
+<file path=ppt/slides/slide35.xml><?xml version="1.0" encoding="utf-8"?>
+<p:sld xmlns:a="http://schemas.openxmlformats.org/drawingml/2006/main" xmlns:r="http://schemas.openxmlformats.org/officeDocument/2006/relationships" xmlns:p="http://schemas.openxmlformats.org/presentationml/2006/main">
+  <p:cSld>
+    <p:spTree>
+      <p:nvGrpSpPr>
+        <p:cNvPr id="1" name="">
+          <a:extLst>
+            <a:ext uri="{FF2B5EF4-FFF2-40B4-BE49-F238E27FC236}">
+              <a16:creationId xmlns:a16="http://schemas.microsoft.com/office/drawing/2014/main" id="{F790337C-2A82-9AA7-EE1F-DB18AB935D2C}"/>
+            </a:ext>
+          </a:extLst>
+        </p:cNvPr>
+        <p:cNvGrpSpPr/>
+        <p:nvPr/>
+      </p:nvGrpSpPr>
+      <p:grpSpPr>
+        <a:xfrm>
+          <a:off x="0" y="0"/>
+          <a:ext cx="0" cy="0"/>
+          <a:chOff x="0" y="0"/>
+          <a:chExt cx="0" cy="0"/>
+        </a:xfrm>
+      </p:grpSpPr>
+      <p:sp>
+        <p:nvSpPr>
+          <p:cNvPr id="5" name="Rectangle 4">
+            <a:extLst>
+              <a:ext uri="{FF2B5EF4-FFF2-40B4-BE49-F238E27FC236}">
+                <a16:creationId xmlns:a16="http://schemas.microsoft.com/office/drawing/2014/main" id="{E3BDBBF3-BE4F-F3C4-FDA3-921A388D41C7}"/>
+              </a:ext>
+            </a:extLst>
+          </p:cNvPr>
+          <p:cNvSpPr/>
           <p:nvPr/>
-        </p:nvPicPr>
-        <p:blipFill>
-          <a:blip r:embed="rId4"/>
-          <a:stretch>
-            <a:fillRect/>
-          </a:stretch>
-        </p:blipFill>
+        </p:nvSpPr>
         <p:spPr>
           <a:xfrm>
-            <a:off x="98882" y="169007"/>
-            <a:ext cx="1038370" cy="885949"/>
+            <a:off x="0" y="0"/>
+            <a:ext cx="12192000" cy="1325563"/>
           </a:xfrm>
           <a:prstGeom prst="rect">
             <a:avLst/>
@@ -16696,107 +15412,673 @@
             <a:tileRect/>
           </a:gradFill>
         </p:spPr>
-      </p:pic>
-      <p:pic>
-        <p:nvPicPr>
-          <p:cNvPr id="17420" name="Picture 12" descr="CentraleSupélec — Wikipédia">
-            <a:extLst>
-              <a:ext uri="{FF2B5EF4-FFF2-40B4-BE49-F238E27FC236}">
-                <a16:creationId xmlns:a16="http://schemas.microsoft.com/office/drawing/2014/main" id="{31B23C4C-4E87-F7AD-A9D7-9F8D3673F890}"/>
-              </a:ext>
-            </a:extLst>
-          </p:cNvPr>
-          <p:cNvPicPr>
-            <a:picLocks noChangeAspect="1" noChangeArrowheads="1"/>
-          </p:cNvPicPr>
+        <p:style>
+          <a:lnRef idx="2">
+            <a:schemeClr val="accent1">
+              <a:shade val="15000"/>
+            </a:schemeClr>
+          </a:lnRef>
+          <a:fillRef idx="1">
+            <a:schemeClr val="accent1"/>
+          </a:fillRef>
+          <a:effectRef idx="0">
+            <a:schemeClr val="accent1"/>
+          </a:effectRef>
+          <a:fontRef idx="minor">
+            <a:schemeClr val="lt1"/>
+          </a:fontRef>
+        </p:style>
+        <p:txBody>
+          <a:bodyPr rtlCol="0" anchor="ctr"/>
+          <a:lstStyle/>
+          <a:p>
+            <a:pPr algn="ctr"/>
+            <a:endParaRPr lang="fr-FR"/>
+          </a:p>
+        </p:txBody>
+      </p:sp>
+      <p:sp>
+        <p:nvSpPr>
+          <p:cNvPr id="2" name="Titre 1">
+            <a:extLst>
+              <a:ext uri="{FF2B5EF4-FFF2-40B4-BE49-F238E27FC236}">
+                <a16:creationId xmlns:a16="http://schemas.microsoft.com/office/drawing/2014/main" id="{25E48B72-9F16-9BF6-5A6D-6CDF965AA212}"/>
+              </a:ext>
+            </a:extLst>
+          </p:cNvPr>
+          <p:cNvSpPr>
+            <a:spLocks noGrp="1"/>
+          </p:cNvSpPr>
+          <p:nvPr>
+            <p:ph type="title"/>
+          </p:nvPr>
+        </p:nvSpPr>
+        <p:spPr>
+          <a:xfrm>
+            <a:off x="516835" y="18255"/>
+            <a:ext cx="11675165" cy="1325563"/>
+          </a:xfrm>
+        </p:spPr>
+        <p:txBody>
+          <a:bodyPr>
+            <a:normAutofit/>
+          </a:bodyPr>
+          <a:lstStyle/>
+          <a:p>
+            <a:r>
+              <a:rPr lang="fr-FR" b="1" dirty="0">
+                <a:solidFill>
+                  <a:schemeClr val="bg1"/>
+                </a:solidFill>
+              </a:rPr>
+              <a:t>TD 1/2 : </a:t>
+            </a:r>
+            <a:r>
+              <a:rPr lang="fr-FR" b="1" dirty="0" err="1">
+                <a:solidFill>
+                  <a:schemeClr val="bg1"/>
+                </a:solidFill>
+              </a:rPr>
+              <a:t>Get</a:t>
+            </a:r>
+            <a:r>
+              <a:rPr lang="fr-FR" b="1" dirty="0">
+                <a:solidFill>
+                  <a:schemeClr val="bg1"/>
+                </a:solidFill>
+              </a:rPr>
+              <a:t> </a:t>
+            </a:r>
+            <a:r>
+              <a:rPr lang="fr-FR" b="1" dirty="0" err="1">
+                <a:solidFill>
+                  <a:schemeClr val="bg1"/>
+                </a:solidFill>
+              </a:rPr>
+              <a:t>this</a:t>
+            </a:r>
+            <a:r>
+              <a:rPr lang="fr-FR" b="1" dirty="0">
+                <a:solidFill>
+                  <a:schemeClr val="bg1"/>
+                </a:solidFill>
+              </a:rPr>
+              <a:t> course </a:t>
+            </a:r>
+            <a:r>
+              <a:rPr lang="fr-FR" b="1" dirty="0" err="1">
+                <a:solidFill>
+                  <a:schemeClr val="bg1"/>
+                </a:solidFill>
+              </a:rPr>
+              <a:t>from</a:t>
+            </a:r>
+            <a:r>
+              <a:rPr lang="fr-FR" b="1" dirty="0">
+                <a:solidFill>
+                  <a:schemeClr val="bg1"/>
+                </a:solidFill>
+              </a:rPr>
+              <a:t> GIT</a:t>
+            </a:r>
+          </a:p>
+        </p:txBody>
+      </p:sp>
+      <p:sp>
+        <p:nvSpPr>
+          <p:cNvPr id="3" name="ZoneTexte 2">
+            <a:extLst>
+              <a:ext uri="{FF2B5EF4-FFF2-40B4-BE49-F238E27FC236}">
+                <a16:creationId xmlns:a16="http://schemas.microsoft.com/office/drawing/2014/main" id="{E7755EE5-D554-BCDD-404B-E7458D76BD54}"/>
+              </a:ext>
+            </a:extLst>
+          </p:cNvPr>
+          <p:cNvSpPr txBox="1"/>
           <p:nvPr/>
-        </p:nvPicPr>
-        <p:blipFill>
-          <a:blip r:embed="rId5">
-            <a:extLst>
-              <a:ext uri="{28A0092B-C50C-407E-A947-70E740481C1C}">
-                <a14:useLocalDpi xmlns:a14="http://schemas.microsoft.com/office/drawing/2010/main" val="0"/>
-              </a:ext>
-            </a:extLst>
-          </a:blip>
-          <a:srcRect/>
-          <a:stretch>
-            <a:fillRect/>
-          </a:stretch>
-        </p:blipFill>
-        <p:spPr bwMode="auto">
-          <a:xfrm>
-            <a:off x="6210061" y="2651001"/>
-            <a:ext cx="1913467" cy="993408"/>
+        </p:nvSpPr>
+        <p:spPr>
+          <a:xfrm>
+            <a:off x="163127" y="1534370"/>
+            <a:ext cx="7615899" cy="5078313"/>
           </a:xfrm>
           <a:prstGeom prst="rect">
             <a:avLst/>
           </a:prstGeom>
           <a:noFill/>
-          <a:extLst>
-            <a:ext uri="{909E8E84-426E-40DD-AFC4-6F175D3DCCD1}">
-              <a14:hiddenFill xmlns:a14="http://schemas.microsoft.com/office/drawing/2010/main">
-                <a:solidFill>
-                  <a:srgbClr val="FFFFFF"/>
-                </a:solidFill>
-              </a14:hiddenFill>
-            </a:ext>
-          </a:extLst>
-        </p:spPr>
-      </p:pic>
+        </p:spPr>
+        <p:txBody>
+          <a:bodyPr wrap="square" rtlCol="0">
+            <a:spAutoFit/>
+          </a:bodyPr>
+          <a:lstStyle/>
+          <a:p>
+            <a:r>
+              <a:rPr lang="fr-FR" dirty="0"/>
+              <a:t>There </a:t>
+            </a:r>
+            <a:r>
+              <a:rPr lang="fr-FR" dirty="0" err="1"/>
+              <a:t>is</a:t>
+            </a:r>
+            <a:r>
+              <a:rPr lang="fr-FR" dirty="0"/>
+              <a:t> a </a:t>
+            </a:r>
+            <a:r>
+              <a:rPr lang="fr-FR" dirty="0" err="1"/>
+              <a:t>very</a:t>
+            </a:r>
+            <a:r>
+              <a:rPr lang="fr-FR" dirty="0"/>
+              <a:t> standard process to </a:t>
+            </a:r>
+            <a:r>
+              <a:rPr lang="fr-FR" dirty="0" err="1"/>
+              <a:t>developp</a:t>
+            </a:r>
+            <a:r>
+              <a:rPr lang="fr-FR" dirty="0"/>
+              <a:t> </a:t>
+            </a:r>
+            <a:r>
+              <a:rPr lang="fr-FR" dirty="0" err="1"/>
+              <a:t>properly</a:t>
+            </a:r>
+            <a:r>
+              <a:rPr lang="fr-FR" dirty="0"/>
+              <a:t>, </a:t>
+            </a:r>
+            <a:r>
+              <a:rPr lang="fr-FR" dirty="0" err="1"/>
+              <a:t>which</a:t>
+            </a:r>
+            <a:r>
+              <a:rPr lang="fr-FR" dirty="0"/>
+              <a:t> </a:t>
+            </a:r>
+            <a:r>
+              <a:rPr lang="fr-FR" dirty="0" err="1"/>
+              <a:t>goes</a:t>
+            </a:r>
+            <a:r>
+              <a:rPr lang="fr-FR" dirty="0"/>
+              <a:t> </a:t>
+            </a:r>
+            <a:r>
+              <a:rPr lang="fr-FR" dirty="0" err="1"/>
+              <a:t>along</a:t>
+            </a:r>
+            <a:r>
+              <a:rPr lang="fr-FR" dirty="0"/>
+              <a:t> the line:</a:t>
+            </a:r>
+          </a:p>
+          <a:p>
+            <a:endParaRPr lang="fr-FR" dirty="0"/>
+          </a:p>
+          <a:p>
+            <a:pPr marL="285750" indent="-285750">
+              <a:buFontTx/>
+              <a:buChar char="-"/>
+            </a:pPr>
+            <a:r>
+              <a:rPr lang="fr-FR" dirty="0" err="1"/>
+              <a:t>Several</a:t>
+            </a:r>
+            <a:r>
+              <a:rPr lang="fr-FR" dirty="0"/>
+              <a:t> versions of the application, </a:t>
+            </a:r>
+            <a:r>
+              <a:rPr lang="fr-FR" dirty="0" err="1"/>
+              <a:t>often</a:t>
+            </a:r>
+            <a:r>
+              <a:rPr lang="fr-FR" dirty="0"/>
+              <a:t> main, </a:t>
+            </a:r>
+            <a:r>
+              <a:rPr lang="fr-FR" dirty="0" err="1"/>
+              <a:t>qa</a:t>
+            </a:r>
+            <a:r>
+              <a:rPr lang="fr-FR" dirty="0"/>
+              <a:t>, dev</a:t>
+            </a:r>
+          </a:p>
+          <a:p>
+            <a:pPr marL="742950" lvl="1" indent="-285750">
+              <a:buFontTx/>
+              <a:buChar char="-"/>
+            </a:pPr>
+            <a:r>
+              <a:rPr lang="fr-FR" dirty="0"/>
+              <a:t>Dev </a:t>
+            </a:r>
+            <a:r>
+              <a:rPr lang="fr-FR" dirty="0" err="1"/>
+              <a:t>is</a:t>
+            </a:r>
+            <a:r>
+              <a:rPr lang="fr-FR" dirty="0"/>
+              <a:t> the </a:t>
+            </a:r>
+            <a:r>
+              <a:rPr lang="fr-FR" dirty="0" err="1"/>
+              <a:t>development</a:t>
+            </a:r>
+            <a:r>
+              <a:rPr lang="fr-FR" dirty="0"/>
+              <a:t> version, </a:t>
+            </a:r>
+            <a:r>
+              <a:rPr lang="fr-FR" dirty="0" err="1"/>
+              <a:t>which</a:t>
+            </a:r>
+            <a:r>
+              <a:rPr lang="fr-FR" dirty="0"/>
+              <a:t> </a:t>
+            </a:r>
+            <a:r>
+              <a:rPr lang="fr-FR" dirty="0" err="1"/>
+              <a:t>is</a:t>
+            </a:r>
+            <a:r>
+              <a:rPr lang="fr-FR" dirty="0"/>
+              <a:t> </a:t>
+            </a:r>
+            <a:r>
+              <a:rPr lang="fr-FR" dirty="0" err="1"/>
+              <a:t>used</a:t>
+            </a:r>
+            <a:r>
+              <a:rPr lang="fr-FR" dirty="0"/>
+              <a:t> to </a:t>
+            </a:r>
+            <a:r>
+              <a:rPr lang="fr-FR" dirty="0" err="1"/>
+              <a:t>iterate</a:t>
+            </a:r>
+            <a:endParaRPr lang="fr-FR" dirty="0"/>
+          </a:p>
+          <a:p>
+            <a:pPr marL="742950" lvl="1" indent="-285750">
+              <a:buFontTx/>
+              <a:buChar char="-"/>
+            </a:pPr>
+            <a:r>
+              <a:rPr lang="fr-FR" dirty="0" err="1"/>
+              <a:t>Qa</a:t>
+            </a:r>
+            <a:r>
+              <a:rPr lang="fr-FR" dirty="0"/>
+              <a:t> </a:t>
+            </a:r>
+            <a:r>
+              <a:rPr lang="fr-FR" dirty="0" err="1"/>
+              <a:t>is</a:t>
+            </a:r>
+            <a:r>
+              <a:rPr lang="fr-FR" dirty="0"/>
+              <a:t> the </a:t>
+            </a:r>
+            <a:r>
+              <a:rPr lang="fr-FR" dirty="0" err="1"/>
+              <a:t>testing</a:t>
+            </a:r>
+            <a:r>
+              <a:rPr lang="fr-FR" dirty="0"/>
+              <a:t> version, </a:t>
+            </a:r>
+            <a:r>
+              <a:rPr lang="fr-FR" dirty="0" err="1"/>
+              <a:t>used</a:t>
+            </a:r>
+            <a:r>
+              <a:rPr lang="fr-FR" dirty="0"/>
+              <a:t> to test a stable candidate of the code</a:t>
+            </a:r>
+          </a:p>
+          <a:p>
+            <a:pPr marL="742950" lvl="1" indent="-285750">
+              <a:buFontTx/>
+              <a:buChar char="-"/>
+            </a:pPr>
+            <a:r>
+              <a:rPr lang="fr-FR" dirty="0"/>
+              <a:t>Main </a:t>
+            </a:r>
+            <a:r>
+              <a:rPr lang="fr-FR" dirty="0" err="1"/>
+              <a:t>is</a:t>
+            </a:r>
+            <a:r>
+              <a:rPr lang="fr-FR" dirty="0"/>
+              <a:t> the production version, </a:t>
+            </a:r>
+            <a:r>
+              <a:rPr lang="fr-FR" dirty="0" err="1"/>
+              <a:t>used</a:t>
+            </a:r>
+            <a:r>
+              <a:rPr lang="fr-FR" dirty="0"/>
+              <a:t> to </a:t>
+            </a:r>
+            <a:r>
+              <a:rPr lang="fr-FR" dirty="0" err="1"/>
+              <a:t>deploy</a:t>
+            </a:r>
+            <a:r>
+              <a:rPr lang="fr-FR" dirty="0"/>
+              <a:t> the official version of the app</a:t>
+            </a:r>
+          </a:p>
+          <a:p>
+            <a:pPr marL="742950" lvl="1" indent="-285750">
+              <a:buFontTx/>
+              <a:buChar char="-"/>
+            </a:pPr>
+            <a:endParaRPr lang="fr-FR" dirty="0"/>
+          </a:p>
+          <a:p>
+            <a:pPr marL="285750" indent="-285750">
+              <a:buFontTx/>
+              <a:buChar char="-"/>
+            </a:pPr>
+            <a:r>
+              <a:rPr lang="fr-FR" dirty="0" err="1"/>
+              <a:t>When</a:t>
+            </a:r>
+            <a:r>
+              <a:rPr lang="fr-FR" dirty="0"/>
+              <a:t> </a:t>
+            </a:r>
+            <a:r>
+              <a:rPr lang="fr-FR" dirty="0" err="1"/>
+              <a:t>starting</a:t>
+            </a:r>
+            <a:r>
+              <a:rPr lang="fr-FR" dirty="0"/>
+              <a:t> to </a:t>
+            </a:r>
+            <a:r>
+              <a:rPr lang="fr-FR" dirty="0" err="1"/>
+              <a:t>work</a:t>
+            </a:r>
+            <a:r>
+              <a:rPr lang="fr-FR" dirty="0"/>
+              <a:t> on a new </a:t>
+            </a:r>
+            <a:r>
+              <a:rPr lang="fr-FR" dirty="0" err="1"/>
+              <a:t>feature</a:t>
+            </a:r>
+            <a:r>
+              <a:rPr lang="fr-FR" dirty="0"/>
+              <a:t> i:</a:t>
+            </a:r>
+          </a:p>
+          <a:p>
+            <a:pPr marL="742950" lvl="1" indent="-285750">
+              <a:buFontTx/>
+              <a:buChar char="-"/>
+            </a:pPr>
+            <a:r>
+              <a:rPr lang="fr-FR" dirty="0"/>
+              <a:t>Start </a:t>
+            </a:r>
+            <a:r>
+              <a:rPr lang="fr-FR" dirty="0" err="1"/>
+              <a:t>from</a:t>
+            </a:r>
+            <a:r>
+              <a:rPr lang="fr-FR" dirty="0"/>
+              <a:t> dev</a:t>
+            </a:r>
+          </a:p>
+          <a:p>
+            <a:pPr marL="742950" lvl="1" indent="-285750">
+              <a:buFontTx/>
+              <a:buChar char="-"/>
+            </a:pPr>
+            <a:r>
+              <a:rPr lang="fr-FR" dirty="0" err="1"/>
+              <a:t>Create</a:t>
+            </a:r>
+            <a:r>
+              <a:rPr lang="fr-FR" dirty="0"/>
+              <a:t> a new branche </a:t>
+            </a:r>
+            <a:r>
+              <a:rPr lang="fr-FR" dirty="0" err="1"/>
+              <a:t>with</a:t>
+            </a:r>
+            <a:r>
+              <a:rPr lang="fr-FR" dirty="0"/>
+              <a:t> an explicit </a:t>
+            </a:r>
+            <a:r>
+              <a:rPr lang="fr-FR" dirty="0" err="1"/>
+              <a:t>name</a:t>
+            </a:r>
+            <a:r>
+              <a:rPr lang="fr-FR" dirty="0"/>
+              <a:t> (ex: feat/</a:t>
+            </a:r>
+            <a:r>
+              <a:rPr lang="fr-FR" dirty="0" err="1"/>
+              <a:t>feature_name</a:t>
+            </a:r>
+            <a:r>
+              <a:rPr lang="fr-FR" dirty="0"/>
+              <a:t>)</a:t>
+            </a:r>
+          </a:p>
+          <a:p>
+            <a:pPr marL="742950" lvl="1" indent="-285750">
+              <a:buFontTx/>
+              <a:buChar char="-"/>
+            </a:pPr>
+            <a:r>
+              <a:rPr lang="fr-FR" dirty="0" err="1"/>
+              <a:t>Develop</a:t>
+            </a:r>
+            <a:r>
+              <a:rPr lang="fr-FR" dirty="0"/>
+              <a:t> </a:t>
+            </a:r>
+            <a:r>
+              <a:rPr lang="fr-FR" dirty="0" err="1"/>
+              <a:t>my</a:t>
+            </a:r>
+            <a:r>
+              <a:rPr lang="fr-FR" dirty="0"/>
+              <a:t> </a:t>
+            </a:r>
+            <a:r>
+              <a:rPr lang="fr-FR" dirty="0" err="1"/>
+              <a:t>feature</a:t>
+            </a:r>
+            <a:r>
+              <a:rPr lang="fr-FR" dirty="0"/>
+              <a:t> </a:t>
+            </a:r>
+            <a:r>
+              <a:rPr lang="fr-FR" dirty="0" err="1"/>
+              <a:t>with</a:t>
+            </a:r>
+            <a:r>
+              <a:rPr lang="fr-FR" dirty="0"/>
+              <a:t> </a:t>
+            </a:r>
+            <a:r>
+              <a:rPr lang="fr-FR" dirty="0" err="1"/>
+              <a:t>frequent</a:t>
+            </a:r>
+            <a:r>
+              <a:rPr lang="fr-FR" dirty="0"/>
+              <a:t> and explicit </a:t>
+            </a:r>
+            <a:r>
+              <a:rPr lang="fr-FR" dirty="0" err="1"/>
+              <a:t>commits</a:t>
+            </a:r>
+            <a:endParaRPr lang="fr-FR" dirty="0"/>
+          </a:p>
+          <a:p>
+            <a:pPr marL="742950" lvl="1" indent="-285750">
+              <a:buFontTx/>
+              <a:buChar char="-"/>
+            </a:pPr>
+            <a:r>
+              <a:rPr lang="fr-FR" dirty="0" err="1"/>
+              <a:t>When</a:t>
+            </a:r>
+            <a:r>
+              <a:rPr lang="fr-FR" dirty="0"/>
+              <a:t> </a:t>
+            </a:r>
+            <a:r>
+              <a:rPr lang="fr-FR" dirty="0" err="1"/>
+              <a:t>my</a:t>
+            </a:r>
+            <a:r>
+              <a:rPr lang="fr-FR" dirty="0"/>
+              <a:t> </a:t>
+            </a:r>
+            <a:r>
+              <a:rPr lang="fr-FR" dirty="0" err="1"/>
+              <a:t>feature</a:t>
+            </a:r>
+            <a:r>
+              <a:rPr lang="fr-FR" dirty="0"/>
+              <a:t> </a:t>
+            </a:r>
+            <a:r>
+              <a:rPr lang="fr-FR" dirty="0" err="1"/>
+              <a:t>is</a:t>
+            </a:r>
+            <a:r>
+              <a:rPr lang="fr-FR" dirty="0"/>
+              <a:t> </a:t>
+            </a:r>
+            <a:r>
+              <a:rPr lang="fr-FR" dirty="0" err="1"/>
+              <a:t>ready</a:t>
+            </a:r>
+            <a:r>
+              <a:rPr lang="fr-FR" dirty="0"/>
+              <a:t>, I </a:t>
+            </a:r>
+            <a:r>
+              <a:rPr lang="fr-FR" dirty="0" err="1"/>
+              <a:t>make</a:t>
+            </a:r>
+            <a:r>
+              <a:rPr lang="fr-FR" dirty="0"/>
+              <a:t> a pull </a:t>
+            </a:r>
+            <a:r>
+              <a:rPr lang="fr-FR" dirty="0" err="1"/>
+              <a:t>request</a:t>
+            </a:r>
+            <a:r>
+              <a:rPr lang="fr-FR" dirty="0"/>
+              <a:t> to dev </a:t>
+            </a:r>
+            <a:r>
+              <a:rPr lang="fr-FR" dirty="0" err="1"/>
+              <a:t>branch</a:t>
+            </a:r>
+            <a:endParaRPr lang="fr-FR" dirty="0"/>
+          </a:p>
+          <a:p>
+            <a:pPr marL="742950" lvl="1" indent="-285750">
+              <a:buFontTx/>
+              <a:buChar char="-"/>
+            </a:pPr>
+            <a:r>
+              <a:rPr lang="fr-FR" dirty="0"/>
+              <a:t>I </a:t>
+            </a:r>
+            <a:r>
+              <a:rPr lang="fr-FR" dirty="0" err="1"/>
+              <a:t>review</a:t>
+            </a:r>
+            <a:r>
+              <a:rPr lang="fr-FR" dirty="0"/>
+              <a:t> the </a:t>
+            </a:r>
+            <a:r>
+              <a:rPr lang="fr-FR" dirty="0" err="1"/>
+              <a:t>request</a:t>
+            </a:r>
+            <a:r>
+              <a:rPr lang="fr-FR" dirty="0"/>
+              <a:t> </a:t>
+            </a:r>
+            <a:r>
+              <a:rPr lang="fr-FR" dirty="0" err="1"/>
+              <a:t>with</a:t>
+            </a:r>
+            <a:r>
+              <a:rPr lang="fr-FR" dirty="0"/>
+              <a:t> the lead dev to </a:t>
+            </a:r>
+            <a:r>
+              <a:rPr lang="fr-FR" dirty="0" err="1"/>
+              <a:t>ensure</a:t>
+            </a:r>
+            <a:r>
+              <a:rPr lang="fr-FR" dirty="0"/>
+              <a:t> </a:t>
+            </a:r>
+            <a:r>
+              <a:rPr lang="fr-FR" dirty="0" err="1"/>
+              <a:t>proper</a:t>
+            </a:r>
+            <a:r>
+              <a:rPr lang="fr-FR" dirty="0"/>
+              <a:t> </a:t>
+            </a:r>
+            <a:r>
+              <a:rPr lang="fr-FR" dirty="0" err="1"/>
+              <a:t>interfacing</a:t>
+            </a:r>
+            <a:endParaRPr lang="fr-FR" dirty="0"/>
+          </a:p>
+          <a:p>
+            <a:pPr marL="742950" lvl="1" indent="-285750">
+              <a:buFontTx/>
+              <a:buChar char="-"/>
+            </a:pPr>
+            <a:r>
+              <a:rPr lang="fr-FR" dirty="0"/>
+              <a:t>I merge</a:t>
+            </a:r>
+          </a:p>
+          <a:p>
+            <a:pPr marL="742950" lvl="1" indent="-285750">
+              <a:buFontTx/>
+              <a:buChar char="-"/>
+            </a:pPr>
+            <a:endParaRPr lang="fr-FR" dirty="0"/>
+          </a:p>
+          <a:p>
+            <a:pPr marL="742950" lvl="1" indent="-285750">
+              <a:buFontTx/>
+              <a:buChar char="-"/>
+            </a:pPr>
+            <a:endParaRPr lang="fr-FR" dirty="0"/>
+          </a:p>
+        </p:txBody>
+      </p:sp>
       <p:pic>
         <p:nvPicPr>
-          <p:cNvPr id="17422" name="Picture 14" descr="Ekimetrics - Senior Manager in Strategy &amp; Data Science (H/F/N) - Paris">
-            <a:extLst>
-              <a:ext uri="{FF2B5EF4-FFF2-40B4-BE49-F238E27FC236}">
-                <a16:creationId xmlns:a16="http://schemas.microsoft.com/office/drawing/2014/main" id="{8CD9C2FF-FB4B-1E56-02E9-4CAC56BCC67D}"/>
-              </a:ext>
-            </a:extLst>
-          </p:cNvPr>
-          <p:cNvPicPr>
-            <a:picLocks noChangeAspect="1" noChangeArrowheads="1"/>
-          </p:cNvPicPr>
-          <p:nvPr/>
-        </p:nvPicPr>
-        <p:blipFill>
-          <a:blip r:embed="rId6">
-            <a:extLst>
-              <a:ext uri="{28A0092B-C50C-407E-A947-70E740481C1C}">
-                <a14:useLocalDpi xmlns:a14="http://schemas.microsoft.com/office/drawing/2010/main" val="0"/>
-              </a:ext>
-            </a:extLst>
-          </a:blip>
-          <a:srcRect/>
-          <a:stretch>
-            <a:fillRect/>
-          </a:stretch>
-        </p:blipFill>
-        <p:spPr bwMode="auto">
-          <a:xfrm>
-            <a:off x="9175982" y="3294708"/>
-            <a:ext cx="1913467" cy="268583"/>
-          </a:xfrm>
-          <a:prstGeom prst="rect">
-            <a:avLst/>
-          </a:prstGeom>
-          <a:noFill/>
-          <a:extLst>
-            <a:ext uri="{909E8E84-426E-40DD-AFC4-6F175D3DCCD1}">
-              <a14:hiddenFill xmlns:a14="http://schemas.microsoft.com/office/drawing/2010/main">
-                <a:solidFill>
-                  <a:srgbClr val="FFFFFF"/>
-                </a:solidFill>
-              </a14:hiddenFill>
-            </a:ext>
-          </a:extLst>
-        </p:spPr>
-      </p:pic>
-      <p:pic>
-        <p:nvPicPr>
-          <p:cNvPr id="21" name="Image 20">
-            <a:extLst>
-              <a:ext uri="{FF2B5EF4-FFF2-40B4-BE49-F238E27FC236}">
-                <a16:creationId xmlns:a16="http://schemas.microsoft.com/office/drawing/2014/main" id="{72DF2A15-0D1C-E467-AB27-F0AB0FB9E3D8}"/>
+          <p:cNvPr id="6" name="Image 5">
+            <a:extLst>
+              <a:ext uri="{FF2B5EF4-FFF2-40B4-BE49-F238E27FC236}">
+                <a16:creationId xmlns:a16="http://schemas.microsoft.com/office/drawing/2014/main" id="{77E4136F-089D-3912-DC86-EE59F02F3375}"/>
               </a:ext>
             </a:extLst>
           </p:cNvPr>
@@ -16806,15 +16088,15 @@
           <p:nvPr/>
         </p:nvPicPr>
         <p:blipFill>
-          <a:blip r:embed="rId7"/>
+          <a:blip r:embed="rId2"/>
           <a:stretch>
             <a:fillRect/>
           </a:stretch>
         </p:blipFill>
         <p:spPr>
           <a:xfrm>
-            <a:off x="7416800" y="1175"/>
-            <a:ext cx="4775199" cy="1330025"/>
+            <a:off x="8368747" y="1362073"/>
+            <a:ext cx="3328307" cy="5411183"/>
           </a:xfrm>
           <a:prstGeom prst="rect">
             <a:avLst/>
@@ -16824,7 +16106,7 @@
     </p:spTree>
     <p:extLst>
       <p:ext uri="{BB962C8B-B14F-4D97-AF65-F5344CB8AC3E}">
-        <p14:creationId xmlns:p14="http://schemas.microsoft.com/office/powerpoint/2010/main" val="2882510087"/>
+        <p14:creationId xmlns:p14="http://schemas.microsoft.com/office/powerpoint/2010/main" val="4184142973"/>
       </p:ext>
     </p:extLst>
   </p:cSld>
@@ -16834,7 +16116,7 @@
 </p:sld>
 </file>
 
-<file path=ppt/slides/slide5.xml><?xml version="1.0" encoding="utf-8"?>
+<file path=ppt/slides/slide4.xml><?xml version="1.0" encoding="utf-8"?>
 <p:sld xmlns:a="http://schemas.openxmlformats.org/drawingml/2006/main" xmlns:r="http://schemas.openxmlformats.org/officeDocument/2006/relationships" xmlns:p="http://schemas.openxmlformats.org/presentationml/2006/main">
   <p:cSld>
     <p:spTree>
@@ -17347,7 +16629,7 @@
 </p:sld>
 </file>
 
-<file path=ppt/slides/slide6.xml><?xml version="1.0" encoding="utf-8"?>
+<file path=ppt/slides/slide5.xml><?xml version="1.0" encoding="utf-8"?>
 <p:sld xmlns:a="http://schemas.openxmlformats.org/drawingml/2006/main" xmlns:r="http://schemas.openxmlformats.org/officeDocument/2006/relationships" xmlns:p="http://schemas.openxmlformats.org/presentationml/2006/main">
   <p:cSld>
     <p:spTree>
@@ -17550,7 +16832,7 @@
 </p:sld>
 </file>
 
-<file path=ppt/slides/slide7.xml><?xml version="1.0" encoding="utf-8"?>
+<file path=ppt/slides/slide6.xml><?xml version="1.0" encoding="utf-8"?>
 <p:sld xmlns:a="http://schemas.openxmlformats.org/drawingml/2006/main" xmlns:r="http://schemas.openxmlformats.org/officeDocument/2006/relationships" xmlns:p="http://schemas.openxmlformats.org/presentationml/2006/main">
   <p:cSld>
     <p:spTree>
@@ -17836,7 +17118,7 @@
 </p:sld>
 </file>
 
-<file path=ppt/slides/slide8.xml><?xml version="1.0" encoding="utf-8"?>
+<file path=ppt/slides/slide7.xml><?xml version="1.0" encoding="utf-8"?>
 <p:sld xmlns:a="http://schemas.openxmlformats.org/drawingml/2006/main" xmlns:r="http://schemas.openxmlformats.org/officeDocument/2006/relationships" xmlns:p="http://schemas.openxmlformats.org/presentationml/2006/main">
   <p:cSld>
     <p:spTree>
@@ -18215,7 +17497,7 @@
 </p:sld>
 </file>
 
-<file path=ppt/slides/slide9.xml><?xml version="1.0" encoding="utf-8"?>
+<file path=ppt/slides/slide8.xml><?xml version="1.0" encoding="utf-8"?>
 <p:sld xmlns:a="http://schemas.openxmlformats.org/drawingml/2006/main" xmlns:r="http://schemas.openxmlformats.org/officeDocument/2006/relationships" xmlns:p="http://schemas.openxmlformats.org/presentationml/2006/main">
   <p:cSld>
     <p:spTree>
@@ -18349,19 +17631,17 @@
       </p:sp>
       <p:pic>
         <p:nvPicPr>
-          <p:cNvPr id="8" name="Espace réservé du contenu 7">
-            <a:extLst>
-              <a:ext uri="{FF2B5EF4-FFF2-40B4-BE49-F238E27FC236}">
-                <a16:creationId xmlns:a16="http://schemas.microsoft.com/office/drawing/2014/main" id="{50705001-7C3A-C56D-0682-4BF9661A9050}"/>
+          <p:cNvPr id="7" name="Image 6">
+            <a:extLst>
+              <a:ext uri="{FF2B5EF4-FFF2-40B4-BE49-F238E27FC236}">
+                <a16:creationId xmlns:a16="http://schemas.microsoft.com/office/drawing/2014/main" id="{E0B021DF-8CBE-E6BC-7526-0C9D99BE7AA1}"/>
               </a:ext>
             </a:extLst>
           </p:cNvPr>
           <p:cNvPicPr>
-            <a:picLocks noGrp="1" noChangeAspect="1"/>
+            <a:picLocks noChangeAspect="1"/>
           </p:cNvPicPr>
-          <p:nvPr>
-            <p:ph idx="1"/>
-          </p:nvPr>
+          <p:nvPr/>
         </p:nvPicPr>
         <p:blipFill>
           <a:blip r:embed="rId2"/>
@@ -18371,15 +17651,288 @@
         </p:blipFill>
         <p:spPr>
           <a:xfrm>
-            <a:off x="1022788" y="2816088"/>
-            <a:ext cx="10763815" cy="2501004"/>
-          </a:xfrm>
+            <a:off x="312821" y="1728829"/>
+            <a:ext cx="9932068" cy="4620619"/>
+          </a:xfrm>
+          <a:prstGeom prst="rect">
+            <a:avLst/>
+          </a:prstGeom>
         </p:spPr>
       </p:pic>
     </p:spTree>
     <p:extLst>
       <p:ext uri="{BB962C8B-B14F-4D97-AF65-F5344CB8AC3E}">
         <p14:creationId xmlns:p14="http://schemas.microsoft.com/office/powerpoint/2010/main" val="1223857887"/>
+      </p:ext>
+    </p:extLst>
+  </p:cSld>
+  <p:clrMapOvr>
+    <a:masterClrMapping/>
+  </p:clrMapOvr>
+</p:sld>
+</file>
+
+<file path=ppt/slides/slide9.xml><?xml version="1.0" encoding="utf-8"?>
+<p:sld xmlns:a="http://schemas.openxmlformats.org/drawingml/2006/main" xmlns:r="http://schemas.openxmlformats.org/officeDocument/2006/relationships" xmlns:p="http://schemas.openxmlformats.org/presentationml/2006/main">
+  <p:cSld>
+    <p:spTree>
+      <p:nvGrpSpPr>
+        <p:cNvPr id="1" name="">
+          <a:extLst>
+            <a:ext uri="{FF2B5EF4-FFF2-40B4-BE49-F238E27FC236}">
+              <a16:creationId xmlns:a16="http://schemas.microsoft.com/office/drawing/2014/main" id="{B7E55E92-79A7-5CFF-BB5D-9D4C780D6099}"/>
+            </a:ext>
+          </a:extLst>
+        </p:cNvPr>
+        <p:cNvGrpSpPr/>
+        <p:nvPr/>
+      </p:nvGrpSpPr>
+      <p:grpSpPr>
+        <a:xfrm>
+          <a:off x="0" y="0"/>
+          <a:ext cx="0" cy="0"/>
+          <a:chOff x="0" y="0"/>
+          <a:chExt cx="0" cy="0"/>
+        </a:xfrm>
+      </p:grpSpPr>
+      <p:sp>
+        <p:nvSpPr>
+          <p:cNvPr id="5" name="Rectangle 4">
+            <a:extLst>
+              <a:ext uri="{FF2B5EF4-FFF2-40B4-BE49-F238E27FC236}">
+                <a16:creationId xmlns:a16="http://schemas.microsoft.com/office/drawing/2014/main" id="{6B24CBCA-BCA2-1058-95FE-55BCAE487ED0}"/>
+              </a:ext>
+            </a:extLst>
+          </p:cNvPr>
+          <p:cNvSpPr/>
+          <p:nvPr/>
+        </p:nvSpPr>
+        <p:spPr>
+          <a:xfrm>
+            <a:off x="0" y="0"/>
+            <a:ext cx="12192000" cy="1325563"/>
+          </a:xfrm>
+          <a:prstGeom prst="rect">
+            <a:avLst/>
+          </a:prstGeom>
+          <a:gradFill flip="none" rotWithShape="1">
+            <a:gsLst>
+              <a:gs pos="0">
+                <a:srgbClr val="314154">
+                  <a:shade val="30000"/>
+                  <a:satMod val="115000"/>
+                </a:srgbClr>
+              </a:gs>
+              <a:gs pos="50000">
+                <a:srgbClr val="314154">
+                  <a:shade val="67500"/>
+                  <a:satMod val="115000"/>
+                </a:srgbClr>
+              </a:gs>
+              <a:gs pos="100000">
+                <a:srgbClr val="314154">
+                  <a:shade val="100000"/>
+                  <a:satMod val="115000"/>
+                </a:srgbClr>
+              </a:gs>
+            </a:gsLst>
+            <a:lin ang="10800000" scaled="1"/>
+            <a:tileRect/>
+          </a:gradFill>
+        </p:spPr>
+        <p:style>
+          <a:lnRef idx="2">
+            <a:schemeClr val="accent1">
+              <a:shade val="15000"/>
+            </a:schemeClr>
+          </a:lnRef>
+          <a:fillRef idx="1">
+            <a:schemeClr val="accent1"/>
+          </a:fillRef>
+          <a:effectRef idx="0">
+            <a:schemeClr val="accent1"/>
+          </a:effectRef>
+          <a:fontRef idx="minor">
+            <a:schemeClr val="lt1"/>
+          </a:fontRef>
+        </p:style>
+        <p:txBody>
+          <a:bodyPr rtlCol="0" anchor="ctr"/>
+          <a:lstStyle/>
+          <a:p>
+            <a:pPr algn="ctr"/>
+            <a:endParaRPr lang="fr-FR"/>
+          </a:p>
+        </p:txBody>
+      </p:sp>
+      <p:sp>
+        <p:nvSpPr>
+          <p:cNvPr id="2" name="Titre 1">
+            <a:extLst>
+              <a:ext uri="{FF2B5EF4-FFF2-40B4-BE49-F238E27FC236}">
+                <a16:creationId xmlns:a16="http://schemas.microsoft.com/office/drawing/2014/main" id="{425D92EB-0CAF-6DAE-5269-DF46EE46DAFB}"/>
+              </a:ext>
+            </a:extLst>
+          </p:cNvPr>
+          <p:cNvSpPr>
+            <a:spLocks noGrp="1"/>
+          </p:cNvSpPr>
+          <p:nvPr>
+            <p:ph type="title"/>
+          </p:nvPr>
+        </p:nvSpPr>
+        <p:spPr>
+          <a:xfrm>
+            <a:off x="838200" y="18255"/>
+            <a:ext cx="11353800" cy="1325563"/>
+          </a:xfrm>
+        </p:spPr>
+        <p:txBody>
+          <a:bodyPr>
+            <a:normAutofit/>
+          </a:bodyPr>
+          <a:lstStyle/>
+          <a:p>
+            <a:r>
+              <a:rPr lang="fr-FR" b="1" dirty="0">
+                <a:solidFill>
+                  <a:schemeClr val="bg1"/>
+                </a:solidFill>
+              </a:rPr>
+              <a:t>Course progression</a:t>
+            </a:r>
+          </a:p>
+        </p:txBody>
+      </p:sp>
+      <p:sp>
+        <p:nvSpPr>
+          <p:cNvPr id="4" name="Espace réservé du contenu 3">
+            <a:extLst>
+              <a:ext uri="{FF2B5EF4-FFF2-40B4-BE49-F238E27FC236}">
+                <a16:creationId xmlns:a16="http://schemas.microsoft.com/office/drawing/2014/main" id="{528F5544-D68A-3E03-2113-B9192E1F66FC}"/>
+              </a:ext>
+            </a:extLst>
+          </p:cNvPr>
+          <p:cNvSpPr>
+            <a:spLocks noGrp="1"/>
+          </p:cNvSpPr>
+          <p:nvPr>
+            <p:ph idx="1"/>
+          </p:nvPr>
+        </p:nvSpPr>
+        <p:spPr/>
+        <p:txBody>
+          <a:bodyPr/>
+          <a:lstStyle/>
+          <a:p>
+            <a:r>
+              <a:rPr lang="fr-FR" dirty="0"/>
+              <a:t>Theory: </a:t>
+            </a:r>
+            <a:r>
+              <a:rPr lang="fr-FR" dirty="0" err="1"/>
+              <a:t>Core</a:t>
+            </a:r>
+            <a:r>
+              <a:rPr lang="fr-FR" dirty="0"/>
+              <a:t> notion to </a:t>
+            </a:r>
+            <a:r>
+              <a:rPr lang="fr-FR" dirty="0" err="1"/>
+              <a:t>memorize</a:t>
+            </a:r>
+            <a:endParaRPr lang="fr-FR" dirty="0"/>
+          </a:p>
+          <a:p>
+            <a:endParaRPr lang="fr-FR" dirty="0"/>
+          </a:p>
+          <a:p>
+            <a:r>
+              <a:rPr lang="fr-FR" dirty="0" err="1"/>
+              <a:t>Applied</a:t>
+            </a:r>
+            <a:r>
+              <a:rPr lang="fr-FR" dirty="0"/>
+              <a:t> </a:t>
+            </a:r>
+            <a:r>
+              <a:rPr lang="fr-FR" dirty="0" err="1"/>
+              <a:t>theory</a:t>
+            </a:r>
+            <a:r>
+              <a:rPr lang="fr-FR" dirty="0"/>
+              <a:t>: Micro use cases to </a:t>
+            </a:r>
+            <a:r>
+              <a:rPr lang="fr-FR" dirty="0" err="1"/>
+              <a:t>illustrate</a:t>
+            </a:r>
+            <a:r>
+              <a:rPr lang="fr-FR" dirty="0"/>
+              <a:t> the </a:t>
+            </a:r>
+            <a:r>
+              <a:rPr lang="fr-FR" dirty="0" err="1"/>
+              <a:t>theory</a:t>
+            </a:r>
+            <a:endParaRPr lang="fr-FR" dirty="0"/>
+          </a:p>
+          <a:p>
+            <a:endParaRPr lang="fr-FR" dirty="0"/>
+          </a:p>
+          <a:p>
+            <a:r>
+              <a:rPr lang="fr-FR" dirty="0"/>
+              <a:t>TD: 20-30min phase to </a:t>
+            </a:r>
+            <a:r>
+              <a:rPr lang="fr-FR" dirty="0" err="1"/>
+              <a:t>experiment</a:t>
+            </a:r>
+            <a:r>
+              <a:rPr lang="fr-FR" dirty="0"/>
+              <a:t> on a </a:t>
+            </a:r>
+            <a:r>
+              <a:rPr lang="fr-FR" dirty="0" err="1"/>
+              <a:t>given</a:t>
+            </a:r>
+            <a:r>
+              <a:rPr lang="fr-FR" dirty="0"/>
+              <a:t> </a:t>
+            </a:r>
+            <a:r>
+              <a:rPr lang="fr-FR" dirty="0" err="1"/>
+              <a:t>lesson</a:t>
+            </a:r>
+            <a:endParaRPr lang="fr-FR" dirty="0"/>
+          </a:p>
+          <a:p>
+            <a:endParaRPr lang="fr-FR" dirty="0"/>
+          </a:p>
+          <a:p>
+            <a:r>
+              <a:rPr lang="fr-FR" dirty="0"/>
+              <a:t>Ad Hoc: to let the </a:t>
+            </a:r>
+            <a:r>
+              <a:rPr lang="fr-FR" dirty="0" err="1"/>
+              <a:t>curiosity</a:t>
+            </a:r>
+            <a:r>
+              <a:rPr lang="fr-FR" dirty="0"/>
+              <a:t> flow</a:t>
+            </a:r>
+          </a:p>
+          <a:p>
+            <a:endParaRPr lang="fr-FR" dirty="0"/>
+          </a:p>
+        </p:txBody>
+      </p:sp>
+    </p:spTree>
+    <p:extLst>
+      <p:ext uri="{BB962C8B-B14F-4D97-AF65-F5344CB8AC3E}">
+        <p14:creationId xmlns:p14="http://schemas.microsoft.com/office/powerpoint/2010/main" val="1975119553"/>
       </p:ext>
     </p:extLst>
   </p:cSld>

--- a/presentations/1.Introduction.pptx
+++ b/presentations/1.Introduction.pptx
@@ -39,7 +39,17 @@
     <p:sldId id="293" r:id="rId33"/>
     <p:sldId id="294" r:id="rId34"/>
     <p:sldId id="295" r:id="rId35"/>
-    <p:sldId id="296" r:id="rId36"/>
+    <p:sldId id="297" r:id="rId36"/>
+    <p:sldId id="296" r:id="rId37"/>
+    <p:sldId id="298" r:id="rId38"/>
+    <p:sldId id="299" r:id="rId39"/>
+    <p:sldId id="300" r:id="rId40"/>
+    <p:sldId id="301" r:id="rId41"/>
+    <p:sldId id="302" r:id="rId42"/>
+    <p:sldId id="303" r:id="rId43"/>
+    <p:sldId id="304" r:id="rId44"/>
+    <p:sldId id="305" r:id="rId45"/>
+    <p:sldId id="306" r:id="rId46"/>
   </p:sldIdLst>
   <p:sldSz cx="12192000" cy="6858000"/>
   <p:notesSz cx="6858000" cy="9144000"/>
@@ -13455,7 +13465,7 @@
                   <a:srgbClr val="314154"/>
                 </a:solidFill>
               </a:rPr>
-              <a:t>Collaborate,Document</a:t>
+              <a:t>Collaborate</a:t>
             </a:r>
             <a:r>
               <a:rPr lang="fr-FR" sz="4800" b="1" dirty="0">
@@ -13463,7 +13473,7 @@
                   <a:srgbClr val="314154"/>
                 </a:solidFill>
               </a:rPr>
-              <a:t>, Frame</a:t>
+              <a:t>, Document, Frame</a:t>
             </a:r>
           </a:p>
         </p:txBody>
@@ -15352,7 +15362,7 @@
         <p:cNvPr id="1" name="">
           <a:extLst>
             <a:ext uri="{FF2B5EF4-FFF2-40B4-BE49-F238E27FC236}">
-              <a16:creationId xmlns:a16="http://schemas.microsoft.com/office/drawing/2014/main" id="{F790337C-2A82-9AA7-EE1F-DB18AB935D2C}"/>
+              <a16:creationId xmlns:a16="http://schemas.microsoft.com/office/drawing/2014/main" id="{6419AF1E-AB74-A721-66B7-C5DC8EA84C2B}"/>
             </a:ext>
           </a:extLst>
         </p:cNvPr>
@@ -15372,7 +15382,7 @@
           <p:cNvPr id="5" name="Rectangle 4">
             <a:extLst>
               <a:ext uri="{FF2B5EF4-FFF2-40B4-BE49-F238E27FC236}">
-                <a16:creationId xmlns:a16="http://schemas.microsoft.com/office/drawing/2014/main" id="{E3BDBBF3-BE4F-F3C4-FDA3-921A388D41C7}"/>
+                <a16:creationId xmlns:a16="http://schemas.microsoft.com/office/drawing/2014/main" id="{7300BBF5-4774-8A36-8DC2-69A871CCF491}"/>
               </a:ext>
             </a:extLst>
           </p:cNvPr>
@@ -15442,7 +15452,7 @@
           <p:cNvPr id="2" name="Titre 1">
             <a:extLst>
               <a:ext uri="{FF2B5EF4-FFF2-40B4-BE49-F238E27FC236}">
-                <a16:creationId xmlns:a16="http://schemas.microsoft.com/office/drawing/2014/main" id="{25E48B72-9F16-9BF6-5A6D-6CDF965AA212}"/>
+                <a16:creationId xmlns:a16="http://schemas.microsoft.com/office/drawing/2014/main" id="{6A274ED9-007B-D1BE-AA2D-75A1EFDD541F}"/>
               </a:ext>
             </a:extLst>
           </p:cNvPr>
@@ -15455,8 +15465,8 @@
         </p:nvSpPr>
         <p:spPr>
           <a:xfrm>
-            <a:off x="516835" y="18255"/>
-            <a:ext cx="11675165" cy="1325563"/>
+            <a:off x="838200" y="18255"/>
+            <a:ext cx="11353800" cy="1325563"/>
           </a:xfrm>
         </p:spPr>
         <p:txBody>
@@ -15471,65 +15481,17 @@
                   <a:schemeClr val="bg1"/>
                 </a:solidFill>
               </a:rPr>
-              <a:t>TD 1/2 : </a:t>
-            </a:r>
-            <a:r>
-              <a:rPr lang="fr-FR" b="1" dirty="0" err="1">
-                <a:solidFill>
-                  <a:schemeClr val="bg1"/>
-                </a:solidFill>
-              </a:rPr>
-              <a:t>Get</a:t>
-            </a:r>
-            <a:r>
-              <a:rPr lang="fr-FR" b="1" dirty="0">
-                <a:solidFill>
-                  <a:schemeClr val="bg1"/>
-                </a:solidFill>
-              </a:rPr>
-              <a:t> </a:t>
-            </a:r>
-            <a:r>
-              <a:rPr lang="fr-FR" b="1" dirty="0" err="1">
-                <a:solidFill>
-                  <a:schemeClr val="bg1"/>
-                </a:solidFill>
-              </a:rPr>
-              <a:t>this</a:t>
-            </a:r>
-            <a:r>
-              <a:rPr lang="fr-FR" b="1" dirty="0">
-                <a:solidFill>
-                  <a:schemeClr val="bg1"/>
-                </a:solidFill>
-              </a:rPr>
-              <a:t> course </a:t>
-            </a:r>
-            <a:r>
-              <a:rPr lang="fr-FR" b="1" dirty="0" err="1">
-                <a:solidFill>
-                  <a:schemeClr val="bg1"/>
-                </a:solidFill>
-              </a:rPr>
-              <a:t>from</a:t>
-            </a:r>
-            <a:r>
-              <a:rPr lang="fr-FR" b="1" dirty="0">
-                <a:solidFill>
-                  <a:schemeClr val="bg1"/>
-                </a:solidFill>
-              </a:rPr>
-              <a:t> GIT</a:t>
+              <a:t>TD 1/2: Install Git</a:t>
             </a:r>
           </a:p>
         </p:txBody>
       </p:sp>
       <p:sp>
         <p:nvSpPr>
-          <p:cNvPr id="3" name="ZoneTexte 2">
-            <a:extLst>
-              <a:ext uri="{FF2B5EF4-FFF2-40B4-BE49-F238E27FC236}">
-                <a16:creationId xmlns:a16="http://schemas.microsoft.com/office/drawing/2014/main" id="{E7755EE5-D554-BCDD-404B-E7458D76BD54}"/>
+          <p:cNvPr id="4" name="ZoneTexte 3">
+            <a:extLst>
+              <a:ext uri="{FF2B5EF4-FFF2-40B4-BE49-F238E27FC236}">
+                <a16:creationId xmlns:a16="http://schemas.microsoft.com/office/drawing/2014/main" id="{CF17A009-C531-DCE9-7B42-A2BA5E272191}"/>
               </a:ext>
             </a:extLst>
           </p:cNvPr>
@@ -15538,8 +15500,8 @@
         </p:nvSpPr>
         <p:spPr>
           <a:xfrm>
-            <a:off x="163127" y="1534370"/>
-            <a:ext cx="7615899" cy="5078313"/>
+            <a:off x="414158" y="2573717"/>
+            <a:ext cx="4209221" cy="369332"/>
           </a:xfrm>
           <a:prstGeom prst="rect">
             <a:avLst/>
@@ -15547,529 +15509,230 @@
           <a:noFill/>
         </p:spPr>
         <p:txBody>
-          <a:bodyPr wrap="square" rtlCol="0">
+          <a:bodyPr wrap="square">
             <a:spAutoFit/>
           </a:bodyPr>
           <a:lstStyle/>
           <a:p>
             <a:r>
               <a:rPr lang="fr-FR" dirty="0"/>
-              <a:t>There </a:t>
-            </a:r>
-            <a:r>
-              <a:rPr lang="fr-FR" dirty="0" err="1"/>
-              <a:t>is</a:t>
-            </a:r>
-            <a:r>
-              <a:rPr lang="fr-FR" dirty="0"/>
-              <a:t> a </a:t>
-            </a:r>
-            <a:r>
-              <a:rPr lang="fr-FR" dirty="0" err="1"/>
-              <a:t>very</a:t>
-            </a:r>
-            <a:r>
-              <a:rPr lang="fr-FR" dirty="0"/>
-              <a:t> standard process to </a:t>
-            </a:r>
-            <a:r>
-              <a:rPr lang="fr-FR" dirty="0" err="1"/>
-              <a:t>developp</a:t>
-            </a:r>
-            <a:r>
-              <a:rPr lang="fr-FR" dirty="0"/>
-              <a:t> </a:t>
-            </a:r>
-            <a:r>
-              <a:rPr lang="fr-FR" dirty="0" err="1"/>
-              <a:t>properly</a:t>
-            </a:r>
-            <a:r>
-              <a:rPr lang="fr-FR" dirty="0"/>
-              <a:t>, </a:t>
-            </a:r>
-            <a:r>
-              <a:rPr lang="fr-FR" dirty="0" err="1"/>
-              <a:t>which</a:t>
-            </a:r>
-            <a:r>
-              <a:rPr lang="fr-FR" dirty="0"/>
-              <a:t> </a:t>
-            </a:r>
-            <a:r>
-              <a:rPr lang="fr-FR" dirty="0" err="1"/>
-              <a:t>goes</a:t>
-            </a:r>
-            <a:r>
-              <a:rPr lang="fr-FR" dirty="0"/>
-              <a:t> </a:t>
-            </a:r>
-            <a:r>
-              <a:rPr lang="fr-FR" dirty="0" err="1"/>
-              <a:t>along</a:t>
-            </a:r>
-            <a:r>
-              <a:rPr lang="fr-FR" dirty="0"/>
-              <a:t> the line:</a:t>
-            </a:r>
-          </a:p>
-          <a:p>
-            <a:endParaRPr lang="fr-FR" dirty="0"/>
-          </a:p>
-          <a:p>
-            <a:pPr marL="285750" indent="-285750">
-              <a:buFontTx/>
-              <a:buChar char="-"/>
-            </a:pPr>
-            <a:r>
-              <a:rPr lang="fr-FR" dirty="0" err="1"/>
-              <a:t>Several</a:t>
-            </a:r>
-            <a:r>
-              <a:rPr lang="fr-FR" dirty="0"/>
-              <a:t> versions of the application, </a:t>
-            </a:r>
-            <a:r>
-              <a:rPr lang="fr-FR" dirty="0" err="1"/>
-              <a:t>often</a:t>
-            </a:r>
-            <a:r>
-              <a:rPr lang="fr-FR" dirty="0"/>
-              <a:t> main, </a:t>
-            </a:r>
-            <a:r>
-              <a:rPr lang="fr-FR" dirty="0" err="1"/>
-              <a:t>qa</a:t>
-            </a:r>
-            <a:r>
-              <a:rPr lang="fr-FR" dirty="0"/>
-              <a:t>, dev</a:t>
-            </a:r>
-          </a:p>
-          <a:p>
-            <a:pPr marL="742950" lvl="1" indent="-285750">
-              <a:buFontTx/>
-              <a:buChar char="-"/>
-            </a:pPr>
-            <a:r>
-              <a:rPr lang="fr-FR" dirty="0"/>
-              <a:t>Dev </a:t>
-            </a:r>
-            <a:r>
-              <a:rPr lang="fr-FR" dirty="0" err="1"/>
-              <a:t>is</a:t>
-            </a:r>
-            <a:r>
-              <a:rPr lang="fr-FR" dirty="0"/>
-              <a:t> the </a:t>
-            </a:r>
-            <a:r>
-              <a:rPr lang="fr-FR" dirty="0" err="1"/>
-              <a:t>development</a:t>
-            </a:r>
-            <a:r>
-              <a:rPr lang="fr-FR" dirty="0"/>
-              <a:t> version, </a:t>
-            </a:r>
-            <a:r>
-              <a:rPr lang="fr-FR" dirty="0" err="1"/>
-              <a:t>which</a:t>
-            </a:r>
-            <a:r>
-              <a:rPr lang="fr-FR" dirty="0"/>
-              <a:t> </a:t>
-            </a:r>
-            <a:r>
-              <a:rPr lang="fr-FR" dirty="0" err="1"/>
-              <a:t>is</a:t>
-            </a:r>
-            <a:r>
-              <a:rPr lang="fr-FR" dirty="0"/>
-              <a:t> </a:t>
-            </a:r>
-            <a:r>
-              <a:rPr lang="fr-FR" dirty="0" err="1"/>
-              <a:t>used</a:t>
-            </a:r>
-            <a:r>
-              <a:rPr lang="fr-FR" dirty="0"/>
-              <a:t> to </a:t>
-            </a:r>
-            <a:r>
-              <a:rPr lang="fr-FR" dirty="0" err="1"/>
-              <a:t>iterate</a:t>
-            </a:r>
-            <a:endParaRPr lang="fr-FR" dirty="0"/>
-          </a:p>
-          <a:p>
-            <a:pPr marL="742950" lvl="1" indent="-285750">
-              <a:buFontTx/>
-              <a:buChar char="-"/>
-            </a:pPr>
-            <a:r>
-              <a:rPr lang="fr-FR" dirty="0" err="1"/>
-              <a:t>Qa</a:t>
-            </a:r>
-            <a:r>
-              <a:rPr lang="fr-FR" dirty="0"/>
-              <a:t> </a:t>
-            </a:r>
-            <a:r>
-              <a:rPr lang="fr-FR" dirty="0" err="1"/>
-              <a:t>is</a:t>
-            </a:r>
-            <a:r>
-              <a:rPr lang="fr-FR" dirty="0"/>
-              <a:t> the </a:t>
-            </a:r>
-            <a:r>
-              <a:rPr lang="fr-FR" dirty="0" err="1"/>
-              <a:t>testing</a:t>
-            </a:r>
-            <a:r>
-              <a:rPr lang="fr-FR" dirty="0"/>
-              <a:t> version, </a:t>
-            </a:r>
-            <a:r>
-              <a:rPr lang="fr-FR" dirty="0" err="1"/>
-              <a:t>used</a:t>
-            </a:r>
-            <a:r>
-              <a:rPr lang="fr-FR" dirty="0"/>
-              <a:t> to test a stable candidate of the code</a:t>
-            </a:r>
-          </a:p>
-          <a:p>
-            <a:pPr marL="742950" lvl="1" indent="-285750">
-              <a:buFontTx/>
-              <a:buChar char="-"/>
-            </a:pPr>
-            <a:r>
-              <a:rPr lang="fr-FR" dirty="0"/>
-              <a:t>Main </a:t>
-            </a:r>
-            <a:r>
-              <a:rPr lang="fr-FR" dirty="0" err="1"/>
-              <a:t>is</a:t>
-            </a:r>
-            <a:r>
-              <a:rPr lang="fr-FR" dirty="0"/>
-              <a:t> the production version, </a:t>
-            </a:r>
-            <a:r>
-              <a:rPr lang="fr-FR" dirty="0" err="1"/>
-              <a:t>used</a:t>
-            </a:r>
-            <a:r>
-              <a:rPr lang="fr-FR" dirty="0"/>
-              <a:t> to </a:t>
-            </a:r>
-            <a:r>
-              <a:rPr lang="fr-FR" dirty="0" err="1"/>
-              <a:t>deploy</a:t>
-            </a:r>
-            <a:r>
-              <a:rPr lang="fr-FR" dirty="0"/>
-              <a:t> the official version of the app</a:t>
-            </a:r>
-          </a:p>
-          <a:p>
-            <a:pPr marL="742950" lvl="1" indent="-285750">
-              <a:buFontTx/>
-              <a:buChar char="-"/>
-            </a:pPr>
-            <a:endParaRPr lang="fr-FR" dirty="0"/>
-          </a:p>
-          <a:p>
-            <a:pPr marL="285750" indent="-285750">
-              <a:buFontTx/>
-              <a:buChar char="-"/>
-            </a:pPr>
-            <a:r>
-              <a:rPr lang="fr-FR" dirty="0" err="1"/>
-              <a:t>When</a:t>
-            </a:r>
-            <a:r>
-              <a:rPr lang="fr-FR" dirty="0"/>
-              <a:t> </a:t>
-            </a:r>
-            <a:r>
-              <a:rPr lang="fr-FR" dirty="0" err="1"/>
-              <a:t>starting</a:t>
-            </a:r>
-            <a:r>
-              <a:rPr lang="fr-FR" dirty="0"/>
-              <a:t> to </a:t>
-            </a:r>
-            <a:r>
-              <a:rPr lang="fr-FR" dirty="0" err="1"/>
-              <a:t>work</a:t>
-            </a:r>
-            <a:r>
-              <a:rPr lang="fr-FR" dirty="0"/>
-              <a:t> on a new </a:t>
-            </a:r>
-            <a:r>
-              <a:rPr lang="fr-FR" dirty="0" err="1"/>
-              <a:t>feature</a:t>
-            </a:r>
-            <a:r>
-              <a:rPr lang="fr-FR" dirty="0"/>
-              <a:t> i:</a:t>
-            </a:r>
-          </a:p>
-          <a:p>
-            <a:pPr marL="742950" lvl="1" indent="-285750">
-              <a:buFontTx/>
-              <a:buChar char="-"/>
-            </a:pPr>
-            <a:r>
-              <a:rPr lang="fr-FR" dirty="0"/>
-              <a:t>Start </a:t>
-            </a:r>
-            <a:r>
-              <a:rPr lang="fr-FR" dirty="0" err="1"/>
-              <a:t>from</a:t>
-            </a:r>
-            <a:r>
-              <a:rPr lang="fr-FR" dirty="0"/>
-              <a:t> dev</a:t>
-            </a:r>
-          </a:p>
-          <a:p>
-            <a:pPr marL="742950" lvl="1" indent="-285750">
-              <a:buFontTx/>
-              <a:buChar char="-"/>
-            </a:pPr>
-            <a:r>
-              <a:rPr lang="fr-FR" dirty="0" err="1"/>
-              <a:t>Create</a:t>
-            </a:r>
-            <a:r>
-              <a:rPr lang="fr-FR" dirty="0"/>
-              <a:t> a new branche </a:t>
-            </a:r>
-            <a:r>
-              <a:rPr lang="fr-FR" dirty="0" err="1"/>
-              <a:t>with</a:t>
-            </a:r>
-            <a:r>
-              <a:rPr lang="fr-FR" dirty="0"/>
-              <a:t> an explicit </a:t>
-            </a:r>
-            <a:r>
-              <a:rPr lang="fr-FR" dirty="0" err="1"/>
-              <a:t>name</a:t>
-            </a:r>
-            <a:r>
-              <a:rPr lang="fr-FR" dirty="0"/>
-              <a:t> (ex: feat/</a:t>
-            </a:r>
-            <a:r>
-              <a:rPr lang="fr-FR" dirty="0" err="1"/>
-              <a:t>feature_name</a:t>
-            </a:r>
-            <a:r>
-              <a:rPr lang="fr-FR" dirty="0"/>
-              <a:t>)</a:t>
-            </a:r>
-          </a:p>
-          <a:p>
-            <a:pPr marL="742950" lvl="1" indent="-285750">
-              <a:buFontTx/>
-              <a:buChar char="-"/>
-            </a:pPr>
-            <a:r>
-              <a:rPr lang="fr-FR" dirty="0" err="1"/>
-              <a:t>Develop</a:t>
-            </a:r>
-            <a:r>
-              <a:rPr lang="fr-FR" dirty="0"/>
-              <a:t> </a:t>
-            </a:r>
-            <a:r>
-              <a:rPr lang="fr-FR" dirty="0" err="1"/>
-              <a:t>my</a:t>
-            </a:r>
-            <a:r>
-              <a:rPr lang="fr-FR" dirty="0"/>
-              <a:t> </a:t>
-            </a:r>
-            <a:r>
-              <a:rPr lang="fr-FR" dirty="0" err="1"/>
-              <a:t>feature</a:t>
-            </a:r>
-            <a:r>
-              <a:rPr lang="fr-FR" dirty="0"/>
-              <a:t> </a:t>
-            </a:r>
-            <a:r>
-              <a:rPr lang="fr-FR" dirty="0" err="1"/>
-              <a:t>with</a:t>
-            </a:r>
-            <a:r>
-              <a:rPr lang="fr-FR" dirty="0"/>
-              <a:t> </a:t>
-            </a:r>
-            <a:r>
-              <a:rPr lang="fr-FR" dirty="0" err="1"/>
-              <a:t>frequent</a:t>
-            </a:r>
-            <a:r>
-              <a:rPr lang="fr-FR" dirty="0"/>
-              <a:t> and explicit </a:t>
-            </a:r>
-            <a:r>
-              <a:rPr lang="fr-FR" dirty="0" err="1"/>
-              <a:t>commits</a:t>
-            </a:r>
-            <a:endParaRPr lang="fr-FR" dirty="0"/>
-          </a:p>
-          <a:p>
-            <a:pPr marL="742950" lvl="1" indent="-285750">
-              <a:buFontTx/>
-              <a:buChar char="-"/>
-            </a:pPr>
-            <a:r>
-              <a:rPr lang="fr-FR" dirty="0" err="1"/>
-              <a:t>When</a:t>
-            </a:r>
-            <a:r>
-              <a:rPr lang="fr-FR" dirty="0"/>
-              <a:t> </a:t>
-            </a:r>
-            <a:r>
-              <a:rPr lang="fr-FR" dirty="0" err="1"/>
-              <a:t>my</a:t>
-            </a:r>
-            <a:r>
-              <a:rPr lang="fr-FR" dirty="0"/>
-              <a:t> </a:t>
-            </a:r>
-            <a:r>
-              <a:rPr lang="fr-FR" dirty="0" err="1"/>
-              <a:t>feature</a:t>
-            </a:r>
-            <a:r>
-              <a:rPr lang="fr-FR" dirty="0"/>
-              <a:t> </a:t>
-            </a:r>
-            <a:r>
-              <a:rPr lang="fr-FR" dirty="0" err="1"/>
-              <a:t>is</a:t>
-            </a:r>
-            <a:r>
-              <a:rPr lang="fr-FR" dirty="0"/>
-              <a:t> </a:t>
-            </a:r>
-            <a:r>
-              <a:rPr lang="fr-FR" dirty="0" err="1"/>
-              <a:t>ready</a:t>
-            </a:r>
-            <a:r>
-              <a:rPr lang="fr-FR" dirty="0"/>
-              <a:t>, I </a:t>
-            </a:r>
-            <a:r>
-              <a:rPr lang="fr-FR" dirty="0" err="1"/>
-              <a:t>make</a:t>
-            </a:r>
-            <a:r>
-              <a:rPr lang="fr-FR" dirty="0"/>
-              <a:t> a pull </a:t>
-            </a:r>
-            <a:r>
-              <a:rPr lang="fr-FR" dirty="0" err="1"/>
-              <a:t>request</a:t>
-            </a:r>
-            <a:r>
-              <a:rPr lang="fr-FR" dirty="0"/>
-              <a:t> to dev </a:t>
-            </a:r>
-            <a:r>
-              <a:rPr lang="fr-FR" dirty="0" err="1"/>
-              <a:t>branch</a:t>
-            </a:r>
-            <a:endParaRPr lang="fr-FR" dirty="0"/>
-          </a:p>
-          <a:p>
-            <a:pPr marL="742950" lvl="1" indent="-285750">
-              <a:buFontTx/>
-              <a:buChar char="-"/>
-            </a:pPr>
-            <a:r>
-              <a:rPr lang="fr-FR" dirty="0"/>
-              <a:t>I </a:t>
-            </a:r>
-            <a:r>
-              <a:rPr lang="fr-FR" dirty="0" err="1"/>
-              <a:t>review</a:t>
-            </a:r>
-            <a:r>
-              <a:rPr lang="fr-FR" dirty="0"/>
-              <a:t> the </a:t>
-            </a:r>
-            <a:r>
-              <a:rPr lang="fr-FR" dirty="0" err="1"/>
-              <a:t>request</a:t>
-            </a:r>
-            <a:r>
-              <a:rPr lang="fr-FR" dirty="0"/>
-              <a:t> </a:t>
-            </a:r>
-            <a:r>
-              <a:rPr lang="fr-FR" dirty="0" err="1"/>
-              <a:t>with</a:t>
-            </a:r>
-            <a:r>
-              <a:rPr lang="fr-FR" dirty="0"/>
-              <a:t> the lead dev to </a:t>
-            </a:r>
-            <a:r>
-              <a:rPr lang="fr-FR" dirty="0" err="1"/>
-              <a:t>ensure</a:t>
-            </a:r>
-            <a:r>
-              <a:rPr lang="fr-FR" dirty="0"/>
-              <a:t> </a:t>
-            </a:r>
-            <a:r>
-              <a:rPr lang="fr-FR" dirty="0" err="1"/>
-              <a:t>proper</a:t>
-            </a:r>
-            <a:r>
-              <a:rPr lang="fr-FR" dirty="0"/>
-              <a:t> </a:t>
-            </a:r>
-            <a:r>
-              <a:rPr lang="fr-FR" dirty="0" err="1"/>
-              <a:t>interfacing</a:t>
-            </a:r>
-            <a:endParaRPr lang="fr-FR" dirty="0"/>
-          </a:p>
-          <a:p>
-            <a:pPr marL="742950" lvl="1" indent="-285750">
-              <a:buFontTx/>
-              <a:buChar char="-"/>
-            </a:pPr>
-            <a:r>
-              <a:rPr lang="fr-FR" dirty="0"/>
-              <a:t>I merge</a:t>
-            </a:r>
-          </a:p>
-          <a:p>
-            <a:pPr marL="742950" lvl="1" indent="-285750">
-              <a:buFontTx/>
-              <a:buChar char="-"/>
-            </a:pPr>
-            <a:endParaRPr lang="fr-FR" dirty="0"/>
-          </a:p>
-          <a:p>
-            <a:pPr marL="742950" lvl="1" indent="-285750">
-              <a:buFontTx/>
-              <a:buChar char="-"/>
-            </a:pPr>
-            <a:endParaRPr lang="fr-FR" dirty="0"/>
+              <a:t>https://git-scm.com/downloads</a:t>
+            </a:r>
+          </a:p>
+        </p:txBody>
+      </p:sp>
+      <p:sp>
+        <p:nvSpPr>
+          <p:cNvPr id="9" name="ZoneTexte 8">
+            <a:extLst>
+              <a:ext uri="{FF2B5EF4-FFF2-40B4-BE49-F238E27FC236}">
+                <a16:creationId xmlns:a16="http://schemas.microsoft.com/office/drawing/2014/main" id="{1C8E6134-A8AF-B29C-25C8-E56C09CB303E}"/>
+              </a:ext>
+            </a:extLst>
+          </p:cNvPr>
+          <p:cNvSpPr txBox="1"/>
+          <p:nvPr/>
+        </p:nvSpPr>
+        <p:spPr>
+          <a:xfrm>
+            <a:off x="414158" y="2186605"/>
+            <a:ext cx="1671291" cy="369332"/>
+          </a:xfrm>
+          <a:prstGeom prst="rect">
+            <a:avLst/>
+          </a:prstGeom>
+          <a:noFill/>
+        </p:spPr>
+        <p:txBody>
+          <a:bodyPr wrap="none" rtlCol="0">
+            <a:spAutoFit/>
+          </a:bodyPr>
+          <a:lstStyle/>
+          <a:p>
+            <a:r>
+              <a:rPr lang="fr-FR" b="1" dirty="0"/>
+              <a:t>1. </a:t>
+            </a:r>
+            <a:r>
+              <a:rPr lang="fr-FR" b="1" dirty="0" err="1"/>
+              <a:t>Navigate</a:t>
+            </a:r>
+            <a:r>
+              <a:rPr lang="fr-FR" b="1" dirty="0"/>
+              <a:t> to:</a:t>
+            </a:r>
+          </a:p>
+        </p:txBody>
+      </p:sp>
+      <p:sp>
+        <p:nvSpPr>
+          <p:cNvPr id="10" name="ZoneTexte 9">
+            <a:extLst>
+              <a:ext uri="{FF2B5EF4-FFF2-40B4-BE49-F238E27FC236}">
+                <a16:creationId xmlns:a16="http://schemas.microsoft.com/office/drawing/2014/main" id="{7D1CEF08-A7DF-E1E2-A338-58D1C4E8F29D}"/>
+              </a:ext>
+            </a:extLst>
+          </p:cNvPr>
+          <p:cNvSpPr txBox="1"/>
+          <p:nvPr/>
+        </p:nvSpPr>
+        <p:spPr>
+          <a:xfrm>
+            <a:off x="414158" y="3313714"/>
+            <a:ext cx="4271939" cy="369332"/>
+          </a:xfrm>
+          <a:prstGeom prst="rect">
+            <a:avLst/>
+          </a:prstGeom>
+          <a:noFill/>
+        </p:spPr>
+        <p:txBody>
+          <a:bodyPr wrap="none" rtlCol="0">
+            <a:spAutoFit/>
+          </a:bodyPr>
+          <a:lstStyle/>
+          <a:p>
+            <a:r>
+              <a:rPr lang="fr-FR" b="1" dirty="0"/>
+              <a:t>2. Download version </a:t>
+            </a:r>
+            <a:r>
+              <a:rPr lang="fr-FR" b="1" dirty="0" err="1"/>
+              <a:t>matching</a:t>
+            </a:r>
+            <a:r>
+              <a:rPr lang="fr-FR" b="1" dirty="0"/>
+              <a:t> </a:t>
+            </a:r>
+            <a:r>
+              <a:rPr lang="fr-FR" b="1" dirty="0" err="1"/>
+              <a:t>your</a:t>
+            </a:r>
+            <a:r>
+              <a:rPr lang="fr-FR" b="1" dirty="0"/>
+              <a:t> OS:</a:t>
+            </a:r>
+          </a:p>
+        </p:txBody>
+      </p:sp>
+      <p:sp>
+        <p:nvSpPr>
+          <p:cNvPr id="11" name="ZoneTexte 10">
+            <a:extLst>
+              <a:ext uri="{FF2B5EF4-FFF2-40B4-BE49-F238E27FC236}">
+                <a16:creationId xmlns:a16="http://schemas.microsoft.com/office/drawing/2014/main" id="{08924F92-D0BF-ACE3-C34A-6A3911555D09}"/>
+              </a:ext>
+            </a:extLst>
+          </p:cNvPr>
+          <p:cNvSpPr txBox="1"/>
+          <p:nvPr/>
+        </p:nvSpPr>
+        <p:spPr>
+          <a:xfrm>
+            <a:off x="414158" y="5031251"/>
+            <a:ext cx="2921249" cy="369332"/>
+          </a:xfrm>
+          <a:prstGeom prst="rect">
+            <a:avLst/>
+          </a:prstGeom>
+          <a:noFill/>
+        </p:spPr>
+        <p:txBody>
+          <a:bodyPr wrap="none" rtlCol="0">
+            <a:spAutoFit/>
+          </a:bodyPr>
+          <a:lstStyle/>
+          <a:p>
+            <a:r>
+              <a:rPr lang="fr-FR" b="1" dirty="0"/>
+              <a:t>3. Install, and follow </a:t>
+            </a:r>
+            <a:r>
+              <a:rPr lang="fr-FR" b="1" dirty="0" err="1"/>
+              <a:t>steps</a:t>
+            </a:r>
+            <a:endParaRPr lang="fr-FR" b="1" dirty="0"/>
+          </a:p>
+        </p:txBody>
+      </p:sp>
+      <p:cxnSp>
+        <p:nvCxnSpPr>
+          <p:cNvPr id="14" name="Connecteur droit 13">
+            <a:extLst>
+              <a:ext uri="{FF2B5EF4-FFF2-40B4-BE49-F238E27FC236}">
+                <a16:creationId xmlns:a16="http://schemas.microsoft.com/office/drawing/2014/main" id="{EA683057-DA5F-9FE5-6A79-BE4579ED6780}"/>
+              </a:ext>
+            </a:extLst>
+          </p:cNvPr>
+          <p:cNvCxnSpPr>
+            <a:cxnSpLocks/>
+          </p:cNvCxnSpPr>
+          <p:nvPr/>
+        </p:nvCxnSpPr>
+        <p:spPr>
+          <a:xfrm>
+            <a:off x="4880299" y="2133600"/>
+            <a:ext cx="0" cy="3704008"/>
+          </a:xfrm>
+          <a:prstGeom prst="line">
+            <a:avLst/>
+          </a:prstGeom>
+        </p:spPr>
+        <p:style>
+          <a:lnRef idx="2">
+            <a:schemeClr val="accent1"/>
+          </a:lnRef>
+          <a:fillRef idx="0">
+            <a:schemeClr val="accent1"/>
+          </a:fillRef>
+          <a:effectRef idx="1">
+            <a:schemeClr val="accent1"/>
+          </a:effectRef>
+          <a:fontRef idx="minor">
+            <a:schemeClr val="tx1"/>
+          </a:fontRef>
+        </p:style>
+      </p:cxnSp>
+      <p:sp>
+        <p:nvSpPr>
+          <p:cNvPr id="15" name="ZoneTexte 14">
+            <a:extLst>
+              <a:ext uri="{FF2B5EF4-FFF2-40B4-BE49-F238E27FC236}">
+                <a16:creationId xmlns:a16="http://schemas.microsoft.com/office/drawing/2014/main" id="{F4BDAB79-7189-AF7C-8D91-684B6C491DA4}"/>
+              </a:ext>
+            </a:extLst>
+          </p:cNvPr>
+          <p:cNvSpPr txBox="1"/>
+          <p:nvPr/>
+        </p:nvSpPr>
+        <p:spPr>
+          <a:xfrm>
+            <a:off x="414158" y="5468276"/>
+            <a:ext cx="2774286" cy="369332"/>
+          </a:xfrm>
+          <a:prstGeom prst="rect">
+            <a:avLst/>
+          </a:prstGeom>
+          <a:noFill/>
+        </p:spPr>
+        <p:txBody>
+          <a:bodyPr wrap="none" rtlCol="0">
+            <a:spAutoFit/>
+          </a:bodyPr>
+          <a:lstStyle/>
+          <a:p>
+            <a:r>
+              <a:rPr lang="fr-FR" b="1" dirty="0"/>
+              <a:t>4. Restart </a:t>
+            </a:r>
+            <a:r>
+              <a:rPr lang="fr-FR" b="1" dirty="0" err="1"/>
+              <a:t>your</a:t>
+            </a:r>
+            <a:r>
+              <a:rPr lang="fr-FR" b="1" dirty="0"/>
+              <a:t> computer</a:t>
+            </a:r>
           </a:p>
         </p:txBody>
       </p:sp>
@@ -16078,7 +15741,7 @@
           <p:cNvPr id="6" name="Image 5">
             <a:extLst>
               <a:ext uri="{FF2B5EF4-FFF2-40B4-BE49-F238E27FC236}">
-                <a16:creationId xmlns:a16="http://schemas.microsoft.com/office/drawing/2014/main" id="{77E4136F-089D-3912-DC86-EE59F02F3375}"/>
+                <a16:creationId xmlns:a16="http://schemas.microsoft.com/office/drawing/2014/main" id="{517E889F-A11D-0903-A3D5-37EE0DA14A00}"/>
               </a:ext>
             </a:extLst>
           </p:cNvPr>
@@ -16095,18 +15758,3296 @@
         </p:blipFill>
         <p:spPr>
           <a:xfrm>
-            <a:off x="8368747" y="1362073"/>
-            <a:ext cx="3328307" cy="5411183"/>
+            <a:off x="549155" y="3833604"/>
+            <a:ext cx="2886478" cy="924054"/>
           </a:xfrm>
           <a:prstGeom prst="rect">
             <a:avLst/>
           </a:prstGeom>
+        </p:spPr>
+      </p:pic>
+      <p:sp>
+        <p:nvSpPr>
+          <p:cNvPr id="7" name="ZoneTexte 6">
+            <a:extLst>
+              <a:ext uri="{FF2B5EF4-FFF2-40B4-BE49-F238E27FC236}">
+                <a16:creationId xmlns:a16="http://schemas.microsoft.com/office/drawing/2014/main" id="{5F08B804-B7F6-F002-35E9-90B6306DC0D4}"/>
+              </a:ext>
+            </a:extLst>
+          </p:cNvPr>
+          <p:cNvSpPr txBox="1"/>
+          <p:nvPr/>
+        </p:nvSpPr>
+        <p:spPr>
+          <a:xfrm>
+            <a:off x="5339660" y="2676249"/>
+            <a:ext cx="4209221" cy="369332"/>
+          </a:xfrm>
+          <a:prstGeom prst="rect">
+            <a:avLst/>
+          </a:prstGeom>
+          <a:noFill/>
+        </p:spPr>
+        <p:txBody>
+          <a:bodyPr wrap="square">
+            <a:spAutoFit/>
+          </a:bodyPr>
+          <a:lstStyle/>
+          <a:p>
+            <a:r>
+              <a:rPr lang="fr-FR" dirty="0"/>
+              <a:t>https://github.com/</a:t>
+            </a:r>
+          </a:p>
+        </p:txBody>
+      </p:sp>
+      <p:sp>
+        <p:nvSpPr>
+          <p:cNvPr id="13" name="ZoneTexte 12">
+            <a:extLst>
+              <a:ext uri="{FF2B5EF4-FFF2-40B4-BE49-F238E27FC236}">
+                <a16:creationId xmlns:a16="http://schemas.microsoft.com/office/drawing/2014/main" id="{6077BAC5-A5FE-7520-B199-0C1CE51C445A}"/>
+              </a:ext>
+            </a:extLst>
+          </p:cNvPr>
+          <p:cNvSpPr txBox="1"/>
+          <p:nvPr/>
+        </p:nvSpPr>
+        <p:spPr>
+          <a:xfrm>
+            <a:off x="5339660" y="2229269"/>
+            <a:ext cx="1671291" cy="369332"/>
+          </a:xfrm>
+          <a:prstGeom prst="rect">
+            <a:avLst/>
+          </a:prstGeom>
+          <a:noFill/>
+        </p:spPr>
+        <p:txBody>
+          <a:bodyPr wrap="none" rtlCol="0">
+            <a:spAutoFit/>
+          </a:bodyPr>
+          <a:lstStyle/>
+          <a:p>
+            <a:r>
+              <a:rPr lang="fr-FR" b="1" dirty="0"/>
+              <a:t>1. </a:t>
+            </a:r>
+            <a:r>
+              <a:rPr lang="fr-FR" b="1" dirty="0" err="1"/>
+              <a:t>Navigate</a:t>
+            </a:r>
+            <a:r>
+              <a:rPr lang="fr-FR" b="1" dirty="0"/>
+              <a:t> to:</a:t>
+            </a:r>
+          </a:p>
+        </p:txBody>
+      </p:sp>
+      <p:sp>
+        <p:nvSpPr>
+          <p:cNvPr id="16" name="ZoneTexte 15">
+            <a:extLst>
+              <a:ext uri="{FF2B5EF4-FFF2-40B4-BE49-F238E27FC236}">
+                <a16:creationId xmlns:a16="http://schemas.microsoft.com/office/drawing/2014/main" id="{ABAF9210-C105-DCCF-A71A-15432E16DE0A}"/>
+              </a:ext>
+            </a:extLst>
+          </p:cNvPr>
+          <p:cNvSpPr txBox="1"/>
+          <p:nvPr/>
+        </p:nvSpPr>
+        <p:spPr>
+          <a:xfrm>
+            <a:off x="5339660" y="3123229"/>
+            <a:ext cx="2346733" cy="369332"/>
+          </a:xfrm>
+          <a:prstGeom prst="rect">
+            <a:avLst/>
+          </a:prstGeom>
+          <a:noFill/>
+        </p:spPr>
+        <p:txBody>
+          <a:bodyPr wrap="none" rtlCol="0">
+            <a:spAutoFit/>
+          </a:bodyPr>
+          <a:lstStyle/>
+          <a:p>
+            <a:r>
+              <a:rPr lang="fr-FR" b="1" dirty="0"/>
+              <a:t>2. </a:t>
+            </a:r>
+            <a:r>
+              <a:rPr lang="fr-FR" b="1" dirty="0" err="1"/>
+              <a:t>Create</a:t>
+            </a:r>
+            <a:r>
+              <a:rPr lang="fr-FR" b="1" dirty="0"/>
+              <a:t> an </a:t>
+            </a:r>
+            <a:r>
+              <a:rPr lang="fr-FR" b="1" dirty="0" err="1"/>
+              <a:t>account</a:t>
+            </a:r>
+            <a:endParaRPr lang="fr-FR" b="1" dirty="0"/>
+          </a:p>
+        </p:txBody>
+      </p:sp>
+      <p:sp>
+        <p:nvSpPr>
+          <p:cNvPr id="17" name="ZoneTexte 16">
+            <a:extLst>
+              <a:ext uri="{FF2B5EF4-FFF2-40B4-BE49-F238E27FC236}">
+                <a16:creationId xmlns:a16="http://schemas.microsoft.com/office/drawing/2014/main" id="{87E6B675-64B5-CD51-33CD-D9127BE8FF70}"/>
+              </a:ext>
+            </a:extLst>
+          </p:cNvPr>
+          <p:cNvSpPr txBox="1"/>
+          <p:nvPr/>
+        </p:nvSpPr>
+        <p:spPr>
+          <a:xfrm>
+            <a:off x="5339660" y="3570209"/>
+            <a:ext cx="1671291" cy="369332"/>
+          </a:xfrm>
+          <a:prstGeom prst="rect">
+            <a:avLst/>
+          </a:prstGeom>
+          <a:noFill/>
+        </p:spPr>
+        <p:txBody>
+          <a:bodyPr wrap="none" rtlCol="0">
+            <a:spAutoFit/>
+          </a:bodyPr>
+          <a:lstStyle/>
+          <a:p>
+            <a:r>
+              <a:rPr lang="fr-FR" b="1" dirty="0"/>
+              <a:t>3. </a:t>
+            </a:r>
+            <a:r>
+              <a:rPr lang="fr-FR" b="1" dirty="0" err="1"/>
+              <a:t>Navigate</a:t>
+            </a:r>
+            <a:r>
+              <a:rPr lang="fr-FR" b="1" dirty="0"/>
+              <a:t> to:</a:t>
+            </a:r>
+          </a:p>
+        </p:txBody>
+      </p:sp>
+      <p:sp>
+        <p:nvSpPr>
+          <p:cNvPr id="19" name="ZoneTexte 18">
+            <a:extLst>
+              <a:ext uri="{FF2B5EF4-FFF2-40B4-BE49-F238E27FC236}">
+                <a16:creationId xmlns:a16="http://schemas.microsoft.com/office/drawing/2014/main" id="{D2639C7F-4120-F08A-C4B5-C51AAEF052E3}"/>
+              </a:ext>
+            </a:extLst>
+          </p:cNvPr>
+          <p:cNvSpPr txBox="1"/>
+          <p:nvPr/>
+        </p:nvSpPr>
+        <p:spPr>
+          <a:xfrm>
+            <a:off x="5339660" y="4017189"/>
+            <a:ext cx="6105938" cy="369332"/>
+          </a:xfrm>
+          <a:prstGeom prst="rect">
+            <a:avLst/>
+          </a:prstGeom>
+          <a:noFill/>
+        </p:spPr>
+        <p:txBody>
+          <a:bodyPr wrap="square">
+            <a:spAutoFit/>
+          </a:bodyPr>
+          <a:lstStyle/>
+          <a:p>
+            <a:r>
+              <a:rPr lang="fr-FR" dirty="0"/>
+              <a:t>https://github.com/gabrielolympie/PythonForFinance</a:t>
+            </a:r>
+          </a:p>
+        </p:txBody>
+      </p:sp>
+      <p:sp>
+        <p:nvSpPr>
+          <p:cNvPr id="20" name="ZoneTexte 19">
+            <a:extLst>
+              <a:ext uri="{FF2B5EF4-FFF2-40B4-BE49-F238E27FC236}">
+                <a16:creationId xmlns:a16="http://schemas.microsoft.com/office/drawing/2014/main" id="{C390FF5A-5EFE-8518-6B20-2A3BDB0A8009}"/>
+              </a:ext>
+            </a:extLst>
+          </p:cNvPr>
+          <p:cNvSpPr txBox="1"/>
+          <p:nvPr/>
+        </p:nvSpPr>
+        <p:spPr>
+          <a:xfrm>
+            <a:off x="5339660" y="4464169"/>
+            <a:ext cx="3496470" cy="369332"/>
+          </a:xfrm>
+          <a:prstGeom prst="rect">
+            <a:avLst/>
+          </a:prstGeom>
+          <a:noFill/>
+        </p:spPr>
+        <p:txBody>
+          <a:bodyPr wrap="none" rtlCol="0">
+            <a:spAutoFit/>
+          </a:bodyPr>
+          <a:lstStyle/>
+          <a:p>
+            <a:r>
+              <a:rPr lang="fr-FR" b="1" dirty="0"/>
+              <a:t>4. </a:t>
+            </a:r>
+            <a:r>
+              <a:rPr lang="fr-FR" b="1" dirty="0" err="1"/>
+              <a:t>Reopen</a:t>
+            </a:r>
+            <a:r>
+              <a:rPr lang="fr-FR" b="1" dirty="0"/>
+              <a:t> a terminal in </a:t>
+            </a:r>
+            <a:r>
+              <a:rPr lang="fr-FR" b="1" dirty="0" err="1"/>
+              <a:t>your</a:t>
+            </a:r>
+            <a:r>
+              <a:rPr lang="fr-FR" b="1" dirty="0"/>
+              <a:t> IDE</a:t>
+            </a:r>
+          </a:p>
+        </p:txBody>
+      </p:sp>
+      <p:sp>
+        <p:nvSpPr>
+          <p:cNvPr id="21" name="ZoneTexte 20">
+            <a:extLst>
+              <a:ext uri="{FF2B5EF4-FFF2-40B4-BE49-F238E27FC236}">
+                <a16:creationId xmlns:a16="http://schemas.microsoft.com/office/drawing/2014/main" id="{A62C2900-11D0-4E66-9860-292A1FC1B0F8}"/>
+              </a:ext>
+            </a:extLst>
+          </p:cNvPr>
+          <p:cNvSpPr txBox="1"/>
+          <p:nvPr/>
+        </p:nvSpPr>
+        <p:spPr>
+          <a:xfrm>
+            <a:off x="5339660" y="4911149"/>
+            <a:ext cx="2561663" cy="369332"/>
+          </a:xfrm>
+          <a:prstGeom prst="rect">
+            <a:avLst/>
+          </a:prstGeom>
+          <a:noFill/>
+        </p:spPr>
+        <p:txBody>
+          <a:bodyPr wrap="none" rtlCol="0">
+            <a:spAutoFit/>
+          </a:bodyPr>
+          <a:lstStyle/>
+          <a:p>
+            <a:r>
+              <a:rPr lang="fr-FR" b="1" dirty="0"/>
+              <a:t>5. Clone the repository</a:t>
+            </a:r>
+          </a:p>
+        </p:txBody>
+      </p:sp>
+      <p:sp>
+        <p:nvSpPr>
+          <p:cNvPr id="23" name="ZoneTexte 22">
+            <a:extLst>
+              <a:ext uri="{FF2B5EF4-FFF2-40B4-BE49-F238E27FC236}">
+                <a16:creationId xmlns:a16="http://schemas.microsoft.com/office/drawing/2014/main" id="{F8780289-7628-BDEE-890E-F3D12FCE34B9}"/>
+              </a:ext>
+            </a:extLst>
+          </p:cNvPr>
+          <p:cNvSpPr txBox="1"/>
+          <p:nvPr/>
+        </p:nvSpPr>
+        <p:spPr>
+          <a:xfrm>
+            <a:off x="5339660" y="5358130"/>
+            <a:ext cx="6763656" cy="369332"/>
+          </a:xfrm>
+          <a:prstGeom prst="rect">
+            <a:avLst/>
+          </a:prstGeom>
+          <a:noFill/>
+        </p:spPr>
+        <p:txBody>
+          <a:bodyPr wrap="square">
+            <a:spAutoFit/>
+          </a:bodyPr>
+          <a:lstStyle/>
+          <a:p>
+            <a:r>
+              <a:rPr lang="fr-FR" dirty="0"/>
+              <a:t>git clone https://github.com/gabrielolympie/PythonForFinance.git</a:t>
+            </a:r>
+          </a:p>
+        </p:txBody>
+      </p:sp>
+    </p:spTree>
+    <p:extLst>
+      <p:ext uri="{BB962C8B-B14F-4D97-AF65-F5344CB8AC3E}">
+        <p14:creationId xmlns:p14="http://schemas.microsoft.com/office/powerpoint/2010/main" val="1653891485"/>
+      </p:ext>
+    </p:extLst>
+  </p:cSld>
+  <p:clrMapOvr>
+    <a:masterClrMapping/>
+  </p:clrMapOvr>
+</p:sld>
+</file>
+
+<file path=ppt/slides/slide36.xml><?xml version="1.0" encoding="utf-8"?>
+<p:sld xmlns:a="http://schemas.openxmlformats.org/drawingml/2006/main" xmlns:r="http://schemas.openxmlformats.org/officeDocument/2006/relationships" xmlns:p="http://schemas.openxmlformats.org/presentationml/2006/main">
+  <p:cSld>
+    <p:spTree>
+      <p:nvGrpSpPr>
+        <p:cNvPr id="1" name="">
+          <a:extLst>
+            <a:ext uri="{FF2B5EF4-FFF2-40B4-BE49-F238E27FC236}">
+              <a16:creationId xmlns:a16="http://schemas.microsoft.com/office/drawing/2014/main" id="{F790337C-2A82-9AA7-EE1F-DB18AB935D2C}"/>
+            </a:ext>
+          </a:extLst>
+        </p:cNvPr>
+        <p:cNvGrpSpPr/>
+        <p:nvPr/>
+      </p:nvGrpSpPr>
+      <p:grpSpPr>
+        <a:xfrm>
+          <a:off x="0" y="0"/>
+          <a:ext cx="0" cy="0"/>
+          <a:chOff x="0" y="0"/>
+          <a:chExt cx="0" cy="0"/>
+        </a:xfrm>
+      </p:grpSpPr>
+      <p:sp>
+        <p:nvSpPr>
+          <p:cNvPr id="5" name="Rectangle 4">
+            <a:extLst>
+              <a:ext uri="{FF2B5EF4-FFF2-40B4-BE49-F238E27FC236}">
+                <a16:creationId xmlns:a16="http://schemas.microsoft.com/office/drawing/2014/main" id="{E3BDBBF3-BE4F-F3C4-FDA3-921A388D41C7}"/>
+              </a:ext>
+            </a:extLst>
+          </p:cNvPr>
+          <p:cNvSpPr/>
+          <p:nvPr/>
+        </p:nvSpPr>
+        <p:spPr>
+          <a:xfrm>
+            <a:off x="0" y="0"/>
+            <a:ext cx="12192000" cy="1325563"/>
+          </a:xfrm>
+          <a:prstGeom prst="rect">
+            <a:avLst/>
+          </a:prstGeom>
+          <a:gradFill flip="none" rotWithShape="1">
+            <a:gsLst>
+              <a:gs pos="0">
+                <a:srgbClr val="314154">
+                  <a:shade val="30000"/>
+                  <a:satMod val="115000"/>
+                </a:srgbClr>
+              </a:gs>
+              <a:gs pos="50000">
+                <a:srgbClr val="314154">
+                  <a:shade val="67500"/>
+                  <a:satMod val="115000"/>
+                </a:srgbClr>
+              </a:gs>
+              <a:gs pos="100000">
+                <a:srgbClr val="314154">
+                  <a:shade val="100000"/>
+                  <a:satMod val="115000"/>
+                </a:srgbClr>
+              </a:gs>
+            </a:gsLst>
+            <a:lin ang="10800000" scaled="1"/>
+            <a:tileRect/>
+          </a:gradFill>
+        </p:spPr>
+        <p:style>
+          <a:lnRef idx="2">
+            <a:schemeClr val="accent1">
+              <a:shade val="15000"/>
+            </a:schemeClr>
+          </a:lnRef>
+          <a:fillRef idx="1">
+            <a:schemeClr val="accent1"/>
+          </a:fillRef>
+          <a:effectRef idx="0">
+            <a:schemeClr val="accent1"/>
+          </a:effectRef>
+          <a:fontRef idx="minor">
+            <a:schemeClr val="lt1"/>
+          </a:fontRef>
+        </p:style>
+        <p:txBody>
+          <a:bodyPr rtlCol="0" anchor="ctr"/>
+          <a:lstStyle/>
+          <a:p>
+            <a:pPr algn="ctr"/>
+            <a:endParaRPr lang="fr-FR"/>
+          </a:p>
+        </p:txBody>
+      </p:sp>
+      <p:sp>
+        <p:nvSpPr>
+          <p:cNvPr id="2" name="Titre 1">
+            <a:extLst>
+              <a:ext uri="{FF2B5EF4-FFF2-40B4-BE49-F238E27FC236}">
+                <a16:creationId xmlns:a16="http://schemas.microsoft.com/office/drawing/2014/main" id="{25E48B72-9F16-9BF6-5A6D-6CDF965AA212}"/>
+              </a:ext>
+            </a:extLst>
+          </p:cNvPr>
+          <p:cNvSpPr>
+            <a:spLocks noGrp="1"/>
+          </p:cNvSpPr>
+          <p:nvPr>
+            <p:ph type="title"/>
+          </p:nvPr>
+        </p:nvSpPr>
+        <p:spPr>
+          <a:xfrm>
+            <a:off x="516835" y="18255"/>
+            <a:ext cx="11675165" cy="1325563"/>
+          </a:xfrm>
+        </p:spPr>
+        <p:txBody>
+          <a:bodyPr>
+            <a:normAutofit/>
+          </a:bodyPr>
+          <a:lstStyle/>
+          <a:p>
+            <a:r>
+              <a:rPr lang="fr-FR" b="1" dirty="0">
+                <a:solidFill>
+                  <a:schemeClr val="bg1"/>
+                </a:solidFill>
+              </a:rPr>
+              <a:t>TD 2/2 : Push a first file in </a:t>
+            </a:r>
+            <a:r>
+              <a:rPr lang="fr-FR" b="1" dirty="0" err="1">
+                <a:solidFill>
+                  <a:schemeClr val="bg1"/>
+                </a:solidFill>
+              </a:rPr>
+              <a:t>it</a:t>
+            </a:r>
+            <a:endParaRPr lang="fr-FR" b="1" dirty="0">
+              <a:solidFill>
+                <a:schemeClr val="bg1"/>
+              </a:solidFill>
+            </a:endParaRPr>
+          </a:p>
+        </p:txBody>
+      </p:sp>
+      <p:sp>
+        <p:nvSpPr>
+          <p:cNvPr id="3" name="ZoneTexte 2">
+            <a:extLst>
+              <a:ext uri="{FF2B5EF4-FFF2-40B4-BE49-F238E27FC236}">
+                <a16:creationId xmlns:a16="http://schemas.microsoft.com/office/drawing/2014/main" id="{E7755EE5-D554-BCDD-404B-E7458D76BD54}"/>
+              </a:ext>
+            </a:extLst>
+          </p:cNvPr>
+          <p:cNvSpPr txBox="1"/>
+          <p:nvPr/>
+        </p:nvSpPr>
+        <p:spPr>
+          <a:xfrm>
+            <a:off x="76988" y="1746406"/>
+            <a:ext cx="7695413" cy="3970318"/>
+          </a:xfrm>
+          <a:prstGeom prst="rect">
+            <a:avLst/>
+          </a:prstGeom>
+          <a:noFill/>
+        </p:spPr>
+        <p:txBody>
+          <a:bodyPr wrap="square" rtlCol="0">
+            <a:spAutoFit/>
+          </a:bodyPr>
+          <a:lstStyle/>
+          <a:p>
+            <a:pPr lvl="1"/>
+            <a:r>
+              <a:rPr lang="fr-FR" dirty="0"/>
+              <a:t>As </a:t>
+            </a:r>
+            <a:r>
+              <a:rPr lang="fr-FR" dirty="0" err="1"/>
+              <a:t>said</a:t>
+            </a:r>
+            <a:r>
+              <a:rPr lang="fr-FR" dirty="0"/>
+              <a:t> </a:t>
+            </a:r>
+            <a:r>
+              <a:rPr lang="fr-FR" dirty="0" err="1"/>
+              <a:t>previously</a:t>
+            </a:r>
+            <a:r>
+              <a:rPr lang="fr-FR" dirty="0"/>
+              <a:t>, the </a:t>
+            </a:r>
+            <a:r>
+              <a:rPr lang="fr-FR" dirty="0" err="1"/>
+              <a:t>evaluation</a:t>
+            </a:r>
+            <a:r>
+              <a:rPr lang="fr-FR" dirty="0"/>
+              <a:t> </a:t>
+            </a:r>
+            <a:r>
+              <a:rPr lang="fr-FR" dirty="0" err="1"/>
+              <a:t>project</a:t>
+            </a:r>
+            <a:r>
+              <a:rPr lang="fr-FR" dirty="0"/>
+              <a:t> </a:t>
+            </a:r>
+            <a:r>
+              <a:rPr lang="fr-FR" dirty="0" err="1"/>
+              <a:t>will</a:t>
+            </a:r>
+            <a:r>
+              <a:rPr lang="fr-FR" dirty="0"/>
+              <a:t> </a:t>
+            </a:r>
+            <a:r>
+              <a:rPr lang="fr-FR" dirty="0" err="1"/>
+              <a:t>be</a:t>
+            </a:r>
+            <a:r>
+              <a:rPr lang="fr-FR" dirty="0"/>
+              <a:t> </a:t>
+            </a:r>
+            <a:r>
+              <a:rPr lang="fr-FR" dirty="0" err="1"/>
+              <a:t>choosen</a:t>
+            </a:r>
+            <a:r>
+              <a:rPr lang="fr-FR" dirty="0"/>
+              <a:t> </a:t>
+            </a:r>
+            <a:r>
+              <a:rPr lang="fr-FR" dirty="0" err="1"/>
+              <a:t>later</a:t>
+            </a:r>
+            <a:r>
+              <a:rPr lang="fr-FR" dirty="0"/>
+              <a:t> </a:t>
+            </a:r>
+            <a:r>
+              <a:rPr lang="fr-FR" dirty="0" err="1"/>
+              <a:t>durng</a:t>
+            </a:r>
+            <a:r>
+              <a:rPr lang="fr-FR" dirty="0"/>
+              <a:t> the </a:t>
+            </a:r>
+            <a:r>
+              <a:rPr lang="fr-FR" dirty="0" err="1"/>
+              <a:t>project</a:t>
+            </a:r>
+            <a:r>
+              <a:rPr lang="fr-FR" dirty="0"/>
+              <a:t>.</a:t>
+            </a:r>
+          </a:p>
+          <a:p>
+            <a:pPr lvl="1"/>
+            <a:endParaRPr lang="fr-FR" dirty="0"/>
+          </a:p>
+          <a:p>
+            <a:pPr lvl="1"/>
+            <a:r>
+              <a:rPr lang="fr-FR" dirty="0"/>
+              <a:t>To do </a:t>
+            </a:r>
+            <a:r>
+              <a:rPr lang="fr-FR" dirty="0" err="1"/>
+              <a:t>that</a:t>
+            </a:r>
+            <a:r>
+              <a:rPr lang="fr-FR" dirty="0"/>
+              <a:t> </a:t>
+            </a:r>
+            <a:r>
+              <a:rPr lang="fr-FR" dirty="0" err="1"/>
+              <a:t>you</a:t>
+            </a:r>
+            <a:r>
+              <a:rPr lang="fr-FR" dirty="0"/>
+              <a:t> are </a:t>
+            </a:r>
+            <a:r>
+              <a:rPr lang="fr-FR" dirty="0" err="1"/>
+              <a:t>going</a:t>
+            </a:r>
+            <a:r>
+              <a:rPr lang="fr-FR" dirty="0"/>
+              <a:t> to </a:t>
+            </a:r>
+            <a:r>
+              <a:rPr lang="fr-FR" dirty="0" err="1"/>
+              <a:t>submit</a:t>
+            </a:r>
+            <a:r>
+              <a:rPr lang="fr-FR" dirty="0"/>
+              <a:t> </a:t>
+            </a:r>
+            <a:r>
+              <a:rPr lang="fr-FR" dirty="0" err="1"/>
+              <a:t>project</a:t>
+            </a:r>
+            <a:r>
+              <a:rPr lang="fr-FR" dirty="0"/>
+              <a:t> propositions </a:t>
+            </a:r>
+            <a:r>
+              <a:rPr lang="fr-FR" dirty="0" err="1"/>
+              <a:t>directly</a:t>
+            </a:r>
+            <a:r>
+              <a:rPr lang="fr-FR" dirty="0"/>
+              <a:t> on git, </a:t>
+            </a:r>
+            <a:r>
+              <a:rPr lang="fr-FR" dirty="0" err="1"/>
+              <a:t>everyone</a:t>
+            </a:r>
+            <a:r>
+              <a:rPr lang="fr-FR" dirty="0"/>
+              <a:t> </a:t>
+            </a:r>
+            <a:r>
+              <a:rPr lang="fr-FR" dirty="0" err="1"/>
+              <a:t>is</a:t>
+            </a:r>
+            <a:r>
+              <a:rPr lang="fr-FR" dirty="0"/>
+              <a:t> </a:t>
+            </a:r>
+            <a:r>
+              <a:rPr lang="fr-FR" dirty="0" err="1"/>
+              <a:t>required</a:t>
+            </a:r>
+            <a:r>
+              <a:rPr lang="fr-FR" dirty="0"/>
+              <a:t> to </a:t>
+            </a:r>
+            <a:r>
+              <a:rPr lang="fr-FR" dirty="0" err="1"/>
+              <a:t>submit</a:t>
+            </a:r>
+            <a:r>
+              <a:rPr lang="fr-FR" dirty="0"/>
+              <a:t> at least one </a:t>
+            </a:r>
+            <a:r>
+              <a:rPr lang="fr-FR" dirty="0" err="1"/>
+              <a:t>proposal</a:t>
+            </a:r>
+            <a:r>
+              <a:rPr lang="fr-FR" dirty="0"/>
+              <a:t>.</a:t>
+            </a:r>
+          </a:p>
+          <a:p>
+            <a:pPr lvl="1"/>
+            <a:endParaRPr lang="fr-FR" dirty="0"/>
+          </a:p>
+          <a:p>
+            <a:pPr lvl="1"/>
+            <a:endParaRPr lang="fr-FR" dirty="0"/>
+          </a:p>
+          <a:p>
+            <a:pPr lvl="1"/>
+            <a:r>
+              <a:rPr lang="fr-FR" dirty="0"/>
+              <a:t>For </a:t>
+            </a:r>
+            <a:r>
+              <a:rPr lang="fr-FR" dirty="0" err="1"/>
+              <a:t>that</a:t>
+            </a:r>
+            <a:r>
+              <a:rPr lang="fr-FR" dirty="0"/>
+              <a:t>, </a:t>
+            </a:r>
+            <a:r>
+              <a:rPr lang="fr-FR" dirty="0" err="1"/>
+              <a:t>you’ll</a:t>
+            </a:r>
+            <a:r>
+              <a:rPr lang="fr-FR" dirty="0"/>
+              <a:t> first </a:t>
+            </a:r>
+            <a:r>
+              <a:rPr lang="fr-FR" dirty="0" err="1"/>
+              <a:t>gonna</a:t>
+            </a:r>
+            <a:r>
+              <a:rPr lang="fr-FR" dirty="0"/>
+              <a:t> </a:t>
+            </a:r>
+            <a:r>
+              <a:rPr lang="fr-FR" dirty="0" err="1"/>
+              <a:t>navigate</a:t>
+            </a:r>
+            <a:r>
+              <a:rPr lang="fr-FR" dirty="0"/>
+              <a:t> </a:t>
+            </a:r>
+            <a:r>
+              <a:rPr lang="fr-FR" dirty="0" err="1"/>
+              <a:t>inside</a:t>
+            </a:r>
+            <a:r>
+              <a:rPr lang="fr-FR" dirty="0"/>
+              <a:t> the git </a:t>
+            </a:r>
+            <a:r>
+              <a:rPr lang="fr-FR" dirty="0" err="1"/>
+              <a:t>project</a:t>
+            </a:r>
+            <a:r>
+              <a:rPr lang="fr-FR" dirty="0"/>
+              <a:t>,</a:t>
+            </a:r>
+          </a:p>
+          <a:p>
+            <a:pPr lvl="1"/>
+            <a:r>
+              <a:rPr lang="fr-FR" dirty="0" err="1"/>
+              <a:t>Then</a:t>
+            </a:r>
+            <a:r>
+              <a:rPr lang="fr-FR" dirty="0"/>
+              <a:t> change </a:t>
+            </a:r>
+            <a:r>
+              <a:rPr lang="fr-FR" dirty="0" err="1"/>
+              <a:t>branch</a:t>
+            </a:r>
+            <a:r>
+              <a:rPr lang="fr-FR" dirty="0"/>
+              <a:t> to go on the </a:t>
+            </a:r>
+            <a:r>
+              <a:rPr lang="fr-FR" dirty="0" err="1"/>
+              <a:t>project_submission</a:t>
+            </a:r>
+            <a:r>
+              <a:rPr lang="fr-FR" dirty="0"/>
+              <a:t> </a:t>
+            </a:r>
+            <a:r>
+              <a:rPr lang="fr-FR" dirty="0" err="1"/>
+              <a:t>branch</a:t>
+            </a:r>
+            <a:endParaRPr lang="fr-FR" dirty="0"/>
+          </a:p>
+          <a:p>
+            <a:pPr lvl="1"/>
+            <a:endParaRPr lang="fr-FR" dirty="0"/>
+          </a:p>
+          <a:p>
+            <a:pPr lvl="1"/>
+            <a:r>
+              <a:rPr lang="fr-FR" dirty="0"/>
+              <a:t>In the folder </a:t>
+            </a:r>
+            <a:r>
+              <a:rPr lang="fr-FR" dirty="0" err="1"/>
+              <a:t>evaluation_projects</a:t>
+            </a:r>
+            <a:r>
+              <a:rPr lang="fr-FR" dirty="0"/>
+              <a:t>, </a:t>
+            </a:r>
+            <a:r>
+              <a:rPr lang="fr-FR" dirty="0" err="1"/>
+              <a:t>add</a:t>
+            </a:r>
+            <a:r>
+              <a:rPr lang="fr-FR" dirty="0"/>
+              <a:t> an </a:t>
+            </a:r>
+            <a:r>
+              <a:rPr lang="fr-FR" dirty="0" err="1"/>
+              <a:t>empty</a:t>
+            </a:r>
+            <a:r>
+              <a:rPr lang="fr-FR" dirty="0"/>
+              <a:t> file </a:t>
+            </a:r>
+            <a:r>
+              <a:rPr lang="fr-FR" dirty="0" err="1"/>
+              <a:t>named</a:t>
+            </a:r>
+            <a:r>
+              <a:rPr lang="fr-FR" dirty="0"/>
+              <a:t>:</a:t>
+            </a:r>
+          </a:p>
+          <a:p>
+            <a:pPr lvl="1"/>
+            <a:r>
+              <a:rPr lang="fr-FR" dirty="0"/>
+              <a:t>Firstname_Lastname.md</a:t>
+            </a:r>
+          </a:p>
+          <a:p>
+            <a:pPr lvl="1"/>
+            <a:endParaRPr lang="fr-FR" dirty="0"/>
+          </a:p>
+          <a:p>
+            <a:pPr lvl="1"/>
+            <a:r>
+              <a:rPr lang="fr-FR" dirty="0"/>
+              <a:t>And </a:t>
+            </a:r>
+            <a:r>
+              <a:rPr lang="fr-FR" dirty="0" err="1"/>
+              <a:t>then</a:t>
+            </a:r>
+            <a:r>
+              <a:rPr lang="fr-FR" dirty="0"/>
+              <a:t> commit and push the file.</a:t>
+            </a:r>
+          </a:p>
+        </p:txBody>
+      </p:sp>
+      <p:pic>
+        <p:nvPicPr>
+          <p:cNvPr id="7" name="Image 6">
+            <a:extLst>
+              <a:ext uri="{FF2B5EF4-FFF2-40B4-BE49-F238E27FC236}">
+                <a16:creationId xmlns:a16="http://schemas.microsoft.com/office/drawing/2014/main" id="{C911B607-4FD0-84EB-BDC8-3E3AAF3D5B32}"/>
+              </a:ext>
+            </a:extLst>
+          </p:cNvPr>
+          <p:cNvPicPr>
+            <a:picLocks noChangeAspect="1"/>
+          </p:cNvPicPr>
+          <p:nvPr/>
+        </p:nvPicPr>
+        <p:blipFill>
+          <a:blip r:embed="rId2"/>
+          <a:stretch>
+            <a:fillRect/>
+          </a:stretch>
+        </p:blipFill>
+        <p:spPr>
+          <a:xfrm>
+            <a:off x="8208300" y="1693397"/>
+            <a:ext cx="3369862" cy="4144186"/>
+          </a:xfrm>
+          <a:prstGeom prst="rect">
+            <a:avLst/>
+          </a:prstGeom>
+        </p:spPr>
+      </p:pic>
+      <p:sp>
+        <p:nvSpPr>
+          <p:cNvPr id="8" name="Rectangle 7">
+            <a:extLst>
+              <a:ext uri="{FF2B5EF4-FFF2-40B4-BE49-F238E27FC236}">
+                <a16:creationId xmlns:a16="http://schemas.microsoft.com/office/drawing/2014/main" id="{02B39A41-EEB1-EC26-4E03-B77D61EE54F0}"/>
+              </a:ext>
+            </a:extLst>
+          </p:cNvPr>
+          <p:cNvSpPr/>
+          <p:nvPr/>
+        </p:nvSpPr>
+        <p:spPr>
+          <a:xfrm>
+            <a:off x="-1" y="6240170"/>
+            <a:ext cx="12192001" cy="617829"/>
+          </a:xfrm>
+          <a:prstGeom prst="rect">
+            <a:avLst/>
+          </a:prstGeom>
+          <a:solidFill>
+            <a:srgbClr val="EBF4FD"/>
+          </a:solidFill>
+          <a:ln>
+            <a:noFill/>
+          </a:ln>
+        </p:spPr>
+        <p:style>
+          <a:lnRef idx="2">
+            <a:schemeClr val="accent1">
+              <a:shade val="15000"/>
+            </a:schemeClr>
+          </a:lnRef>
+          <a:fillRef idx="1">
+            <a:schemeClr val="accent1"/>
+          </a:fillRef>
+          <a:effectRef idx="0">
+            <a:schemeClr val="accent1"/>
+          </a:effectRef>
+          <a:fontRef idx="minor">
+            <a:schemeClr val="lt1"/>
+          </a:fontRef>
+        </p:style>
+        <p:txBody>
+          <a:bodyPr rtlCol="0" anchor="ctr"/>
+          <a:lstStyle/>
+          <a:p>
+            <a:r>
+              <a:rPr lang="fr-FR" dirty="0">
+                <a:solidFill>
+                  <a:schemeClr val="tx1"/>
+                </a:solidFill>
+              </a:rPr>
+              <a:t>  Homework for </a:t>
+            </a:r>
+            <a:r>
+              <a:rPr lang="fr-FR" dirty="0" err="1">
+                <a:solidFill>
+                  <a:schemeClr val="tx1"/>
+                </a:solidFill>
+              </a:rPr>
+              <a:t>next</a:t>
+            </a:r>
+            <a:r>
+              <a:rPr lang="fr-FR" dirty="0">
+                <a:solidFill>
+                  <a:schemeClr val="tx1"/>
+                </a:solidFill>
+              </a:rPr>
+              <a:t> </a:t>
+            </a:r>
+            <a:r>
+              <a:rPr lang="fr-FR" dirty="0" err="1">
+                <a:solidFill>
+                  <a:schemeClr val="tx1"/>
+                </a:solidFill>
+              </a:rPr>
+              <a:t>week</a:t>
+            </a:r>
+            <a:r>
+              <a:rPr lang="fr-FR" dirty="0">
+                <a:solidFill>
+                  <a:schemeClr val="tx1"/>
+                </a:solidFill>
+              </a:rPr>
+              <a:t>: Propose a </a:t>
+            </a:r>
+            <a:r>
+              <a:rPr lang="fr-FR" dirty="0" err="1">
+                <a:solidFill>
+                  <a:schemeClr val="tx1"/>
+                </a:solidFill>
+              </a:rPr>
+              <a:t>project</a:t>
+            </a:r>
+            <a:r>
+              <a:rPr lang="fr-FR" dirty="0">
+                <a:solidFill>
+                  <a:schemeClr val="tx1"/>
+                </a:solidFill>
+              </a:rPr>
+              <a:t> to </a:t>
+            </a:r>
+            <a:r>
+              <a:rPr lang="fr-FR" dirty="0" err="1">
+                <a:solidFill>
+                  <a:schemeClr val="tx1"/>
+                </a:solidFill>
+              </a:rPr>
+              <a:t>be</a:t>
+            </a:r>
+            <a:r>
+              <a:rPr lang="fr-FR" dirty="0">
+                <a:solidFill>
+                  <a:schemeClr val="tx1"/>
+                </a:solidFill>
+              </a:rPr>
+              <a:t> </a:t>
+            </a:r>
+            <a:r>
+              <a:rPr lang="fr-FR" dirty="0" err="1">
+                <a:solidFill>
+                  <a:schemeClr val="tx1"/>
+                </a:solidFill>
+              </a:rPr>
+              <a:t>reviewed</a:t>
+            </a:r>
+            <a:r>
+              <a:rPr lang="fr-FR" dirty="0">
+                <a:solidFill>
+                  <a:schemeClr val="tx1"/>
+                </a:solidFill>
+              </a:rPr>
+              <a:t> for the end of course </a:t>
+            </a:r>
+            <a:r>
+              <a:rPr lang="fr-FR" dirty="0" err="1">
+                <a:solidFill>
+                  <a:schemeClr val="tx1"/>
+                </a:solidFill>
+              </a:rPr>
+              <a:t>projects</a:t>
+            </a:r>
+            <a:endParaRPr lang="fr-FR" dirty="0">
+              <a:solidFill>
+                <a:schemeClr val="tx1"/>
+              </a:solidFill>
+            </a:endParaRPr>
+          </a:p>
+        </p:txBody>
+      </p:sp>
+    </p:spTree>
+    <p:extLst>
+      <p:ext uri="{BB962C8B-B14F-4D97-AF65-F5344CB8AC3E}">
+        <p14:creationId xmlns:p14="http://schemas.microsoft.com/office/powerpoint/2010/main" val="4184142973"/>
+      </p:ext>
+    </p:extLst>
+  </p:cSld>
+  <p:clrMapOvr>
+    <a:masterClrMapping/>
+  </p:clrMapOvr>
+</p:sld>
+</file>
+
+<file path=ppt/slides/slide37.xml><?xml version="1.0" encoding="utf-8"?>
+<p:sld xmlns:a="http://schemas.openxmlformats.org/drawingml/2006/main" xmlns:r="http://schemas.openxmlformats.org/officeDocument/2006/relationships" xmlns:p="http://schemas.openxmlformats.org/presentationml/2006/main">
+  <p:cSld>
+    <p:spTree>
+      <p:nvGrpSpPr>
+        <p:cNvPr id="1" name="">
+          <a:extLst>
+            <a:ext uri="{FF2B5EF4-FFF2-40B4-BE49-F238E27FC236}">
+              <a16:creationId xmlns:a16="http://schemas.microsoft.com/office/drawing/2014/main" id="{F651AB4F-BD4E-9345-3449-DBB68AEDD4C8}"/>
+            </a:ext>
+          </a:extLst>
+        </p:cNvPr>
+        <p:cNvGrpSpPr/>
+        <p:nvPr/>
+      </p:nvGrpSpPr>
+      <p:grpSpPr>
+        <a:xfrm>
+          <a:off x="0" y="0"/>
+          <a:ext cx="0" cy="0"/>
+          <a:chOff x="0" y="0"/>
+          <a:chExt cx="0" cy="0"/>
+        </a:xfrm>
+      </p:grpSpPr>
+      <p:sp>
+        <p:nvSpPr>
+          <p:cNvPr id="5" name="Rectangle 4">
+            <a:extLst>
+              <a:ext uri="{FF2B5EF4-FFF2-40B4-BE49-F238E27FC236}">
+                <a16:creationId xmlns:a16="http://schemas.microsoft.com/office/drawing/2014/main" id="{971FDC88-963B-02F4-A1A1-67B98E845217}"/>
+              </a:ext>
+            </a:extLst>
+          </p:cNvPr>
+          <p:cNvSpPr/>
+          <p:nvPr/>
+        </p:nvSpPr>
+        <p:spPr>
+          <a:xfrm>
+            <a:off x="0" y="0"/>
+            <a:ext cx="12192000" cy="1325563"/>
+          </a:xfrm>
+          <a:prstGeom prst="rect">
+            <a:avLst/>
+          </a:prstGeom>
+          <a:gradFill flip="none" rotWithShape="1">
+            <a:gsLst>
+              <a:gs pos="0">
+                <a:srgbClr val="314154">
+                  <a:shade val="30000"/>
+                  <a:satMod val="115000"/>
+                </a:srgbClr>
+              </a:gs>
+              <a:gs pos="50000">
+                <a:srgbClr val="314154">
+                  <a:shade val="67500"/>
+                  <a:satMod val="115000"/>
+                </a:srgbClr>
+              </a:gs>
+              <a:gs pos="100000">
+                <a:srgbClr val="314154">
+                  <a:shade val="100000"/>
+                  <a:satMod val="115000"/>
+                </a:srgbClr>
+              </a:gs>
+            </a:gsLst>
+            <a:lin ang="10800000" scaled="1"/>
+            <a:tileRect/>
+          </a:gradFill>
+        </p:spPr>
+        <p:style>
+          <a:lnRef idx="2">
+            <a:schemeClr val="accent1">
+              <a:shade val="15000"/>
+            </a:schemeClr>
+          </a:lnRef>
+          <a:fillRef idx="1">
+            <a:schemeClr val="accent1"/>
+          </a:fillRef>
+          <a:effectRef idx="0">
+            <a:schemeClr val="accent1"/>
+          </a:effectRef>
+          <a:fontRef idx="minor">
+            <a:schemeClr val="lt1"/>
+          </a:fontRef>
+        </p:style>
+        <p:txBody>
+          <a:bodyPr rtlCol="0" anchor="ctr"/>
+          <a:lstStyle/>
+          <a:p>
+            <a:pPr algn="ctr"/>
+            <a:endParaRPr lang="fr-FR"/>
+          </a:p>
+        </p:txBody>
+      </p:sp>
+      <p:sp>
+        <p:nvSpPr>
+          <p:cNvPr id="2" name="Titre 1">
+            <a:extLst>
+              <a:ext uri="{FF2B5EF4-FFF2-40B4-BE49-F238E27FC236}">
+                <a16:creationId xmlns:a16="http://schemas.microsoft.com/office/drawing/2014/main" id="{8C6AEE1D-D83C-9D64-3DD8-1D9A3DF82E0C}"/>
+              </a:ext>
+            </a:extLst>
+          </p:cNvPr>
+          <p:cNvSpPr>
+            <a:spLocks noGrp="1"/>
+          </p:cNvSpPr>
+          <p:nvPr>
+            <p:ph type="title"/>
+          </p:nvPr>
+        </p:nvSpPr>
+        <p:spPr>
+          <a:xfrm>
+            <a:off x="516835" y="18255"/>
+            <a:ext cx="11675165" cy="1325563"/>
+          </a:xfrm>
+        </p:spPr>
+        <p:txBody>
+          <a:bodyPr>
+            <a:normAutofit/>
+          </a:bodyPr>
+          <a:lstStyle/>
+          <a:p>
+            <a:r>
+              <a:rPr lang="fr-FR" b="1" dirty="0">
+                <a:solidFill>
+                  <a:schemeClr val="bg1"/>
+                </a:solidFill>
+              </a:rPr>
+              <a:t>Documentation</a:t>
+            </a:r>
+          </a:p>
+        </p:txBody>
+      </p:sp>
+      <p:sp>
+        <p:nvSpPr>
+          <p:cNvPr id="3" name="ZoneTexte 2">
+            <a:extLst>
+              <a:ext uri="{FF2B5EF4-FFF2-40B4-BE49-F238E27FC236}">
+                <a16:creationId xmlns:a16="http://schemas.microsoft.com/office/drawing/2014/main" id="{E293F73C-C055-8B8F-7ACE-0D6BE5E67965}"/>
+              </a:ext>
+            </a:extLst>
+          </p:cNvPr>
+          <p:cNvSpPr txBox="1"/>
+          <p:nvPr/>
+        </p:nvSpPr>
+        <p:spPr>
+          <a:xfrm>
+            <a:off x="76989" y="1746406"/>
+            <a:ext cx="6940038" cy="4247317"/>
+          </a:xfrm>
+          <a:prstGeom prst="rect">
+            <a:avLst/>
+          </a:prstGeom>
+          <a:noFill/>
+        </p:spPr>
+        <p:txBody>
+          <a:bodyPr wrap="square" rtlCol="0">
+            <a:spAutoFit/>
+          </a:bodyPr>
+          <a:lstStyle/>
+          <a:p>
+            <a:pPr lvl="1"/>
+            <a:r>
+              <a:rPr lang="fr-FR" dirty="0" err="1"/>
+              <a:t>Working</a:t>
+            </a:r>
+            <a:r>
+              <a:rPr lang="fr-FR" dirty="0"/>
+              <a:t> on a python </a:t>
+            </a:r>
+            <a:r>
+              <a:rPr lang="fr-FR" dirty="0" err="1"/>
+              <a:t>project</a:t>
+            </a:r>
+            <a:r>
+              <a:rPr lang="fr-FR" dirty="0"/>
+              <a:t> </a:t>
+            </a:r>
+            <a:r>
+              <a:rPr lang="fr-FR" dirty="0" err="1"/>
+              <a:t>is</a:t>
+            </a:r>
+            <a:r>
+              <a:rPr lang="fr-FR" dirty="0"/>
+              <a:t> like </a:t>
+            </a:r>
+            <a:r>
+              <a:rPr lang="fr-FR" dirty="0" err="1"/>
+              <a:t>architecturing</a:t>
+            </a:r>
+            <a:r>
+              <a:rPr lang="fr-FR" dirty="0"/>
+              <a:t> an invisible building. If </a:t>
+            </a:r>
+            <a:r>
+              <a:rPr lang="fr-FR" dirty="0" err="1"/>
+              <a:t>you</a:t>
+            </a:r>
+            <a:r>
+              <a:rPr lang="fr-FR" dirty="0"/>
+              <a:t> </a:t>
+            </a:r>
+            <a:r>
+              <a:rPr lang="fr-FR" dirty="0" err="1"/>
+              <a:t>don’t</a:t>
+            </a:r>
+            <a:r>
+              <a:rPr lang="fr-FR" dirty="0"/>
+              <a:t> </a:t>
+            </a:r>
+            <a:r>
+              <a:rPr lang="fr-FR" dirty="0" err="1"/>
+              <a:t>leave</a:t>
+            </a:r>
+            <a:r>
+              <a:rPr lang="fr-FR" dirty="0"/>
+              <a:t> a correct documentation of how </a:t>
+            </a:r>
+            <a:r>
+              <a:rPr lang="fr-FR" dirty="0" err="1"/>
+              <a:t>it</a:t>
+            </a:r>
+            <a:r>
+              <a:rPr lang="fr-FR" dirty="0"/>
+              <a:t> </a:t>
+            </a:r>
+            <a:r>
+              <a:rPr lang="fr-FR" dirty="0" err="1"/>
+              <a:t>works</a:t>
+            </a:r>
+            <a:r>
+              <a:rPr lang="fr-FR" dirty="0"/>
+              <a:t> for </a:t>
+            </a:r>
+            <a:r>
+              <a:rPr lang="fr-FR" dirty="0" err="1"/>
+              <a:t>other</a:t>
+            </a:r>
+            <a:r>
+              <a:rPr lang="fr-FR" dirty="0"/>
+              <a:t> </a:t>
+            </a:r>
+            <a:r>
+              <a:rPr lang="fr-FR" dirty="0" err="1"/>
+              <a:t>développers</a:t>
+            </a:r>
+            <a:r>
+              <a:rPr lang="fr-FR" dirty="0"/>
+              <a:t> or </a:t>
+            </a:r>
+            <a:r>
+              <a:rPr lang="fr-FR" dirty="0" err="1"/>
+              <a:t>even</a:t>
+            </a:r>
+            <a:r>
+              <a:rPr lang="fr-FR" dirty="0"/>
+              <a:t> for future </a:t>
+            </a:r>
+            <a:r>
+              <a:rPr lang="fr-FR" dirty="0" err="1"/>
+              <a:t>you</a:t>
+            </a:r>
+            <a:r>
+              <a:rPr lang="fr-FR" dirty="0"/>
+              <a:t>, chances are the building </a:t>
+            </a:r>
+            <a:r>
+              <a:rPr lang="fr-FR" dirty="0" err="1"/>
+              <a:t>will</a:t>
+            </a:r>
+            <a:r>
+              <a:rPr lang="fr-FR" dirty="0"/>
+              <a:t> collapse </a:t>
+            </a:r>
+            <a:r>
+              <a:rPr lang="fr-FR" dirty="0" err="1"/>
+              <a:t>very</a:t>
+            </a:r>
+            <a:r>
+              <a:rPr lang="fr-FR" dirty="0"/>
+              <a:t> </a:t>
+            </a:r>
+            <a:r>
+              <a:rPr lang="fr-FR" dirty="0" err="1"/>
+              <a:t>soon</a:t>
+            </a:r>
+            <a:r>
+              <a:rPr lang="fr-FR" dirty="0"/>
+              <a:t>.</a:t>
+            </a:r>
+          </a:p>
+          <a:p>
+            <a:pPr lvl="1"/>
+            <a:endParaRPr lang="fr-FR" dirty="0"/>
+          </a:p>
+          <a:p>
+            <a:pPr lvl="1"/>
+            <a:r>
+              <a:rPr lang="fr-FR" dirty="0"/>
+              <a:t>There are </a:t>
+            </a:r>
+            <a:r>
+              <a:rPr lang="fr-FR" dirty="0" err="1"/>
+              <a:t>several</a:t>
+            </a:r>
+            <a:r>
+              <a:rPr lang="fr-FR" dirty="0"/>
+              <a:t> documentation </a:t>
+            </a:r>
+            <a:r>
+              <a:rPr lang="fr-FR" dirty="0" err="1"/>
+              <a:t>possibilities</a:t>
+            </a:r>
+            <a:r>
+              <a:rPr lang="fr-FR" dirty="0"/>
+              <a:t>, but more </a:t>
+            </a:r>
+            <a:r>
+              <a:rPr lang="fr-FR" dirty="0" err="1"/>
+              <a:t>often</a:t>
+            </a:r>
+            <a:r>
+              <a:rPr lang="fr-FR" dirty="0"/>
+              <a:t> </a:t>
+            </a:r>
+            <a:r>
+              <a:rPr lang="fr-FR" dirty="0" err="1"/>
+              <a:t>than</a:t>
+            </a:r>
+            <a:r>
+              <a:rPr lang="fr-FR" dirty="0"/>
+              <a:t> not </a:t>
+            </a:r>
+            <a:r>
+              <a:rPr lang="fr-FR" dirty="0" err="1"/>
+              <a:t>its</a:t>
+            </a:r>
+            <a:r>
+              <a:rPr lang="fr-FR" dirty="0"/>
+              <a:t> </a:t>
+            </a:r>
+            <a:r>
+              <a:rPr lang="fr-FR" dirty="0" err="1"/>
+              <a:t>easier</a:t>
+            </a:r>
+            <a:r>
+              <a:rPr lang="fr-FR" dirty="0"/>
+              <a:t> to </a:t>
+            </a:r>
+            <a:r>
+              <a:rPr lang="fr-FR" dirty="0" err="1"/>
+              <a:t>perform</a:t>
+            </a:r>
+            <a:r>
+              <a:rPr lang="fr-FR" dirty="0"/>
+              <a:t> « as code » documentation as </a:t>
+            </a:r>
+            <a:r>
+              <a:rPr lang="fr-FR" dirty="0" err="1"/>
+              <a:t>often</a:t>
+            </a:r>
+            <a:r>
+              <a:rPr lang="fr-FR" dirty="0"/>
+              <a:t> as </a:t>
+            </a:r>
+            <a:r>
+              <a:rPr lang="fr-FR" dirty="0" err="1"/>
+              <a:t>you</a:t>
+            </a:r>
+            <a:r>
+              <a:rPr lang="fr-FR" dirty="0"/>
+              <a:t> can to </a:t>
+            </a:r>
+            <a:r>
+              <a:rPr lang="fr-FR" dirty="0" err="1"/>
+              <a:t>leave</a:t>
+            </a:r>
+            <a:r>
+              <a:rPr lang="fr-FR" dirty="0"/>
+              <a:t> a </a:t>
+            </a:r>
+            <a:r>
+              <a:rPr lang="fr-FR" dirty="0" err="1"/>
+              <a:t>track</a:t>
+            </a:r>
+            <a:r>
+              <a:rPr lang="fr-FR" dirty="0"/>
+              <a:t> of </a:t>
+            </a:r>
+            <a:r>
+              <a:rPr lang="fr-FR" dirty="0" err="1"/>
+              <a:t>what</a:t>
+            </a:r>
+            <a:r>
+              <a:rPr lang="fr-FR" dirty="0"/>
+              <a:t> have been </a:t>
+            </a:r>
+            <a:r>
+              <a:rPr lang="fr-FR" dirty="0" err="1"/>
+              <a:t>done</a:t>
+            </a:r>
+            <a:r>
+              <a:rPr lang="fr-FR" dirty="0"/>
+              <a:t> and </a:t>
+            </a:r>
+            <a:r>
+              <a:rPr lang="fr-FR" dirty="0" err="1"/>
+              <a:t>why</a:t>
+            </a:r>
+            <a:r>
+              <a:rPr lang="fr-FR" dirty="0"/>
+              <a:t>.</a:t>
+            </a:r>
+          </a:p>
+          <a:p>
+            <a:pPr lvl="1"/>
+            <a:endParaRPr lang="fr-FR" dirty="0"/>
+          </a:p>
+          <a:p>
+            <a:pPr lvl="1"/>
+            <a:r>
+              <a:rPr lang="fr-FR" dirty="0"/>
+              <a:t>In python the </a:t>
+            </a:r>
+            <a:r>
+              <a:rPr lang="fr-FR" dirty="0" err="1"/>
+              <a:t>special</a:t>
+            </a:r>
+            <a:r>
+              <a:rPr lang="fr-FR" dirty="0"/>
+              <a:t> </a:t>
+            </a:r>
+            <a:r>
+              <a:rPr lang="fr-FR" dirty="0" err="1"/>
+              <a:t>character</a:t>
+            </a:r>
+            <a:r>
+              <a:rPr lang="fr-FR" dirty="0"/>
+              <a:t> # </a:t>
+            </a:r>
+            <a:r>
+              <a:rPr lang="fr-FR" dirty="0" err="1"/>
+              <a:t>means</a:t>
+            </a:r>
+            <a:r>
+              <a:rPr lang="fr-FR" dirty="0"/>
+              <a:t> </a:t>
+            </a:r>
+            <a:r>
+              <a:rPr lang="fr-FR" dirty="0" err="1"/>
+              <a:t>that</a:t>
+            </a:r>
+            <a:r>
+              <a:rPr lang="fr-FR" dirty="0"/>
+              <a:t> a </a:t>
+            </a:r>
+            <a:r>
+              <a:rPr lang="fr-FR" dirty="0" err="1"/>
+              <a:t>given</a:t>
+            </a:r>
+            <a:r>
+              <a:rPr lang="fr-FR" dirty="0"/>
+              <a:t> line </a:t>
+            </a:r>
+            <a:r>
+              <a:rPr lang="fr-FR" dirty="0" err="1"/>
+              <a:t>is</a:t>
+            </a:r>
+            <a:r>
+              <a:rPr lang="fr-FR" dirty="0"/>
+              <a:t> </a:t>
+            </a:r>
+            <a:r>
+              <a:rPr lang="fr-FR" dirty="0" err="1"/>
+              <a:t>commented</a:t>
+            </a:r>
+            <a:r>
+              <a:rPr lang="fr-FR" dirty="0"/>
+              <a:t> </a:t>
+            </a:r>
+            <a:r>
+              <a:rPr lang="fr-FR" dirty="0" err="1"/>
+              <a:t>after</a:t>
+            </a:r>
+            <a:r>
+              <a:rPr lang="fr-FR" dirty="0"/>
+              <a:t> </a:t>
+            </a:r>
+            <a:r>
+              <a:rPr lang="fr-FR" dirty="0" err="1"/>
+              <a:t>that</a:t>
+            </a:r>
+            <a:r>
+              <a:rPr lang="fr-FR" dirty="0"/>
+              <a:t> </a:t>
+            </a:r>
+            <a:r>
+              <a:rPr lang="fr-FR" dirty="0" err="1"/>
+              <a:t>character</a:t>
+            </a:r>
+            <a:r>
+              <a:rPr lang="fr-FR" dirty="0"/>
+              <a:t>, </a:t>
+            </a:r>
+            <a:r>
+              <a:rPr lang="fr-FR" dirty="0" err="1"/>
+              <a:t>meaning</a:t>
+            </a:r>
+            <a:r>
+              <a:rPr lang="fr-FR" dirty="0"/>
+              <a:t> </a:t>
+            </a:r>
+            <a:r>
+              <a:rPr lang="fr-FR" dirty="0" err="1"/>
+              <a:t>that</a:t>
+            </a:r>
+            <a:r>
+              <a:rPr lang="fr-FR" dirty="0"/>
+              <a:t> </a:t>
+            </a:r>
+            <a:r>
+              <a:rPr lang="fr-FR" dirty="0" err="1"/>
+              <a:t>it</a:t>
+            </a:r>
+            <a:r>
+              <a:rPr lang="fr-FR" dirty="0"/>
+              <a:t> </a:t>
+            </a:r>
+            <a:r>
+              <a:rPr lang="fr-FR" dirty="0" err="1"/>
+              <a:t>won’t</a:t>
+            </a:r>
+            <a:r>
+              <a:rPr lang="fr-FR" dirty="0"/>
+              <a:t> </a:t>
+            </a:r>
+            <a:r>
+              <a:rPr lang="fr-FR" dirty="0" err="1"/>
+              <a:t>be</a:t>
+            </a:r>
+            <a:r>
+              <a:rPr lang="fr-FR" dirty="0"/>
+              <a:t> </a:t>
+            </a:r>
+            <a:r>
+              <a:rPr lang="fr-FR" dirty="0" err="1"/>
+              <a:t>executed</a:t>
+            </a:r>
+            <a:r>
+              <a:rPr lang="fr-FR" dirty="0"/>
+              <a:t> at runtime.</a:t>
+            </a:r>
+          </a:p>
+          <a:p>
+            <a:pPr lvl="1"/>
+            <a:endParaRPr lang="fr-FR" dirty="0"/>
+          </a:p>
+          <a:p>
+            <a:pPr lvl="1"/>
+            <a:r>
+              <a:rPr lang="fr-FR" dirty="0"/>
+              <a:t>Be </a:t>
+            </a:r>
+            <a:r>
+              <a:rPr lang="fr-FR" dirty="0" err="1"/>
+              <a:t>helpful</a:t>
+            </a:r>
+            <a:r>
+              <a:rPr lang="fr-FR" dirty="0"/>
+              <a:t> for </a:t>
+            </a:r>
+            <a:r>
+              <a:rPr lang="fr-FR" dirty="0" err="1"/>
+              <a:t>your</a:t>
+            </a:r>
+            <a:r>
+              <a:rPr lang="fr-FR" dirty="0"/>
+              <a:t> future </a:t>
+            </a:r>
+            <a:r>
+              <a:rPr lang="fr-FR" dirty="0" err="1"/>
+              <a:t>you</a:t>
+            </a:r>
+            <a:r>
+              <a:rPr lang="fr-FR" dirty="0"/>
+              <a:t>, </a:t>
+            </a:r>
+            <a:r>
+              <a:rPr lang="fr-FR" dirty="0" err="1"/>
+              <a:t>leave</a:t>
+            </a:r>
+            <a:r>
+              <a:rPr lang="fr-FR" dirty="0"/>
+              <a:t> </a:t>
+            </a:r>
+            <a:r>
+              <a:rPr lang="fr-FR" dirty="0" err="1"/>
+              <a:t>comments</a:t>
+            </a:r>
+            <a:r>
+              <a:rPr lang="fr-FR" dirty="0"/>
+              <a:t> 🙏</a:t>
+            </a:r>
+          </a:p>
+        </p:txBody>
+      </p:sp>
+      <p:pic>
+        <p:nvPicPr>
+          <p:cNvPr id="1026" name="Picture 2" descr="Only God and I knew : r/ProgrammerHumor">
+            <a:extLst>
+              <a:ext uri="{FF2B5EF4-FFF2-40B4-BE49-F238E27FC236}">
+                <a16:creationId xmlns:a16="http://schemas.microsoft.com/office/drawing/2014/main" id="{BB28ECC0-DEEB-A17F-3FD9-F2E8C97E9ADA}"/>
+              </a:ext>
+            </a:extLst>
+          </p:cNvPr>
+          <p:cNvPicPr>
+            <a:picLocks noChangeAspect="1" noChangeArrowheads="1"/>
+          </p:cNvPicPr>
+          <p:nvPr/>
+        </p:nvPicPr>
+        <p:blipFill>
+          <a:blip r:embed="rId2">
+            <a:extLst>
+              <a:ext uri="{28A0092B-C50C-407E-A947-70E740481C1C}">
+                <a14:useLocalDpi xmlns:a14="http://schemas.microsoft.com/office/drawing/2010/main" val="0"/>
+              </a:ext>
+            </a:extLst>
+          </a:blip>
+          <a:srcRect/>
+          <a:stretch>
+            <a:fillRect/>
+          </a:stretch>
+        </p:blipFill>
+        <p:spPr bwMode="auto">
+          <a:xfrm>
+            <a:off x="7649817" y="2772355"/>
+            <a:ext cx="4542183" cy="2327869"/>
+          </a:xfrm>
+          <a:prstGeom prst="rect">
+            <a:avLst/>
+          </a:prstGeom>
+          <a:noFill/>
+          <a:extLst>
+            <a:ext uri="{909E8E84-426E-40DD-AFC4-6F175D3DCCD1}">
+              <a14:hiddenFill xmlns:a14="http://schemas.microsoft.com/office/drawing/2010/main">
+                <a:solidFill>
+                  <a:srgbClr val="FFFFFF"/>
+                </a:solidFill>
+              </a14:hiddenFill>
+            </a:ext>
+          </a:extLst>
         </p:spPr>
       </p:pic>
     </p:spTree>
     <p:extLst>
       <p:ext uri="{BB962C8B-B14F-4D97-AF65-F5344CB8AC3E}">
-        <p14:creationId xmlns:p14="http://schemas.microsoft.com/office/powerpoint/2010/main" val="4184142973"/>
+        <p14:creationId xmlns:p14="http://schemas.microsoft.com/office/powerpoint/2010/main" val="3776980547"/>
+      </p:ext>
+    </p:extLst>
+  </p:cSld>
+  <p:clrMapOvr>
+    <a:masterClrMapping/>
+  </p:clrMapOvr>
+</p:sld>
+</file>
+
+<file path=ppt/slides/slide38.xml><?xml version="1.0" encoding="utf-8"?>
+<p:sld xmlns:a="http://schemas.openxmlformats.org/drawingml/2006/main" xmlns:r="http://schemas.openxmlformats.org/officeDocument/2006/relationships" xmlns:p="http://schemas.openxmlformats.org/presentationml/2006/main">
+  <p:cSld>
+    <p:spTree>
+      <p:nvGrpSpPr>
+        <p:cNvPr id="1" name="">
+          <a:extLst>
+            <a:ext uri="{FF2B5EF4-FFF2-40B4-BE49-F238E27FC236}">
+              <a16:creationId xmlns:a16="http://schemas.microsoft.com/office/drawing/2014/main" id="{6DC36352-246D-1EAA-7171-2D31F63D967C}"/>
+            </a:ext>
+          </a:extLst>
+        </p:cNvPr>
+        <p:cNvGrpSpPr/>
+        <p:nvPr/>
+      </p:nvGrpSpPr>
+      <p:grpSpPr>
+        <a:xfrm>
+          <a:off x="0" y="0"/>
+          <a:ext cx="0" cy="0"/>
+          <a:chOff x="0" y="0"/>
+          <a:chExt cx="0" cy="0"/>
+        </a:xfrm>
+      </p:grpSpPr>
+      <p:sp>
+        <p:nvSpPr>
+          <p:cNvPr id="5" name="Rectangle 4">
+            <a:extLst>
+              <a:ext uri="{FF2B5EF4-FFF2-40B4-BE49-F238E27FC236}">
+                <a16:creationId xmlns:a16="http://schemas.microsoft.com/office/drawing/2014/main" id="{7CE53860-7B6A-24B2-BF65-239E9B504BEB}"/>
+              </a:ext>
+            </a:extLst>
+          </p:cNvPr>
+          <p:cNvSpPr/>
+          <p:nvPr/>
+        </p:nvSpPr>
+        <p:spPr>
+          <a:xfrm>
+            <a:off x="0" y="0"/>
+            <a:ext cx="12192000" cy="1325563"/>
+          </a:xfrm>
+          <a:prstGeom prst="rect">
+            <a:avLst/>
+          </a:prstGeom>
+          <a:gradFill flip="none" rotWithShape="1">
+            <a:gsLst>
+              <a:gs pos="0">
+                <a:srgbClr val="314154">
+                  <a:shade val="30000"/>
+                  <a:satMod val="115000"/>
+                </a:srgbClr>
+              </a:gs>
+              <a:gs pos="50000">
+                <a:srgbClr val="314154">
+                  <a:shade val="67500"/>
+                  <a:satMod val="115000"/>
+                </a:srgbClr>
+              </a:gs>
+              <a:gs pos="100000">
+                <a:srgbClr val="314154">
+                  <a:shade val="100000"/>
+                  <a:satMod val="115000"/>
+                </a:srgbClr>
+              </a:gs>
+            </a:gsLst>
+            <a:lin ang="10800000" scaled="1"/>
+            <a:tileRect/>
+          </a:gradFill>
+        </p:spPr>
+        <p:style>
+          <a:lnRef idx="2">
+            <a:schemeClr val="accent1">
+              <a:shade val="15000"/>
+            </a:schemeClr>
+          </a:lnRef>
+          <a:fillRef idx="1">
+            <a:schemeClr val="accent1"/>
+          </a:fillRef>
+          <a:effectRef idx="0">
+            <a:schemeClr val="accent1"/>
+          </a:effectRef>
+          <a:fontRef idx="minor">
+            <a:schemeClr val="lt1"/>
+          </a:fontRef>
+        </p:style>
+        <p:txBody>
+          <a:bodyPr rtlCol="0" anchor="ctr"/>
+          <a:lstStyle/>
+          <a:p>
+            <a:pPr algn="ctr"/>
+            <a:endParaRPr lang="fr-FR"/>
+          </a:p>
+        </p:txBody>
+      </p:sp>
+      <p:sp>
+        <p:nvSpPr>
+          <p:cNvPr id="2" name="Titre 1">
+            <a:extLst>
+              <a:ext uri="{FF2B5EF4-FFF2-40B4-BE49-F238E27FC236}">
+                <a16:creationId xmlns:a16="http://schemas.microsoft.com/office/drawing/2014/main" id="{F78F26A2-1D6E-A43D-8A24-A85DE74F2DA2}"/>
+              </a:ext>
+            </a:extLst>
+          </p:cNvPr>
+          <p:cNvSpPr>
+            <a:spLocks noGrp="1"/>
+          </p:cNvSpPr>
+          <p:nvPr>
+            <p:ph type="title"/>
+          </p:nvPr>
+        </p:nvSpPr>
+        <p:spPr>
+          <a:xfrm>
+            <a:off x="516835" y="18255"/>
+            <a:ext cx="11675165" cy="1325563"/>
+          </a:xfrm>
+        </p:spPr>
+        <p:txBody>
+          <a:bodyPr>
+            <a:normAutofit/>
+          </a:bodyPr>
+          <a:lstStyle/>
+          <a:p>
+            <a:r>
+              <a:rPr lang="fr-FR" b="1" dirty="0" err="1">
+                <a:solidFill>
+                  <a:schemeClr val="bg1"/>
+                </a:solidFill>
+              </a:rPr>
+              <a:t>Debugging</a:t>
+            </a:r>
+            <a:r>
+              <a:rPr lang="fr-FR" b="1" dirty="0">
+                <a:solidFill>
+                  <a:schemeClr val="bg1"/>
+                </a:solidFill>
+              </a:rPr>
+              <a:t> / Exception</a:t>
+            </a:r>
+          </a:p>
+        </p:txBody>
+      </p:sp>
+      <p:sp>
+        <p:nvSpPr>
+          <p:cNvPr id="3" name="ZoneTexte 2">
+            <a:extLst>
+              <a:ext uri="{FF2B5EF4-FFF2-40B4-BE49-F238E27FC236}">
+                <a16:creationId xmlns:a16="http://schemas.microsoft.com/office/drawing/2014/main" id="{2EA47142-0852-009E-895A-0CB87E91CE6C}"/>
+              </a:ext>
+            </a:extLst>
+          </p:cNvPr>
+          <p:cNvSpPr txBox="1"/>
+          <p:nvPr/>
+        </p:nvSpPr>
+        <p:spPr>
+          <a:xfrm>
+            <a:off x="76989" y="1746406"/>
+            <a:ext cx="6940038" cy="4247317"/>
+          </a:xfrm>
+          <a:prstGeom prst="rect">
+            <a:avLst/>
+          </a:prstGeom>
+          <a:noFill/>
+        </p:spPr>
+        <p:txBody>
+          <a:bodyPr wrap="square" rtlCol="0">
+            <a:spAutoFit/>
+          </a:bodyPr>
+          <a:lstStyle/>
+          <a:p>
+            <a:pPr lvl="1"/>
+            <a:r>
+              <a:rPr lang="fr-FR" dirty="0" err="1"/>
+              <a:t>Working</a:t>
+            </a:r>
+            <a:r>
+              <a:rPr lang="fr-FR" dirty="0"/>
+              <a:t> on code </a:t>
+            </a:r>
+            <a:r>
+              <a:rPr lang="fr-FR" dirty="0" err="1"/>
+              <a:t>is</a:t>
+            </a:r>
+            <a:r>
+              <a:rPr lang="fr-FR" dirty="0"/>
+              <a:t> like </a:t>
+            </a:r>
+            <a:r>
+              <a:rPr lang="fr-FR" dirty="0" err="1"/>
+              <a:t>fighting</a:t>
+            </a:r>
+            <a:r>
+              <a:rPr lang="fr-FR" dirty="0"/>
+              <a:t> </a:t>
+            </a:r>
+            <a:r>
+              <a:rPr lang="fr-FR" dirty="0" err="1"/>
+              <a:t>with</a:t>
+            </a:r>
+            <a:r>
+              <a:rPr lang="fr-FR" dirty="0"/>
+              <a:t> an alien </a:t>
+            </a:r>
+            <a:r>
+              <a:rPr lang="fr-FR" dirty="0" err="1"/>
+              <a:t>mind</a:t>
+            </a:r>
+            <a:r>
+              <a:rPr lang="fr-FR" dirty="0"/>
+              <a:t> </a:t>
+            </a:r>
+            <a:r>
+              <a:rPr lang="fr-FR" dirty="0" err="1"/>
+              <a:t>that</a:t>
+            </a:r>
+            <a:r>
+              <a:rPr lang="fr-FR" dirty="0"/>
+              <a:t> </a:t>
+            </a:r>
+            <a:r>
+              <a:rPr lang="fr-FR" dirty="0" err="1"/>
+              <a:t>speaks</a:t>
+            </a:r>
+            <a:r>
+              <a:rPr lang="fr-FR" dirty="0"/>
+              <a:t> in a weird </a:t>
+            </a:r>
+            <a:r>
+              <a:rPr lang="fr-FR" dirty="0" err="1"/>
+              <a:t>language</a:t>
+            </a:r>
+            <a:r>
+              <a:rPr lang="fr-FR" dirty="0"/>
+              <a:t>, </a:t>
+            </a:r>
+            <a:r>
+              <a:rPr lang="fr-FR" dirty="0" err="1"/>
+              <a:t>thats</a:t>
+            </a:r>
+            <a:r>
+              <a:rPr lang="fr-FR" dirty="0"/>
+              <a:t> </a:t>
+            </a:r>
+            <a:r>
+              <a:rPr lang="fr-FR" dirty="0" err="1"/>
+              <a:t>why</a:t>
+            </a:r>
+            <a:r>
+              <a:rPr lang="fr-FR" dirty="0"/>
+              <a:t> </a:t>
+            </a:r>
+            <a:r>
+              <a:rPr lang="fr-FR" dirty="0" err="1"/>
+              <a:t>its</a:t>
+            </a:r>
+            <a:r>
+              <a:rPr lang="fr-FR" dirty="0"/>
+              <a:t> </a:t>
+            </a:r>
+            <a:r>
+              <a:rPr lang="fr-FR" dirty="0" err="1"/>
+              <a:t>called</a:t>
+            </a:r>
+            <a:r>
+              <a:rPr lang="fr-FR" dirty="0"/>
+              <a:t> </a:t>
+            </a:r>
+            <a:r>
+              <a:rPr lang="fr-FR" dirty="0" err="1"/>
+              <a:t>coding</a:t>
+            </a:r>
+            <a:r>
+              <a:rPr lang="fr-FR" dirty="0"/>
+              <a:t>.</a:t>
+            </a:r>
+          </a:p>
+          <a:p>
+            <a:pPr lvl="1"/>
+            <a:endParaRPr lang="fr-FR" dirty="0"/>
+          </a:p>
+          <a:p>
+            <a:pPr lvl="1"/>
+            <a:r>
+              <a:rPr lang="fr-FR" dirty="0"/>
+              <a:t>The good </a:t>
+            </a:r>
+            <a:r>
+              <a:rPr lang="fr-FR" dirty="0" err="1"/>
+              <a:t>thing</a:t>
+            </a:r>
+            <a:r>
+              <a:rPr lang="fr-FR" dirty="0"/>
+              <a:t> </a:t>
+            </a:r>
+            <a:r>
+              <a:rPr lang="fr-FR" dirty="0" err="1"/>
+              <a:t>is</a:t>
+            </a:r>
+            <a:r>
+              <a:rPr lang="fr-FR" dirty="0"/>
+              <a:t> </a:t>
+            </a:r>
+            <a:r>
+              <a:rPr lang="fr-FR" dirty="0" err="1"/>
+              <a:t>that</a:t>
+            </a:r>
+            <a:r>
+              <a:rPr lang="fr-FR" dirty="0"/>
+              <a:t> </a:t>
+            </a:r>
+            <a:r>
+              <a:rPr lang="fr-FR" dirty="0" err="1"/>
+              <a:t>when</a:t>
+            </a:r>
+            <a:r>
+              <a:rPr lang="fr-FR" dirty="0"/>
+              <a:t> </a:t>
+            </a:r>
+            <a:r>
+              <a:rPr lang="fr-FR" dirty="0" err="1"/>
+              <a:t>you</a:t>
+            </a:r>
+            <a:r>
+              <a:rPr lang="fr-FR" dirty="0"/>
+              <a:t> have a </a:t>
+            </a:r>
+            <a:r>
+              <a:rPr lang="fr-FR" dirty="0" err="1"/>
+              <a:t>problem</a:t>
+            </a:r>
+            <a:r>
+              <a:rPr lang="fr-FR" dirty="0"/>
+              <a:t>, chances are </a:t>
+            </a:r>
+            <a:r>
+              <a:rPr lang="fr-FR" dirty="0" err="1"/>
+              <a:t>that</a:t>
+            </a:r>
+            <a:r>
+              <a:rPr lang="fr-FR" dirty="0"/>
+              <a:t> </a:t>
+            </a:r>
+            <a:r>
+              <a:rPr lang="fr-FR" dirty="0" err="1"/>
+              <a:t>someone</a:t>
+            </a:r>
+            <a:r>
+              <a:rPr lang="fr-FR" dirty="0"/>
+              <a:t> </a:t>
+            </a:r>
+            <a:r>
+              <a:rPr lang="fr-FR" dirty="0" err="1"/>
+              <a:t>already</a:t>
+            </a:r>
+            <a:r>
+              <a:rPr lang="fr-FR" dirty="0"/>
+              <a:t> </a:t>
+            </a:r>
+            <a:r>
+              <a:rPr lang="fr-FR" dirty="0" err="1"/>
+              <a:t>stumbled</a:t>
+            </a:r>
+            <a:r>
+              <a:rPr lang="fr-FR" dirty="0"/>
+              <a:t> over the </a:t>
+            </a:r>
+            <a:r>
+              <a:rPr lang="fr-FR" dirty="0" err="1"/>
+              <a:t>error</a:t>
+            </a:r>
+            <a:r>
+              <a:rPr lang="fr-FR" dirty="0"/>
+              <a:t>, or </a:t>
+            </a:r>
+            <a:r>
+              <a:rPr lang="fr-FR" dirty="0" err="1"/>
+              <a:t>even</a:t>
+            </a:r>
+            <a:r>
+              <a:rPr lang="fr-FR" dirty="0"/>
+              <a:t> </a:t>
+            </a:r>
+            <a:r>
+              <a:rPr lang="fr-FR" dirty="0" err="1"/>
+              <a:t>that</a:t>
+            </a:r>
+            <a:r>
+              <a:rPr lang="fr-FR" dirty="0"/>
+              <a:t> people </a:t>
+            </a:r>
+            <a:r>
+              <a:rPr lang="fr-FR" dirty="0" err="1"/>
+              <a:t>who</a:t>
+            </a:r>
+            <a:r>
+              <a:rPr lang="fr-FR" dirty="0"/>
+              <a:t> </a:t>
+            </a:r>
+            <a:r>
+              <a:rPr lang="fr-FR" dirty="0" err="1"/>
+              <a:t>created</a:t>
+            </a:r>
+            <a:r>
+              <a:rPr lang="fr-FR" dirty="0"/>
+              <a:t> the software </a:t>
+            </a:r>
+            <a:r>
+              <a:rPr lang="fr-FR" dirty="0" err="1"/>
+              <a:t>intentionally</a:t>
+            </a:r>
+            <a:r>
+              <a:rPr lang="fr-FR" dirty="0"/>
+              <a:t> </a:t>
+            </a:r>
+            <a:r>
+              <a:rPr lang="fr-FR" dirty="0" err="1"/>
+              <a:t>triggered</a:t>
+            </a:r>
+            <a:r>
+              <a:rPr lang="fr-FR" dirty="0"/>
+              <a:t> </a:t>
+            </a:r>
+            <a:r>
+              <a:rPr lang="fr-FR" dirty="0" err="1"/>
+              <a:t>it</a:t>
+            </a:r>
+            <a:r>
+              <a:rPr lang="fr-FR" dirty="0"/>
+              <a:t> to </a:t>
+            </a:r>
+            <a:r>
+              <a:rPr lang="fr-FR" dirty="0" err="1"/>
+              <a:t>protect</a:t>
+            </a:r>
+            <a:r>
+              <a:rPr lang="fr-FR" dirty="0"/>
+              <a:t> </a:t>
+            </a:r>
+            <a:r>
+              <a:rPr lang="fr-FR" dirty="0" err="1"/>
+              <a:t>you</a:t>
+            </a:r>
+            <a:r>
+              <a:rPr lang="fr-FR" dirty="0"/>
+              <a:t>.</a:t>
+            </a:r>
+          </a:p>
+          <a:p>
+            <a:pPr lvl="1"/>
+            <a:endParaRPr lang="fr-FR" dirty="0"/>
+          </a:p>
+          <a:p>
+            <a:pPr lvl="1"/>
+            <a:r>
+              <a:rPr lang="fr-FR" dirty="0"/>
+              <a:t>One of the </a:t>
+            </a:r>
+            <a:r>
+              <a:rPr lang="fr-FR" dirty="0" err="1"/>
+              <a:t>core</a:t>
+            </a:r>
+            <a:r>
+              <a:rPr lang="fr-FR" dirty="0"/>
+              <a:t> </a:t>
+            </a:r>
+            <a:r>
+              <a:rPr lang="fr-FR" dirty="0" err="1"/>
+              <a:t>skills</a:t>
+            </a:r>
+            <a:r>
+              <a:rPr lang="fr-FR" dirty="0"/>
+              <a:t> of a </a:t>
+            </a:r>
+            <a:r>
+              <a:rPr lang="fr-FR" dirty="0" err="1"/>
+              <a:t>developper</a:t>
+            </a:r>
+            <a:r>
+              <a:rPr lang="fr-FR" dirty="0"/>
+              <a:t> </a:t>
+            </a:r>
+            <a:r>
+              <a:rPr lang="fr-FR" dirty="0" err="1"/>
+              <a:t>is</a:t>
+            </a:r>
+            <a:r>
+              <a:rPr lang="fr-FR" dirty="0"/>
+              <a:t> to </a:t>
+            </a:r>
+            <a:r>
+              <a:rPr lang="fr-FR" dirty="0" err="1"/>
+              <a:t>dig</a:t>
+            </a:r>
+            <a:r>
+              <a:rPr lang="fr-FR" dirty="0"/>
+              <a:t> </a:t>
+            </a:r>
+            <a:r>
+              <a:rPr lang="fr-FR" dirty="0" err="1"/>
+              <a:t>into</a:t>
+            </a:r>
+            <a:r>
+              <a:rPr lang="fr-FR" dirty="0"/>
+              <a:t> an </a:t>
+            </a:r>
+            <a:r>
+              <a:rPr lang="fr-FR" dirty="0" err="1"/>
+              <a:t>error</a:t>
+            </a:r>
+            <a:r>
+              <a:rPr lang="fr-FR" dirty="0"/>
+              <a:t> </a:t>
+            </a:r>
+            <a:r>
+              <a:rPr lang="fr-FR" dirty="0" err="1"/>
+              <a:t>chain</a:t>
+            </a:r>
+            <a:r>
+              <a:rPr lang="fr-FR" dirty="0"/>
+              <a:t> </a:t>
+            </a:r>
+            <a:r>
+              <a:rPr lang="fr-FR" dirty="0" err="1"/>
+              <a:t>autonomously</a:t>
+            </a:r>
+            <a:r>
+              <a:rPr lang="fr-FR" dirty="0"/>
+              <a:t> to </a:t>
+            </a:r>
+            <a:r>
+              <a:rPr lang="fr-FR" dirty="0" err="1"/>
+              <a:t>find</a:t>
+            </a:r>
+            <a:r>
+              <a:rPr lang="fr-FR" dirty="0"/>
+              <a:t> the root </a:t>
+            </a:r>
+            <a:r>
+              <a:rPr lang="fr-FR" dirty="0" err="1"/>
+              <a:t>core</a:t>
+            </a:r>
+            <a:r>
+              <a:rPr lang="fr-FR" dirty="0"/>
+              <a:t> of an </a:t>
+            </a:r>
+            <a:r>
+              <a:rPr lang="fr-FR" dirty="0" err="1"/>
+              <a:t>error</a:t>
+            </a:r>
+            <a:r>
+              <a:rPr lang="fr-FR" dirty="0"/>
+              <a:t>. For </a:t>
+            </a:r>
+            <a:r>
+              <a:rPr lang="fr-FR" dirty="0" err="1"/>
+              <a:t>that</a:t>
+            </a:r>
+            <a:r>
+              <a:rPr lang="fr-FR" dirty="0"/>
+              <a:t>, </a:t>
+            </a:r>
+            <a:r>
+              <a:rPr lang="fr-FR" dirty="0" err="1"/>
+              <a:t>you</a:t>
+            </a:r>
+            <a:r>
+              <a:rPr lang="fr-FR" dirty="0"/>
+              <a:t> can </a:t>
+            </a:r>
+            <a:r>
+              <a:rPr lang="fr-FR" dirty="0" err="1"/>
+              <a:t>leverage</a:t>
+            </a:r>
+            <a:r>
+              <a:rPr lang="fr-FR" dirty="0"/>
+              <a:t> </a:t>
+            </a:r>
+            <a:r>
+              <a:rPr lang="fr-FR" dirty="0" err="1"/>
+              <a:t>tools</a:t>
+            </a:r>
+            <a:r>
+              <a:rPr lang="fr-FR" dirty="0"/>
+              <a:t> as </a:t>
+            </a:r>
+            <a:r>
+              <a:rPr lang="fr-FR" dirty="0" err="1"/>
+              <a:t>advanced</a:t>
+            </a:r>
+            <a:r>
+              <a:rPr lang="fr-FR" dirty="0"/>
+              <a:t> as Google (</a:t>
+            </a:r>
+            <a:r>
+              <a:rPr lang="fr-FR" dirty="0" err="1"/>
+              <a:t>that</a:t>
+            </a:r>
+            <a:r>
+              <a:rPr lang="fr-FR" dirty="0"/>
+              <a:t> </a:t>
+            </a:r>
+            <a:r>
+              <a:rPr lang="fr-FR" dirty="0" err="1"/>
+              <a:t>will</a:t>
+            </a:r>
+            <a:r>
+              <a:rPr lang="fr-FR" dirty="0"/>
+              <a:t> lead </a:t>
+            </a:r>
+            <a:r>
+              <a:rPr lang="fr-FR" dirty="0" err="1"/>
+              <a:t>you</a:t>
+            </a:r>
+            <a:r>
+              <a:rPr lang="fr-FR" dirty="0"/>
+              <a:t> to stack </a:t>
+            </a:r>
+            <a:r>
+              <a:rPr lang="fr-FR" dirty="0" err="1"/>
+              <a:t>overflow</a:t>
+            </a:r>
+            <a:r>
+              <a:rPr lang="fr-FR" dirty="0"/>
+              <a:t> 3 times out of 4) or </a:t>
+            </a:r>
+            <a:r>
+              <a:rPr lang="fr-FR" dirty="0" err="1"/>
+              <a:t>any</a:t>
+            </a:r>
+            <a:r>
+              <a:rPr lang="fr-FR" dirty="0"/>
+              <a:t> modern AI, </a:t>
+            </a:r>
+            <a:r>
+              <a:rPr lang="fr-FR" dirty="0" err="1"/>
+              <a:t>they</a:t>
+            </a:r>
+            <a:r>
+              <a:rPr lang="fr-FR" dirty="0"/>
+              <a:t> </a:t>
+            </a:r>
+            <a:r>
+              <a:rPr lang="fr-FR" dirty="0" err="1"/>
+              <a:t>will</a:t>
+            </a:r>
+            <a:r>
+              <a:rPr lang="fr-FR" dirty="0"/>
+              <a:t> </a:t>
+            </a:r>
+            <a:r>
+              <a:rPr lang="fr-FR" dirty="0" err="1"/>
+              <a:t>often</a:t>
+            </a:r>
+            <a:r>
+              <a:rPr lang="fr-FR" dirty="0"/>
+              <a:t> </a:t>
+            </a:r>
+            <a:r>
+              <a:rPr lang="fr-FR" dirty="0" err="1"/>
+              <a:t>find</a:t>
+            </a:r>
+            <a:r>
+              <a:rPr lang="fr-FR" dirty="0"/>
+              <a:t> the exact verbatim in a long </a:t>
+            </a:r>
+            <a:r>
+              <a:rPr lang="fr-FR" dirty="0" err="1"/>
+              <a:t>error</a:t>
+            </a:r>
+            <a:r>
+              <a:rPr lang="fr-FR" dirty="0"/>
+              <a:t> trace.</a:t>
+            </a:r>
+          </a:p>
+          <a:p>
+            <a:pPr lvl="1"/>
+            <a:endParaRPr lang="fr-FR" dirty="0"/>
+          </a:p>
+          <a:p>
+            <a:pPr lvl="1"/>
+            <a:r>
+              <a:rPr lang="fr-FR" dirty="0" err="1"/>
+              <a:t>Before</a:t>
+            </a:r>
+            <a:r>
+              <a:rPr lang="fr-FR" dirty="0"/>
+              <a:t> </a:t>
+            </a:r>
+            <a:r>
+              <a:rPr lang="fr-FR" dirty="0" err="1"/>
+              <a:t>asking</a:t>
+            </a:r>
+            <a:r>
+              <a:rPr lang="fr-FR" dirty="0"/>
+              <a:t> </a:t>
+            </a:r>
+            <a:r>
+              <a:rPr lang="fr-FR" dirty="0" err="1"/>
+              <a:t>something</a:t>
+            </a:r>
+            <a:r>
+              <a:rPr lang="fr-FR" dirty="0"/>
+              <a:t>, </a:t>
+            </a:r>
+            <a:r>
+              <a:rPr lang="fr-FR" dirty="0" err="1"/>
+              <a:t>always</a:t>
+            </a:r>
+            <a:r>
+              <a:rPr lang="fr-FR" dirty="0"/>
+              <a:t> Google </a:t>
+            </a:r>
+            <a:r>
+              <a:rPr lang="fr-FR" dirty="0" err="1"/>
+              <a:t>it</a:t>
+            </a:r>
+            <a:r>
+              <a:rPr lang="fr-FR" dirty="0"/>
+              <a:t>.</a:t>
+            </a:r>
+          </a:p>
+        </p:txBody>
+      </p:sp>
+      <p:pic>
+        <p:nvPicPr>
+          <p:cNvPr id="2050" name="Picture 2" descr="Message d'erreur dans la fenêtre de sortie mal formaté : r/vscode">
+            <a:extLst>
+              <a:ext uri="{FF2B5EF4-FFF2-40B4-BE49-F238E27FC236}">
+                <a16:creationId xmlns:a16="http://schemas.microsoft.com/office/drawing/2014/main" id="{C7DB120A-359B-F9F4-A900-70164F142F71}"/>
+              </a:ext>
+            </a:extLst>
+          </p:cNvPr>
+          <p:cNvPicPr>
+            <a:picLocks noChangeAspect="1" noChangeArrowheads="1"/>
+          </p:cNvPicPr>
+          <p:nvPr/>
+        </p:nvPicPr>
+        <p:blipFill rotWithShape="1">
+          <a:blip r:embed="rId2">
+            <a:extLst>
+              <a:ext uri="{28A0092B-C50C-407E-A947-70E740481C1C}">
+                <a14:useLocalDpi xmlns:a14="http://schemas.microsoft.com/office/drawing/2010/main" val="0"/>
+              </a:ext>
+            </a:extLst>
+          </a:blip>
+          <a:srcRect r="38217"/>
+          <a:stretch/>
+        </p:blipFill>
+        <p:spPr bwMode="auto">
+          <a:xfrm>
+            <a:off x="7341705" y="1938563"/>
+            <a:ext cx="4660680" cy="3633718"/>
+          </a:xfrm>
+          <a:prstGeom prst="rect">
+            <a:avLst/>
+          </a:prstGeom>
+          <a:noFill/>
+          <a:extLst>
+            <a:ext uri="{909E8E84-426E-40DD-AFC4-6F175D3DCCD1}">
+              <a14:hiddenFill xmlns:a14="http://schemas.microsoft.com/office/drawing/2010/main">
+                <a:solidFill>
+                  <a:srgbClr val="FFFFFF"/>
+                </a:solidFill>
+              </a14:hiddenFill>
+            </a:ext>
+          </a:extLst>
+        </p:spPr>
+      </p:pic>
+    </p:spTree>
+    <p:extLst>
+      <p:ext uri="{BB962C8B-B14F-4D97-AF65-F5344CB8AC3E}">
+        <p14:creationId xmlns:p14="http://schemas.microsoft.com/office/powerpoint/2010/main" val="607675408"/>
+      </p:ext>
+    </p:extLst>
+  </p:cSld>
+  <p:clrMapOvr>
+    <a:masterClrMapping/>
+  </p:clrMapOvr>
+</p:sld>
+</file>
+
+<file path=ppt/slides/slide39.xml><?xml version="1.0" encoding="utf-8"?>
+<p:sld xmlns:a="http://schemas.openxmlformats.org/drawingml/2006/main" xmlns:r="http://schemas.openxmlformats.org/officeDocument/2006/relationships" xmlns:p="http://schemas.openxmlformats.org/presentationml/2006/main">
+  <p:cSld>
+    <p:spTree>
+      <p:nvGrpSpPr>
+        <p:cNvPr id="1" name="">
+          <a:extLst>
+            <a:ext uri="{FF2B5EF4-FFF2-40B4-BE49-F238E27FC236}">
+              <a16:creationId xmlns:a16="http://schemas.microsoft.com/office/drawing/2014/main" id="{5BE93E90-944A-DD37-FD96-B98B8EF07E64}"/>
+            </a:ext>
+          </a:extLst>
+        </p:cNvPr>
+        <p:cNvGrpSpPr/>
+        <p:nvPr/>
+      </p:nvGrpSpPr>
+      <p:grpSpPr>
+        <a:xfrm>
+          <a:off x="0" y="0"/>
+          <a:ext cx="0" cy="0"/>
+          <a:chOff x="0" y="0"/>
+          <a:chExt cx="0" cy="0"/>
+        </a:xfrm>
+      </p:grpSpPr>
+      <p:sp>
+        <p:nvSpPr>
+          <p:cNvPr id="5" name="Rectangle 4">
+            <a:extLst>
+              <a:ext uri="{FF2B5EF4-FFF2-40B4-BE49-F238E27FC236}">
+                <a16:creationId xmlns:a16="http://schemas.microsoft.com/office/drawing/2014/main" id="{2F139E9D-D027-00B5-7040-148009C6BFC2}"/>
+              </a:ext>
+            </a:extLst>
+          </p:cNvPr>
+          <p:cNvSpPr/>
+          <p:nvPr/>
+        </p:nvSpPr>
+        <p:spPr>
+          <a:xfrm>
+            <a:off x="0" y="0"/>
+            <a:ext cx="12192000" cy="1325563"/>
+          </a:xfrm>
+          <a:prstGeom prst="rect">
+            <a:avLst/>
+          </a:prstGeom>
+          <a:gradFill flip="none" rotWithShape="1">
+            <a:gsLst>
+              <a:gs pos="0">
+                <a:srgbClr val="314154">
+                  <a:shade val="30000"/>
+                  <a:satMod val="115000"/>
+                </a:srgbClr>
+              </a:gs>
+              <a:gs pos="50000">
+                <a:srgbClr val="314154">
+                  <a:shade val="67500"/>
+                  <a:satMod val="115000"/>
+                </a:srgbClr>
+              </a:gs>
+              <a:gs pos="100000">
+                <a:srgbClr val="314154">
+                  <a:shade val="100000"/>
+                  <a:satMod val="115000"/>
+                </a:srgbClr>
+              </a:gs>
+            </a:gsLst>
+            <a:lin ang="10800000" scaled="1"/>
+            <a:tileRect/>
+          </a:gradFill>
+        </p:spPr>
+        <p:style>
+          <a:lnRef idx="2">
+            <a:schemeClr val="accent1">
+              <a:shade val="15000"/>
+            </a:schemeClr>
+          </a:lnRef>
+          <a:fillRef idx="1">
+            <a:schemeClr val="accent1"/>
+          </a:fillRef>
+          <a:effectRef idx="0">
+            <a:schemeClr val="accent1"/>
+          </a:effectRef>
+          <a:fontRef idx="minor">
+            <a:schemeClr val="lt1"/>
+          </a:fontRef>
+        </p:style>
+        <p:txBody>
+          <a:bodyPr rtlCol="0" anchor="ctr"/>
+          <a:lstStyle/>
+          <a:p>
+            <a:pPr algn="ctr"/>
+            <a:endParaRPr lang="fr-FR"/>
+          </a:p>
+        </p:txBody>
+      </p:sp>
+      <p:sp>
+        <p:nvSpPr>
+          <p:cNvPr id="2" name="Titre 1">
+            <a:extLst>
+              <a:ext uri="{FF2B5EF4-FFF2-40B4-BE49-F238E27FC236}">
+                <a16:creationId xmlns:a16="http://schemas.microsoft.com/office/drawing/2014/main" id="{9082B417-9880-1148-6E49-62A0A3D17A80}"/>
+              </a:ext>
+            </a:extLst>
+          </p:cNvPr>
+          <p:cNvSpPr>
+            <a:spLocks noGrp="1"/>
+          </p:cNvSpPr>
+          <p:nvPr>
+            <p:ph type="title"/>
+          </p:nvPr>
+        </p:nvSpPr>
+        <p:spPr>
+          <a:xfrm>
+            <a:off x="516835" y="18255"/>
+            <a:ext cx="11675165" cy="1325563"/>
+          </a:xfrm>
+        </p:spPr>
+        <p:txBody>
+          <a:bodyPr>
+            <a:normAutofit/>
+          </a:bodyPr>
+          <a:lstStyle/>
+          <a:p>
+            <a:r>
+              <a:rPr lang="fr-FR" b="1" dirty="0">
+                <a:solidFill>
+                  <a:schemeClr val="bg1"/>
+                </a:solidFill>
+              </a:rPr>
+              <a:t>Framing a </a:t>
+            </a:r>
+            <a:r>
+              <a:rPr lang="fr-FR" b="1" dirty="0" err="1">
+                <a:solidFill>
+                  <a:schemeClr val="bg1"/>
+                </a:solidFill>
+              </a:rPr>
+              <a:t>project</a:t>
+            </a:r>
+            <a:endParaRPr lang="fr-FR" b="1" dirty="0">
+              <a:solidFill>
+                <a:schemeClr val="bg1"/>
+              </a:solidFill>
+            </a:endParaRPr>
+          </a:p>
+        </p:txBody>
+      </p:sp>
+      <p:sp>
+        <p:nvSpPr>
+          <p:cNvPr id="3" name="ZoneTexte 2">
+            <a:extLst>
+              <a:ext uri="{FF2B5EF4-FFF2-40B4-BE49-F238E27FC236}">
+                <a16:creationId xmlns:a16="http://schemas.microsoft.com/office/drawing/2014/main" id="{BB0F5A1E-CD41-68B5-BE8F-8B747213C6FA}"/>
+              </a:ext>
+            </a:extLst>
+          </p:cNvPr>
+          <p:cNvSpPr txBox="1"/>
+          <p:nvPr/>
+        </p:nvSpPr>
+        <p:spPr>
+          <a:xfrm>
+            <a:off x="63737" y="1607259"/>
+            <a:ext cx="6940038" cy="5078313"/>
+          </a:xfrm>
+          <a:prstGeom prst="rect">
+            <a:avLst/>
+          </a:prstGeom>
+          <a:noFill/>
+        </p:spPr>
+        <p:txBody>
+          <a:bodyPr wrap="square" rtlCol="0">
+            <a:spAutoFit/>
+          </a:bodyPr>
+          <a:lstStyle/>
+          <a:p>
+            <a:pPr lvl="1"/>
+            <a:r>
+              <a:rPr lang="fr-FR" dirty="0"/>
+              <a:t>Code, as </a:t>
+            </a:r>
+            <a:r>
+              <a:rPr lang="fr-FR" dirty="0" err="1"/>
+              <a:t>many</a:t>
+            </a:r>
+            <a:r>
+              <a:rPr lang="fr-FR" dirty="0"/>
+              <a:t> </a:t>
+            </a:r>
+            <a:r>
+              <a:rPr lang="fr-FR" dirty="0" err="1"/>
+              <a:t>thing</a:t>
+            </a:r>
+            <a:r>
+              <a:rPr lang="fr-FR" dirty="0"/>
+              <a:t> </a:t>
+            </a:r>
+            <a:r>
+              <a:rPr lang="fr-FR" dirty="0" err="1"/>
+              <a:t>is</a:t>
+            </a:r>
+            <a:r>
+              <a:rPr lang="fr-FR" dirty="0"/>
+              <a:t> simple </a:t>
+            </a:r>
+            <a:r>
+              <a:rPr lang="fr-FR" dirty="0" err="1"/>
+              <a:t>tool</a:t>
+            </a:r>
+            <a:r>
+              <a:rPr lang="fr-FR" dirty="0"/>
+              <a:t>, </a:t>
+            </a:r>
+            <a:r>
+              <a:rPr lang="fr-FR" dirty="0" err="1"/>
+              <a:t>that</a:t>
+            </a:r>
+            <a:r>
+              <a:rPr lang="fr-FR" dirty="0"/>
+              <a:t> </a:t>
+            </a:r>
+            <a:r>
+              <a:rPr lang="fr-FR" dirty="0" err="1"/>
+              <a:t>correctly</a:t>
+            </a:r>
+            <a:r>
+              <a:rPr lang="fr-FR" dirty="0"/>
+              <a:t> </a:t>
+            </a:r>
+            <a:r>
+              <a:rPr lang="fr-FR" dirty="0" err="1"/>
+              <a:t>used</a:t>
+            </a:r>
+            <a:r>
+              <a:rPr lang="fr-FR" dirty="0"/>
+              <a:t> can help </a:t>
+            </a:r>
+            <a:r>
+              <a:rPr lang="fr-FR" dirty="0" err="1"/>
+              <a:t>you</a:t>
+            </a:r>
+            <a:r>
+              <a:rPr lang="fr-FR" dirty="0"/>
+              <a:t> </a:t>
+            </a:r>
+            <a:r>
+              <a:rPr lang="fr-FR" dirty="0" err="1"/>
+              <a:t>get</a:t>
+            </a:r>
+            <a:r>
+              <a:rPr lang="fr-FR" dirty="0"/>
+              <a:t> impacts </a:t>
+            </a:r>
+            <a:r>
+              <a:rPr lang="fr-FR" dirty="0" err="1"/>
+              <a:t>several</a:t>
+            </a:r>
+            <a:r>
+              <a:rPr lang="fr-FR" dirty="0"/>
+              <a:t> times </a:t>
+            </a:r>
+            <a:r>
+              <a:rPr lang="fr-FR" dirty="0" err="1"/>
+              <a:t>what</a:t>
+            </a:r>
+            <a:r>
+              <a:rPr lang="fr-FR" dirty="0"/>
+              <a:t> </a:t>
+            </a:r>
+            <a:r>
+              <a:rPr lang="fr-FR" dirty="0" err="1"/>
+              <a:t>you</a:t>
+            </a:r>
+            <a:r>
+              <a:rPr lang="fr-FR" dirty="0"/>
+              <a:t> </a:t>
+            </a:r>
+            <a:r>
+              <a:rPr lang="fr-FR" dirty="0" err="1"/>
+              <a:t>could</a:t>
+            </a:r>
+            <a:r>
+              <a:rPr lang="fr-FR" dirty="0"/>
+              <a:t> </a:t>
+            </a:r>
+            <a:r>
+              <a:rPr lang="fr-FR" dirty="0" err="1"/>
+              <a:t>get</a:t>
+            </a:r>
+            <a:r>
+              <a:rPr lang="fr-FR" dirty="0"/>
+              <a:t> </a:t>
+            </a:r>
+            <a:r>
+              <a:rPr lang="fr-FR" dirty="0" err="1"/>
+              <a:t>with</a:t>
+            </a:r>
+            <a:r>
+              <a:rPr lang="fr-FR" dirty="0"/>
+              <a:t> </a:t>
+            </a:r>
+            <a:r>
+              <a:rPr lang="fr-FR" dirty="0" err="1"/>
+              <a:t>just</a:t>
+            </a:r>
+            <a:r>
+              <a:rPr lang="fr-FR" dirty="0"/>
+              <a:t> </a:t>
+            </a:r>
+            <a:r>
+              <a:rPr lang="fr-FR" dirty="0" err="1"/>
+              <a:t>your</a:t>
+            </a:r>
+            <a:r>
+              <a:rPr lang="fr-FR" dirty="0"/>
+              <a:t> hands.</a:t>
+            </a:r>
+          </a:p>
+          <a:p>
+            <a:pPr lvl="1"/>
+            <a:endParaRPr lang="fr-FR" dirty="0"/>
+          </a:p>
+          <a:p>
+            <a:pPr lvl="1"/>
+            <a:r>
+              <a:rPr lang="fr-FR" dirty="0"/>
+              <a:t>But </a:t>
+            </a:r>
+            <a:r>
+              <a:rPr lang="fr-FR" dirty="0" err="1"/>
+              <a:t>it</a:t>
+            </a:r>
+            <a:r>
+              <a:rPr lang="fr-FR" dirty="0"/>
+              <a:t> </a:t>
+            </a:r>
+            <a:r>
+              <a:rPr lang="fr-FR" dirty="0" err="1"/>
+              <a:t>is</a:t>
+            </a:r>
+            <a:r>
+              <a:rPr lang="fr-FR" dirty="0"/>
+              <a:t> a </a:t>
+            </a:r>
+            <a:r>
+              <a:rPr lang="fr-FR" dirty="0" err="1"/>
+              <a:t>costly</a:t>
+            </a:r>
+            <a:r>
+              <a:rPr lang="fr-FR" dirty="0"/>
+              <a:t> </a:t>
+            </a:r>
+            <a:r>
+              <a:rPr lang="fr-FR" dirty="0" err="1"/>
+              <a:t>tool</a:t>
+            </a:r>
+            <a:r>
+              <a:rPr lang="fr-FR" dirty="0"/>
+              <a:t>, </a:t>
+            </a:r>
+            <a:r>
+              <a:rPr lang="fr-FR" dirty="0" err="1"/>
+              <a:t>evan</a:t>
+            </a:r>
+            <a:r>
+              <a:rPr lang="fr-FR" dirty="0"/>
+              <a:t> </a:t>
+            </a:r>
+            <a:r>
+              <a:rPr lang="fr-FR" dirty="0" err="1"/>
+              <a:t>with</a:t>
+            </a:r>
+            <a:r>
+              <a:rPr lang="fr-FR" dirty="0"/>
+              <a:t> modern AI, </a:t>
+            </a:r>
+            <a:r>
+              <a:rPr lang="fr-FR" dirty="0" err="1"/>
+              <a:t>getting</a:t>
+            </a:r>
+            <a:r>
+              <a:rPr lang="fr-FR" dirty="0"/>
+              <a:t> </a:t>
+            </a:r>
+            <a:r>
+              <a:rPr lang="fr-FR" dirty="0" err="1"/>
+              <a:t>any</a:t>
+            </a:r>
+            <a:r>
+              <a:rPr lang="fr-FR" dirty="0"/>
+              <a:t> </a:t>
+            </a:r>
+            <a:r>
+              <a:rPr lang="fr-FR" dirty="0" err="1"/>
+              <a:t>significant</a:t>
+            </a:r>
+            <a:r>
+              <a:rPr lang="fr-FR" dirty="0"/>
+              <a:t> software to </a:t>
+            </a:r>
+            <a:r>
+              <a:rPr lang="fr-FR" dirty="0" err="1"/>
+              <a:t>produce</a:t>
+            </a:r>
+            <a:r>
+              <a:rPr lang="fr-FR" dirty="0"/>
+              <a:t> a </a:t>
+            </a:r>
+            <a:r>
+              <a:rPr lang="fr-FR" dirty="0" err="1"/>
+              <a:t>meaning</a:t>
+            </a:r>
+            <a:r>
+              <a:rPr lang="fr-FR" dirty="0"/>
+              <a:t> full output </a:t>
+            </a:r>
+            <a:r>
+              <a:rPr lang="fr-FR" dirty="0" err="1"/>
+              <a:t>will</a:t>
+            </a:r>
+            <a:r>
+              <a:rPr lang="fr-FR" dirty="0"/>
+              <a:t> </a:t>
+            </a:r>
+            <a:r>
+              <a:rPr lang="fr-FR" dirty="0" err="1"/>
+              <a:t>take</a:t>
+            </a:r>
+            <a:r>
+              <a:rPr lang="fr-FR" dirty="0"/>
+              <a:t> in the best case a few </a:t>
+            </a:r>
+            <a:r>
+              <a:rPr lang="fr-FR" dirty="0" err="1"/>
+              <a:t>hours</a:t>
+            </a:r>
+            <a:r>
+              <a:rPr lang="fr-FR" dirty="0"/>
+              <a:t> for </a:t>
+            </a:r>
+            <a:r>
+              <a:rPr lang="fr-FR" dirty="0" err="1"/>
+              <a:t>individual</a:t>
+            </a:r>
+            <a:r>
+              <a:rPr lang="fr-FR" dirty="0"/>
+              <a:t> scripts, up to </a:t>
+            </a:r>
+            <a:r>
+              <a:rPr lang="fr-FR" dirty="0" err="1"/>
+              <a:t>months</a:t>
+            </a:r>
+            <a:r>
+              <a:rPr lang="fr-FR" dirty="0"/>
+              <a:t> or </a:t>
+            </a:r>
+            <a:r>
+              <a:rPr lang="fr-FR" dirty="0" err="1"/>
+              <a:t>years</a:t>
+            </a:r>
+            <a:r>
+              <a:rPr lang="fr-FR" dirty="0"/>
+              <a:t> for full stack application.</a:t>
+            </a:r>
+          </a:p>
+          <a:p>
+            <a:pPr lvl="1"/>
+            <a:endParaRPr lang="fr-FR" dirty="0"/>
+          </a:p>
+          <a:p>
+            <a:pPr lvl="1"/>
+            <a:r>
+              <a:rPr lang="fr-FR" dirty="0" err="1"/>
+              <a:t>Before</a:t>
+            </a:r>
+            <a:r>
+              <a:rPr lang="fr-FR" dirty="0"/>
+              <a:t> </a:t>
+            </a:r>
+            <a:r>
+              <a:rPr lang="fr-FR" dirty="0" err="1"/>
+              <a:t>even</a:t>
+            </a:r>
+            <a:r>
+              <a:rPr lang="fr-FR" dirty="0"/>
+              <a:t> </a:t>
+            </a:r>
+            <a:r>
+              <a:rPr lang="fr-FR" dirty="0" err="1"/>
+              <a:t>starting</a:t>
+            </a:r>
+            <a:r>
+              <a:rPr lang="fr-FR" dirty="0"/>
+              <a:t> to </a:t>
+            </a:r>
+            <a:r>
+              <a:rPr lang="fr-FR" dirty="0" err="1"/>
+              <a:t>implement</a:t>
+            </a:r>
+            <a:r>
+              <a:rPr lang="fr-FR" dirty="0"/>
+              <a:t> </a:t>
+            </a:r>
+            <a:r>
+              <a:rPr lang="fr-FR" dirty="0" err="1"/>
+              <a:t>anything</a:t>
+            </a:r>
+            <a:r>
+              <a:rPr lang="fr-FR" dirty="0"/>
+              <a:t> </a:t>
+            </a:r>
+            <a:r>
+              <a:rPr lang="fr-FR" dirty="0" err="1"/>
+              <a:t>you</a:t>
+            </a:r>
+            <a:r>
+              <a:rPr lang="fr-FR" dirty="0"/>
+              <a:t> </a:t>
+            </a:r>
+            <a:r>
+              <a:rPr lang="fr-FR" dirty="0" err="1"/>
+              <a:t>need</a:t>
+            </a:r>
+            <a:r>
+              <a:rPr lang="fr-FR" dirty="0"/>
+              <a:t> to </a:t>
+            </a:r>
+            <a:r>
+              <a:rPr lang="fr-FR" dirty="0" err="1"/>
+              <a:t>assess</a:t>
+            </a:r>
+            <a:r>
+              <a:rPr lang="fr-FR" dirty="0"/>
+              <a:t> </a:t>
+            </a:r>
+            <a:r>
+              <a:rPr lang="fr-FR" dirty="0" err="1"/>
+              <a:t>many</a:t>
+            </a:r>
+            <a:r>
+              <a:rPr lang="fr-FR" dirty="0"/>
+              <a:t> </a:t>
+            </a:r>
+            <a:r>
+              <a:rPr lang="fr-FR" dirty="0" err="1"/>
+              <a:t>stuff</a:t>
+            </a:r>
+            <a:r>
+              <a:rPr lang="fr-FR" dirty="0"/>
+              <a:t>:</a:t>
+            </a:r>
+          </a:p>
+          <a:p>
+            <a:pPr marL="742950" lvl="1" indent="-285750">
+              <a:buFontTx/>
+              <a:buChar char="-"/>
+            </a:pPr>
+            <a:r>
+              <a:rPr lang="fr-FR" dirty="0" err="1"/>
+              <a:t>What</a:t>
+            </a:r>
+            <a:r>
+              <a:rPr lang="fr-FR" dirty="0"/>
+              <a:t> </a:t>
+            </a:r>
+            <a:r>
+              <a:rPr lang="fr-FR" dirty="0" err="1"/>
+              <a:t>you</a:t>
+            </a:r>
+            <a:r>
+              <a:rPr lang="fr-FR" dirty="0"/>
+              <a:t> are </a:t>
+            </a:r>
+            <a:r>
+              <a:rPr lang="fr-FR" dirty="0" err="1"/>
+              <a:t>expecting</a:t>
+            </a:r>
+            <a:r>
+              <a:rPr lang="fr-FR" dirty="0"/>
+              <a:t> </a:t>
+            </a:r>
+            <a:r>
+              <a:rPr lang="fr-FR" dirty="0" err="1"/>
+              <a:t>it</a:t>
+            </a:r>
+            <a:r>
+              <a:rPr lang="fr-FR" dirty="0"/>
+              <a:t> to do</a:t>
+            </a:r>
+          </a:p>
+          <a:p>
+            <a:pPr marL="742950" lvl="1" indent="-285750">
+              <a:buFontTx/>
+              <a:buChar char="-"/>
+            </a:pPr>
+            <a:r>
+              <a:rPr lang="fr-FR" dirty="0" err="1"/>
+              <a:t>Who</a:t>
+            </a:r>
+            <a:r>
+              <a:rPr lang="fr-FR" dirty="0"/>
+              <a:t> </a:t>
+            </a:r>
+            <a:r>
+              <a:rPr lang="fr-FR" dirty="0" err="1"/>
+              <a:t>will</a:t>
+            </a:r>
+            <a:r>
+              <a:rPr lang="fr-FR" dirty="0"/>
+              <a:t> </a:t>
+            </a:r>
+            <a:r>
+              <a:rPr lang="fr-FR" dirty="0" err="1"/>
+              <a:t>be</a:t>
+            </a:r>
+            <a:r>
+              <a:rPr lang="fr-FR" dirty="0"/>
+              <a:t> </a:t>
+            </a:r>
+            <a:r>
+              <a:rPr lang="fr-FR" dirty="0" err="1"/>
+              <a:t>using</a:t>
+            </a:r>
+            <a:r>
+              <a:rPr lang="fr-FR" dirty="0"/>
+              <a:t> </a:t>
+            </a:r>
+            <a:r>
+              <a:rPr lang="fr-FR" dirty="0" err="1"/>
+              <a:t>it</a:t>
+            </a:r>
+            <a:endParaRPr lang="fr-FR" dirty="0"/>
+          </a:p>
+          <a:p>
+            <a:pPr marL="742950" lvl="1" indent="-285750">
+              <a:buFontTx/>
+              <a:buChar char="-"/>
+            </a:pPr>
+            <a:r>
+              <a:rPr lang="fr-FR" dirty="0" err="1"/>
+              <a:t>What</a:t>
+            </a:r>
+            <a:r>
+              <a:rPr lang="fr-FR" dirty="0"/>
+              <a:t> are the </a:t>
+            </a:r>
+            <a:r>
+              <a:rPr lang="fr-FR" dirty="0" err="1"/>
+              <a:t>core</a:t>
+            </a:r>
+            <a:r>
+              <a:rPr lang="fr-FR" dirty="0"/>
+              <a:t> </a:t>
+            </a:r>
+            <a:r>
+              <a:rPr lang="fr-FR" dirty="0" err="1"/>
+              <a:t>features</a:t>
+            </a:r>
+            <a:endParaRPr lang="fr-FR" dirty="0"/>
+          </a:p>
+          <a:p>
+            <a:pPr marL="742950" lvl="1" indent="-285750">
+              <a:buFontTx/>
+              <a:buChar char="-"/>
+            </a:pPr>
+            <a:r>
+              <a:rPr lang="fr-FR" dirty="0" err="1"/>
+              <a:t>What</a:t>
+            </a:r>
+            <a:r>
+              <a:rPr lang="fr-FR" dirty="0"/>
+              <a:t> are the </a:t>
+            </a:r>
+            <a:r>
+              <a:rPr lang="fr-FR" dirty="0" err="1"/>
+              <a:t>nice</a:t>
+            </a:r>
+            <a:r>
+              <a:rPr lang="fr-FR" dirty="0"/>
+              <a:t> to have </a:t>
+            </a:r>
+            <a:r>
+              <a:rPr lang="fr-FR" dirty="0" err="1"/>
+              <a:t>features</a:t>
+            </a:r>
+            <a:endParaRPr lang="fr-FR" dirty="0"/>
+          </a:p>
+          <a:p>
+            <a:pPr marL="742950" lvl="1" indent="-285750">
+              <a:buFontTx/>
+              <a:buChar char="-"/>
+            </a:pPr>
+            <a:r>
+              <a:rPr lang="fr-FR" dirty="0"/>
+              <a:t>How </a:t>
+            </a:r>
+            <a:r>
+              <a:rPr lang="fr-FR" dirty="0" err="1"/>
+              <a:t>you</a:t>
+            </a:r>
+            <a:r>
+              <a:rPr lang="fr-FR" dirty="0"/>
+              <a:t> </a:t>
+            </a:r>
+            <a:r>
+              <a:rPr lang="fr-FR" dirty="0" err="1"/>
+              <a:t>will</a:t>
+            </a:r>
+            <a:r>
+              <a:rPr lang="fr-FR" dirty="0"/>
+              <a:t> architecture </a:t>
+            </a:r>
+            <a:r>
+              <a:rPr lang="fr-FR" dirty="0" err="1"/>
+              <a:t>it</a:t>
+            </a:r>
+            <a:endParaRPr lang="fr-FR" dirty="0"/>
+          </a:p>
+          <a:p>
+            <a:pPr marL="742950" lvl="1" indent="-285750">
+              <a:buFontTx/>
+              <a:buChar char="-"/>
+            </a:pPr>
+            <a:r>
+              <a:rPr lang="fr-FR" dirty="0"/>
+              <a:t>…</a:t>
+            </a:r>
+          </a:p>
+          <a:p>
+            <a:pPr lvl="1"/>
+            <a:endParaRPr lang="fr-FR" dirty="0"/>
+          </a:p>
+        </p:txBody>
+      </p:sp>
+      <p:pic>
+        <p:nvPicPr>
+          <p:cNvPr id="3074" name="Picture 2" descr="Failing to Plan is Planning to Fail">
+            <a:extLst>
+              <a:ext uri="{FF2B5EF4-FFF2-40B4-BE49-F238E27FC236}">
+                <a16:creationId xmlns:a16="http://schemas.microsoft.com/office/drawing/2014/main" id="{CA5EECAB-F199-0286-C673-7BF15721E900}"/>
+              </a:ext>
+            </a:extLst>
+          </p:cNvPr>
+          <p:cNvPicPr>
+            <a:picLocks noChangeAspect="1" noChangeArrowheads="1"/>
+          </p:cNvPicPr>
+          <p:nvPr/>
+        </p:nvPicPr>
+        <p:blipFill>
+          <a:blip r:embed="rId2">
+            <a:extLst>
+              <a:ext uri="{28A0092B-C50C-407E-A947-70E740481C1C}">
+                <a14:useLocalDpi xmlns:a14="http://schemas.microsoft.com/office/drawing/2010/main" val="0"/>
+              </a:ext>
+            </a:extLst>
+          </a:blip>
+          <a:srcRect/>
+          <a:stretch>
+            <a:fillRect/>
+          </a:stretch>
+        </p:blipFill>
+        <p:spPr bwMode="auto">
+          <a:xfrm>
+            <a:off x="7326105" y="1607259"/>
+            <a:ext cx="4580973" cy="2748584"/>
+          </a:xfrm>
+          <a:prstGeom prst="rect">
+            <a:avLst/>
+          </a:prstGeom>
+          <a:noFill/>
+          <a:extLst>
+            <a:ext uri="{909E8E84-426E-40DD-AFC4-6F175D3DCCD1}">
+              <a14:hiddenFill xmlns:a14="http://schemas.microsoft.com/office/drawing/2010/main">
+                <a:solidFill>
+                  <a:srgbClr val="FFFFFF"/>
+                </a:solidFill>
+              </a14:hiddenFill>
+            </a:ext>
+          </a:extLst>
+        </p:spPr>
+      </p:pic>
+    </p:spTree>
+    <p:extLst>
+      <p:ext uri="{BB962C8B-B14F-4D97-AF65-F5344CB8AC3E}">
+        <p14:creationId xmlns:p14="http://schemas.microsoft.com/office/powerpoint/2010/main" val="1952153758"/>
       </p:ext>
     </p:extLst>
   </p:cSld>
@@ -16620,6 +19561,2423 @@
     <p:extLst>
       <p:ext uri="{BB962C8B-B14F-4D97-AF65-F5344CB8AC3E}">
         <p14:creationId xmlns:p14="http://schemas.microsoft.com/office/powerpoint/2010/main" val="3660279640"/>
+      </p:ext>
+    </p:extLst>
+  </p:cSld>
+  <p:clrMapOvr>
+    <a:masterClrMapping/>
+  </p:clrMapOvr>
+</p:sld>
+</file>
+
+<file path=ppt/slides/slide40.xml><?xml version="1.0" encoding="utf-8"?>
+<p:sld xmlns:a="http://schemas.openxmlformats.org/drawingml/2006/main" xmlns:r="http://schemas.openxmlformats.org/officeDocument/2006/relationships" xmlns:p="http://schemas.openxmlformats.org/presentationml/2006/main">
+  <p:cSld>
+    <p:spTree>
+      <p:nvGrpSpPr>
+        <p:cNvPr id="1" name="">
+          <a:extLst>
+            <a:ext uri="{FF2B5EF4-FFF2-40B4-BE49-F238E27FC236}">
+              <a16:creationId xmlns:a16="http://schemas.microsoft.com/office/drawing/2014/main" id="{BF33A77A-AE2A-4057-505C-2D165B229909}"/>
+            </a:ext>
+          </a:extLst>
+        </p:cNvPr>
+        <p:cNvGrpSpPr/>
+        <p:nvPr/>
+      </p:nvGrpSpPr>
+      <p:grpSpPr>
+        <a:xfrm>
+          <a:off x="0" y="0"/>
+          <a:ext cx="0" cy="0"/>
+          <a:chOff x="0" y="0"/>
+          <a:chExt cx="0" cy="0"/>
+        </a:xfrm>
+      </p:grpSpPr>
+      <p:sp>
+        <p:nvSpPr>
+          <p:cNvPr id="5" name="Rectangle 4">
+            <a:extLst>
+              <a:ext uri="{FF2B5EF4-FFF2-40B4-BE49-F238E27FC236}">
+                <a16:creationId xmlns:a16="http://schemas.microsoft.com/office/drawing/2014/main" id="{B128B9CF-9C5B-210F-ABA2-5E8AFF218AB5}"/>
+              </a:ext>
+            </a:extLst>
+          </p:cNvPr>
+          <p:cNvSpPr/>
+          <p:nvPr/>
+        </p:nvSpPr>
+        <p:spPr>
+          <a:xfrm>
+            <a:off x="0" y="0"/>
+            <a:ext cx="12192000" cy="1325563"/>
+          </a:xfrm>
+          <a:prstGeom prst="rect">
+            <a:avLst/>
+          </a:prstGeom>
+          <a:gradFill flip="none" rotWithShape="1">
+            <a:gsLst>
+              <a:gs pos="0">
+                <a:srgbClr val="314154">
+                  <a:shade val="30000"/>
+                  <a:satMod val="115000"/>
+                </a:srgbClr>
+              </a:gs>
+              <a:gs pos="50000">
+                <a:srgbClr val="314154">
+                  <a:shade val="67500"/>
+                  <a:satMod val="115000"/>
+                </a:srgbClr>
+              </a:gs>
+              <a:gs pos="100000">
+                <a:srgbClr val="314154">
+                  <a:shade val="100000"/>
+                  <a:satMod val="115000"/>
+                </a:srgbClr>
+              </a:gs>
+            </a:gsLst>
+            <a:lin ang="10800000" scaled="1"/>
+            <a:tileRect/>
+          </a:gradFill>
+        </p:spPr>
+        <p:style>
+          <a:lnRef idx="2">
+            <a:schemeClr val="accent1">
+              <a:shade val="15000"/>
+            </a:schemeClr>
+          </a:lnRef>
+          <a:fillRef idx="1">
+            <a:schemeClr val="accent1"/>
+          </a:fillRef>
+          <a:effectRef idx="0">
+            <a:schemeClr val="accent1"/>
+          </a:effectRef>
+          <a:fontRef idx="minor">
+            <a:schemeClr val="lt1"/>
+          </a:fontRef>
+        </p:style>
+        <p:txBody>
+          <a:bodyPr rtlCol="0" anchor="ctr"/>
+          <a:lstStyle/>
+          <a:p>
+            <a:pPr algn="ctr"/>
+            <a:endParaRPr lang="fr-FR"/>
+          </a:p>
+        </p:txBody>
+      </p:sp>
+      <p:sp>
+        <p:nvSpPr>
+          <p:cNvPr id="2" name="Titre 1">
+            <a:extLst>
+              <a:ext uri="{FF2B5EF4-FFF2-40B4-BE49-F238E27FC236}">
+                <a16:creationId xmlns:a16="http://schemas.microsoft.com/office/drawing/2014/main" id="{3EEF61DA-C9C3-0A3C-CEE0-407F7CF2DB33}"/>
+              </a:ext>
+            </a:extLst>
+          </p:cNvPr>
+          <p:cNvSpPr>
+            <a:spLocks noGrp="1"/>
+          </p:cNvSpPr>
+          <p:nvPr>
+            <p:ph type="title"/>
+          </p:nvPr>
+        </p:nvSpPr>
+        <p:spPr>
+          <a:xfrm>
+            <a:off x="516835" y="18255"/>
+            <a:ext cx="11675165" cy="1325563"/>
+          </a:xfrm>
+        </p:spPr>
+        <p:txBody>
+          <a:bodyPr>
+            <a:normAutofit/>
+          </a:bodyPr>
+          <a:lstStyle/>
+          <a:p>
+            <a:r>
+              <a:rPr lang="fr-FR" b="1" dirty="0">
+                <a:solidFill>
+                  <a:schemeClr val="bg1"/>
+                </a:solidFill>
+              </a:rPr>
+              <a:t>Building a user story</a:t>
+            </a:r>
+          </a:p>
+        </p:txBody>
+      </p:sp>
+      <p:sp>
+        <p:nvSpPr>
+          <p:cNvPr id="3" name="ZoneTexte 2">
+            <a:extLst>
+              <a:ext uri="{FF2B5EF4-FFF2-40B4-BE49-F238E27FC236}">
+                <a16:creationId xmlns:a16="http://schemas.microsoft.com/office/drawing/2014/main" id="{74D4AF61-C9BB-E00A-CE4C-604F31ECA052}"/>
+              </a:ext>
+            </a:extLst>
+          </p:cNvPr>
+          <p:cNvSpPr txBox="1"/>
+          <p:nvPr/>
+        </p:nvSpPr>
+        <p:spPr>
+          <a:xfrm>
+            <a:off x="63737" y="1607259"/>
+            <a:ext cx="10564506" cy="369332"/>
+          </a:xfrm>
+          <a:prstGeom prst="rect">
+            <a:avLst/>
+          </a:prstGeom>
+          <a:noFill/>
+        </p:spPr>
+        <p:txBody>
+          <a:bodyPr wrap="square" rtlCol="0">
+            <a:spAutoFit/>
+          </a:bodyPr>
+          <a:lstStyle/>
+          <a:p>
+            <a:pPr lvl="1"/>
+            <a:r>
+              <a:rPr lang="fr-FR" dirty="0"/>
+              <a:t>Most </a:t>
+            </a:r>
+            <a:r>
+              <a:rPr lang="fr-FR" dirty="0" err="1"/>
+              <a:t>development</a:t>
+            </a:r>
+            <a:r>
+              <a:rPr lang="fr-FR" dirty="0"/>
+              <a:t> </a:t>
+            </a:r>
+            <a:r>
+              <a:rPr lang="fr-FR" dirty="0" err="1"/>
+              <a:t>comes</a:t>
+            </a:r>
+            <a:r>
+              <a:rPr lang="fr-FR" dirty="0"/>
+              <a:t> </a:t>
+            </a:r>
+            <a:r>
+              <a:rPr lang="fr-FR" dirty="0" err="1"/>
+              <a:t>from</a:t>
+            </a:r>
+            <a:r>
+              <a:rPr lang="fr-FR" dirty="0"/>
+              <a:t> a user story, </a:t>
+            </a:r>
+            <a:r>
+              <a:rPr lang="fr-FR" dirty="0" err="1"/>
+              <a:t>with</a:t>
+            </a:r>
+            <a:r>
+              <a:rPr lang="fr-FR" dirty="0"/>
+              <a:t> </a:t>
+            </a:r>
+            <a:r>
+              <a:rPr lang="fr-FR" dirty="0" err="1"/>
+              <a:t>clearly</a:t>
+            </a:r>
+            <a:r>
+              <a:rPr lang="fr-FR" dirty="0"/>
+              <a:t> </a:t>
+            </a:r>
+            <a:r>
+              <a:rPr lang="fr-FR" dirty="0" err="1"/>
+              <a:t>defined</a:t>
+            </a:r>
+            <a:r>
+              <a:rPr lang="fr-FR" dirty="0"/>
+              <a:t> user, goal and acceptance </a:t>
+            </a:r>
+            <a:r>
+              <a:rPr lang="fr-FR" dirty="0" err="1"/>
+              <a:t>criterion</a:t>
+            </a:r>
+            <a:endParaRPr lang="fr-FR" dirty="0"/>
+          </a:p>
+        </p:txBody>
+      </p:sp>
+      <p:pic>
+        <p:nvPicPr>
+          <p:cNvPr id="4098" name="Picture 2" descr="20 exemples d'histoires d'utilisateurs utiles pour vous aider à démarrer">
+            <a:extLst>
+              <a:ext uri="{FF2B5EF4-FFF2-40B4-BE49-F238E27FC236}">
+                <a16:creationId xmlns:a16="http://schemas.microsoft.com/office/drawing/2014/main" id="{E4CEF710-61D1-CCF3-8A3C-144E0C2E527E}"/>
+              </a:ext>
+            </a:extLst>
+          </p:cNvPr>
+          <p:cNvPicPr>
+            <a:picLocks noChangeAspect="1" noChangeArrowheads="1"/>
+          </p:cNvPicPr>
+          <p:nvPr/>
+        </p:nvPicPr>
+        <p:blipFill rotWithShape="1">
+          <a:blip r:embed="rId2">
+            <a:extLst>
+              <a:ext uri="{28A0092B-C50C-407E-A947-70E740481C1C}">
+                <a14:useLocalDpi xmlns:a14="http://schemas.microsoft.com/office/drawing/2010/main" val="0"/>
+              </a:ext>
+            </a:extLst>
+          </a:blip>
+          <a:srcRect t="25986"/>
+          <a:stretch/>
+        </p:blipFill>
+        <p:spPr bwMode="auto">
+          <a:xfrm>
+            <a:off x="463826" y="2120346"/>
+            <a:ext cx="10101470" cy="4485861"/>
+          </a:xfrm>
+          <a:prstGeom prst="rect">
+            <a:avLst/>
+          </a:prstGeom>
+          <a:noFill/>
+          <a:extLst>
+            <a:ext uri="{909E8E84-426E-40DD-AFC4-6F175D3DCCD1}">
+              <a14:hiddenFill xmlns:a14="http://schemas.microsoft.com/office/drawing/2010/main">
+                <a:solidFill>
+                  <a:srgbClr val="FFFFFF"/>
+                </a:solidFill>
+              </a14:hiddenFill>
+            </a:ext>
+          </a:extLst>
+        </p:spPr>
+      </p:pic>
+    </p:spTree>
+    <p:extLst>
+      <p:ext uri="{BB962C8B-B14F-4D97-AF65-F5344CB8AC3E}">
+        <p14:creationId xmlns:p14="http://schemas.microsoft.com/office/powerpoint/2010/main" val="1682569933"/>
+      </p:ext>
+    </p:extLst>
+  </p:cSld>
+  <p:clrMapOvr>
+    <a:masterClrMapping/>
+  </p:clrMapOvr>
+</p:sld>
+</file>
+
+<file path=ppt/slides/slide41.xml><?xml version="1.0" encoding="utf-8"?>
+<p:sld xmlns:a="http://schemas.openxmlformats.org/drawingml/2006/main" xmlns:r="http://schemas.openxmlformats.org/officeDocument/2006/relationships" xmlns:p="http://schemas.openxmlformats.org/presentationml/2006/main">
+  <p:cSld>
+    <p:spTree>
+      <p:nvGrpSpPr>
+        <p:cNvPr id="1" name="">
+          <a:extLst>
+            <a:ext uri="{FF2B5EF4-FFF2-40B4-BE49-F238E27FC236}">
+              <a16:creationId xmlns:a16="http://schemas.microsoft.com/office/drawing/2014/main" id="{13661F37-FD66-9DE3-346B-A7556693501D}"/>
+            </a:ext>
+          </a:extLst>
+        </p:cNvPr>
+        <p:cNvGrpSpPr/>
+        <p:nvPr/>
+      </p:nvGrpSpPr>
+      <p:grpSpPr>
+        <a:xfrm>
+          <a:off x="0" y="0"/>
+          <a:ext cx="0" cy="0"/>
+          <a:chOff x="0" y="0"/>
+          <a:chExt cx="0" cy="0"/>
+        </a:xfrm>
+      </p:grpSpPr>
+      <p:sp>
+        <p:nvSpPr>
+          <p:cNvPr id="5" name="Rectangle 4">
+            <a:extLst>
+              <a:ext uri="{FF2B5EF4-FFF2-40B4-BE49-F238E27FC236}">
+                <a16:creationId xmlns:a16="http://schemas.microsoft.com/office/drawing/2014/main" id="{184B4627-D25A-9011-A737-3E318AC3D8E7}"/>
+              </a:ext>
+            </a:extLst>
+          </p:cNvPr>
+          <p:cNvSpPr/>
+          <p:nvPr/>
+        </p:nvSpPr>
+        <p:spPr>
+          <a:xfrm>
+            <a:off x="0" y="0"/>
+            <a:ext cx="12192000" cy="1325563"/>
+          </a:xfrm>
+          <a:prstGeom prst="rect">
+            <a:avLst/>
+          </a:prstGeom>
+          <a:gradFill flip="none" rotWithShape="1">
+            <a:gsLst>
+              <a:gs pos="0">
+                <a:srgbClr val="314154">
+                  <a:shade val="30000"/>
+                  <a:satMod val="115000"/>
+                </a:srgbClr>
+              </a:gs>
+              <a:gs pos="50000">
+                <a:srgbClr val="314154">
+                  <a:shade val="67500"/>
+                  <a:satMod val="115000"/>
+                </a:srgbClr>
+              </a:gs>
+              <a:gs pos="100000">
+                <a:srgbClr val="314154">
+                  <a:shade val="100000"/>
+                  <a:satMod val="115000"/>
+                </a:srgbClr>
+              </a:gs>
+            </a:gsLst>
+            <a:lin ang="10800000" scaled="1"/>
+            <a:tileRect/>
+          </a:gradFill>
+        </p:spPr>
+        <p:style>
+          <a:lnRef idx="2">
+            <a:schemeClr val="accent1">
+              <a:shade val="15000"/>
+            </a:schemeClr>
+          </a:lnRef>
+          <a:fillRef idx="1">
+            <a:schemeClr val="accent1"/>
+          </a:fillRef>
+          <a:effectRef idx="0">
+            <a:schemeClr val="accent1"/>
+          </a:effectRef>
+          <a:fontRef idx="minor">
+            <a:schemeClr val="lt1"/>
+          </a:fontRef>
+        </p:style>
+        <p:txBody>
+          <a:bodyPr rtlCol="0" anchor="ctr"/>
+          <a:lstStyle/>
+          <a:p>
+            <a:pPr algn="ctr"/>
+            <a:endParaRPr lang="fr-FR"/>
+          </a:p>
+        </p:txBody>
+      </p:sp>
+      <p:sp>
+        <p:nvSpPr>
+          <p:cNvPr id="2" name="Titre 1">
+            <a:extLst>
+              <a:ext uri="{FF2B5EF4-FFF2-40B4-BE49-F238E27FC236}">
+                <a16:creationId xmlns:a16="http://schemas.microsoft.com/office/drawing/2014/main" id="{C6DF4346-26F9-6343-A5F8-2C8411EC490E}"/>
+              </a:ext>
+            </a:extLst>
+          </p:cNvPr>
+          <p:cNvSpPr>
+            <a:spLocks noGrp="1"/>
+          </p:cNvSpPr>
+          <p:nvPr>
+            <p:ph type="title"/>
+          </p:nvPr>
+        </p:nvSpPr>
+        <p:spPr>
+          <a:xfrm>
+            <a:off x="516835" y="18255"/>
+            <a:ext cx="11675165" cy="1325563"/>
+          </a:xfrm>
+        </p:spPr>
+        <p:txBody>
+          <a:bodyPr>
+            <a:normAutofit/>
+          </a:bodyPr>
+          <a:lstStyle/>
+          <a:p>
+            <a:r>
+              <a:rPr lang="fr-FR" b="1" dirty="0" err="1">
+                <a:solidFill>
+                  <a:schemeClr val="bg1"/>
+                </a:solidFill>
+              </a:rPr>
+              <a:t>Defining</a:t>
+            </a:r>
+            <a:r>
+              <a:rPr lang="fr-FR" b="1" dirty="0">
+                <a:solidFill>
+                  <a:schemeClr val="bg1"/>
+                </a:solidFill>
+              </a:rPr>
+              <a:t> EPIC and FEATURES</a:t>
+            </a:r>
+          </a:p>
+        </p:txBody>
+      </p:sp>
+      <p:sp>
+        <p:nvSpPr>
+          <p:cNvPr id="3" name="ZoneTexte 2">
+            <a:extLst>
+              <a:ext uri="{FF2B5EF4-FFF2-40B4-BE49-F238E27FC236}">
+                <a16:creationId xmlns:a16="http://schemas.microsoft.com/office/drawing/2014/main" id="{BB41764B-1FC6-850B-5493-2BEA6A07603A}"/>
+              </a:ext>
+            </a:extLst>
+          </p:cNvPr>
+          <p:cNvSpPr txBox="1"/>
+          <p:nvPr/>
+        </p:nvSpPr>
+        <p:spPr>
+          <a:xfrm>
+            <a:off x="63737" y="1607259"/>
+            <a:ext cx="10564506" cy="646331"/>
+          </a:xfrm>
+          <a:prstGeom prst="rect">
+            <a:avLst/>
+          </a:prstGeom>
+          <a:noFill/>
+        </p:spPr>
+        <p:txBody>
+          <a:bodyPr wrap="square" rtlCol="0">
+            <a:spAutoFit/>
+          </a:bodyPr>
+          <a:lstStyle/>
+          <a:p>
+            <a:pPr lvl="1"/>
+            <a:r>
+              <a:rPr lang="fr-FR" dirty="0"/>
+              <a:t>Once </a:t>
+            </a:r>
+            <a:r>
+              <a:rPr lang="fr-FR" dirty="0" err="1"/>
+              <a:t>you</a:t>
+            </a:r>
+            <a:r>
+              <a:rPr lang="fr-FR" dirty="0"/>
+              <a:t> know </a:t>
+            </a:r>
+            <a:r>
+              <a:rPr lang="fr-FR" dirty="0" err="1"/>
+              <a:t>what</a:t>
+            </a:r>
+            <a:r>
+              <a:rPr lang="fr-FR" dirty="0"/>
+              <a:t> </a:t>
+            </a:r>
+            <a:r>
+              <a:rPr lang="fr-FR" dirty="0" err="1"/>
+              <a:t>you</a:t>
+            </a:r>
+            <a:r>
+              <a:rPr lang="fr-FR" dirty="0"/>
+              <a:t> </a:t>
+            </a:r>
+            <a:r>
+              <a:rPr lang="fr-FR" dirty="0" err="1"/>
+              <a:t>want</a:t>
+            </a:r>
+            <a:r>
+              <a:rPr lang="fr-FR" dirty="0"/>
+              <a:t>, </a:t>
+            </a:r>
+            <a:r>
+              <a:rPr lang="fr-FR" dirty="0" err="1"/>
+              <a:t>you</a:t>
+            </a:r>
+            <a:r>
+              <a:rPr lang="fr-FR" dirty="0"/>
+              <a:t> </a:t>
+            </a:r>
+            <a:r>
+              <a:rPr lang="fr-FR" dirty="0" err="1"/>
+              <a:t>then</a:t>
+            </a:r>
+            <a:r>
+              <a:rPr lang="fr-FR" dirty="0"/>
+              <a:t> </a:t>
+            </a:r>
+            <a:r>
+              <a:rPr lang="fr-FR" dirty="0" err="1"/>
+              <a:t>need</a:t>
+            </a:r>
+            <a:r>
+              <a:rPr lang="fr-FR" dirty="0"/>
+              <a:t> to </a:t>
+            </a:r>
+            <a:r>
+              <a:rPr lang="fr-FR" dirty="0" err="1"/>
+              <a:t>define</a:t>
+            </a:r>
+            <a:r>
+              <a:rPr lang="fr-FR" dirty="0"/>
+              <a:t> </a:t>
+            </a:r>
+            <a:r>
+              <a:rPr lang="fr-FR" dirty="0" err="1"/>
+              <a:t>very</a:t>
+            </a:r>
+            <a:r>
+              <a:rPr lang="fr-FR" dirty="0"/>
+              <a:t> </a:t>
+            </a:r>
+            <a:r>
+              <a:rPr lang="fr-FR" dirty="0" err="1"/>
+              <a:t>clearly</a:t>
+            </a:r>
+            <a:r>
+              <a:rPr lang="fr-FR" dirty="0"/>
+              <a:t> </a:t>
+            </a:r>
+            <a:r>
+              <a:rPr lang="fr-FR" dirty="0" err="1"/>
+              <a:t>what</a:t>
+            </a:r>
+            <a:r>
+              <a:rPr lang="fr-FR" dirty="0"/>
+              <a:t> </a:t>
+            </a:r>
+            <a:r>
+              <a:rPr lang="fr-FR" dirty="0" err="1"/>
+              <a:t>sub</a:t>
+            </a:r>
+            <a:r>
+              <a:rPr lang="fr-FR" dirty="0"/>
+              <a:t> </a:t>
+            </a:r>
+            <a:r>
+              <a:rPr lang="fr-FR" dirty="0" err="1"/>
+              <a:t>features</a:t>
+            </a:r>
+            <a:r>
+              <a:rPr lang="fr-FR" dirty="0"/>
+              <a:t> </a:t>
+            </a:r>
+            <a:r>
+              <a:rPr lang="fr-FR" dirty="0" err="1"/>
+              <a:t>will</a:t>
+            </a:r>
+            <a:r>
+              <a:rPr lang="fr-FR" dirty="0"/>
+              <a:t> </a:t>
+            </a:r>
+            <a:r>
+              <a:rPr lang="fr-FR" dirty="0" err="1"/>
+              <a:t>bring</a:t>
+            </a:r>
+            <a:r>
+              <a:rPr lang="fr-FR" dirty="0"/>
+              <a:t> </a:t>
+            </a:r>
+            <a:r>
+              <a:rPr lang="fr-FR" dirty="0" err="1"/>
+              <a:t>you</a:t>
+            </a:r>
+            <a:r>
+              <a:rPr lang="fr-FR" dirty="0"/>
+              <a:t> to the </a:t>
+            </a:r>
+            <a:r>
+              <a:rPr lang="fr-FR" dirty="0" err="1"/>
+              <a:t>result</a:t>
+            </a:r>
+            <a:endParaRPr lang="fr-FR" dirty="0"/>
+          </a:p>
+        </p:txBody>
+      </p:sp>
+      <p:pic>
+        <p:nvPicPr>
+          <p:cNvPr id="5122" name="Picture 2" descr="Epics, Stories, Themes, and Initiatives | Atlassian">
+            <a:extLst>
+              <a:ext uri="{FF2B5EF4-FFF2-40B4-BE49-F238E27FC236}">
+                <a16:creationId xmlns:a16="http://schemas.microsoft.com/office/drawing/2014/main" id="{9AFDE4F2-45D1-D3BA-78A6-3FA844B34D23}"/>
+              </a:ext>
+            </a:extLst>
+          </p:cNvPr>
+          <p:cNvPicPr>
+            <a:picLocks noChangeAspect="1" noChangeArrowheads="1"/>
+          </p:cNvPicPr>
+          <p:nvPr/>
+        </p:nvPicPr>
+        <p:blipFill>
+          <a:blip r:embed="rId2">
+            <a:extLst>
+              <a:ext uri="{28A0092B-C50C-407E-A947-70E740481C1C}">
+                <a14:useLocalDpi xmlns:a14="http://schemas.microsoft.com/office/drawing/2010/main" val="0"/>
+              </a:ext>
+            </a:extLst>
+          </a:blip>
+          <a:srcRect/>
+          <a:stretch>
+            <a:fillRect/>
+          </a:stretch>
+        </p:blipFill>
+        <p:spPr bwMode="auto">
+          <a:xfrm>
+            <a:off x="2001078" y="2498962"/>
+            <a:ext cx="7987748" cy="4153629"/>
+          </a:xfrm>
+          <a:prstGeom prst="rect">
+            <a:avLst/>
+          </a:prstGeom>
+          <a:noFill/>
+          <a:extLst>
+            <a:ext uri="{909E8E84-426E-40DD-AFC4-6F175D3DCCD1}">
+              <a14:hiddenFill xmlns:a14="http://schemas.microsoft.com/office/drawing/2010/main">
+                <a:solidFill>
+                  <a:srgbClr val="FFFFFF"/>
+                </a:solidFill>
+              </a14:hiddenFill>
+            </a:ext>
+          </a:extLst>
+        </p:spPr>
+      </p:pic>
+    </p:spTree>
+    <p:extLst>
+      <p:ext uri="{BB962C8B-B14F-4D97-AF65-F5344CB8AC3E}">
+        <p14:creationId xmlns:p14="http://schemas.microsoft.com/office/powerpoint/2010/main" val="595564690"/>
+      </p:ext>
+    </p:extLst>
+  </p:cSld>
+  <p:clrMapOvr>
+    <a:masterClrMapping/>
+  </p:clrMapOvr>
+</p:sld>
+</file>
+
+<file path=ppt/slides/slide42.xml><?xml version="1.0" encoding="utf-8"?>
+<p:sld xmlns:a="http://schemas.openxmlformats.org/drawingml/2006/main" xmlns:r="http://schemas.openxmlformats.org/officeDocument/2006/relationships" xmlns:p="http://schemas.openxmlformats.org/presentationml/2006/main">
+  <p:cSld>
+    <p:spTree>
+      <p:nvGrpSpPr>
+        <p:cNvPr id="1" name="">
+          <a:extLst>
+            <a:ext uri="{FF2B5EF4-FFF2-40B4-BE49-F238E27FC236}">
+              <a16:creationId xmlns:a16="http://schemas.microsoft.com/office/drawing/2014/main" id="{B055B328-3DF7-8894-70DA-D22D801473AA}"/>
+            </a:ext>
+          </a:extLst>
+        </p:cNvPr>
+        <p:cNvGrpSpPr/>
+        <p:nvPr/>
+      </p:nvGrpSpPr>
+      <p:grpSpPr>
+        <a:xfrm>
+          <a:off x="0" y="0"/>
+          <a:ext cx="0" cy="0"/>
+          <a:chOff x="0" y="0"/>
+          <a:chExt cx="0" cy="0"/>
+        </a:xfrm>
+      </p:grpSpPr>
+      <p:sp>
+        <p:nvSpPr>
+          <p:cNvPr id="5" name="Rectangle 4">
+            <a:extLst>
+              <a:ext uri="{FF2B5EF4-FFF2-40B4-BE49-F238E27FC236}">
+                <a16:creationId xmlns:a16="http://schemas.microsoft.com/office/drawing/2014/main" id="{DB82F452-0D88-79AF-CF86-029285708B61}"/>
+              </a:ext>
+            </a:extLst>
+          </p:cNvPr>
+          <p:cNvSpPr/>
+          <p:nvPr/>
+        </p:nvSpPr>
+        <p:spPr>
+          <a:xfrm>
+            <a:off x="0" y="0"/>
+            <a:ext cx="12192000" cy="1325563"/>
+          </a:xfrm>
+          <a:prstGeom prst="rect">
+            <a:avLst/>
+          </a:prstGeom>
+          <a:gradFill flip="none" rotWithShape="1">
+            <a:gsLst>
+              <a:gs pos="0">
+                <a:srgbClr val="314154">
+                  <a:shade val="30000"/>
+                  <a:satMod val="115000"/>
+                </a:srgbClr>
+              </a:gs>
+              <a:gs pos="50000">
+                <a:srgbClr val="314154">
+                  <a:shade val="67500"/>
+                  <a:satMod val="115000"/>
+                </a:srgbClr>
+              </a:gs>
+              <a:gs pos="100000">
+                <a:srgbClr val="314154">
+                  <a:shade val="100000"/>
+                  <a:satMod val="115000"/>
+                </a:srgbClr>
+              </a:gs>
+            </a:gsLst>
+            <a:lin ang="10800000" scaled="1"/>
+            <a:tileRect/>
+          </a:gradFill>
+        </p:spPr>
+        <p:style>
+          <a:lnRef idx="2">
+            <a:schemeClr val="accent1">
+              <a:shade val="15000"/>
+            </a:schemeClr>
+          </a:lnRef>
+          <a:fillRef idx="1">
+            <a:schemeClr val="accent1"/>
+          </a:fillRef>
+          <a:effectRef idx="0">
+            <a:schemeClr val="accent1"/>
+          </a:effectRef>
+          <a:fontRef idx="minor">
+            <a:schemeClr val="lt1"/>
+          </a:fontRef>
+        </p:style>
+        <p:txBody>
+          <a:bodyPr rtlCol="0" anchor="ctr"/>
+          <a:lstStyle/>
+          <a:p>
+            <a:pPr algn="ctr"/>
+            <a:endParaRPr lang="fr-FR"/>
+          </a:p>
+        </p:txBody>
+      </p:sp>
+      <p:sp>
+        <p:nvSpPr>
+          <p:cNvPr id="2" name="Titre 1">
+            <a:extLst>
+              <a:ext uri="{FF2B5EF4-FFF2-40B4-BE49-F238E27FC236}">
+                <a16:creationId xmlns:a16="http://schemas.microsoft.com/office/drawing/2014/main" id="{167C2572-AC0E-B1F0-5ED1-22A9A0832603}"/>
+              </a:ext>
+            </a:extLst>
+          </p:cNvPr>
+          <p:cNvSpPr>
+            <a:spLocks noGrp="1"/>
+          </p:cNvSpPr>
+          <p:nvPr>
+            <p:ph type="title"/>
+          </p:nvPr>
+        </p:nvSpPr>
+        <p:spPr>
+          <a:xfrm>
+            <a:off x="516835" y="18255"/>
+            <a:ext cx="11675165" cy="1325563"/>
+          </a:xfrm>
+        </p:spPr>
+        <p:txBody>
+          <a:bodyPr>
+            <a:normAutofit/>
+          </a:bodyPr>
+          <a:lstStyle/>
+          <a:p>
+            <a:r>
+              <a:rPr lang="fr-FR" b="1" dirty="0">
+                <a:solidFill>
+                  <a:schemeClr val="bg1"/>
+                </a:solidFill>
+              </a:rPr>
+              <a:t>A Kanban can help </a:t>
+            </a:r>
+            <a:r>
+              <a:rPr lang="fr-FR" b="1" dirty="0" err="1">
+                <a:solidFill>
+                  <a:schemeClr val="bg1"/>
+                </a:solidFill>
+              </a:rPr>
+              <a:t>keeping</a:t>
+            </a:r>
+            <a:r>
+              <a:rPr lang="fr-FR" b="1" dirty="0">
+                <a:solidFill>
+                  <a:schemeClr val="bg1"/>
+                </a:solidFill>
+              </a:rPr>
+              <a:t> </a:t>
+            </a:r>
+            <a:r>
+              <a:rPr lang="fr-FR" b="1" dirty="0" err="1">
+                <a:solidFill>
+                  <a:schemeClr val="bg1"/>
+                </a:solidFill>
+              </a:rPr>
+              <a:t>track</a:t>
+            </a:r>
+            <a:r>
+              <a:rPr lang="fr-FR" b="1" dirty="0">
+                <a:solidFill>
+                  <a:schemeClr val="bg1"/>
+                </a:solidFill>
+              </a:rPr>
+              <a:t> of progression</a:t>
+            </a:r>
+          </a:p>
+        </p:txBody>
+      </p:sp>
+      <p:sp>
+        <p:nvSpPr>
+          <p:cNvPr id="3" name="ZoneTexte 2">
+            <a:extLst>
+              <a:ext uri="{FF2B5EF4-FFF2-40B4-BE49-F238E27FC236}">
+                <a16:creationId xmlns:a16="http://schemas.microsoft.com/office/drawing/2014/main" id="{F0104040-8C05-198F-52A3-1A48C9DEC80F}"/>
+              </a:ext>
+            </a:extLst>
+          </p:cNvPr>
+          <p:cNvSpPr txBox="1"/>
+          <p:nvPr/>
+        </p:nvSpPr>
+        <p:spPr>
+          <a:xfrm>
+            <a:off x="63737" y="1607259"/>
+            <a:ext cx="10564506" cy="923330"/>
+          </a:xfrm>
+          <a:prstGeom prst="rect">
+            <a:avLst/>
+          </a:prstGeom>
+          <a:noFill/>
+        </p:spPr>
+        <p:txBody>
+          <a:bodyPr wrap="square" rtlCol="0">
+            <a:spAutoFit/>
+          </a:bodyPr>
+          <a:lstStyle/>
+          <a:p>
+            <a:pPr lvl="1"/>
+            <a:r>
+              <a:rPr lang="fr-FR" dirty="0" err="1"/>
+              <a:t>Development</a:t>
+            </a:r>
+            <a:r>
+              <a:rPr lang="fr-FR" dirty="0"/>
+              <a:t> can have </a:t>
+            </a:r>
+            <a:r>
+              <a:rPr lang="fr-FR" dirty="0" err="1"/>
+              <a:t>unpredictable</a:t>
+            </a:r>
+            <a:r>
+              <a:rPr lang="fr-FR" dirty="0"/>
+              <a:t> timelines, </a:t>
+            </a:r>
+            <a:r>
+              <a:rPr lang="fr-FR" dirty="0" err="1"/>
+              <a:t>sometime</a:t>
+            </a:r>
+            <a:r>
+              <a:rPr lang="fr-FR" dirty="0"/>
+              <a:t> </a:t>
+            </a:r>
+            <a:r>
+              <a:rPr lang="fr-FR" dirty="0" err="1"/>
+              <a:t>its</a:t>
+            </a:r>
+            <a:r>
+              <a:rPr lang="fr-FR" dirty="0"/>
+              <a:t> </a:t>
+            </a:r>
+            <a:r>
+              <a:rPr lang="fr-FR" dirty="0" err="1"/>
+              <a:t>completely</a:t>
+            </a:r>
+            <a:r>
+              <a:rPr lang="fr-FR" dirty="0"/>
+              <a:t> impossible to </a:t>
+            </a:r>
+            <a:r>
+              <a:rPr lang="fr-FR" dirty="0" err="1"/>
+              <a:t>predict</a:t>
+            </a:r>
+            <a:r>
+              <a:rPr lang="fr-FR" dirty="0"/>
+              <a:t> how </a:t>
+            </a:r>
+            <a:r>
+              <a:rPr lang="fr-FR" dirty="0" err="1"/>
+              <a:t>much</a:t>
+            </a:r>
+            <a:r>
+              <a:rPr lang="fr-FR" dirty="0"/>
+              <a:t> time a </a:t>
+            </a:r>
+            <a:r>
+              <a:rPr lang="fr-FR" dirty="0" err="1"/>
+              <a:t>given</a:t>
+            </a:r>
+            <a:r>
+              <a:rPr lang="fr-FR" dirty="0"/>
+              <a:t> </a:t>
+            </a:r>
+            <a:r>
+              <a:rPr lang="fr-FR" dirty="0" err="1"/>
+              <a:t>feature</a:t>
+            </a:r>
+            <a:r>
+              <a:rPr lang="fr-FR" dirty="0"/>
+              <a:t> </a:t>
+            </a:r>
+            <a:r>
+              <a:rPr lang="fr-FR" dirty="0" err="1"/>
+              <a:t>will</a:t>
+            </a:r>
+            <a:r>
+              <a:rPr lang="fr-FR" dirty="0"/>
+              <a:t> </a:t>
+            </a:r>
+            <a:r>
+              <a:rPr lang="fr-FR" dirty="0" err="1"/>
+              <a:t>take</a:t>
+            </a:r>
+            <a:r>
+              <a:rPr lang="fr-FR" dirty="0"/>
+              <a:t>. A kanban </a:t>
+            </a:r>
+            <a:r>
+              <a:rPr lang="fr-FR" dirty="0" err="1"/>
+              <a:t>is</a:t>
+            </a:r>
+            <a:r>
+              <a:rPr lang="fr-FR" dirty="0"/>
+              <a:t> a simple </a:t>
+            </a:r>
+            <a:r>
+              <a:rPr lang="fr-FR" dirty="0" err="1"/>
+              <a:t>tool</a:t>
+            </a:r>
+            <a:r>
+              <a:rPr lang="fr-FR" dirty="0"/>
+              <a:t> to help follow </a:t>
+            </a:r>
+            <a:r>
+              <a:rPr lang="fr-FR" dirty="0" err="1"/>
+              <a:t>progress</a:t>
+            </a:r>
+            <a:r>
+              <a:rPr lang="fr-FR" dirty="0"/>
+              <a:t> and </a:t>
+            </a:r>
+            <a:r>
+              <a:rPr lang="fr-FR" dirty="0" err="1"/>
+              <a:t>dynamically</a:t>
+            </a:r>
+            <a:r>
+              <a:rPr lang="fr-FR" dirty="0"/>
+              <a:t> </a:t>
+            </a:r>
+            <a:r>
+              <a:rPr lang="fr-FR" dirty="0" err="1"/>
+              <a:t>adjust</a:t>
+            </a:r>
+            <a:endParaRPr lang="fr-FR" dirty="0"/>
+          </a:p>
+        </p:txBody>
+      </p:sp>
+      <p:pic>
+        <p:nvPicPr>
+          <p:cNvPr id="6146" name="Picture 2" descr="Kanban Project Management System Flat Cartoon Stock Vector (Royalty Free)  1255748305 | Shutterstock">
+            <a:extLst>
+              <a:ext uri="{FF2B5EF4-FFF2-40B4-BE49-F238E27FC236}">
+                <a16:creationId xmlns:a16="http://schemas.microsoft.com/office/drawing/2014/main" id="{85D966C8-369B-EE14-39DD-6B01DEF95FA8}"/>
+              </a:ext>
+            </a:extLst>
+          </p:cNvPr>
+          <p:cNvPicPr>
+            <a:picLocks noChangeAspect="1" noChangeArrowheads="1"/>
+          </p:cNvPicPr>
+          <p:nvPr/>
+        </p:nvPicPr>
+        <p:blipFill rotWithShape="1">
+          <a:blip r:embed="rId2">
+            <a:extLst>
+              <a:ext uri="{28A0092B-C50C-407E-A947-70E740481C1C}">
+                <a14:useLocalDpi xmlns:a14="http://schemas.microsoft.com/office/drawing/2010/main" val="0"/>
+              </a:ext>
+            </a:extLst>
+          </a:blip>
+          <a:srcRect b="8120"/>
+          <a:stretch/>
+        </p:blipFill>
+        <p:spPr bwMode="auto">
+          <a:xfrm>
+            <a:off x="1718951" y="2722552"/>
+            <a:ext cx="8754097" cy="4117193"/>
+          </a:xfrm>
+          <a:prstGeom prst="rect">
+            <a:avLst/>
+          </a:prstGeom>
+          <a:noFill/>
+          <a:extLst>
+            <a:ext uri="{909E8E84-426E-40DD-AFC4-6F175D3DCCD1}">
+              <a14:hiddenFill xmlns:a14="http://schemas.microsoft.com/office/drawing/2010/main">
+                <a:solidFill>
+                  <a:srgbClr val="FFFFFF"/>
+                </a:solidFill>
+              </a14:hiddenFill>
+            </a:ext>
+          </a:extLst>
+        </p:spPr>
+      </p:pic>
+    </p:spTree>
+    <p:extLst>
+      <p:ext uri="{BB962C8B-B14F-4D97-AF65-F5344CB8AC3E}">
+        <p14:creationId xmlns:p14="http://schemas.microsoft.com/office/powerpoint/2010/main" val="1930378608"/>
+      </p:ext>
+    </p:extLst>
+  </p:cSld>
+  <p:clrMapOvr>
+    <a:masterClrMapping/>
+  </p:clrMapOvr>
+</p:sld>
+</file>
+
+<file path=ppt/slides/slide43.xml><?xml version="1.0" encoding="utf-8"?>
+<p:sld xmlns:a="http://schemas.openxmlformats.org/drawingml/2006/main" xmlns:r="http://schemas.openxmlformats.org/officeDocument/2006/relationships" xmlns:p="http://schemas.openxmlformats.org/presentationml/2006/main">
+  <p:cSld>
+    <p:spTree>
+      <p:nvGrpSpPr>
+        <p:cNvPr id="1" name="">
+          <a:extLst>
+            <a:ext uri="{FF2B5EF4-FFF2-40B4-BE49-F238E27FC236}">
+              <a16:creationId xmlns:a16="http://schemas.microsoft.com/office/drawing/2014/main" id="{B8EC9CF8-5D65-B0F5-402B-97020AB68F09}"/>
+            </a:ext>
+          </a:extLst>
+        </p:cNvPr>
+        <p:cNvGrpSpPr/>
+        <p:nvPr/>
+      </p:nvGrpSpPr>
+      <p:grpSpPr>
+        <a:xfrm>
+          <a:off x="0" y="0"/>
+          <a:ext cx="0" cy="0"/>
+          <a:chOff x="0" y="0"/>
+          <a:chExt cx="0" cy="0"/>
+        </a:xfrm>
+      </p:grpSpPr>
+      <p:sp>
+        <p:nvSpPr>
+          <p:cNvPr id="5" name="Rectangle 4">
+            <a:extLst>
+              <a:ext uri="{FF2B5EF4-FFF2-40B4-BE49-F238E27FC236}">
+                <a16:creationId xmlns:a16="http://schemas.microsoft.com/office/drawing/2014/main" id="{342D2299-D370-5D5B-7043-88F94D8CDAB6}"/>
+              </a:ext>
+            </a:extLst>
+          </p:cNvPr>
+          <p:cNvSpPr/>
+          <p:nvPr/>
+        </p:nvSpPr>
+        <p:spPr>
+          <a:xfrm>
+            <a:off x="0" y="0"/>
+            <a:ext cx="12192000" cy="1325563"/>
+          </a:xfrm>
+          <a:prstGeom prst="rect">
+            <a:avLst/>
+          </a:prstGeom>
+          <a:gradFill flip="none" rotWithShape="1">
+            <a:gsLst>
+              <a:gs pos="0">
+                <a:srgbClr val="314154">
+                  <a:shade val="30000"/>
+                  <a:satMod val="115000"/>
+                </a:srgbClr>
+              </a:gs>
+              <a:gs pos="50000">
+                <a:srgbClr val="314154">
+                  <a:shade val="67500"/>
+                  <a:satMod val="115000"/>
+                </a:srgbClr>
+              </a:gs>
+              <a:gs pos="100000">
+                <a:srgbClr val="314154">
+                  <a:shade val="100000"/>
+                  <a:satMod val="115000"/>
+                </a:srgbClr>
+              </a:gs>
+            </a:gsLst>
+            <a:lin ang="10800000" scaled="1"/>
+            <a:tileRect/>
+          </a:gradFill>
+        </p:spPr>
+        <p:style>
+          <a:lnRef idx="2">
+            <a:schemeClr val="accent1">
+              <a:shade val="15000"/>
+            </a:schemeClr>
+          </a:lnRef>
+          <a:fillRef idx="1">
+            <a:schemeClr val="accent1"/>
+          </a:fillRef>
+          <a:effectRef idx="0">
+            <a:schemeClr val="accent1"/>
+          </a:effectRef>
+          <a:fontRef idx="minor">
+            <a:schemeClr val="lt1"/>
+          </a:fontRef>
+        </p:style>
+        <p:txBody>
+          <a:bodyPr rtlCol="0" anchor="ctr"/>
+          <a:lstStyle/>
+          <a:p>
+            <a:pPr algn="ctr"/>
+            <a:endParaRPr lang="fr-FR"/>
+          </a:p>
+        </p:txBody>
+      </p:sp>
+      <p:sp>
+        <p:nvSpPr>
+          <p:cNvPr id="2" name="Titre 1">
+            <a:extLst>
+              <a:ext uri="{FF2B5EF4-FFF2-40B4-BE49-F238E27FC236}">
+                <a16:creationId xmlns:a16="http://schemas.microsoft.com/office/drawing/2014/main" id="{0B33F531-9F7B-EB1B-3C24-81857214C220}"/>
+              </a:ext>
+            </a:extLst>
+          </p:cNvPr>
+          <p:cNvSpPr>
+            <a:spLocks noGrp="1"/>
+          </p:cNvSpPr>
+          <p:nvPr>
+            <p:ph type="title"/>
+          </p:nvPr>
+        </p:nvSpPr>
+        <p:spPr>
+          <a:xfrm>
+            <a:off x="516835" y="18255"/>
+            <a:ext cx="11675165" cy="1325563"/>
+          </a:xfrm>
+        </p:spPr>
+        <p:txBody>
+          <a:bodyPr>
+            <a:normAutofit/>
+          </a:bodyPr>
+          <a:lstStyle/>
+          <a:p>
+            <a:r>
+              <a:rPr lang="fr-FR" b="1" dirty="0" err="1">
+                <a:solidFill>
+                  <a:schemeClr val="bg1"/>
+                </a:solidFill>
+              </a:rPr>
+              <a:t>Decompose</a:t>
+            </a:r>
+            <a:r>
+              <a:rPr lang="fr-FR" b="1" dirty="0">
+                <a:solidFill>
+                  <a:schemeClr val="bg1"/>
+                </a:solidFill>
+              </a:rPr>
+              <a:t> a </a:t>
+            </a:r>
+            <a:r>
+              <a:rPr lang="fr-FR" b="1" dirty="0" err="1">
+                <a:solidFill>
+                  <a:schemeClr val="bg1"/>
+                </a:solidFill>
+              </a:rPr>
+              <a:t>task</a:t>
+            </a:r>
+            <a:r>
+              <a:rPr lang="fr-FR" b="1" dirty="0">
+                <a:solidFill>
+                  <a:schemeClr val="bg1"/>
+                </a:solidFill>
+              </a:rPr>
+              <a:t> </a:t>
+            </a:r>
+            <a:r>
+              <a:rPr lang="fr-FR" b="1" dirty="0" err="1">
+                <a:solidFill>
+                  <a:schemeClr val="bg1"/>
+                </a:solidFill>
+              </a:rPr>
+              <a:t>into</a:t>
+            </a:r>
+            <a:r>
+              <a:rPr lang="fr-FR" b="1" dirty="0">
+                <a:solidFill>
+                  <a:schemeClr val="bg1"/>
+                </a:solidFill>
+              </a:rPr>
+              <a:t> a pipeline</a:t>
+            </a:r>
+          </a:p>
+        </p:txBody>
+      </p:sp>
+      <p:sp>
+        <p:nvSpPr>
+          <p:cNvPr id="3" name="ZoneTexte 2">
+            <a:extLst>
+              <a:ext uri="{FF2B5EF4-FFF2-40B4-BE49-F238E27FC236}">
+                <a16:creationId xmlns:a16="http://schemas.microsoft.com/office/drawing/2014/main" id="{F1AF3902-2D5D-8EE0-D94F-77D48FE692A9}"/>
+              </a:ext>
+            </a:extLst>
+          </p:cNvPr>
+          <p:cNvSpPr txBox="1"/>
+          <p:nvPr/>
+        </p:nvSpPr>
+        <p:spPr>
+          <a:xfrm>
+            <a:off x="63737" y="1415105"/>
+            <a:ext cx="10564506" cy="1200329"/>
+          </a:xfrm>
+          <a:prstGeom prst="rect">
+            <a:avLst/>
+          </a:prstGeom>
+          <a:noFill/>
+        </p:spPr>
+        <p:txBody>
+          <a:bodyPr wrap="square" rtlCol="0">
+            <a:spAutoFit/>
+          </a:bodyPr>
+          <a:lstStyle/>
+          <a:p>
+            <a:pPr lvl="1"/>
+            <a:r>
+              <a:rPr lang="fr-FR" dirty="0"/>
+              <a:t>On </a:t>
+            </a:r>
+            <a:r>
+              <a:rPr lang="fr-FR" dirty="0" err="1"/>
+              <a:t>each</a:t>
+            </a:r>
+            <a:r>
+              <a:rPr lang="fr-FR" dirty="0"/>
+              <a:t> </a:t>
+            </a:r>
+            <a:r>
+              <a:rPr lang="fr-FR" dirty="0" err="1"/>
+              <a:t>task</a:t>
+            </a:r>
+            <a:r>
+              <a:rPr lang="fr-FR" dirty="0"/>
+              <a:t>, </a:t>
+            </a:r>
+            <a:r>
+              <a:rPr lang="fr-FR" dirty="0" err="1"/>
+              <a:t>you</a:t>
+            </a:r>
+            <a:r>
+              <a:rPr lang="fr-FR" dirty="0"/>
+              <a:t> can </a:t>
+            </a:r>
+            <a:r>
+              <a:rPr lang="fr-FR" dirty="0" err="1"/>
+              <a:t>then</a:t>
+            </a:r>
+            <a:r>
+              <a:rPr lang="fr-FR" dirty="0"/>
+              <a:t> </a:t>
+            </a:r>
+            <a:r>
+              <a:rPr lang="fr-FR" dirty="0" err="1"/>
+              <a:t>decompose</a:t>
+            </a:r>
+            <a:r>
+              <a:rPr lang="fr-FR" dirty="0"/>
+              <a:t> </a:t>
+            </a:r>
+            <a:r>
+              <a:rPr lang="fr-FR" dirty="0" err="1"/>
+              <a:t>it</a:t>
+            </a:r>
+            <a:r>
+              <a:rPr lang="fr-FR" dirty="0"/>
+              <a:t> </a:t>
+            </a:r>
+            <a:r>
+              <a:rPr lang="fr-FR" dirty="0" err="1"/>
+              <a:t>into</a:t>
+            </a:r>
+            <a:r>
+              <a:rPr lang="fr-FR" dirty="0"/>
+              <a:t> micro </a:t>
+            </a:r>
+            <a:r>
+              <a:rPr lang="fr-FR" dirty="0" err="1"/>
+              <a:t>sub</a:t>
+            </a:r>
+            <a:r>
+              <a:rPr lang="fr-FR" dirty="0"/>
+              <a:t> </a:t>
+            </a:r>
+            <a:r>
+              <a:rPr lang="fr-FR" dirty="0" err="1"/>
+              <a:t>tasks</a:t>
+            </a:r>
+            <a:r>
+              <a:rPr lang="fr-FR" dirty="0"/>
+              <a:t> </a:t>
+            </a:r>
+            <a:r>
+              <a:rPr lang="fr-FR" dirty="0" err="1"/>
+              <a:t>that</a:t>
+            </a:r>
+            <a:r>
+              <a:rPr lang="fr-FR" dirty="0"/>
+              <a:t> </a:t>
+            </a:r>
+            <a:r>
+              <a:rPr lang="fr-FR" dirty="0" err="1"/>
+              <a:t>will</a:t>
+            </a:r>
+            <a:r>
+              <a:rPr lang="fr-FR" dirty="0"/>
+              <a:t> </a:t>
+            </a:r>
+            <a:r>
+              <a:rPr lang="fr-FR" dirty="0" err="1"/>
+              <a:t>be</a:t>
+            </a:r>
+            <a:r>
+              <a:rPr lang="fr-FR" dirty="0"/>
+              <a:t> </a:t>
+            </a:r>
+            <a:r>
+              <a:rPr lang="fr-FR" dirty="0" err="1"/>
+              <a:t>usefull</a:t>
+            </a:r>
+            <a:r>
+              <a:rPr lang="fr-FR" dirty="0"/>
+              <a:t> for </a:t>
+            </a:r>
+            <a:r>
+              <a:rPr lang="fr-FR" dirty="0" err="1"/>
+              <a:t>solving</a:t>
+            </a:r>
+            <a:r>
+              <a:rPr lang="fr-FR" dirty="0"/>
+              <a:t> </a:t>
+            </a:r>
+            <a:r>
+              <a:rPr lang="fr-FR" dirty="0" err="1"/>
+              <a:t>it</a:t>
+            </a:r>
+            <a:r>
+              <a:rPr lang="fr-FR" dirty="0"/>
+              <a:t>.</a:t>
+            </a:r>
+          </a:p>
+          <a:p>
+            <a:pPr lvl="1"/>
+            <a:endParaRPr lang="fr-FR" dirty="0"/>
+          </a:p>
+          <a:p>
+            <a:pPr lvl="1"/>
+            <a:r>
+              <a:rPr lang="fr-FR" dirty="0" err="1"/>
+              <a:t>Being</a:t>
+            </a:r>
+            <a:r>
+              <a:rPr lang="fr-FR" dirty="0"/>
+              <a:t> able to </a:t>
+            </a:r>
+            <a:r>
+              <a:rPr lang="fr-FR" dirty="0" err="1"/>
+              <a:t>clearly</a:t>
+            </a:r>
+            <a:r>
+              <a:rPr lang="fr-FR" dirty="0"/>
+              <a:t> breakdown a </a:t>
+            </a:r>
+            <a:r>
+              <a:rPr lang="fr-FR" dirty="0" err="1"/>
+              <a:t>complex</a:t>
+            </a:r>
+            <a:r>
+              <a:rPr lang="fr-FR" dirty="0"/>
+              <a:t> </a:t>
+            </a:r>
+            <a:r>
+              <a:rPr lang="fr-FR" dirty="0" err="1"/>
+              <a:t>task</a:t>
+            </a:r>
+            <a:r>
+              <a:rPr lang="fr-FR" dirty="0"/>
+              <a:t> </a:t>
+            </a:r>
+            <a:r>
+              <a:rPr lang="fr-FR" dirty="0" err="1"/>
+              <a:t>into</a:t>
+            </a:r>
+            <a:r>
+              <a:rPr lang="fr-FR" dirty="0"/>
+              <a:t> </a:t>
+            </a:r>
+            <a:r>
+              <a:rPr lang="fr-FR" dirty="0" err="1"/>
+              <a:t>several</a:t>
+            </a:r>
+            <a:r>
+              <a:rPr lang="fr-FR" dirty="0"/>
+              <a:t> micro </a:t>
+            </a:r>
+            <a:r>
+              <a:rPr lang="fr-FR" dirty="0" err="1"/>
+              <a:t>tasks</a:t>
+            </a:r>
+            <a:r>
+              <a:rPr lang="fr-FR" dirty="0"/>
+              <a:t>  </a:t>
+            </a:r>
+            <a:r>
+              <a:rPr lang="fr-FR" dirty="0" err="1"/>
+              <a:t>will</a:t>
+            </a:r>
+            <a:r>
+              <a:rPr lang="fr-FR" dirty="0"/>
+              <a:t> enable </a:t>
+            </a:r>
+            <a:r>
+              <a:rPr lang="fr-FR" dirty="0" err="1"/>
+              <a:t>tackling</a:t>
+            </a:r>
+            <a:r>
+              <a:rPr lang="fr-FR" dirty="0"/>
+              <a:t> </a:t>
+            </a:r>
+            <a:r>
+              <a:rPr lang="fr-FR" dirty="0" err="1"/>
+              <a:t>it</a:t>
+            </a:r>
+            <a:r>
+              <a:rPr lang="fr-FR" dirty="0"/>
+              <a:t> more </a:t>
+            </a:r>
+            <a:r>
+              <a:rPr lang="fr-FR" dirty="0" err="1"/>
+              <a:t>effectively</a:t>
+            </a:r>
+            <a:endParaRPr lang="fr-FR" dirty="0"/>
+          </a:p>
+        </p:txBody>
+      </p:sp>
+      <p:pic>
+        <p:nvPicPr>
+          <p:cNvPr id="7170" name="Picture 2" descr="Tutorial: Building An Analytics Data Pipeline In Python – Dataquest">
+            <a:extLst>
+              <a:ext uri="{FF2B5EF4-FFF2-40B4-BE49-F238E27FC236}">
+                <a16:creationId xmlns:a16="http://schemas.microsoft.com/office/drawing/2014/main" id="{ADCF81CC-9E89-F2C9-3284-DD1B8A663EC1}"/>
+              </a:ext>
+            </a:extLst>
+          </p:cNvPr>
+          <p:cNvPicPr>
+            <a:picLocks noChangeAspect="1" noChangeArrowheads="1"/>
+          </p:cNvPicPr>
+          <p:nvPr/>
+        </p:nvPicPr>
+        <p:blipFill>
+          <a:blip r:embed="rId2">
+            <a:extLst>
+              <a:ext uri="{28A0092B-C50C-407E-A947-70E740481C1C}">
+                <a14:useLocalDpi xmlns:a14="http://schemas.microsoft.com/office/drawing/2010/main" val="0"/>
+              </a:ext>
+            </a:extLst>
+          </a:blip>
+          <a:srcRect/>
+          <a:stretch>
+            <a:fillRect/>
+          </a:stretch>
+        </p:blipFill>
+        <p:spPr bwMode="auto">
+          <a:xfrm>
+            <a:off x="2577548" y="3158661"/>
+            <a:ext cx="6632714" cy="3504629"/>
+          </a:xfrm>
+          <a:prstGeom prst="rect">
+            <a:avLst/>
+          </a:prstGeom>
+          <a:noFill/>
+          <a:extLst>
+            <a:ext uri="{909E8E84-426E-40DD-AFC4-6F175D3DCCD1}">
+              <a14:hiddenFill xmlns:a14="http://schemas.microsoft.com/office/drawing/2010/main">
+                <a:solidFill>
+                  <a:srgbClr val="FFFFFF"/>
+                </a:solidFill>
+              </a14:hiddenFill>
+            </a:ext>
+          </a:extLst>
+        </p:spPr>
+      </p:pic>
+    </p:spTree>
+    <p:extLst>
+      <p:ext uri="{BB962C8B-B14F-4D97-AF65-F5344CB8AC3E}">
+        <p14:creationId xmlns:p14="http://schemas.microsoft.com/office/powerpoint/2010/main" val="3984378332"/>
+      </p:ext>
+    </p:extLst>
+  </p:cSld>
+  <p:clrMapOvr>
+    <a:masterClrMapping/>
+  </p:clrMapOvr>
+</p:sld>
+</file>
+
+<file path=ppt/slides/slide44.xml><?xml version="1.0" encoding="utf-8"?>
+<p:sld xmlns:a="http://schemas.openxmlformats.org/drawingml/2006/main" xmlns:r="http://schemas.openxmlformats.org/officeDocument/2006/relationships" xmlns:p="http://schemas.openxmlformats.org/presentationml/2006/main">
+  <p:cSld>
+    <p:spTree>
+      <p:nvGrpSpPr>
+        <p:cNvPr id="1" name="">
+          <a:extLst>
+            <a:ext uri="{FF2B5EF4-FFF2-40B4-BE49-F238E27FC236}">
+              <a16:creationId xmlns:a16="http://schemas.microsoft.com/office/drawing/2014/main" id="{643382A1-EECD-808F-1616-4C5C35FC62E2}"/>
+            </a:ext>
+          </a:extLst>
+        </p:cNvPr>
+        <p:cNvGrpSpPr/>
+        <p:nvPr/>
+      </p:nvGrpSpPr>
+      <p:grpSpPr>
+        <a:xfrm>
+          <a:off x="0" y="0"/>
+          <a:ext cx="0" cy="0"/>
+          <a:chOff x="0" y="0"/>
+          <a:chExt cx="0" cy="0"/>
+        </a:xfrm>
+      </p:grpSpPr>
+      <p:sp>
+        <p:nvSpPr>
+          <p:cNvPr id="5" name="Rectangle 4">
+            <a:extLst>
+              <a:ext uri="{FF2B5EF4-FFF2-40B4-BE49-F238E27FC236}">
+                <a16:creationId xmlns:a16="http://schemas.microsoft.com/office/drawing/2014/main" id="{1F6E6B87-299C-49E3-F019-BFEF6B15E132}"/>
+              </a:ext>
+            </a:extLst>
+          </p:cNvPr>
+          <p:cNvSpPr/>
+          <p:nvPr/>
+        </p:nvSpPr>
+        <p:spPr>
+          <a:xfrm>
+            <a:off x="0" y="0"/>
+            <a:ext cx="12192000" cy="1325563"/>
+          </a:xfrm>
+          <a:prstGeom prst="rect">
+            <a:avLst/>
+          </a:prstGeom>
+          <a:gradFill flip="none" rotWithShape="1">
+            <a:gsLst>
+              <a:gs pos="0">
+                <a:srgbClr val="314154">
+                  <a:shade val="30000"/>
+                  <a:satMod val="115000"/>
+                </a:srgbClr>
+              </a:gs>
+              <a:gs pos="50000">
+                <a:srgbClr val="314154">
+                  <a:shade val="67500"/>
+                  <a:satMod val="115000"/>
+                </a:srgbClr>
+              </a:gs>
+              <a:gs pos="100000">
+                <a:srgbClr val="314154">
+                  <a:shade val="100000"/>
+                  <a:satMod val="115000"/>
+                </a:srgbClr>
+              </a:gs>
+            </a:gsLst>
+            <a:lin ang="10800000" scaled="1"/>
+            <a:tileRect/>
+          </a:gradFill>
+        </p:spPr>
+        <p:style>
+          <a:lnRef idx="2">
+            <a:schemeClr val="accent1">
+              <a:shade val="15000"/>
+            </a:schemeClr>
+          </a:lnRef>
+          <a:fillRef idx="1">
+            <a:schemeClr val="accent1"/>
+          </a:fillRef>
+          <a:effectRef idx="0">
+            <a:schemeClr val="accent1"/>
+          </a:effectRef>
+          <a:fontRef idx="minor">
+            <a:schemeClr val="lt1"/>
+          </a:fontRef>
+        </p:style>
+        <p:txBody>
+          <a:bodyPr rtlCol="0" anchor="ctr"/>
+          <a:lstStyle/>
+          <a:p>
+            <a:pPr algn="ctr"/>
+            <a:endParaRPr lang="fr-FR"/>
+          </a:p>
+        </p:txBody>
+      </p:sp>
+      <p:sp>
+        <p:nvSpPr>
+          <p:cNvPr id="2" name="Titre 1">
+            <a:extLst>
+              <a:ext uri="{FF2B5EF4-FFF2-40B4-BE49-F238E27FC236}">
+                <a16:creationId xmlns:a16="http://schemas.microsoft.com/office/drawing/2014/main" id="{B1E71CA6-E908-FEF4-E282-C51B9ADC263B}"/>
+              </a:ext>
+            </a:extLst>
+          </p:cNvPr>
+          <p:cNvSpPr>
+            <a:spLocks noGrp="1"/>
+          </p:cNvSpPr>
+          <p:nvPr>
+            <p:ph type="title"/>
+          </p:nvPr>
+        </p:nvSpPr>
+        <p:spPr>
+          <a:xfrm>
+            <a:off x="516835" y="18255"/>
+            <a:ext cx="11675165" cy="1325563"/>
+          </a:xfrm>
+        </p:spPr>
+        <p:txBody>
+          <a:bodyPr>
+            <a:normAutofit/>
+          </a:bodyPr>
+          <a:lstStyle/>
+          <a:p>
+            <a:r>
+              <a:rPr lang="fr-FR" b="1" dirty="0">
+                <a:solidFill>
+                  <a:schemeClr val="bg1"/>
+                </a:solidFill>
+              </a:rPr>
+              <a:t>TD : Frame a </a:t>
+            </a:r>
+            <a:r>
+              <a:rPr lang="fr-FR" b="1" dirty="0" err="1">
+                <a:solidFill>
+                  <a:schemeClr val="bg1"/>
+                </a:solidFill>
+              </a:rPr>
+              <a:t>small</a:t>
+            </a:r>
+            <a:r>
+              <a:rPr lang="fr-FR" b="1" dirty="0">
+                <a:solidFill>
+                  <a:schemeClr val="bg1"/>
+                </a:solidFill>
+              </a:rPr>
+              <a:t> </a:t>
+            </a:r>
+            <a:r>
+              <a:rPr lang="fr-FR" b="1" dirty="0" err="1">
+                <a:solidFill>
+                  <a:schemeClr val="bg1"/>
+                </a:solidFill>
+              </a:rPr>
+              <a:t>development</a:t>
+            </a:r>
+            <a:r>
+              <a:rPr lang="fr-FR" b="1" dirty="0">
+                <a:solidFill>
+                  <a:schemeClr val="bg1"/>
+                </a:solidFill>
+              </a:rPr>
+              <a:t> framing for </a:t>
+            </a:r>
+            <a:r>
+              <a:rPr lang="fr-FR" b="1" dirty="0" err="1">
+                <a:solidFill>
+                  <a:schemeClr val="bg1"/>
+                </a:solidFill>
+              </a:rPr>
+              <a:t>common</a:t>
+            </a:r>
+            <a:r>
+              <a:rPr lang="fr-FR" b="1" dirty="0">
+                <a:solidFill>
+                  <a:schemeClr val="bg1"/>
+                </a:solidFill>
+              </a:rPr>
+              <a:t> single </a:t>
+            </a:r>
+            <a:r>
+              <a:rPr lang="fr-FR" b="1" dirty="0" err="1">
+                <a:solidFill>
+                  <a:schemeClr val="bg1"/>
+                </a:solidFill>
+              </a:rPr>
+              <a:t>feature</a:t>
+            </a:r>
+            <a:r>
+              <a:rPr lang="fr-FR" b="1" dirty="0">
+                <a:solidFill>
+                  <a:schemeClr val="bg1"/>
+                </a:solidFill>
+              </a:rPr>
+              <a:t> apps (groups of five)</a:t>
+            </a:r>
+          </a:p>
+        </p:txBody>
+      </p:sp>
+      <p:grpSp>
+        <p:nvGrpSpPr>
+          <p:cNvPr id="12" name="Groupe 11">
+            <a:extLst>
+              <a:ext uri="{FF2B5EF4-FFF2-40B4-BE49-F238E27FC236}">
+                <a16:creationId xmlns:a16="http://schemas.microsoft.com/office/drawing/2014/main" id="{727300FD-D1DF-FC7A-4CEE-D0DBACF96E56}"/>
+              </a:ext>
+            </a:extLst>
+          </p:cNvPr>
+          <p:cNvGrpSpPr/>
+          <p:nvPr/>
+        </p:nvGrpSpPr>
+        <p:grpSpPr>
+          <a:xfrm>
+            <a:off x="742119" y="2358539"/>
+            <a:ext cx="2256183" cy="3138736"/>
+            <a:chOff x="742119" y="2583825"/>
+            <a:chExt cx="2256183" cy="3138736"/>
+          </a:xfrm>
+        </p:grpSpPr>
+        <p:pic>
+          <p:nvPicPr>
+            <p:cNvPr id="8194" name="Picture 2">
+              <a:extLst>
+                <a:ext uri="{FF2B5EF4-FFF2-40B4-BE49-F238E27FC236}">
+                  <a16:creationId xmlns:a16="http://schemas.microsoft.com/office/drawing/2014/main" id="{CB9D5D67-0EED-CE75-8AB1-E267D99E2FD4}"/>
+                </a:ext>
+              </a:extLst>
+            </p:cNvPr>
+            <p:cNvPicPr>
+              <a:picLocks noChangeAspect="1" noChangeArrowheads="1"/>
+            </p:cNvPicPr>
+            <p:nvPr/>
+          </p:nvPicPr>
+          <p:blipFill>
+            <a:blip r:embed="rId2">
+              <a:extLst>
+                <a:ext uri="{28A0092B-C50C-407E-A947-70E740481C1C}">
+                  <a14:useLocalDpi xmlns:a14="http://schemas.microsoft.com/office/drawing/2010/main" val="0"/>
+                </a:ext>
+              </a:extLst>
+            </a:blip>
+            <a:srcRect/>
+            <a:stretch>
+              <a:fillRect/>
+            </a:stretch>
+          </p:blipFill>
+          <p:spPr bwMode="auto">
+            <a:xfrm>
+              <a:off x="742119" y="2583825"/>
+              <a:ext cx="2256183" cy="2256183"/>
+            </a:xfrm>
+            <a:prstGeom prst="rect">
+              <a:avLst/>
+            </a:prstGeom>
+            <a:noFill/>
+            <a:extLst>
+              <a:ext uri="{909E8E84-426E-40DD-AFC4-6F175D3DCCD1}">
+                <a14:hiddenFill xmlns:a14="http://schemas.microsoft.com/office/drawing/2010/main">
+                  <a:solidFill>
+                    <a:srgbClr val="FFFFFF"/>
+                  </a:solidFill>
+                </a14:hiddenFill>
+              </a:ext>
+            </a:extLst>
+          </p:spPr>
+        </p:pic>
+        <p:sp>
+          <p:nvSpPr>
+            <p:cNvPr id="4" name="ZoneTexte 3">
+              <a:extLst>
+                <a:ext uri="{FF2B5EF4-FFF2-40B4-BE49-F238E27FC236}">
+                  <a16:creationId xmlns:a16="http://schemas.microsoft.com/office/drawing/2014/main" id="{E9F77F9A-3476-74D4-7299-8D437CD10DEF}"/>
+                </a:ext>
+              </a:extLst>
+            </p:cNvPr>
+            <p:cNvSpPr txBox="1"/>
+            <p:nvPr/>
+          </p:nvSpPr>
+          <p:spPr>
+            <a:xfrm>
+              <a:off x="1265237" y="5076230"/>
+              <a:ext cx="1209947" cy="646331"/>
+            </a:xfrm>
+            <a:prstGeom prst="rect">
+              <a:avLst/>
+            </a:prstGeom>
+            <a:noFill/>
+          </p:spPr>
+          <p:txBody>
+            <a:bodyPr wrap="none" rtlCol="0">
+              <a:spAutoFit/>
+            </a:bodyPr>
+            <a:lstStyle/>
+            <a:p>
+              <a:pPr algn="ctr"/>
+              <a:r>
+                <a:rPr lang="fr-FR" dirty="0"/>
+                <a:t>Rich</a:t>
+              </a:r>
+            </a:p>
+            <a:p>
+              <a:pPr algn="ctr"/>
+              <a:r>
+                <a:rPr lang="fr-FR" dirty="0" err="1"/>
+                <a:t>Text</a:t>
+              </a:r>
+              <a:r>
+                <a:rPr lang="fr-FR" dirty="0"/>
+                <a:t> Editor</a:t>
+              </a:r>
+            </a:p>
+          </p:txBody>
+        </p:sp>
+      </p:grpSp>
+      <p:grpSp>
+        <p:nvGrpSpPr>
+          <p:cNvPr id="11" name="Groupe 10">
+            <a:extLst>
+              <a:ext uri="{FF2B5EF4-FFF2-40B4-BE49-F238E27FC236}">
+                <a16:creationId xmlns:a16="http://schemas.microsoft.com/office/drawing/2014/main" id="{925C01C9-87D2-EAEA-C899-C563FF86C7E7}"/>
+              </a:ext>
+            </a:extLst>
+          </p:cNvPr>
+          <p:cNvGrpSpPr/>
+          <p:nvPr/>
+        </p:nvGrpSpPr>
+        <p:grpSpPr>
+          <a:xfrm>
+            <a:off x="3619736" y="2358540"/>
+            <a:ext cx="2256183" cy="3138735"/>
+            <a:chOff x="3372681" y="2583826"/>
+            <a:chExt cx="2256183" cy="3138735"/>
+          </a:xfrm>
+        </p:grpSpPr>
+        <p:pic>
+          <p:nvPicPr>
+            <p:cNvPr id="8198" name="Picture 6" descr="Utilisation de ChatGPT dans l'éducation — Wikipédia">
+              <a:extLst>
+                <a:ext uri="{FF2B5EF4-FFF2-40B4-BE49-F238E27FC236}">
+                  <a16:creationId xmlns:a16="http://schemas.microsoft.com/office/drawing/2014/main" id="{A3D956D7-0E89-D54B-DA01-2A4008F6D074}"/>
+                </a:ext>
+              </a:extLst>
+            </p:cNvPr>
+            <p:cNvPicPr>
+              <a:picLocks noChangeAspect="1" noChangeArrowheads="1"/>
+            </p:cNvPicPr>
+            <p:nvPr/>
+          </p:nvPicPr>
+          <p:blipFill>
+            <a:blip r:embed="rId3">
+              <a:extLst>
+                <a:ext uri="{28A0092B-C50C-407E-A947-70E740481C1C}">
+                  <a14:useLocalDpi xmlns:a14="http://schemas.microsoft.com/office/drawing/2010/main" val="0"/>
+                </a:ext>
+              </a:extLst>
+            </a:blip>
+            <a:srcRect/>
+            <a:stretch>
+              <a:fillRect/>
+            </a:stretch>
+          </p:blipFill>
+          <p:spPr bwMode="auto">
+            <a:xfrm>
+              <a:off x="3372681" y="2583826"/>
+              <a:ext cx="2256183" cy="2256183"/>
+            </a:xfrm>
+            <a:prstGeom prst="rect">
+              <a:avLst/>
+            </a:prstGeom>
+            <a:noFill/>
+            <a:extLst>
+              <a:ext uri="{909E8E84-426E-40DD-AFC4-6F175D3DCCD1}">
+                <a14:hiddenFill xmlns:a14="http://schemas.microsoft.com/office/drawing/2010/main">
+                  <a:solidFill>
+                    <a:srgbClr val="FFFFFF"/>
+                  </a:solidFill>
+                </a14:hiddenFill>
+              </a:ext>
+            </a:extLst>
+          </p:spPr>
+        </p:pic>
+        <p:sp>
+          <p:nvSpPr>
+            <p:cNvPr id="6" name="ZoneTexte 5">
+              <a:extLst>
+                <a:ext uri="{FF2B5EF4-FFF2-40B4-BE49-F238E27FC236}">
+                  <a16:creationId xmlns:a16="http://schemas.microsoft.com/office/drawing/2014/main" id="{3E35ECD6-9FC6-E738-F424-611F4B6112E1}"/>
+                </a:ext>
+              </a:extLst>
+            </p:cNvPr>
+            <p:cNvSpPr txBox="1"/>
+            <p:nvPr/>
+          </p:nvSpPr>
+          <p:spPr>
+            <a:xfrm>
+              <a:off x="3999353" y="5076230"/>
+              <a:ext cx="1002839" cy="646331"/>
+            </a:xfrm>
+            <a:prstGeom prst="rect">
+              <a:avLst/>
+            </a:prstGeom>
+            <a:noFill/>
+          </p:spPr>
+          <p:txBody>
+            <a:bodyPr wrap="none" rtlCol="0">
+              <a:spAutoFit/>
+            </a:bodyPr>
+            <a:lstStyle/>
+            <a:p>
+              <a:r>
+                <a:rPr lang="fr-FR" dirty="0" err="1"/>
+                <a:t>Assitant</a:t>
+              </a:r>
+              <a:endParaRPr lang="fr-FR" dirty="0"/>
+            </a:p>
+            <a:p>
+              <a:r>
+                <a:rPr lang="fr-FR" dirty="0" err="1"/>
+                <a:t>Chatbot</a:t>
+              </a:r>
+              <a:endParaRPr lang="fr-FR" dirty="0"/>
+            </a:p>
+          </p:txBody>
+        </p:sp>
+      </p:grpSp>
+      <p:grpSp>
+        <p:nvGrpSpPr>
+          <p:cNvPr id="10" name="Groupe 9">
+            <a:extLst>
+              <a:ext uri="{FF2B5EF4-FFF2-40B4-BE49-F238E27FC236}">
+                <a16:creationId xmlns:a16="http://schemas.microsoft.com/office/drawing/2014/main" id="{3B8C5F8A-8789-2CE3-893D-5C7641923316}"/>
+              </a:ext>
+            </a:extLst>
+          </p:cNvPr>
+          <p:cNvGrpSpPr/>
+          <p:nvPr/>
+        </p:nvGrpSpPr>
+        <p:grpSpPr>
+          <a:xfrm>
+            <a:off x="6497353" y="2358540"/>
+            <a:ext cx="2256183" cy="3138735"/>
+            <a:chOff x="5996608" y="2583826"/>
+            <a:chExt cx="2256183" cy="3138735"/>
+          </a:xfrm>
+        </p:grpSpPr>
+        <p:pic>
+          <p:nvPicPr>
+            <p:cNvPr id="8200" name="Picture 8">
+              <a:extLst>
+                <a:ext uri="{FF2B5EF4-FFF2-40B4-BE49-F238E27FC236}">
+                  <a16:creationId xmlns:a16="http://schemas.microsoft.com/office/drawing/2014/main" id="{DDE5228F-B329-737D-4F13-F1BD807C62E2}"/>
+                </a:ext>
+              </a:extLst>
+            </p:cNvPr>
+            <p:cNvPicPr>
+              <a:picLocks noChangeAspect="1" noChangeArrowheads="1"/>
+            </p:cNvPicPr>
+            <p:nvPr/>
+          </p:nvPicPr>
+          <p:blipFill>
+            <a:blip r:embed="rId4">
+              <a:extLst>
+                <a:ext uri="{28A0092B-C50C-407E-A947-70E740481C1C}">
+                  <a14:useLocalDpi xmlns:a14="http://schemas.microsoft.com/office/drawing/2010/main" val="0"/>
+                </a:ext>
+              </a:extLst>
+            </a:blip>
+            <a:srcRect/>
+            <a:stretch>
+              <a:fillRect/>
+            </a:stretch>
+          </p:blipFill>
+          <p:spPr bwMode="auto">
+            <a:xfrm>
+              <a:off x="5996608" y="2583826"/>
+              <a:ext cx="2256183" cy="2256183"/>
+            </a:xfrm>
+            <a:prstGeom prst="rect">
+              <a:avLst/>
+            </a:prstGeom>
+            <a:noFill/>
+            <a:extLst>
+              <a:ext uri="{909E8E84-426E-40DD-AFC4-6F175D3DCCD1}">
+                <a14:hiddenFill xmlns:a14="http://schemas.microsoft.com/office/drawing/2010/main">
+                  <a:solidFill>
+                    <a:srgbClr val="FFFFFF"/>
+                  </a:solidFill>
+                </a14:hiddenFill>
+              </a:ext>
+            </a:extLst>
+          </p:spPr>
+        </p:pic>
+        <p:sp>
+          <p:nvSpPr>
+            <p:cNvPr id="7" name="ZoneTexte 6">
+              <a:extLst>
+                <a:ext uri="{FF2B5EF4-FFF2-40B4-BE49-F238E27FC236}">
+                  <a16:creationId xmlns:a16="http://schemas.microsoft.com/office/drawing/2014/main" id="{6B7D4E12-914F-0A65-71BD-9EFCD496D209}"/>
+                </a:ext>
+              </a:extLst>
+            </p:cNvPr>
+            <p:cNvSpPr txBox="1"/>
+            <p:nvPr/>
+          </p:nvSpPr>
+          <p:spPr>
+            <a:xfrm>
+              <a:off x="6683681" y="5076230"/>
+              <a:ext cx="882036" cy="646331"/>
+            </a:xfrm>
+            <a:prstGeom prst="rect">
+              <a:avLst/>
+            </a:prstGeom>
+            <a:noFill/>
+          </p:spPr>
+          <p:txBody>
+            <a:bodyPr wrap="none" rtlCol="0">
+              <a:spAutoFit/>
+            </a:bodyPr>
+            <a:lstStyle/>
+            <a:p>
+              <a:r>
+                <a:rPr lang="fr-FR" dirty="0" err="1"/>
+                <a:t>Search</a:t>
+              </a:r>
+              <a:endParaRPr lang="fr-FR" dirty="0"/>
+            </a:p>
+            <a:p>
+              <a:r>
+                <a:rPr lang="fr-FR" dirty="0"/>
+                <a:t>Engine</a:t>
+              </a:r>
+            </a:p>
+          </p:txBody>
+        </p:sp>
+      </p:grpSp>
+      <p:grpSp>
+        <p:nvGrpSpPr>
+          <p:cNvPr id="9" name="Groupe 8">
+            <a:extLst>
+              <a:ext uri="{FF2B5EF4-FFF2-40B4-BE49-F238E27FC236}">
+                <a16:creationId xmlns:a16="http://schemas.microsoft.com/office/drawing/2014/main" id="{67887824-868F-F982-A8F1-F06E3C53755F}"/>
+              </a:ext>
+            </a:extLst>
+          </p:cNvPr>
+          <p:cNvGrpSpPr/>
+          <p:nvPr/>
+        </p:nvGrpSpPr>
+        <p:grpSpPr>
+          <a:xfrm>
+            <a:off x="9374971" y="2421136"/>
+            <a:ext cx="2143125" cy="3082208"/>
+            <a:chOff x="8748299" y="2640353"/>
+            <a:chExt cx="2143125" cy="3082208"/>
+          </a:xfrm>
+        </p:grpSpPr>
+        <p:pic>
+          <p:nvPicPr>
+            <p:cNvPr id="8202" name="Picture 10" descr="Visual Studio Code — Wikipédia">
+              <a:extLst>
+                <a:ext uri="{FF2B5EF4-FFF2-40B4-BE49-F238E27FC236}">
+                  <a16:creationId xmlns:a16="http://schemas.microsoft.com/office/drawing/2014/main" id="{E3B9CC34-E89E-1966-FD3C-80ADD8D245EB}"/>
+                </a:ext>
+              </a:extLst>
+            </p:cNvPr>
+            <p:cNvPicPr>
+              <a:picLocks noChangeAspect="1" noChangeArrowheads="1"/>
+            </p:cNvPicPr>
+            <p:nvPr/>
+          </p:nvPicPr>
+          <p:blipFill>
+            <a:blip r:embed="rId5">
+              <a:extLst>
+                <a:ext uri="{28A0092B-C50C-407E-A947-70E740481C1C}">
+                  <a14:useLocalDpi xmlns:a14="http://schemas.microsoft.com/office/drawing/2010/main" val="0"/>
+                </a:ext>
+              </a:extLst>
+            </a:blip>
+            <a:srcRect/>
+            <a:stretch>
+              <a:fillRect/>
+            </a:stretch>
+          </p:blipFill>
+          <p:spPr bwMode="auto">
+            <a:xfrm>
+              <a:off x="8748299" y="2640353"/>
+              <a:ext cx="2143125" cy="2143125"/>
+            </a:xfrm>
+            <a:prstGeom prst="rect">
+              <a:avLst/>
+            </a:prstGeom>
+            <a:noFill/>
+            <a:extLst>
+              <a:ext uri="{909E8E84-426E-40DD-AFC4-6F175D3DCCD1}">
+                <a14:hiddenFill xmlns:a14="http://schemas.microsoft.com/office/drawing/2010/main">
+                  <a:solidFill>
+                    <a:srgbClr val="FFFFFF"/>
+                  </a:solidFill>
+                </a14:hiddenFill>
+              </a:ext>
+            </a:extLst>
+          </p:spPr>
+        </p:pic>
+        <p:sp>
+          <p:nvSpPr>
+            <p:cNvPr id="8" name="ZoneTexte 7">
+              <a:extLst>
+                <a:ext uri="{FF2B5EF4-FFF2-40B4-BE49-F238E27FC236}">
+                  <a16:creationId xmlns:a16="http://schemas.microsoft.com/office/drawing/2014/main" id="{FE884004-4E91-80A2-511D-A23B8F4A0DDC}"/>
+                </a:ext>
+              </a:extLst>
+            </p:cNvPr>
+            <p:cNvSpPr txBox="1"/>
+            <p:nvPr/>
+          </p:nvSpPr>
+          <p:spPr>
+            <a:xfrm>
+              <a:off x="9097292" y="5076230"/>
+              <a:ext cx="1445139" cy="646331"/>
+            </a:xfrm>
+            <a:prstGeom prst="rect">
+              <a:avLst/>
+            </a:prstGeom>
+            <a:noFill/>
+          </p:spPr>
+          <p:txBody>
+            <a:bodyPr wrap="none" rtlCol="0">
+              <a:spAutoFit/>
+            </a:bodyPr>
+            <a:lstStyle/>
+            <a:p>
+              <a:pPr algn="ctr"/>
+              <a:r>
+                <a:rPr lang="fr-FR" dirty="0"/>
+                <a:t>Coding</a:t>
+              </a:r>
+            </a:p>
+            <a:p>
+              <a:pPr algn="ctr"/>
+              <a:r>
+                <a:rPr lang="fr-FR" dirty="0" err="1"/>
+                <a:t>Environment</a:t>
+              </a:r>
+              <a:endParaRPr lang="fr-FR" dirty="0"/>
+            </a:p>
+          </p:txBody>
+        </p:sp>
+      </p:grpSp>
+    </p:spTree>
+    <p:extLst>
+      <p:ext uri="{BB962C8B-B14F-4D97-AF65-F5344CB8AC3E}">
+        <p14:creationId xmlns:p14="http://schemas.microsoft.com/office/powerpoint/2010/main" val="2351554141"/>
+      </p:ext>
+    </p:extLst>
+  </p:cSld>
+  <p:clrMapOvr>
+    <a:masterClrMapping/>
+  </p:clrMapOvr>
+</p:sld>
+</file>
+
+<file path=ppt/slides/slide45.xml><?xml version="1.0" encoding="utf-8"?>
+<p:sld xmlns:a="http://schemas.openxmlformats.org/drawingml/2006/main" xmlns:r="http://schemas.openxmlformats.org/officeDocument/2006/relationships" xmlns:p="http://schemas.openxmlformats.org/presentationml/2006/main">
+  <p:cSld>
+    <p:spTree>
+      <p:nvGrpSpPr>
+        <p:cNvPr id="1" name="">
+          <a:extLst>
+            <a:ext uri="{FF2B5EF4-FFF2-40B4-BE49-F238E27FC236}">
+              <a16:creationId xmlns:a16="http://schemas.microsoft.com/office/drawing/2014/main" id="{C57D0562-18EB-E676-8D98-DA41306049A4}"/>
+            </a:ext>
+          </a:extLst>
+        </p:cNvPr>
+        <p:cNvGrpSpPr/>
+        <p:nvPr/>
+      </p:nvGrpSpPr>
+      <p:grpSpPr>
+        <a:xfrm>
+          <a:off x="0" y="0"/>
+          <a:ext cx="0" cy="0"/>
+          <a:chOff x="0" y="0"/>
+          <a:chExt cx="0" cy="0"/>
+        </a:xfrm>
+      </p:grpSpPr>
+      <p:sp>
+        <p:nvSpPr>
+          <p:cNvPr id="5" name="Rectangle 4">
+            <a:extLst>
+              <a:ext uri="{FF2B5EF4-FFF2-40B4-BE49-F238E27FC236}">
+                <a16:creationId xmlns:a16="http://schemas.microsoft.com/office/drawing/2014/main" id="{39223F85-D02E-DA2F-CC7A-18737D148127}"/>
+              </a:ext>
+            </a:extLst>
+          </p:cNvPr>
+          <p:cNvSpPr/>
+          <p:nvPr/>
+        </p:nvSpPr>
+        <p:spPr>
+          <a:xfrm>
+            <a:off x="0" y="0"/>
+            <a:ext cx="12192000" cy="1325563"/>
+          </a:xfrm>
+          <a:prstGeom prst="rect">
+            <a:avLst/>
+          </a:prstGeom>
+          <a:solidFill>
+            <a:srgbClr val="EBF4FD"/>
+          </a:solidFill>
+          <a:ln>
+            <a:noFill/>
+          </a:ln>
+        </p:spPr>
+        <p:style>
+          <a:lnRef idx="2">
+            <a:schemeClr val="accent1">
+              <a:shade val="15000"/>
+            </a:schemeClr>
+          </a:lnRef>
+          <a:fillRef idx="1">
+            <a:schemeClr val="accent1"/>
+          </a:fillRef>
+          <a:effectRef idx="0">
+            <a:schemeClr val="accent1"/>
+          </a:effectRef>
+          <a:fontRef idx="minor">
+            <a:schemeClr val="lt1"/>
+          </a:fontRef>
+        </p:style>
+        <p:txBody>
+          <a:bodyPr rtlCol="0" anchor="ctr"/>
+          <a:lstStyle/>
+          <a:p>
+            <a:pPr algn="ctr"/>
+            <a:endParaRPr lang="fr-FR"/>
+          </a:p>
+        </p:txBody>
+      </p:sp>
+      <p:sp>
+        <p:nvSpPr>
+          <p:cNvPr id="2" name="Titre 1">
+            <a:extLst>
+              <a:ext uri="{FF2B5EF4-FFF2-40B4-BE49-F238E27FC236}">
+                <a16:creationId xmlns:a16="http://schemas.microsoft.com/office/drawing/2014/main" id="{9C581D69-C2E8-44AA-FFC4-AAE855B441CD}"/>
+              </a:ext>
+            </a:extLst>
+          </p:cNvPr>
+          <p:cNvSpPr>
+            <a:spLocks noGrp="1"/>
+          </p:cNvSpPr>
+          <p:nvPr>
+            <p:ph type="title"/>
+          </p:nvPr>
+        </p:nvSpPr>
+        <p:spPr>
+          <a:xfrm>
+            <a:off x="516835" y="18255"/>
+            <a:ext cx="11675165" cy="1325563"/>
+          </a:xfrm>
+        </p:spPr>
+        <p:txBody>
+          <a:bodyPr>
+            <a:normAutofit/>
+          </a:bodyPr>
+          <a:lstStyle/>
+          <a:p>
+            <a:r>
+              <a:rPr lang="fr-FR" b="1" dirty="0"/>
+              <a:t>Homework: Deadline 19/09/2025</a:t>
+            </a:r>
+            <a:br>
+              <a:rPr lang="fr-FR" b="1" dirty="0"/>
+            </a:br>
+            <a:r>
+              <a:rPr lang="fr-FR" sz="2400" b="1" dirty="0"/>
+              <a:t>Propose </a:t>
+            </a:r>
+            <a:r>
+              <a:rPr lang="fr-FR" sz="2400" b="1" dirty="0" err="1"/>
+              <a:t>your</a:t>
+            </a:r>
+            <a:r>
+              <a:rPr lang="fr-FR" sz="2400" b="1" dirty="0"/>
+              <a:t> </a:t>
+            </a:r>
+            <a:r>
+              <a:rPr lang="fr-FR" sz="2400" b="1" dirty="0" err="1"/>
+              <a:t>dream</a:t>
+            </a:r>
+            <a:r>
+              <a:rPr lang="fr-FR" sz="2400" b="1" dirty="0"/>
+              <a:t> </a:t>
+            </a:r>
+            <a:r>
+              <a:rPr lang="fr-FR" sz="2400" b="1" dirty="0" err="1"/>
+              <a:t>project</a:t>
+            </a:r>
+            <a:r>
+              <a:rPr lang="fr-FR" sz="2400" b="1" dirty="0"/>
+              <a:t> for end of course</a:t>
+            </a:r>
+            <a:endParaRPr lang="fr-FR" b="1" dirty="0"/>
+          </a:p>
+        </p:txBody>
+      </p:sp>
+      <p:cxnSp>
+        <p:nvCxnSpPr>
+          <p:cNvPr id="14" name="Connecteur droit 13">
+            <a:extLst>
+              <a:ext uri="{FF2B5EF4-FFF2-40B4-BE49-F238E27FC236}">
+                <a16:creationId xmlns:a16="http://schemas.microsoft.com/office/drawing/2014/main" id="{69215384-BDE5-499B-C5EF-BBBF896CF104}"/>
+              </a:ext>
+            </a:extLst>
+          </p:cNvPr>
+          <p:cNvCxnSpPr>
+            <a:cxnSpLocks/>
+          </p:cNvCxnSpPr>
+          <p:nvPr/>
+        </p:nvCxnSpPr>
+        <p:spPr>
+          <a:xfrm>
+            <a:off x="5662177" y="2100470"/>
+            <a:ext cx="0" cy="3704008"/>
+          </a:xfrm>
+          <a:prstGeom prst="line">
+            <a:avLst/>
+          </a:prstGeom>
+        </p:spPr>
+        <p:style>
+          <a:lnRef idx="2">
+            <a:schemeClr val="accent1"/>
+          </a:lnRef>
+          <a:fillRef idx="0">
+            <a:schemeClr val="accent1"/>
+          </a:fillRef>
+          <a:effectRef idx="1">
+            <a:schemeClr val="accent1"/>
+          </a:effectRef>
+          <a:fontRef idx="minor">
+            <a:schemeClr val="tx1"/>
+          </a:fontRef>
+        </p:style>
+      </p:cxnSp>
+      <p:pic>
+        <p:nvPicPr>
+          <p:cNvPr id="16" name="Image 15">
+            <a:extLst>
+              <a:ext uri="{FF2B5EF4-FFF2-40B4-BE49-F238E27FC236}">
+                <a16:creationId xmlns:a16="http://schemas.microsoft.com/office/drawing/2014/main" id="{4B1229DD-99E1-7641-68AE-D935FE2C5FAD}"/>
+              </a:ext>
+            </a:extLst>
+          </p:cNvPr>
+          <p:cNvPicPr>
+            <a:picLocks noChangeAspect="1"/>
+          </p:cNvPicPr>
+          <p:nvPr/>
+        </p:nvPicPr>
+        <p:blipFill>
+          <a:blip r:embed="rId2"/>
+          <a:stretch>
+            <a:fillRect/>
+          </a:stretch>
+        </p:blipFill>
+        <p:spPr>
+          <a:xfrm>
+            <a:off x="516835" y="2007706"/>
+            <a:ext cx="4879381" cy="3704009"/>
+          </a:xfrm>
+          <a:prstGeom prst="rect">
+            <a:avLst/>
+          </a:prstGeom>
+        </p:spPr>
+      </p:pic>
+      <p:pic>
+        <p:nvPicPr>
+          <p:cNvPr id="18" name="Image 17">
+            <a:extLst>
+              <a:ext uri="{FF2B5EF4-FFF2-40B4-BE49-F238E27FC236}">
+                <a16:creationId xmlns:a16="http://schemas.microsoft.com/office/drawing/2014/main" id="{7FBFFCD1-F6EB-5AC4-7BA2-2523DBA122A0}"/>
+              </a:ext>
+            </a:extLst>
+          </p:cNvPr>
+          <p:cNvPicPr>
+            <a:picLocks noChangeAspect="1"/>
+          </p:cNvPicPr>
+          <p:nvPr/>
+        </p:nvPicPr>
+        <p:blipFill>
+          <a:blip r:embed="rId3"/>
+          <a:stretch>
+            <a:fillRect/>
+          </a:stretch>
+        </p:blipFill>
+        <p:spPr>
+          <a:xfrm>
+            <a:off x="6096000" y="2007706"/>
+            <a:ext cx="5327372" cy="3833392"/>
+          </a:xfrm>
+          <a:prstGeom prst="rect">
+            <a:avLst/>
+          </a:prstGeom>
+        </p:spPr>
+      </p:pic>
+    </p:spTree>
+    <p:extLst>
+      <p:ext uri="{BB962C8B-B14F-4D97-AF65-F5344CB8AC3E}">
+        <p14:creationId xmlns:p14="http://schemas.microsoft.com/office/powerpoint/2010/main" val="724486086"/>
       </p:ext>
     </p:extLst>
   </p:cSld>
